--- a/C# Advanced.pptx
+++ b/C# Advanced.pptx
@@ -7,6 +7,10 @@
   <p:sldIdLst>
     <p:sldId id="256" r:id="rId2"/>
     <p:sldId id="257" r:id="rId3"/>
+    <p:sldId id="258" r:id="rId4"/>
+    <p:sldId id="259" r:id="rId5"/>
+    <p:sldId id="260" r:id="rId6"/>
+    <p:sldId id="261" r:id="rId7"/>
   </p:sldIdLst>
   <p:sldSz cx="12192000" cy="6858000"/>
   <p:notesSz cx="6858000" cy="9144000"/>
@@ -105,6 +109,11 @@
       </a:defRPr>
     </a:lvl9pPr>
   </p:defaultTextStyle>
+  <p:extLst>
+    <p:ext uri="{EFAFB233-063F-42B5-8137-9DF3F51BA10A}">
+      <p15:sldGuideLst xmlns:p15="http://schemas.microsoft.com/office/powerpoint/2012/main"/>
+    </p:ext>
+  </p:extLst>
 </p:presentation>
 </file>
 
@@ -754,7 +763,7 @@
           <a:p>
             <a:fld id="{A795E479-C003-4F68-8D57-D7139EEC14A6}" type="datetimeFigureOut">
               <a:rPr lang="bg-BG" smtClean="0"/>
-              <a:t>4.1.2024 г.</a:t>
+              <a:t>6.1.2024 г.</a:t>
             </a:fld>
             <a:endParaRPr lang="bg-BG"/>
           </a:p>
@@ -1874,7 +1883,7 @@
           <a:p>
             <a:fld id="{A795E479-C003-4F68-8D57-D7139EEC14A6}" type="datetimeFigureOut">
               <a:rPr lang="bg-BG" smtClean="0"/>
-              <a:t>4.1.2024 г.</a:t>
+              <a:t>6.1.2024 г.</a:t>
             </a:fld>
             <a:endParaRPr lang="bg-BG"/>
           </a:p>
@@ -2885,7 +2894,7 @@
           <a:p>
             <a:fld id="{A795E479-C003-4F68-8D57-D7139EEC14A6}" type="datetimeFigureOut">
               <a:rPr lang="bg-BG" smtClean="0"/>
-              <a:t>4.1.2024 г.</a:t>
+              <a:t>6.1.2024 г.</a:t>
             </a:fld>
             <a:endParaRPr lang="bg-BG"/>
           </a:p>
@@ -4055,7 +4064,7 @@
           <a:p>
             <a:fld id="{A795E479-C003-4F68-8D57-D7139EEC14A6}" type="datetimeFigureOut">
               <a:rPr lang="bg-BG" smtClean="0"/>
-              <a:t>4.1.2024 г.</a:t>
+              <a:t>6.1.2024 г.</a:t>
             </a:fld>
             <a:endParaRPr lang="bg-BG"/>
           </a:p>
@@ -5116,7 +5125,7 @@
           <a:p>
             <a:fld id="{A795E479-C003-4F68-8D57-D7139EEC14A6}" type="datetimeFigureOut">
               <a:rPr lang="bg-BG" smtClean="0"/>
-              <a:t>4.1.2024 г.</a:t>
+              <a:t>6.1.2024 г.</a:t>
             </a:fld>
             <a:endParaRPr lang="bg-BG"/>
           </a:p>
@@ -5762,7 +5771,7 @@
           <a:p>
             <a:fld id="{A795E479-C003-4F68-8D57-D7139EEC14A6}" type="datetimeFigureOut">
               <a:rPr lang="bg-BG" smtClean="0"/>
-              <a:t>4.1.2024 г.</a:t>
+              <a:t>6.1.2024 г.</a:t>
             </a:fld>
             <a:endParaRPr lang="bg-BG"/>
           </a:p>
@@ -6609,7 +6618,7 @@
           <a:p>
             <a:fld id="{A795E479-C003-4F68-8D57-D7139EEC14A6}" type="datetimeFigureOut">
               <a:rPr lang="bg-BG" smtClean="0"/>
-              <a:t>4.1.2024 г.</a:t>
+              <a:t>6.1.2024 г.</a:t>
             </a:fld>
             <a:endParaRPr lang="bg-BG"/>
           </a:p>
@@ -6784,7 +6793,7 @@
           <a:p>
             <a:fld id="{A795E479-C003-4F68-8D57-D7139EEC14A6}" type="datetimeFigureOut">
               <a:rPr lang="bg-BG" smtClean="0"/>
-              <a:t>4.1.2024 г.</a:t>
+              <a:t>6.1.2024 г.</a:t>
             </a:fld>
             <a:endParaRPr lang="bg-BG"/>
           </a:p>
@@ -7782,7 +7791,7 @@
           <a:p>
             <a:fld id="{A795E479-C003-4F68-8D57-D7139EEC14A6}" type="datetimeFigureOut">
               <a:rPr lang="bg-BG" smtClean="0"/>
-              <a:t>4.1.2024 г.</a:t>
+              <a:t>6.1.2024 г.</a:t>
             </a:fld>
             <a:endParaRPr lang="bg-BG"/>
           </a:p>
@@ -7988,7 +7997,7 @@
           <a:p>
             <a:fld id="{A795E479-C003-4F68-8D57-D7139EEC14A6}" type="datetimeFigureOut">
               <a:rPr lang="bg-BG" smtClean="0"/>
-              <a:t>4.1.2024 г.</a:t>
+              <a:t>6.1.2024 г.</a:t>
             </a:fld>
             <a:endParaRPr lang="bg-BG"/>
           </a:p>
@@ -9050,7 +9059,7 @@
           <a:p>
             <a:fld id="{A795E479-C003-4F68-8D57-D7139EEC14A6}" type="datetimeFigureOut">
               <a:rPr lang="bg-BG" smtClean="0"/>
-              <a:t>4.1.2024 г.</a:t>
+              <a:t>6.1.2024 г.</a:t>
             </a:fld>
             <a:endParaRPr lang="bg-BG"/>
           </a:p>
@@ -9322,7 +9331,7 @@
           <a:p>
             <a:fld id="{A795E479-C003-4F68-8D57-D7139EEC14A6}" type="datetimeFigureOut">
               <a:rPr lang="bg-BG" smtClean="0"/>
-              <a:t>4.1.2024 г.</a:t>
+              <a:t>6.1.2024 г.</a:t>
             </a:fld>
             <a:endParaRPr lang="bg-BG"/>
           </a:p>
@@ -9704,7 +9713,7 @@
           <a:p>
             <a:fld id="{A795E479-C003-4F68-8D57-D7139EEC14A6}" type="datetimeFigureOut">
               <a:rPr lang="bg-BG" smtClean="0"/>
-              <a:t>4.1.2024 г.</a:t>
+              <a:t>6.1.2024 г.</a:t>
             </a:fld>
             <a:endParaRPr lang="bg-BG"/>
           </a:p>
@@ -9822,7 +9831,7 @@
           <a:p>
             <a:fld id="{A795E479-C003-4F68-8D57-D7139EEC14A6}" type="datetimeFigureOut">
               <a:rPr lang="bg-BG" smtClean="0"/>
-              <a:t>4.1.2024 г.</a:t>
+              <a:t>6.1.2024 г.</a:t>
             </a:fld>
             <a:endParaRPr lang="bg-BG"/>
           </a:p>
@@ -9917,7 +9926,7 @@
           <a:p>
             <a:fld id="{A795E479-C003-4F68-8D57-D7139EEC14A6}" type="datetimeFigureOut">
               <a:rPr lang="bg-BG" smtClean="0"/>
-              <a:t>4.1.2024 г.</a:t>
+              <a:t>6.1.2024 г.</a:t>
             </a:fld>
             <a:endParaRPr lang="bg-BG"/>
           </a:p>
@@ -11026,7 +11035,7 @@
           <a:p>
             <a:fld id="{A795E479-C003-4F68-8D57-D7139EEC14A6}" type="datetimeFigureOut">
               <a:rPr lang="bg-BG" smtClean="0"/>
-              <a:t>4.1.2024 г.</a:t>
+              <a:t>6.1.2024 г.</a:t>
             </a:fld>
             <a:endParaRPr lang="bg-BG"/>
           </a:p>
@@ -12159,7 +12168,7 @@
           <a:p>
             <a:fld id="{A795E479-C003-4F68-8D57-D7139EEC14A6}" type="datetimeFigureOut">
               <a:rPr lang="bg-BG" smtClean="0"/>
-              <a:t>4.1.2024 г.</a:t>
+              <a:t>6.1.2024 г.</a:t>
             </a:fld>
             <a:endParaRPr lang="bg-BG"/>
           </a:p>
@@ -13187,7 +13196,7 @@
           <a:p>
             <a:fld id="{A795E479-C003-4F68-8D57-D7139EEC14A6}" type="datetimeFigureOut">
               <a:rPr lang="bg-BG" smtClean="0"/>
-              <a:t>4.1.2024 г.</a:t>
+              <a:t>6.1.2024 г.</a:t>
             </a:fld>
             <a:endParaRPr lang="bg-BG"/>
           </a:p>
@@ -13940,7 +13949,7 @@
         </p:nvSpPr>
         <p:spPr>
           <a:xfrm>
-            <a:off x="1154953" y="973668"/>
+            <a:off x="1509180" y="975888"/>
             <a:ext cx="8761413" cy="706964"/>
           </a:xfrm>
         </p:spPr>
@@ -14133,7 +14142,12 @@
             <p:ph type="title"/>
           </p:nvPr>
         </p:nvSpPr>
-        <p:spPr/>
+        <p:spPr>
+          <a:xfrm>
+            <a:off x="1435039" y="907765"/>
+            <a:ext cx="8761413" cy="706964"/>
+          </a:xfrm>
+        </p:spPr>
         <p:txBody>
           <a:bodyPr/>
           <a:lstStyle/>
@@ -14167,8 +14181,8 @@
         </p:nvSpPr>
         <p:spPr>
           <a:xfrm>
-            <a:off x="1857633" y="2566087"/>
-            <a:ext cx="3746558" cy="3505199"/>
+            <a:off x="1326292" y="2566087"/>
+            <a:ext cx="4277899" cy="4015945"/>
           </a:xfrm>
         </p:spPr>
         <p:txBody>
@@ -14209,7 +14223,7 @@
                 <a:latin typeface="Arial" panose="020B0604020202020204" pitchFamily="34" charset="0"/>
                 <a:cs typeface="Arial" panose="020B0604020202020204" pitchFamily="34" charset="0"/>
               </a:rPr>
-              <a:t>Set (HashSet, </a:t>
+              <a:t>Sets (HashSet, </a:t>
             </a:r>
             <a:r>
               <a:rPr lang="en-US" dirty="0" err="1">
@@ -14228,30 +14242,16 @@
           </a:p>
           <a:p>
             <a:r>
-              <a:rPr lang="en-US" dirty="0">
+              <a:rPr lang="en-US" dirty="0" err="1">
                 <a:latin typeface="Arial" panose="020B0604020202020204" pitchFamily="34" charset="0"/>
                 <a:cs typeface="Arial" panose="020B0604020202020204" pitchFamily="34" charset="0"/>
               </a:rPr>
-              <a:t>LinkedList</a:t>
-            </a:r>
-          </a:p>
-          <a:p>
-            <a:r>
-              <a:rPr lang="en-US" dirty="0">
-                <a:latin typeface="Arial" panose="020B0604020202020204" pitchFamily="34" charset="0"/>
-                <a:cs typeface="Arial" panose="020B0604020202020204" pitchFamily="34" charset="0"/>
-              </a:rPr>
-              <a:t>Tuple</a:t>
-            </a:r>
-          </a:p>
-          <a:p>
-            <a:r>
-              <a:rPr lang="en-US" dirty="0">
-                <a:latin typeface="Arial" panose="020B0604020202020204" pitchFamily="34" charset="0"/>
-                <a:cs typeface="Arial" panose="020B0604020202020204" pitchFamily="34" charset="0"/>
-              </a:rPr>
-              <a:t>Methods (more)</a:t>
-            </a:r>
+              <a:t>LinkedLists</a:t>
+            </a:r>
+            <a:endParaRPr lang="en-US" dirty="0">
+              <a:latin typeface="Arial" panose="020B0604020202020204" pitchFamily="34" charset="0"/>
+              <a:cs typeface="Arial" panose="020B0604020202020204" pitchFamily="34" charset="0"/>
+            </a:endParaRPr>
           </a:p>
           <a:p>
             <a:r>
@@ -14263,6 +14263,91 @@
                 <a:cs typeface="Arial" panose="020B0604020202020204" pitchFamily="34" charset="0"/>
               </a:rPr>
               <a:t>Workshop 1</a:t>
+            </a:r>
+            <a:endParaRPr lang="en-US" dirty="0">
+              <a:latin typeface="Arial" panose="020B0604020202020204" pitchFamily="34" charset="0"/>
+              <a:cs typeface="Arial" panose="020B0604020202020204" pitchFamily="34" charset="0"/>
+            </a:endParaRPr>
+          </a:p>
+          <a:p>
+            <a:r>
+              <a:rPr lang="en-US" dirty="0">
+                <a:latin typeface="Arial" panose="020B0604020202020204" pitchFamily="34" charset="0"/>
+                <a:cs typeface="Arial" panose="020B0604020202020204" pitchFamily="34" charset="0"/>
+              </a:rPr>
+              <a:t>Tuples</a:t>
+            </a:r>
+          </a:p>
+          <a:p>
+            <a:r>
+              <a:rPr lang="en-US" dirty="0">
+                <a:latin typeface="Arial" panose="020B0604020202020204" pitchFamily="34" charset="0"/>
+                <a:cs typeface="Arial" panose="020B0604020202020204" pitchFamily="34" charset="0"/>
+              </a:rPr>
+              <a:t>Methods (more)</a:t>
+            </a:r>
+          </a:p>
+          <a:p>
+            <a:r>
+              <a:rPr lang="en-US" dirty="0">
+                <a:latin typeface="Arial" panose="020B0604020202020204" pitchFamily="34" charset="0"/>
+                <a:cs typeface="Arial" panose="020B0604020202020204" pitchFamily="34" charset="0"/>
+              </a:rPr>
+              <a:t>Call by </a:t>
+            </a:r>
+            <a:r>
+              <a:rPr lang="en-US" b="1" dirty="0">
+                <a:latin typeface="Arial" panose="020B0604020202020204" pitchFamily="34" charset="0"/>
+                <a:cs typeface="Arial" panose="020B0604020202020204" pitchFamily="34" charset="0"/>
+              </a:rPr>
+              <a:t>value</a:t>
+            </a:r>
+            <a:r>
+              <a:rPr lang="en-US" dirty="0">
+                <a:latin typeface="Arial" panose="020B0604020202020204" pitchFamily="34" charset="0"/>
+                <a:cs typeface="Arial" panose="020B0604020202020204" pitchFamily="34" charset="0"/>
+              </a:rPr>
+              <a:t>/</a:t>
+            </a:r>
+            <a:r>
+              <a:rPr lang="en-US" b="1" dirty="0">
+                <a:latin typeface="Arial" panose="020B0604020202020204" pitchFamily="34" charset="0"/>
+                <a:cs typeface="Arial" panose="020B0604020202020204" pitchFamily="34" charset="0"/>
+              </a:rPr>
+              <a:t>ref</a:t>
+            </a:r>
+            <a:r>
+              <a:rPr lang="en-US" dirty="0">
+                <a:latin typeface="Arial" panose="020B0604020202020204" pitchFamily="34" charset="0"/>
+                <a:cs typeface="Arial" panose="020B0604020202020204" pitchFamily="34" charset="0"/>
+              </a:rPr>
+              <a:t> and </a:t>
+            </a:r>
+            <a:r>
+              <a:rPr lang="en-US" b="1" dirty="0">
+                <a:latin typeface="Arial" panose="020B0604020202020204" pitchFamily="34" charset="0"/>
+                <a:cs typeface="Arial" panose="020B0604020202020204" pitchFamily="34" charset="0"/>
+              </a:rPr>
+              <a:t>out</a:t>
+            </a:r>
+            <a:r>
+              <a:rPr lang="en-US" dirty="0">
+                <a:latin typeface="Arial" panose="020B0604020202020204" pitchFamily="34" charset="0"/>
+                <a:cs typeface="Arial" panose="020B0604020202020204" pitchFamily="34" charset="0"/>
+              </a:rPr>
+              <a:t> parameter</a:t>
+            </a:r>
+          </a:p>
+          <a:p>
+            <a:r>
+              <a:rPr lang="en-US" dirty="0">
+                <a:solidFill>
+                  <a:srgbClr val="7030A0"/>
+                </a:solidFill>
+                <a:latin typeface="Arial" panose="020B0604020202020204" pitchFamily="34" charset="0"/>
+                <a:cs typeface="Arial" panose="020B0604020202020204" pitchFamily="34" charset="0"/>
+              </a:rPr>
+              <a:t>Workshop 2</a:t>
             </a:r>
           </a:p>
           <a:p>
@@ -14287,7 +14372,7 @@
         <p:spPr>
           <a:xfrm>
             <a:off x="6587810" y="2566087"/>
-            <a:ext cx="3746558" cy="3505199"/>
+            <a:ext cx="3746558" cy="4015945"/>
           </a:xfrm>
           <a:prstGeom prst="rect">
             <a:avLst/>
@@ -14535,59 +14620,15 @@
           </a:p>
           <a:p>
             <a:r>
-              <a:rPr lang="en-US" dirty="0">
+              <a:rPr lang="en-US" dirty="0" err="1">
+                <a:solidFill>
+                  <a:srgbClr val="7030A0"/>
+                </a:solidFill>
                 <a:latin typeface="Arial" panose="020B0604020202020204" pitchFamily="34" charset="0"/>
                 <a:cs typeface="Arial" panose="020B0604020202020204" pitchFamily="34" charset="0"/>
               </a:rPr>
-              <a:t>Streams, Files and Directories</a:t>
-            </a:r>
-          </a:p>
-          <a:p>
-            <a:r>
-              <a:rPr lang="en-US" dirty="0">
-                <a:latin typeface="Arial" panose="020B0604020202020204" pitchFamily="34" charset="0"/>
-                <a:cs typeface="Arial" panose="020B0604020202020204" pitchFamily="34" charset="0"/>
-              </a:rPr>
-              <a:t>Generics</a:t>
-            </a:r>
-          </a:p>
-          <a:p>
-            <a:r>
-              <a:rPr lang="en-US" dirty="0">
-                <a:latin typeface="Arial" panose="020B0604020202020204" pitchFamily="34" charset="0"/>
-                <a:cs typeface="Arial" panose="020B0604020202020204" pitchFamily="34" charset="0"/>
-              </a:rPr>
-              <a:t>Delegates</a:t>
-            </a:r>
-          </a:p>
-          <a:p>
-            <a:r>
-              <a:rPr lang="en-US" dirty="0">
-                <a:latin typeface="Arial" panose="020B0604020202020204" pitchFamily="34" charset="0"/>
-                <a:cs typeface="Arial" panose="020B0604020202020204" pitchFamily="34" charset="0"/>
-              </a:rPr>
-              <a:t>Events</a:t>
-            </a:r>
-          </a:p>
-          <a:p>
-            <a:r>
-              <a:rPr lang="en-US" dirty="0">
-                <a:latin typeface="Arial" panose="020B0604020202020204" pitchFamily="34" charset="0"/>
-                <a:cs typeface="Arial" panose="020B0604020202020204" pitchFamily="34" charset="0"/>
-              </a:rPr>
-              <a:t>Extension Methods</a:t>
-            </a:r>
-          </a:p>
-          <a:p>
-            <a:r>
-              <a:rPr lang="en-US" dirty="0">
-                <a:latin typeface="Arial" panose="020B0604020202020204" pitchFamily="34" charset="0"/>
-                <a:cs typeface="Arial" panose="020B0604020202020204" pitchFamily="34" charset="0"/>
-              </a:rPr>
-              <a:t>Date and Time </a:t>
-            </a:r>
-          </a:p>
-          <a:p>
+              <a:t>WorkShop</a:t>
+            </a:r>
             <a:r>
               <a:rPr lang="en-US" dirty="0">
                 <a:solidFill>
@@ -14596,7 +14637,73 @@
                 <a:latin typeface="Arial" panose="020B0604020202020204" pitchFamily="34" charset="0"/>
                 <a:cs typeface="Arial" panose="020B0604020202020204" pitchFamily="34" charset="0"/>
               </a:rPr>
-              <a:t>Workshop 2</a:t>
+              <a:t> 3</a:t>
+            </a:r>
+          </a:p>
+          <a:p>
+            <a:r>
+              <a:rPr lang="en-US" dirty="0">
+                <a:latin typeface="Arial" panose="020B0604020202020204" pitchFamily="34" charset="0"/>
+                <a:cs typeface="Arial" panose="020B0604020202020204" pitchFamily="34" charset="0"/>
+              </a:rPr>
+              <a:t>Streams, Files and Directories</a:t>
+            </a:r>
+          </a:p>
+          <a:p>
+            <a:r>
+              <a:rPr lang="en-US" dirty="0">
+                <a:latin typeface="Arial" panose="020B0604020202020204" pitchFamily="34" charset="0"/>
+                <a:cs typeface="Arial" panose="020B0604020202020204" pitchFamily="34" charset="0"/>
+              </a:rPr>
+              <a:t>Generics</a:t>
+            </a:r>
+          </a:p>
+          <a:p>
+            <a:r>
+              <a:rPr lang="en-US" dirty="0">
+                <a:latin typeface="Arial" panose="020B0604020202020204" pitchFamily="34" charset="0"/>
+                <a:cs typeface="Arial" panose="020B0604020202020204" pitchFamily="34" charset="0"/>
+              </a:rPr>
+              <a:t>Delegates</a:t>
+            </a:r>
+          </a:p>
+          <a:p>
+            <a:r>
+              <a:rPr lang="en-US" dirty="0">
+                <a:latin typeface="Arial" panose="020B0604020202020204" pitchFamily="34" charset="0"/>
+                <a:cs typeface="Arial" panose="020B0604020202020204" pitchFamily="34" charset="0"/>
+              </a:rPr>
+              <a:t>Events</a:t>
+            </a:r>
+          </a:p>
+          <a:p>
+            <a:r>
+              <a:rPr lang="en-US" dirty="0">
+                <a:latin typeface="Arial" panose="020B0604020202020204" pitchFamily="34" charset="0"/>
+                <a:cs typeface="Arial" panose="020B0604020202020204" pitchFamily="34" charset="0"/>
+              </a:rPr>
+              <a:t>Extension Methods</a:t>
+            </a:r>
+          </a:p>
+          <a:p>
+            <a:r>
+              <a:rPr lang="en-US" dirty="0">
+                <a:latin typeface="Arial" panose="020B0604020202020204" pitchFamily="34" charset="0"/>
+                <a:cs typeface="Arial" panose="020B0604020202020204" pitchFamily="34" charset="0"/>
+              </a:rPr>
+              <a:t>Date and Time </a:t>
+            </a:r>
+          </a:p>
+          <a:p>
+            <a:r>
+              <a:rPr lang="en-US" dirty="0">
+                <a:solidFill>
+                  <a:srgbClr val="7030A0"/>
+                </a:solidFill>
+                <a:latin typeface="Arial" panose="020B0604020202020204" pitchFamily="34" charset="0"/>
+                <a:cs typeface="Arial" panose="020B0604020202020204" pitchFamily="34" charset="0"/>
+              </a:rPr>
+              <a:t>Workshop 4</a:t>
             </a:r>
           </a:p>
           <a:p>
@@ -14608,6 +14715,1705 @@
     <p:extLst>
       <p:ext uri="{BB962C8B-B14F-4D97-AF65-F5344CB8AC3E}">
         <p14:creationId xmlns:p14="http://schemas.microsoft.com/office/powerpoint/2010/main" val="2112289191"/>
+      </p:ext>
+    </p:extLst>
+  </p:cSld>
+  <p:clrMapOvr>
+    <a:masterClrMapping/>
+  </p:clrMapOvr>
+</p:sld>
+</file>
+
+<file path=ppt/slides/slide3.xml><?xml version="1.0" encoding="utf-8"?>
+<p:sld xmlns:a="http://schemas.openxmlformats.org/drawingml/2006/main" xmlns:r="http://schemas.openxmlformats.org/officeDocument/2006/relationships" xmlns:p="http://schemas.openxmlformats.org/presentationml/2006/main">
+  <p:cSld>
+    <p:spTree>
+      <p:nvGrpSpPr>
+        <p:cNvPr id="1" name=""/>
+        <p:cNvGrpSpPr/>
+        <p:nvPr/>
+      </p:nvGrpSpPr>
+      <p:grpSpPr>
+        <a:xfrm>
+          <a:off x="0" y="0"/>
+          <a:ext cx="0" cy="0"/>
+          <a:chOff x="0" y="0"/>
+          <a:chExt cx="0" cy="0"/>
+        </a:xfrm>
+      </p:grpSpPr>
+      <p:sp>
+        <p:nvSpPr>
+          <p:cNvPr id="2" name="Title 1">
+            <a:extLst>
+              <a:ext uri="{FF2B5EF4-FFF2-40B4-BE49-F238E27FC236}">
+                <a16:creationId xmlns:a16="http://schemas.microsoft.com/office/drawing/2014/main" id="{F2B1C0E1-9897-4170-486D-BCFDD5C9E49B}"/>
+              </a:ext>
+            </a:extLst>
+          </p:cNvPr>
+          <p:cNvSpPr>
+            <a:spLocks noGrp="1"/>
+          </p:cNvSpPr>
+          <p:nvPr>
+            <p:ph type="title"/>
+          </p:nvPr>
+        </p:nvSpPr>
+        <p:spPr/>
+        <p:txBody>
+          <a:bodyPr/>
+          <a:lstStyle/>
+          <a:p>
+            <a:pPr algn="ctr"/>
+            <a:r>
+              <a:rPr lang="en-US" dirty="0">
+                <a:latin typeface="Arial" panose="020B0604020202020204" pitchFamily="34" charset="0"/>
+                <a:cs typeface="Arial" panose="020B0604020202020204" pitchFamily="34" charset="0"/>
+              </a:rPr>
+              <a:t>Stack</a:t>
+            </a:r>
+            <a:endParaRPr lang="bg-BG" dirty="0">
+              <a:latin typeface="Arial" panose="020B0604020202020204" pitchFamily="34" charset="0"/>
+              <a:cs typeface="Arial" panose="020B0604020202020204" pitchFamily="34" charset="0"/>
+            </a:endParaRPr>
+          </a:p>
+        </p:txBody>
+      </p:sp>
+      <p:sp>
+        <p:nvSpPr>
+          <p:cNvPr id="3" name="Content Placeholder 2">
+            <a:extLst>
+              <a:ext uri="{FF2B5EF4-FFF2-40B4-BE49-F238E27FC236}">
+                <a16:creationId xmlns:a16="http://schemas.microsoft.com/office/drawing/2014/main" id="{02F69ED7-4FDE-AB0F-32DE-473372D55B93}"/>
+              </a:ext>
+            </a:extLst>
+          </p:cNvPr>
+          <p:cNvSpPr>
+            <a:spLocks noGrp="1"/>
+          </p:cNvSpPr>
+          <p:nvPr>
+            <p:ph sz="half" idx="1"/>
+          </p:nvPr>
+        </p:nvSpPr>
+        <p:spPr>
+          <a:xfrm>
+            <a:off x="850415" y="2819960"/>
+            <a:ext cx="4817217" cy="3383132"/>
+          </a:xfrm>
+        </p:spPr>
+        <p:txBody>
+          <a:bodyPr>
+            <a:normAutofit/>
+          </a:bodyPr>
+          <a:lstStyle/>
+          <a:p>
+            <a:r>
+              <a:rPr lang="en-US" dirty="0">
+                <a:latin typeface="Arial" panose="020B0604020202020204" pitchFamily="34" charset="0"/>
+                <a:cs typeface="Arial" panose="020B0604020202020204" pitchFamily="34" charset="0"/>
+              </a:rPr>
+              <a:t>Stack-</a:t>
+            </a:r>
+            <a:r>
+              <a:rPr lang="bg-BG" dirty="0" err="1">
+                <a:latin typeface="Arial" panose="020B0604020202020204" pitchFamily="34" charset="0"/>
+                <a:cs typeface="Arial" panose="020B0604020202020204" pitchFamily="34" charset="0"/>
+              </a:rPr>
+              <a:t>ът</a:t>
+            </a:r>
+            <a:r>
+              <a:rPr lang="bg-BG" dirty="0">
+                <a:latin typeface="Arial" panose="020B0604020202020204" pitchFamily="34" charset="0"/>
+                <a:cs typeface="Arial" panose="020B0604020202020204" pitchFamily="34" charset="0"/>
+              </a:rPr>
+              <a:t> е линейна структура от данни, която следва принципа </a:t>
+            </a:r>
+            <a:r>
+              <a:rPr lang="en-US" b="1" dirty="0">
+                <a:latin typeface="Arial" panose="020B0604020202020204" pitchFamily="34" charset="0"/>
+                <a:cs typeface="Arial" panose="020B0604020202020204" pitchFamily="34" charset="0"/>
+              </a:rPr>
+              <a:t>LIFO</a:t>
+            </a:r>
+            <a:r>
+              <a:rPr lang="en-US" dirty="0">
+                <a:latin typeface="Arial" panose="020B0604020202020204" pitchFamily="34" charset="0"/>
+                <a:cs typeface="Arial" panose="020B0604020202020204" pitchFamily="34" charset="0"/>
+              </a:rPr>
+              <a:t> (</a:t>
+            </a:r>
+            <a:r>
+              <a:rPr lang="en-US" b="1" dirty="0">
+                <a:latin typeface="Arial" panose="020B0604020202020204" pitchFamily="34" charset="0"/>
+                <a:cs typeface="Arial" panose="020B0604020202020204" pitchFamily="34" charset="0"/>
+              </a:rPr>
+              <a:t>Last In First Out</a:t>
+            </a:r>
+            <a:r>
+              <a:rPr lang="en-US" dirty="0">
+                <a:latin typeface="Arial" panose="020B0604020202020204" pitchFamily="34" charset="0"/>
+                <a:cs typeface="Arial" panose="020B0604020202020204" pitchFamily="34" charset="0"/>
+              </a:rPr>
+              <a:t>). </a:t>
+            </a:r>
+            <a:r>
+              <a:rPr lang="bg-BG" dirty="0">
+                <a:latin typeface="Arial" panose="020B0604020202020204" pitchFamily="34" charset="0"/>
+                <a:cs typeface="Arial" panose="020B0604020202020204" pitchFamily="34" charset="0"/>
+              </a:rPr>
+              <a:t>Това означава, че последният елемент в </a:t>
+            </a:r>
+            <a:r>
+              <a:rPr lang="en-US" dirty="0">
+                <a:latin typeface="Arial" panose="020B0604020202020204" pitchFamily="34" charset="0"/>
+                <a:cs typeface="Arial" panose="020B0604020202020204" pitchFamily="34" charset="0"/>
+              </a:rPr>
+              <a:t>stack</a:t>
+            </a:r>
+            <a:r>
+              <a:rPr lang="bg-BG" dirty="0">
+                <a:latin typeface="Arial" panose="020B0604020202020204" pitchFamily="34" charset="0"/>
+                <a:cs typeface="Arial" panose="020B0604020202020204" pitchFamily="34" charset="0"/>
+              </a:rPr>
+              <a:t>-а бива премахван първи.</a:t>
+            </a:r>
+            <a:endParaRPr lang="en-US" dirty="0">
+              <a:latin typeface="Arial" panose="020B0604020202020204" pitchFamily="34" charset="0"/>
+              <a:cs typeface="Arial" panose="020B0604020202020204" pitchFamily="34" charset="0"/>
+            </a:endParaRPr>
+          </a:p>
+          <a:p>
+            <a:endParaRPr lang="en-US" dirty="0">
+              <a:latin typeface="Arial" panose="020B0604020202020204" pitchFamily="34" charset="0"/>
+              <a:cs typeface="Arial" panose="020B0604020202020204" pitchFamily="34" charset="0"/>
+            </a:endParaRPr>
+          </a:p>
+          <a:p>
+            <a:r>
+              <a:rPr lang="bg-BG" dirty="0">
+                <a:latin typeface="Arial" panose="020B0604020202020204" pitchFamily="34" charset="0"/>
+                <a:cs typeface="Arial" panose="020B0604020202020204" pitchFamily="34" charset="0"/>
+              </a:rPr>
+              <a:t>Важно е да се знае, че може да се работи само с единия край на </a:t>
+            </a:r>
+            <a:r>
+              <a:rPr lang="en-US" dirty="0">
+                <a:latin typeface="Arial" panose="020B0604020202020204" pitchFamily="34" charset="0"/>
+                <a:cs typeface="Arial" panose="020B0604020202020204" pitchFamily="34" charset="0"/>
+              </a:rPr>
+              <a:t>stack-</a:t>
+            </a:r>
+            <a:r>
+              <a:rPr lang="bg-BG" dirty="0">
+                <a:latin typeface="Arial" panose="020B0604020202020204" pitchFamily="34" charset="0"/>
+                <a:cs typeface="Arial" panose="020B0604020202020204" pitchFamily="34" charset="0"/>
+              </a:rPr>
+              <a:t>а. През него добавяме и през него трием елемент, когато се налага.</a:t>
+            </a:r>
+            <a:r>
+              <a:rPr lang="en-US" dirty="0">
+                <a:latin typeface="Arial" panose="020B0604020202020204" pitchFamily="34" charset="0"/>
+                <a:cs typeface="Arial" panose="020B0604020202020204" pitchFamily="34" charset="0"/>
+              </a:rPr>
+              <a:t> </a:t>
+            </a:r>
+            <a:r>
+              <a:rPr lang="bg-BG" dirty="0">
+                <a:latin typeface="Arial" panose="020B0604020202020204" pitchFamily="34" charset="0"/>
+                <a:cs typeface="Arial" panose="020B0604020202020204" pitchFamily="34" charset="0"/>
+              </a:rPr>
+              <a:t>Този край се нарича </a:t>
+            </a:r>
+            <a:r>
+              <a:rPr lang="en-US" b="1" dirty="0">
+                <a:latin typeface="Arial" panose="020B0604020202020204" pitchFamily="34" charset="0"/>
+                <a:cs typeface="Arial" panose="020B0604020202020204" pitchFamily="34" charset="0"/>
+              </a:rPr>
+              <a:t>top</a:t>
+            </a:r>
+            <a:r>
+              <a:rPr lang="en-US" dirty="0">
+                <a:latin typeface="Arial" panose="020B0604020202020204" pitchFamily="34" charset="0"/>
+                <a:cs typeface="Arial" panose="020B0604020202020204" pitchFamily="34" charset="0"/>
+              </a:rPr>
+              <a:t>.</a:t>
+            </a:r>
+            <a:endParaRPr lang="bg-BG" dirty="0">
+              <a:latin typeface="Arial" panose="020B0604020202020204" pitchFamily="34" charset="0"/>
+              <a:cs typeface="Arial" panose="020B0604020202020204" pitchFamily="34" charset="0"/>
+            </a:endParaRPr>
+          </a:p>
+        </p:txBody>
+      </p:sp>
+      <p:pic>
+        <p:nvPicPr>
+          <p:cNvPr id="11" name="Picture 10" descr="A stack of blue plates&#10;&#10;Description automatically generated">
+            <a:extLst>
+              <a:ext uri="{FF2B5EF4-FFF2-40B4-BE49-F238E27FC236}">
+                <a16:creationId xmlns:a16="http://schemas.microsoft.com/office/drawing/2014/main" id="{88E64E7F-B2AF-D55D-CD4F-8C7DE316482A}"/>
+              </a:ext>
+            </a:extLst>
+          </p:cNvPr>
+          <p:cNvPicPr>
+            <a:picLocks noChangeAspect="1"/>
+          </p:cNvPicPr>
+          <p:nvPr/>
+        </p:nvPicPr>
+        <p:blipFill>
+          <a:blip r:embed="rId2">
+            <a:extLst>
+              <a:ext uri="{28A0092B-C50C-407E-A947-70E740481C1C}">
+                <a14:useLocalDpi xmlns:a14="http://schemas.microsoft.com/office/drawing/2010/main" val="0"/>
+              </a:ext>
+            </a:extLst>
+          </a:blip>
+          <a:stretch>
+            <a:fillRect/>
+          </a:stretch>
+        </p:blipFill>
+        <p:spPr>
+          <a:xfrm>
+            <a:off x="6649337" y="2401231"/>
+            <a:ext cx="4900112" cy="4083427"/>
+          </a:xfrm>
+          <a:prstGeom prst="rect">
+            <a:avLst/>
+          </a:prstGeom>
+        </p:spPr>
+      </p:pic>
+    </p:spTree>
+    <p:extLst>
+      <p:ext uri="{BB962C8B-B14F-4D97-AF65-F5344CB8AC3E}">
+        <p14:creationId xmlns:p14="http://schemas.microsoft.com/office/powerpoint/2010/main" val="2067838668"/>
+      </p:ext>
+    </p:extLst>
+  </p:cSld>
+  <p:clrMapOvr>
+    <a:masterClrMapping/>
+  </p:clrMapOvr>
+</p:sld>
+</file>
+
+<file path=ppt/slides/slide4.xml><?xml version="1.0" encoding="utf-8"?>
+<p:sld xmlns:a="http://schemas.openxmlformats.org/drawingml/2006/main" xmlns:r="http://schemas.openxmlformats.org/officeDocument/2006/relationships" xmlns:p="http://schemas.openxmlformats.org/presentationml/2006/main">
+  <p:cSld>
+    <p:spTree>
+      <p:nvGrpSpPr>
+        <p:cNvPr id="1" name=""/>
+        <p:cNvGrpSpPr/>
+        <p:nvPr/>
+      </p:nvGrpSpPr>
+      <p:grpSpPr>
+        <a:xfrm>
+          <a:off x="0" y="0"/>
+          <a:ext cx="0" cy="0"/>
+          <a:chOff x="0" y="0"/>
+          <a:chExt cx="0" cy="0"/>
+        </a:xfrm>
+      </p:grpSpPr>
+      <p:sp>
+        <p:nvSpPr>
+          <p:cNvPr id="2" name="Title 1">
+            <a:extLst>
+              <a:ext uri="{FF2B5EF4-FFF2-40B4-BE49-F238E27FC236}">
+                <a16:creationId xmlns:a16="http://schemas.microsoft.com/office/drawing/2014/main" id="{EB6EAEEF-87A9-F988-5B38-5876195D5BC7}"/>
+              </a:ext>
+            </a:extLst>
+          </p:cNvPr>
+          <p:cNvSpPr>
+            <a:spLocks noGrp="1"/>
+          </p:cNvSpPr>
+          <p:nvPr>
+            <p:ph type="title"/>
+          </p:nvPr>
+        </p:nvSpPr>
+        <p:spPr/>
+        <p:txBody>
+          <a:bodyPr/>
+          <a:lstStyle/>
+          <a:p>
+            <a:pPr algn="ctr"/>
+            <a:r>
+              <a:rPr lang="en-US" dirty="0">
+                <a:latin typeface="Arial" panose="020B0604020202020204" pitchFamily="34" charset="0"/>
+                <a:cs typeface="Arial" panose="020B0604020202020204" pitchFamily="34" charset="0"/>
+              </a:rPr>
+              <a:t>Stack </a:t>
+            </a:r>
+            <a:r>
+              <a:rPr lang="bg-BG" dirty="0">
+                <a:latin typeface="Arial" panose="020B0604020202020204" pitchFamily="34" charset="0"/>
+                <a:cs typeface="Arial" panose="020B0604020202020204" pitchFamily="34" charset="0"/>
+              </a:rPr>
+              <a:t>като </a:t>
+            </a:r>
+            <a:r>
+              <a:rPr lang="en-US" dirty="0">
+                <a:latin typeface="Arial" panose="020B0604020202020204" pitchFamily="34" charset="0"/>
+                <a:cs typeface="Arial" panose="020B0604020202020204" pitchFamily="34" charset="0"/>
+              </a:rPr>
+              <a:t>ADT- </a:t>
+            </a:r>
+            <a:r>
+              <a:rPr lang="bg-BG" dirty="0">
+                <a:latin typeface="Arial" panose="020B0604020202020204" pitchFamily="34" charset="0"/>
+                <a:cs typeface="Arial" panose="020B0604020202020204" pitchFamily="34" charset="0"/>
+              </a:rPr>
+              <a:t>характеристики</a:t>
+            </a:r>
+          </a:p>
+        </p:txBody>
+      </p:sp>
+      <p:sp>
+        <p:nvSpPr>
+          <p:cNvPr id="3" name="Content Placeholder 2">
+            <a:extLst>
+              <a:ext uri="{FF2B5EF4-FFF2-40B4-BE49-F238E27FC236}">
+                <a16:creationId xmlns:a16="http://schemas.microsoft.com/office/drawing/2014/main" id="{4116CC97-291D-2EC1-E3CD-A3549D78E7DB}"/>
+              </a:ext>
+            </a:extLst>
+          </p:cNvPr>
+          <p:cNvSpPr>
+            <a:spLocks noGrp="1"/>
+          </p:cNvSpPr>
+          <p:nvPr>
+            <p:ph sz="half" idx="1"/>
+          </p:nvPr>
+        </p:nvSpPr>
+        <p:spPr/>
+        <p:txBody>
+          <a:bodyPr/>
+          <a:lstStyle/>
+          <a:p>
+            <a:r>
+              <a:rPr lang="bg-BG" dirty="0">
+                <a:latin typeface="Arial" panose="020B0604020202020204" pitchFamily="34" charset="0"/>
+                <a:cs typeface="Arial" panose="020B0604020202020204" pitchFamily="34" charset="0"/>
+              </a:rPr>
+              <a:t>Поставянето на елемент в </a:t>
+            </a:r>
+            <a:r>
+              <a:rPr lang="en-US" dirty="0">
+                <a:latin typeface="Arial" panose="020B0604020202020204" pitchFamily="34" charset="0"/>
+                <a:cs typeface="Arial" panose="020B0604020202020204" pitchFamily="34" charset="0"/>
+              </a:rPr>
+              <a:t>stack</a:t>
+            </a:r>
+            <a:r>
+              <a:rPr lang="bg-BG" dirty="0">
+                <a:latin typeface="Arial" panose="020B0604020202020204" pitchFamily="34" charset="0"/>
+                <a:cs typeface="Arial" panose="020B0604020202020204" pitchFamily="34" charset="0"/>
+              </a:rPr>
+              <a:t>-а се нарича </a:t>
+            </a:r>
+            <a:r>
+              <a:rPr lang="en-US" b="1" dirty="0">
+                <a:latin typeface="Arial" panose="020B0604020202020204" pitchFamily="34" charset="0"/>
+                <a:cs typeface="Arial" panose="020B0604020202020204" pitchFamily="34" charset="0"/>
+              </a:rPr>
+              <a:t>push</a:t>
+            </a:r>
+            <a:r>
+              <a:rPr lang="en-US" dirty="0">
+                <a:latin typeface="Arial" panose="020B0604020202020204" pitchFamily="34" charset="0"/>
+                <a:cs typeface="Arial" panose="020B0604020202020204" pitchFamily="34" charset="0"/>
+              </a:rPr>
+              <a:t>, </a:t>
+            </a:r>
+            <a:r>
+              <a:rPr lang="bg-BG" dirty="0">
+                <a:latin typeface="Arial" panose="020B0604020202020204" pitchFamily="34" charset="0"/>
+                <a:cs typeface="Arial" panose="020B0604020202020204" pitchFamily="34" charset="0"/>
+              </a:rPr>
+              <a:t>а премахването на елемент от </a:t>
+            </a:r>
+            <a:r>
+              <a:rPr lang="en-US" dirty="0">
+                <a:latin typeface="Arial" panose="020B0604020202020204" pitchFamily="34" charset="0"/>
+                <a:cs typeface="Arial" panose="020B0604020202020204" pitchFamily="34" charset="0"/>
+              </a:rPr>
+              <a:t>stack-</a:t>
+            </a:r>
+            <a:r>
+              <a:rPr lang="bg-BG" dirty="0">
+                <a:latin typeface="Arial" panose="020B0604020202020204" pitchFamily="34" charset="0"/>
+                <a:cs typeface="Arial" panose="020B0604020202020204" pitchFamily="34" charset="0"/>
+              </a:rPr>
+              <a:t>а се нарича </a:t>
+            </a:r>
+            <a:r>
+              <a:rPr lang="en-US" b="1" dirty="0">
+                <a:latin typeface="Arial" panose="020B0604020202020204" pitchFamily="34" charset="0"/>
+                <a:cs typeface="Arial" panose="020B0604020202020204" pitchFamily="34" charset="0"/>
+              </a:rPr>
+              <a:t>pop</a:t>
+            </a:r>
+            <a:r>
+              <a:rPr lang="en-US" dirty="0">
+                <a:latin typeface="Arial" panose="020B0604020202020204" pitchFamily="34" charset="0"/>
+                <a:cs typeface="Arial" panose="020B0604020202020204" pitchFamily="34" charset="0"/>
+              </a:rPr>
+              <a:t>.</a:t>
+            </a:r>
+          </a:p>
+          <a:p>
+            <a:endParaRPr lang="en-US" dirty="0">
+              <a:latin typeface="Arial" panose="020B0604020202020204" pitchFamily="34" charset="0"/>
+              <a:cs typeface="Arial" panose="020B0604020202020204" pitchFamily="34" charset="0"/>
+            </a:endParaRPr>
+          </a:p>
+          <a:p>
+            <a:r>
+              <a:rPr lang="en-US" dirty="0">
+                <a:latin typeface="Arial" panose="020B0604020202020204" pitchFamily="34" charset="0"/>
+                <a:cs typeface="Arial" panose="020B0604020202020204" pitchFamily="34" charset="0"/>
+              </a:rPr>
+              <a:t>Stack-</a:t>
+            </a:r>
+            <a:r>
+              <a:rPr lang="bg-BG" dirty="0">
+                <a:latin typeface="Arial" panose="020B0604020202020204" pitchFamily="34" charset="0"/>
+                <a:cs typeface="Arial" panose="020B0604020202020204" pitchFamily="34" charset="0"/>
+              </a:rPr>
+              <a:t>а предоставя също възможност за вземане на </a:t>
+            </a:r>
+            <a:r>
+              <a:rPr lang="en-US" b="1" dirty="0">
+                <a:latin typeface="Arial" panose="020B0604020202020204" pitchFamily="34" charset="0"/>
+                <a:cs typeface="Arial" panose="020B0604020202020204" pitchFamily="34" charset="0"/>
+              </a:rPr>
+              <a:t>top</a:t>
+            </a:r>
+            <a:r>
+              <a:rPr lang="en-US" dirty="0">
+                <a:latin typeface="Arial" panose="020B0604020202020204" pitchFamily="34" charset="0"/>
+                <a:cs typeface="Arial" panose="020B0604020202020204" pitchFamily="34" charset="0"/>
+              </a:rPr>
+              <a:t> </a:t>
+            </a:r>
+            <a:r>
+              <a:rPr lang="bg-BG" dirty="0">
+                <a:latin typeface="Arial" panose="020B0604020202020204" pitchFamily="34" charset="0"/>
+                <a:cs typeface="Arial" panose="020B0604020202020204" pitchFamily="34" charset="0"/>
+              </a:rPr>
+              <a:t>елемента (т.е. последният влязъл) без да го премахва чрез </a:t>
+            </a:r>
+            <a:r>
+              <a:rPr lang="en-US" b="1" dirty="0">
+                <a:latin typeface="Arial" panose="020B0604020202020204" pitchFamily="34" charset="0"/>
+                <a:cs typeface="Arial" panose="020B0604020202020204" pitchFamily="34" charset="0"/>
+              </a:rPr>
+              <a:t>peek</a:t>
+            </a:r>
+            <a:r>
+              <a:rPr lang="bg-BG" dirty="0">
+                <a:latin typeface="Arial" panose="020B0604020202020204" pitchFamily="34" charset="0"/>
+                <a:cs typeface="Arial" panose="020B0604020202020204" pitchFamily="34" charset="0"/>
+              </a:rPr>
+              <a:t>. </a:t>
+            </a:r>
+            <a:endParaRPr lang="en-US" dirty="0">
+              <a:latin typeface="Arial" panose="020B0604020202020204" pitchFamily="34" charset="0"/>
+              <a:cs typeface="Arial" panose="020B0604020202020204" pitchFamily="34" charset="0"/>
+            </a:endParaRPr>
+          </a:p>
+          <a:p>
+            <a:endParaRPr lang="en-US" dirty="0">
+              <a:latin typeface="Arial" panose="020B0604020202020204" pitchFamily="34" charset="0"/>
+              <a:cs typeface="Arial" panose="020B0604020202020204" pitchFamily="34" charset="0"/>
+            </a:endParaRPr>
+          </a:p>
+          <a:p>
+            <a:r>
+              <a:rPr lang="en-US" b="1" dirty="0">
+                <a:latin typeface="Arial" panose="020B0604020202020204" pitchFamily="34" charset="0"/>
+                <a:cs typeface="Arial" panose="020B0604020202020204" pitchFamily="34" charset="0"/>
+              </a:rPr>
+              <a:t>ADT</a:t>
+            </a:r>
+            <a:r>
+              <a:rPr lang="en-US" dirty="0">
+                <a:latin typeface="Arial" panose="020B0604020202020204" pitchFamily="34" charset="0"/>
+                <a:cs typeface="Arial" panose="020B0604020202020204" pitchFamily="34" charset="0"/>
+              </a:rPr>
+              <a:t> - </a:t>
+            </a:r>
+            <a:r>
+              <a:rPr lang="en-US" b="1" dirty="0">
+                <a:latin typeface="Arial" panose="020B0604020202020204" pitchFamily="34" charset="0"/>
+                <a:cs typeface="Arial" panose="020B0604020202020204" pitchFamily="34" charset="0"/>
+              </a:rPr>
+              <a:t>Abstract Data Type *</a:t>
+            </a:r>
+            <a:endParaRPr lang="bg-BG" b="1" dirty="0">
+              <a:latin typeface="Arial" panose="020B0604020202020204" pitchFamily="34" charset="0"/>
+              <a:cs typeface="Arial" panose="020B0604020202020204" pitchFamily="34" charset="0"/>
+            </a:endParaRPr>
+          </a:p>
+        </p:txBody>
+      </p:sp>
+      <p:pic>
+        <p:nvPicPr>
+          <p:cNvPr id="10" name="Content Placeholder 9" descr="A diagram of a diagram&#10;&#10;Description automatically generated with medium confidence">
+            <a:extLst>
+              <a:ext uri="{FF2B5EF4-FFF2-40B4-BE49-F238E27FC236}">
+                <a16:creationId xmlns:a16="http://schemas.microsoft.com/office/drawing/2014/main" id="{D319A78A-0DB7-17D6-FB01-B7A0993268C3}"/>
+              </a:ext>
+            </a:extLst>
+          </p:cNvPr>
+          <p:cNvPicPr>
+            <a:picLocks noGrp="1" noChangeAspect="1"/>
+          </p:cNvPicPr>
+          <p:nvPr>
+            <p:ph sz="half" idx="2"/>
+          </p:nvPr>
+        </p:nvPicPr>
+        <p:blipFill>
+          <a:blip r:embed="rId2">
+            <a:extLst>
+              <a:ext uri="{28A0092B-C50C-407E-A947-70E740481C1C}">
+                <a14:useLocalDpi xmlns:a14="http://schemas.microsoft.com/office/drawing/2010/main" val="0"/>
+              </a:ext>
+            </a:extLst>
+          </a:blip>
+          <a:stretch>
+            <a:fillRect/>
+          </a:stretch>
+        </p:blipFill>
+        <p:spPr>
+          <a:xfrm>
+            <a:off x="6438535" y="3223793"/>
+            <a:ext cx="5333335" cy="3228950"/>
+          </a:xfrm>
+        </p:spPr>
+      </p:pic>
+      <p:sp>
+        <p:nvSpPr>
+          <p:cNvPr id="11" name="TextBox 10">
+            <a:extLst>
+              <a:ext uri="{FF2B5EF4-FFF2-40B4-BE49-F238E27FC236}">
+                <a16:creationId xmlns:a16="http://schemas.microsoft.com/office/drawing/2014/main" id="{893E7992-3FBD-0B9D-70F0-36D0DDF08923}"/>
+              </a:ext>
+            </a:extLst>
+          </p:cNvPr>
+          <p:cNvSpPr txBox="1"/>
+          <p:nvPr/>
+        </p:nvSpPr>
+        <p:spPr>
+          <a:xfrm>
+            <a:off x="7142204" y="2521465"/>
+            <a:ext cx="3517557" cy="461665"/>
+          </a:xfrm>
+          <a:prstGeom prst="rect">
+            <a:avLst/>
+          </a:prstGeom>
+          <a:noFill/>
+        </p:spPr>
+        <p:txBody>
+          <a:bodyPr wrap="square" rtlCol="0">
+            <a:spAutoFit/>
+          </a:bodyPr>
+          <a:lstStyle/>
+          <a:p>
+            <a:r>
+              <a:rPr lang="en-US" sz="2400" dirty="0">
+                <a:latin typeface="Arial" panose="020B0604020202020204" pitchFamily="34" charset="0"/>
+                <a:cs typeface="Arial" panose="020B0604020202020204" pitchFamily="34" charset="0"/>
+              </a:rPr>
+              <a:t>LIFO (Last In First Out)</a:t>
+            </a:r>
+            <a:endParaRPr lang="bg-BG" sz="2400" dirty="0">
+              <a:latin typeface="Arial" panose="020B0604020202020204" pitchFamily="34" charset="0"/>
+              <a:cs typeface="Arial" panose="020B0604020202020204" pitchFamily="34" charset="0"/>
+            </a:endParaRPr>
+          </a:p>
+        </p:txBody>
+      </p:sp>
+    </p:spTree>
+    <p:extLst>
+      <p:ext uri="{BB962C8B-B14F-4D97-AF65-F5344CB8AC3E}">
+        <p14:creationId xmlns:p14="http://schemas.microsoft.com/office/powerpoint/2010/main" val="837698332"/>
+      </p:ext>
+    </p:extLst>
+  </p:cSld>
+  <p:clrMapOvr>
+    <a:masterClrMapping/>
+  </p:clrMapOvr>
+</p:sld>
+</file>
+
+<file path=ppt/slides/slide5.xml><?xml version="1.0" encoding="utf-8"?>
+<p:sld xmlns:a="http://schemas.openxmlformats.org/drawingml/2006/main" xmlns:r="http://schemas.openxmlformats.org/officeDocument/2006/relationships" xmlns:p="http://schemas.openxmlformats.org/presentationml/2006/main">
+  <p:cSld>
+    <p:spTree>
+      <p:nvGrpSpPr>
+        <p:cNvPr id="1" name=""/>
+        <p:cNvGrpSpPr/>
+        <p:nvPr/>
+      </p:nvGrpSpPr>
+      <p:grpSpPr>
+        <a:xfrm>
+          <a:off x="0" y="0"/>
+          <a:ext cx="0" cy="0"/>
+          <a:chOff x="0" y="0"/>
+          <a:chExt cx="0" cy="0"/>
+        </a:xfrm>
+      </p:grpSpPr>
+      <p:sp>
+        <p:nvSpPr>
+          <p:cNvPr id="2" name="Title 1">
+            <a:extLst>
+              <a:ext uri="{FF2B5EF4-FFF2-40B4-BE49-F238E27FC236}">
+                <a16:creationId xmlns:a16="http://schemas.microsoft.com/office/drawing/2014/main" id="{DCB1EF3B-99C7-B05F-BAFB-3341AC7734AE}"/>
+              </a:ext>
+            </a:extLst>
+          </p:cNvPr>
+          <p:cNvSpPr>
+            <a:spLocks noGrp="1"/>
+          </p:cNvSpPr>
+          <p:nvPr>
+            <p:ph type="title"/>
+          </p:nvPr>
+        </p:nvSpPr>
+        <p:spPr/>
+        <p:txBody>
+          <a:bodyPr/>
+          <a:lstStyle/>
+          <a:p>
+            <a:pPr algn="ctr"/>
+            <a:r>
+              <a:rPr lang="en-US" dirty="0">
+                <a:latin typeface="Arial" panose="020B0604020202020204" pitchFamily="34" charset="0"/>
+                <a:cs typeface="Arial" panose="020B0604020202020204" pitchFamily="34" charset="0"/>
+              </a:rPr>
+              <a:t>Abstract Data Type</a:t>
+            </a:r>
+            <a:endParaRPr lang="bg-BG" dirty="0">
+              <a:latin typeface="Arial" panose="020B0604020202020204" pitchFamily="34" charset="0"/>
+              <a:cs typeface="Arial" panose="020B0604020202020204" pitchFamily="34" charset="0"/>
+            </a:endParaRPr>
+          </a:p>
+        </p:txBody>
+      </p:sp>
+      <p:sp>
+        <p:nvSpPr>
+          <p:cNvPr id="3" name="Content Placeholder 2">
+            <a:extLst>
+              <a:ext uri="{FF2B5EF4-FFF2-40B4-BE49-F238E27FC236}">
+                <a16:creationId xmlns:a16="http://schemas.microsoft.com/office/drawing/2014/main" id="{C170B307-DD2F-2B0C-C09C-E03CE7C4D41C}"/>
+              </a:ext>
+            </a:extLst>
+          </p:cNvPr>
+          <p:cNvSpPr>
+            <a:spLocks noGrp="1"/>
+          </p:cNvSpPr>
+          <p:nvPr>
+            <p:ph idx="1"/>
+          </p:nvPr>
+        </p:nvSpPr>
+        <p:spPr>
+          <a:xfrm>
+            <a:off x="1154955" y="2603500"/>
+            <a:ext cx="8761412" cy="3879678"/>
+          </a:xfrm>
+        </p:spPr>
+        <p:txBody>
+          <a:bodyPr>
+            <a:normAutofit lnSpcReduction="10000"/>
+          </a:bodyPr>
+          <a:lstStyle/>
+          <a:p>
+            <a:r>
+              <a:rPr lang="bg-BG" sz="1800" dirty="0">
+                <a:solidFill>
+                  <a:schemeClr val="tx1"/>
+                </a:solidFill>
+                <a:latin typeface="Arial" panose="020B0604020202020204" pitchFamily="34" charset="0"/>
+                <a:cs typeface="Arial" panose="020B0604020202020204" pitchFamily="34" charset="0"/>
+              </a:rPr>
+              <a:t>Най-общо казано абстрактният тип данни</a:t>
+            </a:r>
+            <a:r>
+              <a:rPr lang="en-US" sz="1800" dirty="0">
+                <a:solidFill>
+                  <a:schemeClr val="tx1"/>
+                </a:solidFill>
+                <a:latin typeface="Arial" panose="020B0604020202020204" pitchFamily="34" charset="0"/>
+                <a:cs typeface="Arial" panose="020B0604020202020204" pitchFamily="34" charset="0"/>
+              </a:rPr>
+              <a:t> </a:t>
+            </a:r>
+            <a:r>
+              <a:rPr lang="bg-BG" sz="1800" dirty="0">
+                <a:solidFill>
+                  <a:schemeClr val="tx1"/>
+                </a:solidFill>
+                <a:latin typeface="Arial" panose="020B0604020202020204" pitchFamily="34" charset="0"/>
+                <a:cs typeface="Arial" panose="020B0604020202020204" pitchFamily="34" charset="0"/>
+              </a:rPr>
+              <a:t>(АДТ) ни дава абстракция върху определена структура от данни, т.е. определя операциите и свойствата, които ще има структурата, без да се интересува от самата имплементация. Това позволява един абстрактен тип данни да има различни имплементации.</a:t>
+            </a:r>
+            <a:endParaRPr lang="en-US" dirty="0">
+              <a:solidFill>
+                <a:schemeClr val="tx1"/>
+              </a:solidFill>
+              <a:latin typeface="Arial" panose="020B0604020202020204" pitchFamily="34" charset="0"/>
+              <a:cs typeface="Arial" panose="020B0604020202020204" pitchFamily="34" charset="0"/>
+            </a:endParaRPr>
+          </a:p>
+          <a:p>
+            <a:r>
+              <a:rPr lang="bg-BG" dirty="0">
+                <a:solidFill>
+                  <a:schemeClr val="tx1"/>
+                </a:solidFill>
+                <a:latin typeface="Arial" panose="020B0604020202020204" pitchFamily="34" charset="0"/>
+                <a:cs typeface="Arial" panose="020B0604020202020204" pitchFamily="34" charset="0"/>
+              </a:rPr>
+              <a:t>Абстрактни операции и свойства на </a:t>
+            </a:r>
+            <a:r>
+              <a:rPr lang="en-US" dirty="0">
+                <a:solidFill>
+                  <a:schemeClr val="tx1"/>
+                </a:solidFill>
+                <a:latin typeface="Arial" panose="020B0604020202020204" pitchFamily="34" charset="0"/>
+                <a:cs typeface="Arial" panose="020B0604020202020204" pitchFamily="34" charset="0"/>
+              </a:rPr>
+              <a:t>stack-</a:t>
+            </a:r>
+            <a:r>
+              <a:rPr lang="bg-BG" dirty="0">
+                <a:solidFill>
+                  <a:schemeClr val="tx1"/>
+                </a:solidFill>
+                <a:latin typeface="Arial" panose="020B0604020202020204" pitchFamily="34" charset="0"/>
+                <a:cs typeface="Arial" panose="020B0604020202020204" pitchFamily="34" charset="0"/>
+              </a:rPr>
+              <a:t>а:</a:t>
+            </a:r>
+          </a:p>
+          <a:p>
+            <a:pPr lvl="1"/>
+            <a:r>
+              <a:rPr lang="en-US" sz="1700" dirty="0">
+                <a:solidFill>
+                  <a:srgbClr val="C00000"/>
+                </a:solidFill>
+                <a:latin typeface="Arial" panose="020B0604020202020204" pitchFamily="34" charset="0"/>
+                <a:cs typeface="Arial" panose="020B0604020202020204" pitchFamily="34" charset="0"/>
+              </a:rPr>
+              <a:t>Pop</a:t>
+            </a:r>
+            <a:r>
+              <a:rPr lang="en-US" sz="1700" dirty="0">
+                <a:solidFill>
+                  <a:schemeClr val="tx1"/>
+                </a:solidFill>
+                <a:latin typeface="Arial" panose="020B0604020202020204" pitchFamily="34" charset="0"/>
+                <a:cs typeface="Arial" panose="020B0604020202020204" pitchFamily="34" charset="0"/>
+              </a:rPr>
+              <a:t> (</a:t>
+            </a:r>
+            <a:r>
+              <a:rPr lang="bg-BG" sz="1700" dirty="0">
+                <a:solidFill>
+                  <a:schemeClr val="tx1"/>
+                </a:solidFill>
+                <a:latin typeface="Arial" panose="020B0604020202020204" pitchFamily="34" charset="0"/>
+                <a:cs typeface="Arial" panose="020B0604020202020204" pitchFamily="34" charset="0"/>
+              </a:rPr>
+              <a:t>изтриване/</a:t>
+            </a:r>
+            <a:r>
+              <a:rPr lang="en-US" sz="1700" dirty="0">
+                <a:solidFill>
+                  <a:schemeClr val="tx1"/>
+                </a:solidFill>
+                <a:latin typeface="Arial" panose="020B0604020202020204" pitchFamily="34" charset="0"/>
+                <a:cs typeface="Arial" panose="020B0604020202020204" pitchFamily="34" charset="0"/>
+              </a:rPr>
+              <a:t>removing)</a:t>
+            </a:r>
+            <a:r>
+              <a:rPr lang="bg-BG" sz="1700" dirty="0">
+                <a:solidFill>
+                  <a:schemeClr val="tx1"/>
+                </a:solidFill>
+                <a:latin typeface="Arial" panose="020B0604020202020204" pitchFamily="34" charset="0"/>
+                <a:cs typeface="Arial" panose="020B0604020202020204" pitchFamily="34" charset="0"/>
+              </a:rPr>
+              <a:t> на елемент</a:t>
+            </a:r>
+            <a:endParaRPr lang="en-US" sz="1700" dirty="0">
+              <a:solidFill>
+                <a:schemeClr val="tx1"/>
+              </a:solidFill>
+              <a:latin typeface="Arial" panose="020B0604020202020204" pitchFamily="34" charset="0"/>
+              <a:cs typeface="Arial" panose="020B0604020202020204" pitchFamily="34" charset="0"/>
+            </a:endParaRPr>
+          </a:p>
+          <a:p>
+            <a:pPr lvl="1"/>
+            <a:r>
+              <a:rPr lang="en-US" sz="1700" dirty="0">
+                <a:solidFill>
+                  <a:srgbClr val="C00000"/>
+                </a:solidFill>
+                <a:latin typeface="Arial" panose="020B0604020202020204" pitchFamily="34" charset="0"/>
+                <a:cs typeface="Arial" panose="020B0604020202020204" pitchFamily="34" charset="0"/>
+              </a:rPr>
+              <a:t>Push</a:t>
+            </a:r>
+            <a:r>
+              <a:rPr lang="en-US" sz="1700" dirty="0">
+                <a:solidFill>
+                  <a:schemeClr val="tx1"/>
+                </a:solidFill>
+                <a:latin typeface="Arial" panose="020B0604020202020204" pitchFamily="34" charset="0"/>
+                <a:cs typeface="Arial" panose="020B0604020202020204" pitchFamily="34" charset="0"/>
+              </a:rPr>
+              <a:t> (</a:t>
+            </a:r>
+            <a:r>
+              <a:rPr lang="bg-BG" sz="1700" dirty="0">
+                <a:solidFill>
+                  <a:schemeClr val="tx1"/>
+                </a:solidFill>
+                <a:latin typeface="Arial" panose="020B0604020202020204" pitchFamily="34" charset="0"/>
+                <a:cs typeface="Arial" panose="020B0604020202020204" pitchFamily="34" charset="0"/>
+              </a:rPr>
+              <a:t>вмъкване/</a:t>
+            </a:r>
+            <a:r>
+              <a:rPr lang="en-US" sz="1700" dirty="0">
+                <a:solidFill>
+                  <a:schemeClr val="tx1"/>
+                </a:solidFill>
+                <a:latin typeface="Arial" panose="020B0604020202020204" pitchFamily="34" charset="0"/>
+                <a:cs typeface="Arial" panose="020B0604020202020204" pitchFamily="34" charset="0"/>
+              </a:rPr>
+              <a:t>insertion)</a:t>
+            </a:r>
+            <a:r>
+              <a:rPr lang="bg-BG" sz="1700" dirty="0">
+                <a:solidFill>
+                  <a:schemeClr val="tx1"/>
+                </a:solidFill>
+                <a:latin typeface="Arial" panose="020B0604020202020204" pitchFamily="34" charset="0"/>
+                <a:cs typeface="Arial" panose="020B0604020202020204" pitchFamily="34" charset="0"/>
+              </a:rPr>
+              <a:t> на елемент</a:t>
+            </a:r>
+            <a:endParaRPr lang="en-US" sz="1700" dirty="0">
+              <a:solidFill>
+                <a:schemeClr val="tx1"/>
+              </a:solidFill>
+              <a:latin typeface="Arial" panose="020B0604020202020204" pitchFamily="34" charset="0"/>
+              <a:cs typeface="Arial" panose="020B0604020202020204" pitchFamily="34" charset="0"/>
+            </a:endParaRPr>
+          </a:p>
+          <a:p>
+            <a:pPr lvl="1"/>
+            <a:r>
+              <a:rPr lang="en-US" sz="1700" dirty="0">
+                <a:solidFill>
+                  <a:srgbClr val="C00000"/>
+                </a:solidFill>
+                <a:latin typeface="Arial" panose="020B0604020202020204" pitchFamily="34" charset="0"/>
+                <a:cs typeface="Arial" panose="020B0604020202020204" pitchFamily="34" charset="0"/>
+              </a:rPr>
+              <a:t>Peek</a:t>
+            </a:r>
+            <a:r>
+              <a:rPr lang="bg-BG" sz="1700" dirty="0">
+                <a:solidFill>
+                  <a:schemeClr val="tx1"/>
+                </a:solidFill>
+                <a:latin typeface="Arial" panose="020B0604020202020204" pitchFamily="34" charset="0"/>
+                <a:cs typeface="Arial" panose="020B0604020202020204" pitchFamily="34" charset="0"/>
+              </a:rPr>
+              <a:t> (извличане/</a:t>
+            </a:r>
+            <a:r>
+              <a:rPr lang="en-US" sz="1700" dirty="0">
+                <a:solidFill>
+                  <a:schemeClr val="tx1"/>
+                </a:solidFill>
+                <a:latin typeface="Arial" panose="020B0604020202020204" pitchFamily="34" charset="0"/>
+                <a:cs typeface="Arial" panose="020B0604020202020204" pitchFamily="34" charset="0"/>
+              </a:rPr>
+              <a:t>retrieving</a:t>
+            </a:r>
+            <a:r>
+              <a:rPr lang="bg-BG" sz="1700" dirty="0">
+                <a:solidFill>
+                  <a:schemeClr val="tx1"/>
+                </a:solidFill>
+                <a:latin typeface="Arial" panose="020B0604020202020204" pitchFamily="34" charset="0"/>
+                <a:cs typeface="Arial" panose="020B0604020202020204" pitchFamily="34" charset="0"/>
+              </a:rPr>
+              <a:t>)</a:t>
+            </a:r>
+            <a:r>
+              <a:rPr lang="en-US" sz="1700" dirty="0">
+                <a:solidFill>
+                  <a:schemeClr val="tx1"/>
+                </a:solidFill>
+                <a:latin typeface="Arial" panose="020B0604020202020204" pitchFamily="34" charset="0"/>
+                <a:cs typeface="Arial" panose="020B0604020202020204" pitchFamily="34" charset="0"/>
+              </a:rPr>
+              <a:t> </a:t>
+            </a:r>
+            <a:r>
+              <a:rPr lang="bg-BG" sz="1700" dirty="0">
+                <a:solidFill>
+                  <a:schemeClr val="tx1"/>
+                </a:solidFill>
+                <a:latin typeface="Arial" panose="020B0604020202020204" pitchFamily="34" charset="0"/>
+                <a:cs typeface="Arial" panose="020B0604020202020204" pitchFamily="34" charset="0"/>
+              </a:rPr>
+              <a:t>на последния влязъл елемент</a:t>
+            </a:r>
+            <a:endParaRPr lang="en-US" sz="1700" dirty="0">
+              <a:solidFill>
+                <a:schemeClr val="tx1"/>
+              </a:solidFill>
+              <a:latin typeface="Arial" panose="020B0604020202020204" pitchFamily="34" charset="0"/>
+              <a:cs typeface="Arial" panose="020B0604020202020204" pitchFamily="34" charset="0"/>
+            </a:endParaRPr>
+          </a:p>
+          <a:p>
+            <a:pPr lvl="1"/>
+            <a:r>
+              <a:rPr lang="en-US" sz="1700" dirty="0" err="1">
+                <a:solidFill>
+                  <a:srgbClr val="C00000"/>
+                </a:solidFill>
+                <a:latin typeface="Arial" panose="020B0604020202020204" pitchFamily="34" charset="0"/>
+                <a:cs typeface="Arial" panose="020B0604020202020204" pitchFamily="34" charset="0"/>
+              </a:rPr>
+              <a:t>IsFull</a:t>
+            </a:r>
+            <a:r>
+              <a:rPr lang="en-US" sz="1700" dirty="0">
+                <a:solidFill>
+                  <a:schemeClr val="tx1"/>
+                </a:solidFill>
+                <a:latin typeface="Arial" panose="020B0604020202020204" pitchFamily="34" charset="0"/>
+                <a:cs typeface="Arial" panose="020B0604020202020204" pitchFamily="34" charset="0"/>
+              </a:rPr>
+              <a:t> (</a:t>
+            </a:r>
+            <a:r>
+              <a:rPr lang="bg-BG" sz="1700" dirty="0">
+                <a:solidFill>
+                  <a:schemeClr val="tx1"/>
+                </a:solidFill>
+                <a:latin typeface="Arial" panose="020B0604020202020204" pitchFamily="34" charset="0"/>
+                <a:cs typeface="Arial" panose="020B0604020202020204" pitchFamily="34" charset="0"/>
+              </a:rPr>
+              <a:t>проверка дали </a:t>
+            </a:r>
+            <a:r>
+              <a:rPr lang="en-US" sz="1700" dirty="0">
+                <a:solidFill>
+                  <a:schemeClr val="tx1"/>
+                </a:solidFill>
+                <a:latin typeface="Arial" panose="020B0604020202020204" pitchFamily="34" charset="0"/>
+                <a:cs typeface="Arial" panose="020B0604020202020204" pitchFamily="34" charset="0"/>
+              </a:rPr>
+              <a:t>stack-</a:t>
+            </a:r>
+            <a:r>
+              <a:rPr lang="bg-BG" sz="1700" dirty="0">
+                <a:solidFill>
+                  <a:schemeClr val="tx1"/>
+                </a:solidFill>
+                <a:latin typeface="Arial" panose="020B0604020202020204" pitchFamily="34" charset="0"/>
+                <a:cs typeface="Arial" panose="020B0604020202020204" pitchFamily="34" charset="0"/>
+              </a:rPr>
+              <a:t>а е пълен</a:t>
+            </a:r>
+            <a:r>
+              <a:rPr lang="en-US" sz="1700" dirty="0">
+                <a:solidFill>
+                  <a:schemeClr val="tx1"/>
+                </a:solidFill>
+                <a:latin typeface="Arial" panose="020B0604020202020204" pitchFamily="34" charset="0"/>
+                <a:cs typeface="Arial" panose="020B0604020202020204" pitchFamily="34" charset="0"/>
+              </a:rPr>
+              <a:t>)</a:t>
+            </a:r>
+          </a:p>
+          <a:p>
+            <a:pPr lvl="1"/>
+            <a:r>
+              <a:rPr lang="en-US" sz="1700" dirty="0" err="1">
+                <a:solidFill>
+                  <a:srgbClr val="C00000"/>
+                </a:solidFill>
+                <a:latin typeface="Arial" panose="020B0604020202020204" pitchFamily="34" charset="0"/>
+                <a:cs typeface="Arial" panose="020B0604020202020204" pitchFamily="34" charset="0"/>
+              </a:rPr>
+              <a:t>IsEmpty</a:t>
+            </a:r>
+            <a:r>
+              <a:rPr lang="bg-BG" sz="1700" dirty="0">
+                <a:solidFill>
+                  <a:srgbClr val="C00000"/>
+                </a:solidFill>
+                <a:latin typeface="Arial" panose="020B0604020202020204" pitchFamily="34" charset="0"/>
+                <a:cs typeface="Arial" panose="020B0604020202020204" pitchFamily="34" charset="0"/>
+              </a:rPr>
+              <a:t> </a:t>
+            </a:r>
+            <a:r>
+              <a:rPr lang="bg-BG" sz="1700" dirty="0">
+                <a:solidFill>
+                  <a:schemeClr val="tx1"/>
+                </a:solidFill>
+                <a:latin typeface="Arial" panose="020B0604020202020204" pitchFamily="34" charset="0"/>
+                <a:cs typeface="Arial" panose="020B0604020202020204" pitchFamily="34" charset="0"/>
+              </a:rPr>
+              <a:t>(проверка дали </a:t>
+            </a:r>
+            <a:r>
+              <a:rPr lang="en-US" sz="1700" dirty="0">
+                <a:solidFill>
+                  <a:schemeClr val="tx1"/>
+                </a:solidFill>
+                <a:latin typeface="Arial" panose="020B0604020202020204" pitchFamily="34" charset="0"/>
+                <a:cs typeface="Arial" panose="020B0604020202020204" pitchFamily="34" charset="0"/>
+              </a:rPr>
+              <a:t>stack-</a:t>
+            </a:r>
+            <a:r>
+              <a:rPr lang="bg-BG" sz="1700" dirty="0">
+                <a:solidFill>
+                  <a:schemeClr val="tx1"/>
+                </a:solidFill>
+                <a:latin typeface="Arial" panose="020B0604020202020204" pitchFamily="34" charset="0"/>
+                <a:cs typeface="Arial" panose="020B0604020202020204" pitchFamily="34" charset="0"/>
+              </a:rPr>
+              <a:t>а е празен)</a:t>
+            </a:r>
+            <a:endParaRPr lang="en-US" sz="1700" dirty="0">
+              <a:solidFill>
+                <a:schemeClr val="tx1"/>
+              </a:solidFill>
+              <a:latin typeface="Arial" panose="020B0604020202020204" pitchFamily="34" charset="0"/>
+              <a:cs typeface="Arial" panose="020B0604020202020204" pitchFamily="34" charset="0"/>
+            </a:endParaRPr>
+          </a:p>
+          <a:p>
+            <a:pPr lvl="1"/>
+            <a:r>
+              <a:rPr lang="en-US" sz="1700" dirty="0">
+                <a:solidFill>
+                  <a:srgbClr val="C00000"/>
+                </a:solidFill>
+                <a:latin typeface="Arial" panose="020B0604020202020204" pitchFamily="34" charset="0"/>
+                <a:cs typeface="Arial" panose="020B0604020202020204" pitchFamily="34" charset="0"/>
+              </a:rPr>
+              <a:t>Count</a:t>
+            </a:r>
+            <a:r>
+              <a:rPr lang="en-US" sz="1700" dirty="0">
+                <a:solidFill>
+                  <a:schemeClr val="tx1"/>
+                </a:solidFill>
+                <a:latin typeface="Arial" panose="020B0604020202020204" pitchFamily="34" charset="0"/>
+                <a:cs typeface="Arial" panose="020B0604020202020204" pitchFamily="34" charset="0"/>
+              </a:rPr>
+              <a:t> </a:t>
+            </a:r>
+            <a:r>
+              <a:rPr lang="bg-BG" sz="1700" dirty="0">
+                <a:solidFill>
+                  <a:schemeClr val="tx1"/>
+                </a:solidFill>
+                <a:latin typeface="Arial" panose="020B0604020202020204" pitchFamily="34" charset="0"/>
+                <a:cs typeface="Arial" panose="020B0604020202020204" pitchFamily="34" charset="0"/>
+              </a:rPr>
+              <a:t> (вземане на броя на елементите на </a:t>
+            </a:r>
+            <a:r>
+              <a:rPr lang="en-US" sz="1700" dirty="0">
+                <a:solidFill>
+                  <a:schemeClr val="tx1"/>
+                </a:solidFill>
+                <a:latin typeface="Arial" panose="020B0604020202020204" pitchFamily="34" charset="0"/>
+                <a:cs typeface="Arial" panose="020B0604020202020204" pitchFamily="34" charset="0"/>
+              </a:rPr>
+              <a:t>stack-</a:t>
+            </a:r>
+            <a:r>
+              <a:rPr lang="bg-BG" sz="1700" dirty="0">
+                <a:solidFill>
+                  <a:schemeClr val="tx1"/>
+                </a:solidFill>
+                <a:latin typeface="Arial" panose="020B0604020202020204" pitchFamily="34" charset="0"/>
+                <a:cs typeface="Arial" panose="020B0604020202020204" pitchFamily="34" charset="0"/>
+              </a:rPr>
+              <a:t>а)</a:t>
+            </a:r>
+          </a:p>
+          <a:p>
+            <a:endParaRPr lang="bg-BG" dirty="0"/>
+          </a:p>
+        </p:txBody>
+      </p:sp>
+    </p:spTree>
+    <p:extLst>
+      <p:ext uri="{BB962C8B-B14F-4D97-AF65-F5344CB8AC3E}">
+        <p14:creationId xmlns:p14="http://schemas.microsoft.com/office/powerpoint/2010/main" val="990945111"/>
+      </p:ext>
+    </p:extLst>
+  </p:cSld>
+  <p:clrMapOvr>
+    <a:masterClrMapping/>
+  </p:clrMapOvr>
+</p:sld>
+</file>
+
+<file path=ppt/slides/slide6.xml><?xml version="1.0" encoding="utf-8"?>
+<p:sld xmlns:a="http://schemas.openxmlformats.org/drawingml/2006/main" xmlns:r="http://schemas.openxmlformats.org/officeDocument/2006/relationships" xmlns:p="http://schemas.openxmlformats.org/presentationml/2006/main">
+  <p:cSld>
+    <p:spTree>
+      <p:nvGrpSpPr>
+        <p:cNvPr id="1" name=""/>
+        <p:cNvGrpSpPr/>
+        <p:nvPr/>
+      </p:nvGrpSpPr>
+      <p:grpSpPr>
+        <a:xfrm>
+          <a:off x="0" y="0"/>
+          <a:ext cx="0" cy="0"/>
+          <a:chOff x="0" y="0"/>
+          <a:chExt cx="0" cy="0"/>
+        </a:xfrm>
+      </p:grpSpPr>
+      <p:sp>
+        <p:nvSpPr>
+          <p:cNvPr id="2" name="Title 1">
+            <a:extLst>
+              <a:ext uri="{FF2B5EF4-FFF2-40B4-BE49-F238E27FC236}">
+                <a16:creationId xmlns:a16="http://schemas.microsoft.com/office/drawing/2014/main" id="{273F3EFF-FBDE-9BA6-FC9A-B6CAC1050120}"/>
+              </a:ext>
+            </a:extLst>
+          </p:cNvPr>
+          <p:cNvSpPr>
+            <a:spLocks noGrp="1"/>
+          </p:cNvSpPr>
+          <p:nvPr>
+            <p:ph type="title"/>
+          </p:nvPr>
+        </p:nvSpPr>
+        <p:spPr/>
+        <p:txBody>
+          <a:bodyPr/>
+          <a:lstStyle/>
+          <a:p>
+            <a:pPr algn="ctr"/>
+            <a:r>
+              <a:rPr lang="en-US" dirty="0">
+                <a:latin typeface="Arial" panose="020B0604020202020204" pitchFamily="34" charset="0"/>
+                <a:cs typeface="Arial" panose="020B0604020202020204" pitchFamily="34" charset="0"/>
+              </a:rPr>
+              <a:t>C# Stack</a:t>
+            </a:r>
+            <a:endParaRPr lang="bg-BG" dirty="0">
+              <a:latin typeface="Arial" panose="020B0604020202020204" pitchFamily="34" charset="0"/>
+              <a:cs typeface="Arial" panose="020B0604020202020204" pitchFamily="34" charset="0"/>
+            </a:endParaRPr>
+          </a:p>
+        </p:txBody>
+      </p:sp>
+      <p:sp>
+        <p:nvSpPr>
+          <p:cNvPr id="3" name="Content Placeholder 2">
+            <a:extLst>
+              <a:ext uri="{FF2B5EF4-FFF2-40B4-BE49-F238E27FC236}">
+                <a16:creationId xmlns:a16="http://schemas.microsoft.com/office/drawing/2014/main" id="{FF114EB6-013A-D08D-0480-54FD11C51FF8}"/>
+              </a:ext>
+            </a:extLst>
+          </p:cNvPr>
+          <p:cNvSpPr>
+            <a:spLocks noGrp="1"/>
+          </p:cNvSpPr>
+          <p:nvPr>
+            <p:ph idx="1"/>
+          </p:nvPr>
+        </p:nvSpPr>
+        <p:spPr>
+          <a:xfrm>
+            <a:off x="1154955" y="2603499"/>
+            <a:ext cx="6605088" cy="3830251"/>
+          </a:xfrm>
+        </p:spPr>
+        <p:txBody>
+          <a:bodyPr>
+            <a:normAutofit lnSpcReduction="10000"/>
+          </a:bodyPr>
+          <a:lstStyle/>
+          <a:p>
+            <a:r>
+              <a:rPr lang="en-US" dirty="0">
+                <a:solidFill>
+                  <a:schemeClr val="accent4">
+                    <a:lumMod val="50000"/>
+                  </a:schemeClr>
+                </a:solidFill>
+                <a:latin typeface="Arial" panose="020B0604020202020204" pitchFamily="34" charset="0"/>
+                <a:cs typeface="Arial" panose="020B0604020202020204" pitchFamily="34" charset="0"/>
+              </a:rPr>
+              <a:t>Push</a:t>
+            </a:r>
+            <a:r>
+              <a:rPr lang="bg-BG" dirty="0">
+                <a:solidFill>
+                  <a:schemeClr val="accent4">
+                    <a:lumMod val="50000"/>
+                  </a:schemeClr>
+                </a:solidFill>
+                <a:latin typeface="Arial" panose="020B0604020202020204" pitchFamily="34" charset="0"/>
+                <a:cs typeface="Arial" panose="020B0604020202020204" pitchFamily="34" charset="0"/>
+              </a:rPr>
+              <a:t>	</a:t>
+            </a:r>
+            <a:r>
+              <a:rPr lang="bg-BG" dirty="0">
+                <a:solidFill>
+                  <a:schemeClr val="tx1"/>
+                </a:solidFill>
+                <a:latin typeface="Arial" panose="020B0604020202020204" pitchFamily="34" charset="0"/>
+                <a:cs typeface="Arial" panose="020B0604020202020204" pitchFamily="34" charset="0"/>
+              </a:rPr>
+              <a:t>- добавя елемент в </a:t>
+            </a:r>
+            <a:r>
+              <a:rPr lang="en-US" dirty="0">
+                <a:solidFill>
+                  <a:schemeClr val="tx1"/>
+                </a:solidFill>
+                <a:latin typeface="Arial" panose="020B0604020202020204" pitchFamily="34" charset="0"/>
+                <a:cs typeface="Arial" panose="020B0604020202020204" pitchFamily="34" charset="0"/>
+              </a:rPr>
+              <a:t>stack</a:t>
+            </a:r>
+            <a:r>
+              <a:rPr lang="bg-BG" dirty="0">
+                <a:solidFill>
+                  <a:schemeClr val="tx1"/>
+                </a:solidFill>
+                <a:latin typeface="Arial" panose="020B0604020202020204" pitchFamily="34" charset="0"/>
+                <a:cs typeface="Arial" panose="020B0604020202020204" pitchFamily="34" charset="0"/>
+              </a:rPr>
+              <a:t>-а</a:t>
+            </a:r>
+            <a:endParaRPr lang="en-US" dirty="0">
+              <a:solidFill>
+                <a:schemeClr val="tx1"/>
+              </a:solidFill>
+              <a:latin typeface="Arial" panose="020B0604020202020204" pitchFamily="34" charset="0"/>
+              <a:cs typeface="Arial" panose="020B0604020202020204" pitchFamily="34" charset="0"/>
+            </a:endParaRPr>
+          </a:p>
+          <a:p>
+            <a:r>
+              <a:rPr lang="en-US" dirty="0">
+                <a:solidFill>
+                  <a:schemeClr val="accent4">
+                    <a:lumMod val="50000"/>
+                  </a:schemeClr>
+                </a:solidFill>
+                <a:latin typeface="Arial" panose="020B0604020202020204" pitchFamily="34" charset="0"/>
+                <a:cs typeface="Arial" panose="020B0604020202020204" pitchFamily="34" charset="0"/>
+              </a:rPr>
+              <a:t>Pop</a:t>
+            </a:r>
+            <a:r>
+              <a:rPr lang="bg-BG" dirty="0">
+                <a:solidFill>
+                  <a:schemeClr val="accent4">
+                    <a:lumMod val="50000"/>
+                  </a:schemeClr>
+                </a:solidFill>
+                <a:latin typeface="Arial" panose="020B0604020202020204" pitchFamily="34" charset="0"/>
+                <a:cs typeface="Arial" panose="020B0604020202020204" pitchFamily="34" charset="0"/>
+              </a:rPr>
+              <a:t> </a:t>
+            </a:r>
+            <a:r>
+              <a:rPr lang="bg-BG" dirty="0">
+                <a:solidFill>
+                  <a:schemeClr val="tx1"/>
+                </a:solidFill>
+                <a:latin typeface="Arial" panose="020B0604020202020204" pitchFamily="34" charset="0"/>
+                <a:cs typeface="Arial" panose="020B0604020202020204" pitchFamily="34" charset="0"/>
+              </a:rPr>
+              <a:t>- изтрива последният влязъл елемент в </a:t>
+            </a:r>
+            <a:r>
+              <a:rPr lang="en-US" dirty="0">
+                <a:solidFill>
+                  <a:schemeClr val="tx1"/>
+                </a:solidFill>
+                <a:latin typeface="Arial" panose="020B0604020202020204" pitchFamily="34" charset="0"/>
+                <a:cs typeface="Arial" panose="020B0604020202020204" pitchFamily="34" charset="0"/>
+              </a:rPr>
+              <a:t>stack-</a:t>
+            </a:r>
+            <a:r>
+              <a:rPr lang="bg-BG" dirty="0">
+                <a:solidFill>
+                  <a:schemeClr val="tx1"/>
+                </a:solidFill>
+                <a:latin typeface="Arial" panose="020B0604020202020204" pitchFamily="34" charset="0"/>
+                <a:cs typeface="Arial" panose="020B0604020202020204" pitchFamily="34" charset="0"/>
+              </a:rPr>
+              <a:t>а </a:t>
+            </a:r>
+            <a:endParaRPr lang="en-US" dirty="0">
+              <a:solidFill>
+                <a:schemeClr val="tx1"/>
+              </a:solidFill>
+              <a:latin typeface="Arial" panose="020B0604020202020204" pitchFamily="34" charset="0"/>
+              <a:cs typeface="Arial" panose="020B0604020202020204" pitchFamily="34" charset="0"/>
+            </a:endParaRPr>
+          </a:p>
+          <a:p>
+            <a:r>
+              <a:rPr lang="en-US" dirty="0">
+                <a:solidFill>
+                  <a:schemeClr val="accent4">
+                    <a:lumMod val="50000"/>
+                  </a:schemeClr>
+                </a:solidFill>
+                <a:latin typeface="Arial" panose="020B0604020202020204" pitchFamily="34" charset="0"/>
+                <a:cs typeface="Arial" panose="020B0604020202020204" pitchFamily="34" charset="0"/>
+              </a:rPr>
+              <a:t>Peek</a:t>
+            </a:r>
+            <a:r>
+              <a:rPr lang="bg-BG" dirty="0">
+                <a:solidFill>
+                  <a:schemeClr val="accent4">
+                    <a:lumMod val="50000"/>
+                  </a:schemeClr>
+                </a:solidFill>
+                <a:latin typeface="Arial" panose="020B0604020202020204" pitchFamily="34" charset="0"/>
+                <a:cs typeface="Arial" panose="020B0604020202020204" pitchFamily="34" charset="0"/>
+              </a:rPr>
+              <a:t> </a:t>
+            </a:r>
+            <a:r>
+              <a:rPr lang="bg-BG" dirty="0">
+                <a:solidFill>
+                  <a:schemeClr val="tx1"/>
+                </a:solidFill>
+                <a:latin typeface="Arial" panose="020B0604020202020204" pitchFamily="34" charset="0"/>
+                <a:cs typeface="Arial" panose="020B0604020202020204" pitchFamily="34" charset="0"/>
+              </a:rPr>
+              <a:t>- връща последния влязъл елемент в </a:t>
+            </a:r>
+            <a:r>
+              <a:rPr lang="en-US" dirty="0">
+                <a:solidFill>
+                  <a:schemeClr val="tx1"/>
+                </a:solidFill>
+                <a:latin typeface="Arial" panose="020B0604020202020204" pitchFamily="34" charset="0"/>
+                <a:cs typeface="Arial" panose="020B0604020202020204" pitchFamily="34" charset="0"/>
+              </a:rPr>
+              <a:t>stack-</a:t>
+            </a:r>
+            <a:r>
+              <a:rPr lang="bg-BG" dirty="0">
+                <a:solidFill>
+                  <a:schemeClr val="tx1"/>
+                </a:solidFill>
+                <a:latin typeface="Arial" panose="020B0604020202020204" pitchFamily="34" charset="0"/>
+                <a:cs typeface="Arial" panose="020B0604020202020204" pitchFamily="34" charset="0"/>
+              </a:rPr>
+              <a:t>а</a:t>
+            </a:r>
+            <a:endParaRPr lang="en-US" dirty="0">
+              <a:solidFill>
+                <a:schemeClr val="tx1"/>
+              </a:solidFill>
+              <a:latin typeface="Arial" panose="020B0604020202020204" pitchFamily="34" charset="0"/>
+              <a:cs typeface="Arial" panose="020B0604020202020204" pitchFamily="34" charset="0"/>
+            </a:endParaRPr>
+          </a:p>
+          <a:p>
+            <a:r>
+              <a:rPr lang="en-US" dirty="0">
+                <a:solidFill>
+                  <a:schemeClr val="accent4">
+                    <a:lumMod val="50000"/>
+                  </a:schemeClr>
+                </a:solidFill>
+                <a:latin typeface="Arial" panose="020B0604020202020204" pitchFamily="34" charset="0"/>
+                <a:cs typeface="Arial" panose="020B0604020202020204" pitchFamily="34" charset="0"/>
+              </a:rPr>
+              <a:t>Contains</a:t>
+            </a:r>
+            <a:r>
+              <a:rPr lang="bg-BG" dirty="0">
+                <a:solidFill>
+                  <a:schemeClr val="accent4">
+                    <a:lumMod val="50000"/>
+                  </a:schemeClr>
+                </a:solidFill>
+                <a:latin typeface="Arial" panose="020B0604020202020204" pitchFamily="34" charset="0"/>
+                <a:cs typeface="Arial" panose="020B0604020202020204" pitchFamily="34" charset="0"/>
+              </a:rPr>
+              <a:t>	</a:t>
+            </a:r>
+            <a:r>
+              <a:rPr lang="bg-BG" dirty="0">
+                <a:solidFill>
+                  <a:schemeClr val="tx1"/>
+                </a:solidFill>
+                <a:latin typeface="Arial" panose="020B0604020202020204" pitchFamily="34" charset="0"/>
+                <a:cs typeface="Arial" panose="020B0604020202020204" pitchFamily="34" charset="0"/>
+              </a:rPr>
+              <a:t>- проверява дали даден елемент е в </a:t>
+            </a:r>
+            <a:r>
+              <a:rPr lang="en-US" dirty="0">
+                <a:solidFill>
+                  <a:schemeClr val="tx1"/>
+                </a:solidFill>
+                <a:latin typeface="Arial" panose="020B0604020202020204" pitchFamily="34" charset="0"/>
+                <a:cs typeface="Arial" panose="020B0604020202020204" pitchFamily="34" charset="0"/>
+              </a:rPr>
+              <a:t>stack-</a:t>
+            </a:r>
+            <a:r>
+              <a:rPr lang="bg-BG" dirty="0">
+                <a:solidFill>
+                  <a:schemeClr val="tx1"/>
+                </a:solidFill>
+                <a:latin typeface="Arial" panose="020B0604020202020204" pitchFamily="34" charset="0"/>
+                <a:cs typeface="Arial" panose="020B0604020202020204" pitchFamily="34" charset="0"/>
+              </a:rPr>
+              <a:t>а</a:t>
+            </a:r>
+            <a:endParaRPr lang="en-US" dirty="0">
+              <a:solidFill>
+                <a:schemeClr val="tx1"/>
+              </a:solidFill>
+              <a:latin typeface="Arial" panose="020B0604020202020204" pitchFamily="34" charset="0"/>
+              <a:cs typeface="Arial" panose="020B0604020202020204" pitchFamily="34" charset="0"/>
+            </a:endParaRPr>
+          </a:p>
+          <a:p>
+            <a:r>
+              <a:rPr lang="en-US" dirty="0">
+                <a:solidFill>
+                  <a:schemeClr val="accent4">
+                    <a:lumMod val="50000"/>
+                  </a:schemeClr>
+                </a:solidFill>
+                <a:latin typeface="Arial" panose="020B0604020202020204" pitchFamily="34" charset="0"/>
+                <a:cs typeface="Arial" panose="020B0604020202020204" pitchFamily="34" charset="0"/>
+              </a:rPr>
+              <a:t>Clear</a:t>
+            </a:r>
+            <a:r>
+              <a:rPr lang="bg-BG" dirty="0">
+                <a:solidFill>
+                  <a:schemeClr val="accent4">
+                    <a:lumMod val="50000"/>
+                  </a:schemeClr>
+                </a:solidFill>
+                <a:latin typeface="Arial" panose="020B0604020202020204" pitchFamily="34" charset="0"/>
+                <a:cs typeface="Arial" panose="020B0604020202020204" pitchFamily="34" charset="0"/>
+              </a:rPr>
+              <a:t>  </a:t>
+            </a:r>
+            <a:r>
+              <a:rPr lang="bg-BG" dirty="0">
+                <a:solidFill>
+                  <a:schemeClr val="tx1"/>
+                </a:solidFill>
+                <a:latin typeface="Arial" panose="020B0604020202020204" pitchFamily="34" charset="0"/>
+                <a:cs typeface="Arial" panose="020B0604020202020204" pitchFamily="34" charset="0"/>
+              </a:rPr>
+              <a:t>- изчиства всички елементи от </a:t>
+            </a:r>
+            <a:r>
+              <a:rPr lang="en-US" dirty="0">
+                <a:solidFill>
+                  <a:schemeClr val="tx1"/>
+                </a:solidFill>
+                <a:latin typeface="Arial" panose="020B0604020202020204" pitchFamily="34" charset="0"/>
+                <a:cs typeface="Arial" panose="020B0604020202020204" pitchFamily="34" charset="0"/>
+              </a:rPr>
+              <a:t>stack-</a:t>
+            </a:r>
+            <a:r>
+              <a:rPr lang="bg-BG" dirty="0">
+                <a:solidFill>
+                  <a:schemeClr val="tx1"/>
+                </a:solidFill>
+                <a:latin typeface="Arial" panose="020B0604020202020204" pitchFamily="34" charset="0"/>
+                <a:cs typeface="Arial" panose="020B0604020202020204" pitchFamily="34" charset="0"/>
+              </a:rPr>
+              <a:t>а</a:t>
+            </a:r>
+            <a:endParaRPr lang="en-US" dirty="0">
+              <a:solidFill>
+                <a:schemeClr val="tx1"/>
+              </a:solidFill>
+              <a:latin typeface="Arial" panose="020B0604020202020204" pitchFamily="34" charset="0"/>
+              <a:cs typeface="Arial" panose="020B0604020202020204" pitchFamily="34" charset="0"/>
+            </a:endParaRPr>
+          </a:p>
+          <a:p>
+            <a:r>
+              <a:rPr lang="en-US" dirty="0">
+                <a:solidFill>
+                  <a:srgbClr val="00B050"/>
+                </a:solidFill>
+                <a:latin typeface="Arial" panose="020B0604020202020204" pitchFamily="34" charset="0"/>
+                <a:cs typeface="Arial" panose="020B0604020202020204" pitchFamily="34" charset="0"/>
+              </a:rPr>
+              <a:t>Count</a:t>
+            </a:r>
+            <a:r>
+              <a:rPr lang="en-US" dirty="0">
+                <a:solidFill>
+                  <a:schemeClr val="accent4">
+                    <a:lumMod val="50000"/>
+                  </a:schemeClr>
+                </a:solidFill>
+                <a:latin typeface="Arial" panose="020B0604020202020204" pitchFamily="34" charset="0"/>
+                <a:cs typeface="Arial" panose="020B0604020202020204" pitchFamily="34" charset="0"/>
+              </a:rPr>
+              <a:t> </a:t>
+            </a:r>
+            <a:r>
+              <a:rPr lang="bg-BG" dirty="0">
+                <a:solidFill>
+                  <a:schemeClr val="tx1"/>
+                </a:solidFill>
+                <a:latin typeface="Arial" panose="020B0604020202020204" pitchFamily="34" charset="0"/>
+                <a:cs typeface="Arial" panose="020B0604020202020204" pitchFamily="34" charset="0"/>
+              </a:rPr>
+              <a:t>-</a:t>
+            </a:r>
+            <a:r>
+              <a:rPr lang="en-US" dirty="0">
+                <a:solidFill>
+                  <a:schemeClr val="tx1"/>
+                </a:solidFill>
+                <a:latin typeface="Arial" panose="020B0604020202020204" pitchFamily="34" charset="0"/>
+                <a:cs typeface="Arial" panose="020B0604020202020204" pitchFamily="34" charset="0"/>
+              </a:rPr>
+              <a:t> </a:t>
+            </a:r>
+            <a:r>
+              <a:rPr lang="bg-BG" dirty="0">
+                <a:solidFill>
+                  <a:schemeClr val="tx1"/>
+                </a:solidFill>
+                <a:latin typeface="Arial" panose="020B0604020202020204" pitchFamily="34" charset="0"/>
+                <a:cs typeface="Arial" panose="020B0604020202020204" pitchFamily="34" charset="0"/>
+              </a:rPr>
+              <a:t>връща броя на елементите в </a:t>
+            </a:r>
+            <a:r>
+              <a:rPr lang="en-US" dirty="0">
+                <a:solidFill>
+                  <a:schemeClr val="tx1"/>
+                </a:solidFill>
+                <a:latin typeface="Arial" panose="020B0604020202020204" pitchFamily="34" charset="0"/>
+                <a:cs typeface="Arial" panose="020B0604020202020204" pitchFamily="34" charset="0"/>
+              </a:rPr>
+              <a:t>stack</a:t>
+            </a:r>
+            <a:r>
+              <a:rPr lang="bg-BG" dirty="0">
+                <a:solidFill>
+                  <a:schemeClr val="tx1"/>
+                </a:solidFill>
+                <a:latin typeface="Arial" panose="020B0604020202020204" pitchFamily="34" charset="0"/>
+                <a:cs typeface="Arial" panose="020B0604020202020204" pitchFamily="34" charset="0"/>
+              </a:rPr>
+              <a:t>-а </a:t>
+            </a:r>
+            <a:endParaRPr lang="en-US" dirty="0">
+              <a:solidFill>
+                <a:schemeClr val="tx1"/>
+              </a:solidFill>
+              <a:latin typeface="Arial" panose="020B0604020202020204" pitchFamily="34" charset="0"/>
+              <a:cs typeface="Arial" panose="020B0604020202020204" pitchFamily="34" charset="0"/>
+            </a:endParaRPr>
+          </a:p>
+          <a:p>
+            <a:endParaRPr lang="en-US" dirty="0">
+              <a:solidFill>
+                <a:schemeClr val="tx1"/>
+              </a:solidFill>
+              <a:latin typeface="Arial" panose="020B0604020202020204" pitchFamily="34" charset="0"/>
+              <a:cs typeface="Arial" panose="020B0604020202020204" pitchFamily="34" charset="0"/>
+            </a:endParaRPr>
+          </a:p>
+          <a:p>
+            <a:r>
+              <a:rPr lang="bg-BG" b="1" i="1" u="sng" dirty="0">
+                <a:solidFill>
+                  <a:schemeClr val="tx1"/>
+                </a:solidFill>
+                <a:latin typeface="Arial" panose="020B0604020202020204" pitchFamily="34" charset="0"/>
+                <a:cs typeface="Arial" panose="020B0604020202020204" pitchFamily="34" charset="0"/>
+              </a:rPr>
+              <a:t>Бонус примери</a:t>
+            </a:r>
+            <a:r>
+              <a:rPr lang="en-US" b="1" i="1" u="sng" dirty="0">
+                <a:solidFill>
+                  <a:schemeClr val="tx1"/>
+                </a:solidFill>
+                <a:latin typeface="Arial" panose="020B0604020202020204" pitchFamily="34" charset="0"/>
+                <a:cs typeface="Arial" panose="020B0604020202020204" pitchFamily="34" charset="0"/>
+              </a:rPr>
+              <a:t>:</a:t>
+            </a:r>
+          </a:p>
+          <a:p>
+            <a:pPr lvl="1"/>
+            <a:r>
+              <a:rPr lang="en-US" dirty="0">
+                <a:solidFill>
+                  <a:schemeClr val="tx1"/>
+                </a:solidFill>
+                <a:latin typeface="Arial" panose="020B0604020202020204" pitchFamily="34" charset="0"/>
+                <a:cs typeface="Arial" panose="020B0604020202020204" pitchFamily="34" charset="0"/>
+              </a:rPr>
+              <a:t>Reverse String</a:t>
+            </a:r>
+          </a:p>
+          <a:p>
+            <a:pPr lvl="1"/>
+            <a:r>
+              <a:rPr lang="en-US" dirty="0">
+                <a:solidFill>
+                  <a:schemeClr val="tx1"/>
+                </a:solidFill>
+                <a:latin typeface="Arial" panose="020B0604020202020204" pitchFamily="34" charset="0"/>
+                <a:cs typeface="Arial" panose="020B0604020202020204" pitchFamily="34" charset="0"/>
+              </a:rPr>
+              <a:t>Program call stack</a:t>
+            </a:r>
+          </a:p>
+        </p:txBody>
+      </p:sp>
+    </p:spTree>
+    <p:extLst>
+      <p:ext uri="{BB962C8B-B14F-4D97-AF65-F5344CB8AC3E}">
+        <p14:creationId xmlns:p14="http://schemas.microsoft.com/office/powerpoint/2010/main" val="2368400219"/>
       </p:ext>
     </p:extLst>
   </p:cSld>

--- a/C# Advanced.pptx
+++ b/C# Advanced.pptx
@@ -4,13 +4,30 @@
   <p:sldMasterIdLst>
     <p:sldMasterId id="2147484098" r:id="rId1"/>
   </p:sldMasterIdLst>
+  <p:notesMasterIdLst>
+    <p:notesMasterId r:id="rId22"/>
+  </p:notesMasterIdLst>
   <p:sldIdLst>
-    <p:sldId id="256" r:id="rId2"/>
-    <p:sldId id="257" r:id="rId3"/>
-    <p:sldId id="258" r:id="rId4"/>
-    <p:sldId id="259" r:id="rId5"/>
-    <p:sldId id="260" r:id="rId6"/>
-    <p:sldId id="261" r:id="rId7"/>
+    <p:sldId id="268" r:id="rId2"/>
+    <p:sldId id="269" r:id="rId3"/>
+    <p:sldId id="270" r:id="rId4"/>
+    <p:sldId id="256" r:id="rId5"/>
+    <p:sldId id="257" r:id="rId6"/>
+    <p:sldId id="258" r:id="rId7"/>
+    <p:sldId id="259" r:id="rId8"/>
+    <p:sldId id="260" r:id="rId9"/>
+    <p:sldId id="261" r:id="rId10"/>
+    <p:sldId id="262" r:id="rId11"/>
+    <p:sldId id="263" r:id="rId12"/>
+    <p:sldId id="264" r:id="rId13"/>
+    <p:sldId id="265" r:id="rId14"/>
+    <p:sldId id="266" r:id="rId15"/>
+    <p:sldId id="271" r:id="rId16"/>
+    <p:sldId id="272" r:id="rId17"/>
+    <p:sldId id="273" r:id="rId18"/>
+    <p:sldId id="274" r:id="rId19"/>
+    <p:sldId id="275" r:id="rId20"/>
+    <p:sldId id="276" r:id="rId21"/>
   </p:sldIdLst>
   <p:sldSz cx="12192000" cy="6858000"/>
   <p:notesSz cx="6858000" cy="9144000"/>
@@ -117,6 +134,440 @@
 </p:presentation>
 </file>
 
+<file path=ppt/notesMasters/notesMaster1.xml><?xml version="1.0" encoding="utf-8"?>
+<p:notesMaster xmlns:a="http://schemas.openxmlformats.org/drawingml/2006/main" xmlns:r="http://schemas.openxmlformats.org/officeDocument/2006/relationships" xmlns:p="http://schemas.openxmlformats.org/presentationml/2006/main">
+  <p:cSld>
+    <p:bg>
+      <p:bgRef idx="1001">
+        <a:schemeClr val="bg1"/>
+      </p:bgRef>
+    </p:bg>
+    <p:spTree>
+      <p:nvGrpSpPr>
+        <p:cNvPr id="1" name=""/>
+        <p:cNvGrpSpPr/>
+        <p:nvPr/>
+      </p:nvGrpSpPr>
+      <p:grpSpPr>
+        <a:xfrm>
+          <a:off x="0" y="0"/>
+          <a:ext cx="0" cy="0"/>
+          <a:chOff x="0" y="0"/>
+          <a:chExt cx="0" cy="0"/>
+        </a:xfrm>
+      </p:grpSpPr>
+      <p:sp>
+        <p:nvSpPr>
+          <p:cNvPr id="2" name="Header Placeholder 1"/>
+          <p:cNvSpPr>
+            <a:spLocks noGrp="1"/>
+          </p:cNvSpPr>
+          <p:nvPr>
+            <p:ph type="hdr" sz="quarter"/>
+          </p:nvPr>
+        </p:nvSpPr>
+        <p:spPr>
+          <a:xfrm>
+            <a:off x="0" y="0"/>
+            <a:ext cx="2971800" cy="458788"/>
+          </a:xfrm>
+          <a:prstGeom prst="rect">
+            <a:avLst/>
+          </a:prstGeom>
+        </p:spPr>
+        <p:txBody>
+          <a:bodyPr vert="horz" lIns="91440" tIns="45720" rIns="91440" bIns="45720" rtlCol="0"/>
+          <a:lstStyle>
+            <a:lvl1pPr algn="l">
+              <a:defRPr sz="1200"/>
+            </a:lvl1pPr>
+          </a:lstStyle>
+          <a:p>
+            <a:endParaRPr lang="bg-BG"/>
+          </a:p>
+        </p:txBody>
+      </p:sp>
+      <p:sp>
+        <p:nvSpPr>
+          <p:cNvPr id="3" name="Date Placeholder 2"/>
+          <p:cNvSpPr>
+            <a:spLocks noGrp="1"/>
+          </p:cNvSpPr>
+          <p:nvPr>
+            <p:ph type="dt" idx="1"/>
+          </p:nvPr>
+        </p:nvSpPr>
+        <p:spPr>
+          <a:xfrm>
+            <a:off x="3884613" y="0"/>
+            <a:ext cx="2971800" cy="458788"/>
+          </a:xfrm>
+          <a:prstGeom prst="rect">
+            <a:avLst/>
+          </a:prstGeom>
+        </p:spPr>
+        <p:txBody>
+          <a:bodyPr vert="horz" lIns="91440" tIns="45720" rIns="91440" bIns="45720" rtlCol="0"/>
+          <a:lstStyle>
+            <a:lvl1pPr algn="r">
+              <a:defRPr sz="1200"/>
+            </a:lvl1pPr>
+          </a:lstStyle>
+          <a:p>
+            <a:fld id="{3CFF4BCD-A327-491B-9BBE-6CF8AEB95D7F}" type="datetimeFigureOut">
+              <a:rPr lang="bg-BG" smtClean="0"/>
+              <a:t>12.6.2024 г.</a:t>
+            </a:fld>
+            <a:endParaRPr lang="bg-BG"/>
+          </a:p>
+        </p:txBody>
+      </p:sp>
+      <p:sp>
+        <p:nvSpPr>
+          <p:cNvPr id="4" name="Slide Image Placeholder 3"/>
+          <p:cNvSpPr>
+            <a:spLocks noGrp="1" noRot="1" noChangeAspect="1"/>
+          </p:cNvSpPr>
+          <p:nvPr>
+            <p:ph type="sldImg" idx="2"/>
+          </p:nvPr>
+        </p:nvSpPr>
+        <p:spPr>
+          <a:xfrm>
+            <a:off x="685800" y="1143000"/>
+            <a:ext cx="5486400" cy="3086100"/>
+          </a:xfrm>
+          <a:prstGeom prst="rect">
+            <a:avLst/>
+          </a:prstGeom>
+          <a:noFill/>
+          <a:ln w="12700">
+            <a:solidFill>
+              <a:prstClr val="black"/>
+            </a:solidFill>
+          </a:ln>
+        </p:spPr>
+        <p:txBody>
+          <a:bodyPr vert="horz" lIns="91440" tIns="45720" rIns="91440" bIns="45720" rtlCol="0" anchor="ctr"/>
+          <a:lstStyle/>
+          <a:p>
+            <a:endParaRPr lang="bg-BG"/>
+          </a:p>
+        </p:txBody>
+      </p:sp>
+      <p:sp>
+        <p:nvSpPr>
+          <p:cNvPr id="5" name="Notes Placeholder 4"/>
+          <p:cNvSpPr>
+            <a:spLocks noGrp="1"/>
+          </p:cNvSpPr>
+          <p:nvPr>
+            <p:ph type="body" sz="quarter" idx="3"/>
+          </p:nvPr>
+        </p:nvSpPr>
+        <p:spPr>
+          <a:xfrm>
+            <a:off x="685800" y="4400550"/>
+            <a:ext cx="5486400" cy="3600450"/>
+          </a:xfrm>
+          <a:prstGeom prst="rect">
+            <a:avLst/>
+          </a:prstGeom>
+        </p:spPr>
+        <p:txBody>
+          <a:bodyPr vert="horz" lIns="91440" tIns="45720" rIns="91440" bIns="45720" rtlCol="0"/>
+          <a:lstStyle/>
+          <a:p>
+            <a:pPr lvl="0"/>
+            <a:r>
+              <a:rPr lang="en-US"/>
+              <a:t>Click to edit Master text styles</a:t>
+            </a:r>
+          </a:p>
+          <a:p>
+            <a:pPr lvl="1"/>
+            <a:r>
+              <a:rPr lang="en-US"/>
+              <a:t>Second level</a:t>
+            </a:r>
+          </a:p>
+          <a:p>
+            <a:pPr lvl="2"/>
+            <a:r>
+              <a:rPr lang="en-US"/>
+              <a:t>Third level</a:t>
+            </a:r>
+          </a:p>
+          <a:p>
+            <a:pPr lvl="3"/>
+            <a:r>
+              <a:rPr lang="en-US"/>
+              <a:t>Fourth level</a:t>
+            </a:r>
+          </a:p>
+          <a:p>
+            <a:pPr lvl="4"/>
+            <a:r>
+              <a:rPr lang="en-US"/>
+              <a:t>Fifth level</a:t>
+            </a:r>
+            <a:endParaRPr lang="bg-BG"/>
+          </a:p>
+        </p:txBody>
+      </p:sp>
+      <p:sp>
+        <p:nvSpPr>
+          <p:cNvPr id="6" name="Footer Placeholder 5"/>
+          <p:cNvSpPr>
+            <a:spLocks noGrp="1"/>
+          </p:cNvSpPr>
+          <p:nvPr>
+            <p:ph type="ftr" sz="quarter" idx="4"/>
+          </p:nvPr>
+        </p:nvSpPr>
+        <p:spPr>
+          <a:xfrm>
+            <a:off x="0" y="8685213"/>
+            <a:ext cx="2971800" cy="458787"/>
+          </a:xfrm>
+          <a:prstGeom prst="rect">
+            <a:avLst/>
+          </a:prstGeom>
+        </p:spPr>
+        <p:txBody>
+          <a:bodyPr vert="horz" lIns="91440" tIns="45720" rIns="91440" bIns="45720" rtlCol="0" anchor="b"/>
+          <a:lstStyle>
+            <a:lvl1pPr algn="l">
+              <a:defRPr sz="1200"/>
+            </a:lvl1pPr>
+          </a:lstStyle>
+          <a:p>
+            <a:endParaRPr lang="bg-BG"/>
+          </a:p>
+        </p:txBody>
+      </p:sp>
+      <p:sp>
+        <p:nvSpPr>
+          <p:cNvPr id="7" name="Slide Number Placeholder 6"/>
+          <p:cNvSpPr>
+            <a:spLocks noGrp="1"/>
+          </p:cNvSpPr>
+          <p:nvPr>
+            <p:ph type="sldNum" sz="quarter" idx="5"/>
+          </p:nvPr>
+        </p:nvSpPr>
+        <p:spPr>
+          <a:xfrm>
+            <a:off x="3884613" y="8685213"/>
+            <a:ext cx="2971800" cy="458787"/>
+          </a:xfrm>
+          <a:prstGeom prst="rect">
+            <a:avLst/>
+          </a:prstGeom>
+        </p:spPr>
+        <p:txBody>
+          <a:bodyPr vert="horz" lIns="91440" tIns="45720" rIns="91440" bIns="45720" rtlCol="0" anchor="b"/>
+          <a:lstStyle>
+            <a:lvl1pPr algn="r">
+              <a:defRPr sz="1200"/>
+            </a:lvl1pPr>
+          </a:lstStyle>
+          <a:p>
+            <a:fld id="{C35DC6B5-5918-4017-B858-1FA3E6711480}" type="slidenum">
+              <a:rPr lang="bg-BG" smtClean="0"/>
+              <a:t>‹#›</a:t>
+            </a:fld>
+            <a:endParaRPr lang="bg-BG"/>
+          </a:p>
+        </p:txBody>
+      </p:sp>
+    </p:spTree>
+    <p:extLst>
+      <p:ext uri="{BB962C8B-B14F-4D97-AF65-F5344CB8AC3E}">
+        <p14:creationId xmlns:p14="http://schemas.microsoft.com/office/powerpoint/2010/main" val="3703931923"/>
+      </p:ext>
+    </p:extLst>
+  </p:cSld>
+  <p:clrMap bg1="lt1" tx1="dk1" bg2="lt2" tx2="dk2" accent1="accent1" accent2="accent2" accent3="accent3" accent4="accent4" accent5="accent5" accent6="accent6" hlink="hlink" folHlink="folHlink"/>
+  <p:notesStyle>
+    <a:lvl1pPr marL="0" algn="l" defTabSz="914400" rtl="0" eaLnBrk="1" latinLnBrk="0" hangingPunct="1">
+      <a:defRPr sz="1200" kern="1200">
+        <a:solidFill>
+          <a:schemeClr val="tx1"/>
+        </a:solidFill>
+        <a:latin typeface="+mn-lt"/>
+        <a:ea typeface="+mn-ea"/>
+        <a:cs typeface="+mn-cs"/>
+      </a:defRPr>
+    </a:lvl1pPr>
+    <a:lvl2pPr marL="457200" algn="l" defTabSz="914400" rtl="0" eaLnBrk="1" latinLnBrk="0" hangingPunct="1">
+      <a:defRPr sz="1200" kern="1200">
+        <a:solidFill>
+          <a:schemeClr val="tx1"/>
+        </a:solidFill>
+        <a:latin typeface="+mn-lt"/>
+        <a:ea typeface="+mn-ea"/>
+        <a:cs typeface="+mn-cs"/>
+      </a:defRPr>
+    </a:lvl2pPr>
+    <a:lvl3pPr marL="914400" algn="l" defTabSz="914400" rtl="0" eaLnBrk="1" latinLnBrk="0" hangingPunct="1">
+      <a:defRPr sz="1200" kern="1200">
+        <a:solidFill>
+          <a:schemeClr val="tx1"/>
+        </a:solidFill>
+        <a:latin typeface="+mn-lt"/>
+        <a:ea typeface="+mn-ea"/>
+        <a:cs typeface="+mn-cs"/>
+      </a:defRPr>
+    </a:lvl3pPr>
+    <a:lvl4pPr marL="1371600" algn="l" defTabSz="914400" rtl="0" eaLnBrk="1" latinLnBrk="0" hangingPunct="1">
+      <a:defRPr sz="1200" kern="1200">
+        <a:solidFill>
+          <a:schemeClr val="tx1"/>
+        </a:solidFill>
+        <a:latin typeface="+mn-lt"/>
+        <a:ea typeface="+mn-ea"/>
+        <a:cs typeface="+mn-cs"/>
+      </a:defRPr>
+    </a:lvl4pPr>
+    <a:lvl5pPr marL="1828800" algn="l" defTabSz="914400" rtl="0" eaLnBrk="1" latinLnBrk="0" hangingPunct="1">
+      <a:defRPr sz="1200" kern="1200">
+        <a:solidFill>
+          <a:schemeClr val="tx1"/>
+        </a:solidFill>
+        <a:latin typeface="+mn-lt"/>
+        <a:ea typeface="+mn-ea"/>
+        <a:cs typeface="+mn-cs"/>
+      </a:defRPr>
+    </a:lvl5pPr>
+    <a:lvl6pPr marL="2286000" algn="l" defTabSz="914400" rtl="0" eaLnBrk="1" latinLnBrk="0" hangingPunct="1">
+      <a:defRPr sz="1200" kern="1200">
+        <a:solidFill>
+          <a:schemeClr val="tx1"/>
+        </a:solidFill>
+        <a:latin typeface="+mn-lt"/>
+        <a:ea typeface="+mn-ea"/>
+        <a:cs typeface="+mn-cs"/>
+      </a:defRPr>
+    </a:lvl6pPr>
+    <a:lvl7pPr marL="2743200" algn="l" defTabSz="914400" rtl="0" eaLnBrk="1" latinLnBrk="0" hangingPunct="1">
+      <a:defRPr sz="1200" kern="1200">
+        <a:solidFill>
+          <a:schemeClr val="tx1"/>
+        </a:solidFill>
+        <a:latin typeface="+mn-lt"/>
+        <a:ea typeface="+mn-ea"/>
+        <a:cs typeface="+mn-cs"/>
+      </a:defRPr>
+    </a:lvl7pPr>
+    <a:lvl8pPr marL="3200400" algn="l" defTabSz="914400" rtl="0" eaLnBrk="1" latinLnBrk="0" hangingPunct="1">
+      <a:defRPr sz="1200" kern="1200">
+        <a:solidFill>
+          <a:schemeClr val="tx1"/>
+        </a:solidFill>
+        <a:latin typeface="+mn-lt"/>
+        <a:ea typeface="+mn-ea"/>
+        <a:cs typeface="+mn-cs"/>
+      </a:defRPr>
+    </a:lvl8pPr>
+    <a:lvl9pPr marL="3657600" algn="l" defTabSz="914400" rtl="0" eaLnBrk="1" latinLnBrk="0" hangingPunct="1">
+      <a:defRPr sz="1200" kern="1200">
+        <a:solidFill>
+          <a:schemeClr val="tx1"/>
+        </a:solidFill>
+        <a:latin typeface="+mn-lt"/>
+        <a:ea typeface="+mn-ea"/>
+        <a:cs typeface="+mn-cs"/>
+      </a:defRPr>
+    </a:lvl9pPr>
+  </p:notesStyle>
+</p:notesMaster>
+</file>
+
+<file path=ppt/notesSlides/notesSlide1.xml><?xml version="1.0" encoding="utf-8"?>
+<p:notes xmlns:a="http://schemas.openxmlformats.org/drawingml/2006/main" xmlns:r="http://schemas.openxmlformats.org/officeDocument/2006/relationships" xmlns:p="http://schemas.openxmlformats.org/presentationml/2006/main">
+  <p:cSld>
+    <p:spTree>
+      <p:nvGrpSpPr>
+        <p:cNvPr id="1" name=""/>
+        <p:cNvGrpSpPr/>
+        <p:nvPr/>
+      </p:nvGrpSpPr>
+      <p:grpSpPr>
+        <a:xfrm>
+          <a:off x="0" y="0"/>
+          <a:ext cx="0" cy="0"/>
+          <a:chOff x="0" y="0"/>
+          <a:chExt cx="0" cy="0"/>
+        </a:xfrm>
+      </p:grpSpPr>
+      <p:sp>
+        <p:nvSpPr>
+          <p:cNvPr id="2" name="Slide Image Placeholder 1"/>
+          <p:cNvSpPr>
+            <a:spLocks noGrp="1" noRot="1" noChangeAspect="1"/>
+          </p:cNvSpPr>
+          <p:nvPr>
+            <p:ph type="sldImg"/>
+          </p:nvPr>
+        </p:nvSpPr>
+        <p:spPr/>
+      </p:sp>
+      <p:sp>
+        <p:nvSpPr>
+          <p:cNvPr id="3" name="Notes Placeholder 2"/>
+          <p:cNvSpPr>
+            <a:spLocks noGrp="1"/>
+          </p:cNvSpPr>
+          <p:nvPr>
+            <p:ph type="body" idx="1"/>
+          </p:nvPr>
+        </p:nvSpPr>
+        <p:spPr/>
+        <p:txBody>
+          <a:bodyPr/>
+          <a:lstStyle/>
+          <a:p>
+            <a:endParaRPr lang="bg-BG" dirty="0"/>
+          </a:p>
+        </p:txBody>
+      </p:sp>
+      <p:sp>
+        <p:nvSpPr>
+          <p:cNvPr id="4" name="Slide Number Placeholder 3"/>
+          <p:cNvSpPr>
+            <a:spLocks noGrp="1"/>
+          </p:cNvSpPr>
+          <p:nvPr>
+            <p:ph type="sldNum" sz="quarter" idx="5"/>
+          </p:nvPr>
+        </p:nvSpPr>
+        <p:spPr/>
+        <p:txBody>
+          <a:bodyPr/>
+          <a:lstStyle/>
+          <a:p>
+            <a:fld id="{C35DC6B5-5918-4017-B858-1FA3E6711480}" type="slidenum">
+              <a:rPr lang="bg-BG" smtClean="0"/>
+              <a:t>3</a:t>
+            </a:fld>
+            <a:endParaRPr lang="bg-BG"/>
+          </a:p>
+        </p:txBody>
+      </p:sp>
+    </p:spTree>
+    <p:extLst>
+      <p:ext uri="{BB962C8B-B14F-4D97-AF65-F5344CB8AC3E}">
+        <p14:creationId xmlns:p14="http://schemas.microsoft.com/office/powerpoint/2010/main" val="1967646582"/>
+      </p:ext>
+    </p:extLst>
+  </p:cSld>
+  <p:clrMapOvr>
+    <a:masterClrMapping/>
+  </p:clrMapOvr>
+</p:notes>
+</file>
+
 <file path=ppt/slideLayouts/slideLayout1.xml><?xml version="1.0" encoding="utf-8"?>
 <p:sldLayout xmlns:a="http://schemas.openxmlformats.org/drawingml/2006/main" xmlns:r="http://schemas.openxmlformats.org/officeDocument/2006/relationships" xmlns:p="http://schemas.openxmlformats.org/presentationml/2006/main" showMasterSp="0" type="title" preserve="1">
   <p:cSld name="Title Slide">
@@ -763,7 +1214,7 @@
           <a:p>
             <a:fld id="{A795E479-C003-4F68-8D57-D7139EEC14A6}" type="datetimeFigureOut">
               <a:rPr lang="bg-BG" smtClean="0"/>
-              <a:t>6.1.2024 г.</a:t>
+              <a:t>12.6.2024 г.</a:t>
             </a:fld>
             <a:endParaRPr lang="bg-BG"/>
           </a:p>
@@ -1883,7 +2334,7 @@
           <a:p>
             <a:fld id="{A795E479-C003-4F68-8D57-D7139EEC14A6}" type="datetimeFigureOut">
               <a:rPr lang="bg-BG" smtClean="0"/>
-              <a:t>6.1.2024 г.</a:t>
+              <a:t>12.6.2024 г.</a:t>
             </a:fld>
             <a:endParaRPr lang="bg-BG"/>
           </a:p>
@@ -2894,7 +3345,7 @@
           <a:p>
             <a:fld id="{A795E479-C003-4F68-8D57-D7139EEC14A6}" type="datetimeFigureOut">
               <a:rPr lang="bg-BG" smtClean="0"/>
-              <a:t>6.1.2024 г.</a:t>
+              <a:t>12.6.2024 г.</a:t>
             </a:fld>
             <a:endParaRPr lang="bg-BG"/>
           </a:p>
@@ -4064,7 +4515,7 @@
           <a:p>
             <a:fld id="{A795E479-C003-4F68-8D57-D7139EEC14A6}" type="datetimeFigureOut">
               <a:rPr lang="bg-BG" smtClean="0"/>
-              <a:t>6.1.2024 г.</a:t>
+              <a:t>12.6.2024 г.</a:t>
             </a:fld>
             <a:endParaRPr lang="bg-BG"/>
           </a:p>
@@ -5125,7 +5576,7 @@
           <a:p>
             <a:fld id="{A795E479-C003-4F68-8D57-D7139EEC14A6}" type="datetimeFigureOut">
               <a:rPr lang="bg-BG" smtClean="0"/>
-              <a:t>6.1.2024 г.</a:t>
+              <a:t>12.6.2024 г.</a:t>
             </a:fld>
             <a:endParaRPr lang="bg-BG"/>
           </a:p>
@@ -5771,7 +6222,7 @@
           <a:p>
             <a:fld id="{A795E479-C003-4F68-8D57-D7139EEC14A6}" type="datetimeFigureOut">
               <a:rPr lang="bg-BG" smtClean="0"/>
-              <a:t>6.1.2024 г.</a:t>
+              <a:t>12.6.2024 г.</a:t>
             </a:fld>
             <a:endParaRPr lang="bg-BG"/>
           </a:p>
@@ -6618,7 +7069,7 @@
           <a:p>
             <a:fld id="{A795E479-C003-4F68-8D57-D7139EEC14A6}" type="datetimeFigureOut">
               <a:rPr lang="bg-BG" smtClean="0"/>
-              <a:t>6.1.2024 г.</a:t>
+              <a:t>12.6.2024 г.</a:t>
             </a:fld>
             <a:endParaRPr lang="bg-BG"/>
           </a:p>
@@ -6793,7 +7244,7 @@
           <a:p>
             <a:fld id="{A795E479-C003-4F68-8D57-D7139EEC14A6}" type="datetimeFigureOut">
               <a:rPr lang="bg-BG" smtClean="0"/>
-              <a:t>6.1.2024 г.</a:t>
+              <a:t>12.6.2024 г.</a:t>
             </a:fld>
             <a:endParaRPr lang="bg-BG"/>
           </a:p>
@@ -7791,7 +8242,7 @@
           <a:p>
             <a:fld id="{A795E479-C003-4F68-8D57-D7139EEC14A6}" type="datetimeFigureOut">
               <a:rPr lang="bg-BG" smtClean="0"/>
-              <a:t>6.1.2024 г.</a:t>
+              <a:t>12.6.2024 г.</a:t>
             </a:fld>
             <a:endParaRPr lang="bg-BG"/>
           </a:p>
@@ -7997,7 +8448,7 @@
           <a:p>
             <a:fld id="{A795E479-C003-4F68-8D57-D7139EEC14A6}" type="datetimeFigureOut">
               <a:rPr lang="bg-BG" smtClean="0"/>
-              <a:t>6.1.2024 г.</a:t>
+              <a:t>12.6.2024 г.</a:t>
             </a:fld>
             <a:endParaRPr lang="bg-BG"/>
           </a:p>
@@ -9059,7 +9510,7 @@
           <a:p>
             <a:fld id="{A795E479-C003-4F68-8D57-D7139EEC14A6}" type="datetimeFigureOut">
               <a:rPr lang="bg-BG" smtClean="0"/>
-              <a:t>6.1.2024 г.</a:t>
+              <a:t>12.6.2024 г.</a:t>
             </a:fld>
             <a:endParaRPr lang="bg-BG"/>
           </a:p>
@@ -9331,7 +9782,7 @@
           <a:p>
             <a:fld id="{A795E479-C003-4F68-8D57-D7139EEC14A6}" type="datetimeFigureOut">
               <a:rPr lang="bg-BG" smtClean="0"/>
-              <a:t>6.1.2024 г.</a:t>
+              <a:t>12.6.2024 г.</a:t>
             </a:fld>
             <a:endParaRPr lang="bg-BG"/>
           </a:p>
@@ -9713,7 +10164,7 @@
           <a:p>
             <a:fld id="{A795E479-C003-4F68-8D57-D7139EEC14A6}" type="datetimeFigureOut">
               <a:rPr lang="bg-BG" smtClean="0"/>
-              <a:t>6.1.2024 г.</a:t>
+              <a:t>12.6.2024 г.</a:t>
             </a:fld>
             <a:endParaRPr lang="bg-BG"/>
           </a:p>
@@ -9831,7 +10282,7 @@
           <a:p>
             <a:fld id="{A795E479-C003-4F68-8D57-D7139EEC14A6}" type="datetimeFigureOut">
               <a:rPr lang="bg-BG" smtClean="0"/>
-              <a:t>6.1.2024 г.</a:t>
+              <a:t>12.6.2024 г.</a:t>
             </a:fld>
             <a:endParaRPr lang="bg-BG"/>
           </a:p>
@@ -9926,7 +10377,7 @@
           <a:p>
             <a:fld id="{A795E479-C003-4F68-8D57-D7139EEC14A6}" type="datetimeFigureOut">
               <a:rPr lang="bg-BG" smtClean="0"/>
-              <a:t>6.1.2024 г.</a:t>
+              <a:t>12.6.2024 г.</a:t>
             </a:fld>
             <a:endParaRPr lang="bg-BG"/>
           </a:p>
@@ -11035,7 +11486,7 @@
           <a:p>
             <a:fld id="{A795E479-C003-4F68-8D57-D7139EEC14A6}" type="datetimeFigureOut">
               <a:rPr lang="bg-BG" smtClean="0"/>
-              <a:t>6.1.2024 г.</a:t>
+              <a:t>12.6.2024 г.</a:t>
             </a:fld>
             <a:endParaRPr lang="bg-BG"/>
           </a:p>
@@ -12168,7 +12619,7 @@
           <a:p>
             <a:fld id="{A795E479-C003-4F68-8D57-D7139EEC14A6}" type="datetimeFigureOut">
               <a:rPr lang="bg-BG" smtClean="0"/>
-              <a:t>6.1.2024 г.</a:t>
+              <a:t>12.6.2024 г.</a:t>
             </a:fld>
             <a:endParaRPr lang="bg-BG"/>
           </a:p>
@@ -13196,7 +13647,7 @@
           <a:p>
             <a:fld id="{A795E479-C003-4F68-8D57-D7139EEC14A6}" type="datetimeFigureOut">
               <a:rPr lang="bg-BG" smtClean="0"/>
-              <a:t>6.1.2024 г.</a:t>
+              <a:t>12.6.2024 г.</a:t>
             </a:fld>
             <a:endParaRPr lang="bg-BG"/>
           </a:p>
@@ -13743,6 +14194,5456 @@
 <file path=ppt/slides/slide1.xml><?xml version="1.0" encoding="utf-8"?>
 <p:sld xmlns:a="http://schemas.openxmlformats.org/drawingml/2006/main" xmlns:r="http://schemas.openxmlformats.org/officeDocument/2006/relationships" xmlns:p="http://schemas.openxmlformats.org/presentationml/2006/main">
   <p:cSld>
+    <p:spTree>
+      <p:nvGrpSpPr>
+        <p:cNvPr id="1" name=""/>
+        <p:cNvGrpSpPr/>
+        <p:nvPr/>
+      </p:nvGrpSpPr>
+      <p:grpSpPr>
+        <a:xfrm>
+          <a:off x="0" y="0"/>
+          <a:ext cx="0" cy="0"/>
+          <a:chOff x="0" y="0"/>
+          <a:chExt cx="0" cy="0"/>
+        </a:xfrm>
+      </p:grpSpPr>
+      <p:sp>
+        <p:nvSpPr>
+          <p:cNvPr id="2" name="Title 1">
+            <a:extLst>
+              <a:ext uri="{FF2B5EF4-FFF2-40B4-BE49-F238E27FC236}">
+                <a16:creationId xmlns:a16="http://schemas.microsoft.com/office/drawing/2014/main" id="{8F6F6B6F-349B-AC0D-3B07-6E0CD085397C}"/>
+              </a:ext>
+            </a:extLst>
+          </p:cNvPr>
+          <p:cNvSpPr>
+            <a:spLocks noGrp="1"/>
+          </p:cNvSpPr>
+          <p:nvPr>
+            <p:ph type="title"/>
+          </p:nvPr>
+        </p:nvSpPr>
+        <p:spPr/>
+        <p:txBody>
+          <a:bodyPr/>
+          <a:lstStyle/>
+          <a:p>
+            <a:r>
+              <a:rPr lang="bg-BG" dirty="0">
+                <a:latin typeface="Arial" panose="020B0604020202020204" pitchFamily="34" charset="0"/>
+                <a:cs typeface="Arial" panose="020B0604020202020204" pitchFamily="34" charset="0"/>
+              </a:rPr>
+              <a:t>Интересни теми за отделни </a:t>
+            </a:r>
+            <a:r>
+              <a:rPr lang="en-US" dirty="0">
+                <a:latin typeface="Arial" panose="020B0604020202020204" pitchFamily="34" charset="0"/>
+                <a:cs typeface="Arial" panose="020B0604020202020204" pitchFamily="34" charset="0"/>
+              </a:rPr>
+              <a:t>workshop</a:t>
+            </a:r>
+            <a:r>
+              <a:rPr lang="bg-BG" dirty="0">
+                <a:latin typeface="Arial" panose="020B0604020202020204" pitchFamily="34" charset="0"/>
+                <a:cs typeface="Arial" panose="020B0604020202020204" pitchFamily="34" charset="0"/>
+              </a:rPr>
+              <a:t>-и</a:t>
+            </a:r>
+          </a:p>
+        </p:txBody>
+      </p:sp>
+      <p:sp>
+        <p:nvSpPr>
+          <p:cNvPr id="3" name="Content Placeholder 2">
+            <a:extLst>
+              <a:ext uri="{FF2B5EF4-FFF2-40B4-BE49-F238E27FC236}">
+                <a16:creationId xmlns:a16="http://schemas.microsoft.com/office/drawing/2014/main" id="{CA58DCD5-ADB3-0ECF-888C-9AAE19E1115E}"/>
+              </a:ext>
+            </a:extLst>
+          </p:cNvPr>
+          <p:cNvSpPr>
+            <a:spLocks noGrp="1"/>
+          </p:cNvSpPr>
+          <p:nvPr>
+            <p:ph idx="1"/>
+          </p:nvPr>
+        </p:nvSpPr>
+        <p:spPr>
+          <a:xfrm>
+            <a:off x="693637" y="2669402"/>
+            <a:ext cx="8761412" cy="3904392"/>
+          </a:xfrm>
+        </p:spPr>
+        <p:txBody>
+          <a:bodyPr>
+            <a:normAutofit lnSpcReduction="10000"/>
+          </a:bodyPr>
+          <a:lstStyle/>
+          <a:p>
+            <a:r>
+              <a:rPr lang="en-US" dirty="0">
+                <a:latin typeface="Arial" panose="020B0604020202020204" pitchFamily="34" charset="0"/>
+                <a:cs typeface="Arial" panose="020B0604020202020204" pitchFamily="34" charset="0"/>
+              </a:rPr>
+              <a:t>1. </a:t>
+            </a:r>
+            <a:r>
+              <a:rPr lang="en-US" b="1" dirty="0">
+                <a:latin typeface="Arial" panose="020B0604020202020204" pitchFamily="34" charset="0"/>
+                <a:cs typeface="Arial" panose="020B0604020202020204" pitchFamily="34" charset="0"/>
+              </a:rPr>
+              <a:t>Git</a:t>
+            </a:r>
+            <a:r>
+              <a:rPr lang="en-US" dirty="0">
+                <a:latin typeface="Arial" panose="020B0604020202020204" pitchFamily="34" charset="0"/>
+                <a:cs typeface="Arial" panose="020B0604020202020204" pitchFamily="34" charset="0"/>
+              </a:rPr>
+              <a:t> and </a:t>
+            </a:r>
+            <a:r>
+              <a:rPr lang="en-US" b="1" dirty="0">
+                <a:latin typeface="Arial" panose="020B0604020202020204" pitchFamily="34" charset="0"/>
+                <a:cs typeface="Arial" panose="020B0604020202020204" pitchFamily="34" charset="0"/>
+              </a:rPr>
+              <a:t>GitHub</a:t>
+            </a:r>
+            <a:r>
+              <a:rPr lang="en-US" dirty="0">
+                <a:latin typeface="Arial" panose="020B0604020202020204" pitchFamily="34" charset="0"/>
+                <a:cs typeface="Arial" panose="020B0604020202020204" pitchFamily="34" charset="0"/>
+              </a:rPr>
+              <a:t> (</a:t>
+            </a:r>
+            <a:r>
+              <a:rPr lang="bg-BG" dirty="0">
+                <a:latin typeface="Arial" panose="020B0604020202020204" pitchFamily="34" charset="0"/>
+                <a:cs typeface="Arial" panose="020B0604020202020204" pitchFamily="34" charset="0"/>
+              </a:rPr>
+              <a:t>въведение и основни команди) + демо</a:t>
+            </a:r>
+            <a:endParaRPr lang="en-US" dirty="0">
+              <a:latin typeface="Arial" panose="020B0604020202020204" pitchFamily="34" charset="0"/>
+              <a:cs typeface="Arial" panose="020B0604020202020204" pitchFamily="34" charset="0"/>
+            </a:endParaRPr>
+          </a:p>
+          <a:p>
+            <a:r>
+              <a:rPr lang="en-US" dirty="0">
+                <a:latin typeface="Arial" panose="020B0604020202020204" pitchFamily="34" charset="0"/>
+                <a:cs typeface="Arial" panose="020B0604020202020204" pitchFamily="34" charset="0"/>
+              </a:rPr>
+              <a:t>2. </a:t>
+            </a:r>
+            <a:r>
+              <a:rPr lang="bg-BG" dirty="0">
+                <a:latin typeface="Arial" panose="020B0604020202020204" pitchFamily="34" charset="0"/>
+                <a:cs typeface="Arial" panose="020B0604020202020204" pitchFamily="34" charset="0"/>
+              </a:rPr>
+              <a:t>Свързване на </a:t>
+            </a:r>
+            <a:r>
+              <a:rPr lang="en-US" b="1" dirty="0">
+                <a:latin typeface="Arial" panose="020B0604020202020204" pitchFamily="34" charset="0"/>
+                <a:cs typeface="Arial" panose="020B0604020202020204" pitchFamily="34" charset="0"/>
+              </a:rPr>
+              <a:t>C#</a:t>
+            </a:r>
+            <a:r>
+              <a:rPr lang="en-US" dirty="0">
+                <a:latin typeface="Arial" panose="020B0604020202020204" pitchFamily="34" charset="0"/>
+                <a:cs typeface="Arial" panose="020B0604020202020204" pitchFamily="34" charset="0"/>
+              </a:rPr>
+              <a:t> </a:t>
+            </a:r>
+            <a:r>
+              <a:rPr lang="bg-BG" dirty="0">
+                <a:latin typeface="Arial" panose="020B0604020202020204" pitchFamily="34" charset="0"/>
+                <a:cs typeface="Arial" panose="020B0604020202020204" pitchFamily="34" charset="0"/>
+              </a:rPr>
+              <a:t>с база данни чрез </a:t>
+            </a:r>
+            <a:r>
+              <a:rPr lang="en-US" b="1" dirty="0">
+                <a:latin typeface="Arial" panose="020B0604020202020204" pitchFamily="34" charset="0"/>
+                <a:cs typeface="Arial" panose="020B0604020202020204" pitchFamily="34" charset="0"/>
+              </a:rPr>
+              <a:t>ADO.NET</a:t>
+            </a:r>
+            <a:r>
+              <a:rPr lang="bg-BG" b="1" dirty="0">
+                <a:latin typeface="Arial" panose="020B0604020202020204" pitchFamily="34" charset="0"/>
+                <a:cs typeface="Arial" panose="020B0604020202020204" pitchFamily="34" charset="0"/>
+              </a:rPr>
+              <a:t> </a:t>
+            </a:r>
+            <a:r>
+              <a:rPr lang="bg-BG" dirty="0">
+                <a:latin typeface="Arial" panose="020B0604020202020204" pitchFamily="34" charset="0"/>
+                <a:cs typeface="Arial" panose="020B0604020202020204" pitchFamily="34" charset="0"/>
+              </a:rPr>
+              <a:t>+ малък проект</a:t>
+            </a:r>
+          </a:p>
+          <a:p>
+            <a:r>
+              <a:rPr lang="en-US" dirty="0">
+                <a:latin typeface="Arial" panose="020B0604020202020204" pitchFamily="34" charset="0"/>
+                <a:cs typeface="Arial" panose="020B0604020202020204" pitchFamily="34" charset="0"/>
+              </a:rPr>
+              <a:t>3</a:t>
+            </a:r>
+            <a:r>
+              <a:rPr lang="bg-BG" dirty="0">
+                <a:latin typeface="Arial" panose="020B0604020202020204" pitchFamily="34" charset="0"/>
+                <a:cs typeface="Arial" panose="020B0604020202020204" pitchFamily="34" charset="0"/>
+              </a:rPr>
+              <a:t>. </a:t>
+            </a:r>
+            <a:r>
+              <a:rPr lang="en-US" b="1" dirty="0">
+                <a:latin typeface="Arial" panose="020B0604020202020204" pitchFamily="34" charset="0"/>
+                <a:cs typeface="Arial" panose="020B0604020202020204" pitchFamily="34" charset="0"/>
+              </a:rPr>
+              <a:t>Entity Framework Core </a:t>
+            </a:r>
+            <a:r>
+              <a:rPr lang="en-US" dirty="0">
+                <a:latin typeface="Arial" panose="020B0604020202020204" pitchFamily="34" charset="0"/>
+                <a:cs typeface="Arial" panose="020B0604020202020204" pitchFamily="34" charset="0"/>
+              </a:rPr>
+              <a:t>(</a:t>
+            </a:r>
+            <a:r>
+              <a:rPr lang="bg-BG" dirty="0">
+                <a:latin typeface="Arial" panose="020B0604020202020204" pitchFamily="34" charset="0"/>
+                <a:cs typeface="Arial" panose="020B0604020202020204" pitchFamily="34" charset="0"/>
+              </a:rPr>
+              <a:t>въведение и основи)</a:t>
+            </a:r>
+            <a:r>
+              <a:rPr lang="en-US" dirty="0">
+                <a:latin typeface="Arial" panose="020B0604020202020204" pitchFamily="34" charset="0"/>
+                <a:cs typeface="Arial" panose="020B0604020202020204" pitchFamily="34" charset="0"/>
+              </a:rPr>
+              <a:t> + </a:t>
+            </a:r>
+            <a:r>
+              <a:rPr lang="bg-BG" dirty="0">
+                <a:latin typeface="Arial" panose="020B0604020202020204" pitchFamily="34" charset="0"/>
+                <a:cs typeface="Arial" panose="020B0604020202020204" pitchFamily="34" charset="0"/>
+              </a:rPr>
+              <a:t>малък проект</a:t>
+            </a:r>
+          </a:p>
+          <a:p>
+            <a:r>
+              <a:rPr lang="bg-BG" dirty="0">
+                <a:latin typeface="Arial" panose="020B0604020202020204" pitchFamily="34" charset="0"/>
+                <a:cs typeface="Arial" panose="020B0604020202020204" pitchFamily="34" charset="0"/>
+              </a:rPr>
+              <a:t>4. Създаване на </a:t>
+            </a:r>
+            <a:r>
+              <a:rPr lang="en-US" b="1" dirty="0">
+                <a:latin typeface="Arial" panose="020B0604020202020204" pitchFamily="34" charset="0"/>
+                <a:cs typeface="Arial" panose="020B0604020202020204" pitchFamily="34" charset="0"/>
+              </a:rPr>
+              <a:t>C# Desktop </a:t>
+            </a:r>
+            <a:r>
+              <a:rPr lang="bg-BG" dirty="0">
+                <a:latin typeface="Arial" panose="020B0604020202020204" pitchFamily="34" charset="0"/>
+                <a:cs typeface="Arial" panose="020B0604020202020204" pitchFamily="34" charset="0"/>
+              </a:rPr>
+              <a:t>проект с </a:t>
+            </a:r>
+            <a:r>
+              <a:rPr lang="en-US" b="1" dirty="0">
+                <a:latin typeface="Arial" panose="020B0604020202020204" pitchFamily="34" charset="0"/>
+                <a:cs typeface="Arial" panose="020B0604020202020204" pitchFamily="34" charset="0"/>
+              </a:rPr>
+              <a:t>Windows</a:t>
+            </a:r>
+            <a:r>
+              <a:rPr lang="en-US" dirty="0">
+                <a:latin typeface="Arial" panose="020B0604020202020204" pitchFamily="34" charset="0"/>
+                <a:cs typeface="Arial" panose="020B0604020202020204" pitchFamily="34" charset="0"/>
+              </a:rPr>
+              <a:t> </a:t>
+            </a:r>
+            <a:r>
+              <a:rPr lang="en-US" b="1" dirty="0">
+                <a:latin typeface="Arial" panose="020B0604020202020204" pitchFamily="34" charset="0"/>
+                <a:cs typeface="Arial" panose="020B0604020202020204" pitchFamily="34" charset="0"/>
+              </a:rPr>
+              <a:t>Forms</a:t>
+            </a:r>
+            <a:r>
+              <a:rPr lang="en-US" dirty="0">
+                <a:latin typeface="Arial" panose="020B0604020202020204" pitchFamily="34" charset="0"/>
+                <a:cs typeface="Arial" panose="020B0604020202020204" pitchFamily="34" charset="0"/>
+              </a:rPr>
+              <a:t>/</a:t>
+            </a:r>
+            <a:r>
+              <a:rPr lang="en-US" b="1" dirty="0">
+                <a:latin typeface="Arial" panose="020B0604020202020204" pitchFamily="34" charset="0"/>
+                <a:cs typeface="Arial" panose="020B0604020202020204" pitchFamily="34" charset="0"/>
+              </a:rPr>
+              <a:t>WPF</a:t>
+            </a:r>
+          </a:p>
+          <a:p>
+            <a:r>
+              <a:rPr lang="en-US" dirty="0">
+                <a:latin typeface="Arial" panose="020B0604020202020204" pitchFamily="34" charset="0"/>
+                <a:cs typeface="Arial" panose="020B0604020202020204" pitchFamily="34" charset="0"/>
+              </a:rPr>
+              <a:t>5. </a:t>
+            </a:r>
+            <a:r>
+              <a:rPr lang="bg-BG" dirty="0">
+                <a:latin typeface="Arial" panose="020B0604020202020204" pitchFamily="34" charset="0"/>
+                <a:cs typeface="Arial" panose="020B0604020202020204" pitchFamily="34" charset="0"/>
+              </a:rPr>
+              <a:t>Създаване на </a:t>
+            </a:r>
+            <a:r>
+              <a:rPr lang="en-US" b="1" dirty="0">
+                <a:latin typeface="Arial" panose="020B0604020202020204" pitchFamily="34" charset="0"/>
+                <a:cs typeface="Arial" panose="020B0604020202020204" pitchFamily="34" charset="0"/>
+              </a:rPr>
+              <a:t>Windows Service</a:t>
+            </a:r>
+            <a:r>
+              <a:rPr lang="bg-BG" b="1" dirty="0">
+                <a:latin typeface="Arial" panose="020B0604020202020204" pitchFamily="34" charset="0"/>
+                <a:cs typeface="Arial" panose="020B0604020202020204" pitchFamily="34" charset="0"/>
+              </a:rPr>
+              <a:t> </a:t>
+            </a:r>
+            <a:r>
+              <a:rPr lang="bg-BG" dirty="0">
+                <a:latin typeface="Arial" panose="020B0604020202020204" pitchFamily="34" charset="0"/>
+                <a:cs typeface="Arial" panose="020B0604020202020204" pitchFamily="34" charset="0"/>
+              </a:rPr>
+              <a:t>(малък проект)</a:t>
+            </a:r>
+            <a:endParaRPr lang="en-US" dirty="0">
+              <a:latin typeface="Arial" panose="020B0604020202020204" pitchFamily="34" charset="0"/>
+              <a:cs typeface="Arial" panose="020B0604020202020204" pitchFamily="34" charset="0"/>
+            </a:endParaRPr>
+          </a:p>
+          <a:p>
+            <a:r>
+              <a:rPr lang="en-US" dirty="0">
+                <a:latin typeface="Arial" panose="020B0604020202020204" pitchFamily="34" charset="0"/>
+                <a:cs typeface="Arial" panose="020B0604020202020204" pitchFamily="34" charset="0"/>
+              </a:rPr>
+              <a:t>6. </a:t>
+            </a:r>
+            <a:r>
+              <a:rPr lang="bg-BG" dirty="0">
+                <a:latin typeface="Arial" panose="020B0604020202020204" pitchFamily="34" charset="0"/>
+                <a:cs typeface="Arial" panose="020B0604020202020204" pitchFamily="34" charset="0"/>
+              </a:rPr>
+              <a:t>Работа с езика </a:t>
+            </a:r>
+            <a:r>
+              <a:rPr lang="en-US" b="1" dirty="0">
+                <a:latin typeface="Arial" panose="020B0604020202020204" pitchFamily="34" charset="0"/>
+                <a:cs typeface="Arial" panose="020B0604020202020204" pitchFamily="34" charset="0"/>
+              </a:rPr>
+              <a:t>SQL</a:t>
+            </a:r>
+            <a:r>
+              <a:rPr lang="en-US" dirty="0">
+                <a:latin typeface="Arial" panose="020B0604020202020204" pitchFamily="34" charset="0"/>
+                <a:cs typeface="Arial" panose="020B0604020202020204" pitchFamily="34" charset="0"/>
+              </a:rPr>
+              <a:t> </a:t>
+            </a:r>
+            <a:r>
+              <a:rPr lang="bg-BG" dirty="0">
+                <a:latin typeface="Arial" panose="020B0604020202020204" pitchFamily="34" charset="0"/>
+                <a:cs typeface="Arial" panose="020B0604020202020204" pitchFamily="34" charset="0"/>
+              </a:rPr>
+              <a:t>и с </a:t>
+            </a:r>
+            <a:r>
+              <a:rPr lang="en-US" b="1" dirty="0">
+                <a:latin typeface="Arial" panose="020B0604020202020204" pitchFamily="34" charset="0"/>
+                <a:cs typeface="Arial" panose="020B0604020202020204" pitchFamily="34" charset="0"/>
+              </a:rPr>
+              <a:t>MS SQL server</a:t>
+            </a:r>
+            <a:r>
+              <a:rPr lang="bg-BG" b="1" dirty="0">
+                <a:latin typeface="Arial" panose="020B0604020202020204" pitchFamily="34" charset="0"/>
+                <a:cs typeface="Arial" panose="020B0604020202020204" pitchFamily="34" charset="0"/>
+              </a:rPr>
+              <a:t> </a:t>
+            </a:r>
+            <a:r>
+              <a:rPr lang="bg-BG" dirty="0">
+                <a:latin typeface="Arial" panose="020B0604020202020204" pitchFamily="34" charset="0"/>
+                <a:cs typeface="Arial" panose="020B0604020202020204" pitchFamily="34" charset="0"/>
+              </a:rPr>
+              <a:t>(основи) + демо </a:t>
+            </a:r>
+          </a:p>
+          <a:p>
+            <a:r>
+              <a:rPr lang="bg-BG" dirty="0">
+                <a:latin typeface="Arial" panose="020B0604020202020204" pitchFamily="34" charset="0"/>
+                <a:cs typeface="Arial" panose="020B0604020202020204" pitchFamily="34" charset="0"/>
+              </a:rPr>
+              <a:t>7</a:t>
+            </a:r>
+            <a:r>
+              <a:rPr lang="en-US" dirty="0">
+                <a:latin typeface="Arial" panose="020B0604020202020204" pitchFamily="34" charset="0"/>
+                <a:cs typeface="Arial" panose="020B0604020202020204" pitchFamily="34" charset="0"/>
+              </a:rPr>
+              <a:t>. </a:t>
+            </a:r>
+            <a:r>
+              <a:rPr lang="bg-BG" dirty="0">
+                <a:latin typeface="Arial" panose="020B0604020202020204" pitchFamily="34" charset="0"/>
+                <a:cs typeface="Arial" panose="020B0604020202020204" pitchFamily="34" charset="0"/>
+              </a:rPr>
+              <a:t>Работа с </a:t>
+            </a:r>
+            <a:r>
+              <a:rPr lang="en-US" b="1" dirty="0">
+                <a:latin typeface="Arial" panose="020B0604020202020204" pitchFamily="34" charset="0"/>
+                <a:cs typeface="Arial" panose="020B0604020202020204" pitchFamily="34" charset="0"/>
+              </a:rPr>
+              <a:t>XML/JSON</a:t>
+            </a:r>
+            <a:r>
+              <a:rPr lang="bg-BG" b="1" dirty="0">
+                <a:latin typeface="Arial" panose="020B0604020202020204" pitchFamily="34" charset="0"/>
+                <a:cs typeface="Arial" panose="020B0604020202020204" pitchFamily="34" charset="0"/>
+              </a:rPr>
+              <a:t> </a:t>
+            </a:r>
+            <a:r>
+              <a:rPr lang="bg-BG" dirty="0">
+                <a:latin typeface="Arial" panose="020B0604020202020204" pitchFamily="34" charset="0"/>
+                <a:cs typeface="Arial" panose="020B0604020202020204" pitchFamily="34" charset="0"/>
+              </a:rPr>
+              <a:t>и </a:t>
+            </a:r>
+            <a:r>
+              <a:rPr lang="en-US" b="1" dirty="0">
+                <a:latin typeface="Arial" panose="020B0604020202020204" pitchFamily="34" charset="0"/>
+                <a:cs typeface="Arial" panose="020B0604020202020204" pitchFamily="34" charset="0"/>
+              </a:rPr>
+              <a:t>C#</a:t>
+            </a:r>
+            <a:r>
+              <a:rPr lang="bg-BG" b="1" dirty="0">
+                <a:latin typeface="Arial" panose="020B0604020202020204" pitchFamily="34" charset="0"/>
+                <a:cs typeface="Arial" panose="020B0604020202020204" pitchFamily="34" charset="0"/>
+              </a:rPr>
+              <a:t> </a:t>
+            </a:r>
+            <a:r>
+              <a:rPr lang="bg-BG" dirty="0">
+                <a:latin typeface="Arial" panose="020B0604020202020204" pitchFamily="34" charset="0"/>
+                <a:cs typeface="Arial" panose="020B0604020202020204" pitchFamily="34" charset="0"/>
+              </a:rPr>
+              <a:t>+ демо</a:t>
+            </a:r>
+            <a:endParaRPr lang="en-US" dirty="0">
+              <a:latin typeface="Arial" panose="020B0604020202020204" pitchFamily="34" charset="0"/>
+              <a:cs typeface="Arial" panose="020B0604020202020204" pitchFamily="34" charset="0"/>
+            </a:endParaRPr>
+          </a:p>
+          <a:p>
+            <a:r>
+              <a:rPr lang="en-US" dirty="0">
+                <a:latin typeface="Arial" panose="020B0604020202020204" pitchFamily="34" charset="0"/>
+                <a:cs typeface="Arial" panose="020B0604020202020204" pitchFamily="34" charset="0"/>
+              </a:rPr>
+              <a:t>8. </a:t>
+            </a:r>
+            <a:r>
+              <a:rPr lang="bg-BG" dirty="0">
+                <a:latin typeface="Arial" panose="020B0604020202020204" pitchFamily="34" charset="0"/>
+                <a:cs typeface="Arial" panose="020B0604020202020204" pitchFamily="34" charset="0"/>
+              </a:rPr>
+              <a:t>Какво е </a:t>
+            </a:r>
+            <a:r>
+              <a:rPr lang="en-US" b="1" dirty="0">
+                <a:latin typeface="Arial" panose="020B0604020202020204" pitchFamily="34" charset="0"/>
+                <a:cs typeface="Arial" panose="020B0604020202020204" pitchFamily="34" charset="0"/>
+              </a:rPr>
+              <a:t>Web</a:t>
+            </a:r>
+            <a:r>
+              <a:rPr lang="bg-BG" b="1" dirty="0">
+                <a:latin typeface="Arial" panose="020B0604020202020204" pitchFamily="34" charset="0"/>
+                <a:cs typeface="Arial" panose="020B0604020202020204" pitchFamily="34" charset="0"/>
+              </a:rPr>
+              <a:t> </a:t>
+            </a:r>
+            <a:r>
+              <a:rPr lang="en-US" b="1" dirty="0">
+                <a:latin typeface="Arial" panose="020B0604020202020204" pitchFamily="34" charset="0"/>
+                <a:cs typeface="Arial" panose="020B0604020202020204" pitchFamily="34" charset="0"/>
+              </a:rPr>
+              <a:t>API</a:t>
+            </a:r>
+            <a:r>
+              <a:rPr lang="bg-BG" dirty="0">
+                <a:latin typeface="Arial" panose="020B0604020202020204" pitchFamily="34" charset="0"/>
+                <a:cs typeface="Arial" panose="020B0604020202020204" pitchFamily="34" charset="0"/>
+              </a:rPr>
+              <a:t>? + малък проект</a:t>
+            </a:r>
+          </a:p>
+          <a:p>
+            <a:r>
+              <a:rPr lang="bg-BG" dirty="0">
+                <a:latin typeface="Arial" panose="020B0604020202020204" pitchFamily="34" charset="0"/>
+                <a:cs typeface="Arial" panose="020B0604020202020204" pitchFamily="34" charset="0"/>
+              </a:rPr>
+              <a:t>9. Какво е </a:t>
+            </a:r>
+            <a:r>
+              <a:rPr lang="en-US" b="1" dirty="0">
+                <a:latin typeface="Arial" panose="020B0604020202020204" pitchFamily="34" charset="0"/>
+                <a:cs typeface="Arial" panose="020B0604020202020204" pitchFamily="34" charset="0"/>
+              </a:rPr>
+              <a:t>MVC</a:t>
+            </a:r>
+            <a:r>
+              <a:rPr lang="en-US" dirty="0">
+                <a:latin typeface="Arial" panose="020B0604020202020204" pitchFamily="34" charset="0"/>
+                <a:cs typeface="Arial" panose="020B0604020202020204" pitchFamily="34" charset="0"/>
+              </a:rPr>
+              <a:t> </a:t>
+            </a:r>
+            <a:r>
+              <a:rPr lang="bg-BG" dirty="0">
+                <a:latin typeface="Arial" panose="020B0604020202020204" pitchFamily="34" charset="0"/>
+                <a:cs typeface="Arial" panose="020B0604020202020204" pitchFamily="34" charset="0"/>
+              </a:rPr>
+              <a:t>и как да си направим малък уеб сайт с </a:t>
+            </a:r>
+            <a:r>
+              <a:rPr lang="en-US" b="1" dirty="0">
+                <a:latin typeface="Arial" panose="020B0604020202020204" pitchFamily="34" charset="0"/>
+                <a:cs typeface="Arial" panose="020B0604020202020204" pitchFamily="34" charset="0"/>
+              </a:rPr>
+              <a:t>MVC</a:t>
+            </a:r>
+            <a:r>
+              <a:rPr lang="en-US" dirty="0">
+                <a:latin typeface="Arial" panose="020B0604020202020204" pitchFamily="34" charset="0"/>
+                <a:cs typeface="Arial" panose="020B0604020202020204" pitchFamily="34" charset="0"/>
+              </a:rPr>
+              <a:t> pattern</a:t>
+            </a:r>
+            <a:r>
+              <a:rPr lang="bg-BG" dirty="0">
+                <a:latin typeface="Arial" panose="020B0604020202020204" pitchFamily="34" charset="0"/>
+                <a:cs typeface="Arial" panose="020B0604020202020204" pitchFamily="34" charset="0"/>
+              </a:rPr>
+              <a:t>-а?</a:t>
+            </a:r>
+            <a:endParaRPr lang="en-US" dirty="0">
+              <a:latin typeface="Arial" panose="020B0604020202020204" pitchFamily="34" charset="0"/>
+              <a:cs typeface="Arial" panose="020B0604020202020204" pitchFamily="34" charset="0"/>
+            </a:endParaRPr>
+          </a:p>
+          <a:p>
+            <a:r>
+              <a:rPr lang="bg-BG" dirty="0">
+                <a:latin typeface="Arial" panose="020B0604020202020204" pitchFamily="34" charset="0"/>
+                <a:cs typeface="Arial" panose="020B0604020202020204" pitchFamily="34" charset="0"/>
+              </a:rPr>
+              <a:t>10</a:t>
+            </a:r>
+            <a:r>
+              <a:rPr lang="en-US" dirty="0">
+                <a:latin typeface="Arial" panose="020B0604020202020204" pitchFamily="34" charset="0"/>
+                <a:cs typeface="Arial" panose="020B0604020202020204" pitchFamily="34" charset="0"/>
+              </a:rPr>
+              <a:t>. </a:t>
+            </a:r>
+            <a:r>
+              <a:rPr lang="en-US" b="1" dirty="0">
+                <a:latin typeface="Arial" panose="020B0604020202020204" pitchFamily="34" charset="0"/>
+                <a:cs typeface="Arial" panose="020B0604020202020204" pitchFamily="34" charset="0"/>
+              </a:rPr>
+              <a:t>OPC UA</a:t>
+            </a:r>
+            <a:r>
+              <a:rPr lang="bg-BG" b="1" dirty="0">
+                <a:latin typeface="Arial" panose="020B0604020202020204" pitchFamily="34" charset="0"/>
+                <a:cs typeface="Arial" panose="020B0604020202020204" pitchFamily="34" charset="0"/>
+              </a:rPr>
+              <a:t> </a:t>
+            </a:r>
+            <a:r>
+              <a:rPr lang="bg-BG" dirty="0">
+                <a:latin typeface="Arial" panose="020B0604020202020204" pitchFamily="34" charset="0"/>
+                <a:cs typeface="Arial" panose="020B0604020202020204" pitchFamily="34" charset="0"/>
+              </a:rPr>
+              <a:t>и </a:t>
+            </a:r>
+            <a:r>
+              <a:rPr lang="en-US" b="1" dirty="0">
+                <a:latin typeface="Arial" panose="020B0604020202020204" pitchFamily="34" charset="0"/>
+                <a:cs typeface="Arial" panose="020B0604020202020204" pitchFamily="34" charset="0"/>
+              </a:rPr>
+              <a:t>Industry 4.0</a:t>
+            </a:r>
+            <a:endParaRPr lang="bg-BG" b="1" dirty="0">
+              <a:latin typeface="Arial" panose="020B0604020202020204" pitchFamily="34" charset="0"/>
+              <a:cs typeface="Arial" panose="020B0604020202020204" pitchFamily="34" charset="0"/>
+            </a:endParaRPr>
+          </a:p>
+          <a:p>
+            <a:endParaRPr lang="bg-BG" dirty="0"/>
+          </a:p>
+        </p:txBody>
+      </p:sp>
+    </p:spTree>
+    <p:extLst>
+      <p:ext uri="{BB962C8B-B14F-4D97-AF65-F5344CB8AC3E}">
+        <p14:creationId xmlns:p14="http://schemas.microsoft.com/office/powerpoint/2010/main" val="2671131580"/>
+      </p:ext>
+    </p:extLst>
+  </p:cSld>
+  <p:clrMapOvr>
+    <a:masterClrMapping/>
+  </p:clrMapOvr>
+</p:sld>
+</file>
+
+<file path=ppt/slides/slide10.xml><?xml version="1.0" encoding="utf-8"?>
+<p:sld xmlns:a="http://schemas.openxmlformats.org/drawingml/2006/main" xmlns:r="http://schemas.openxmlformats.org/officeDocument/2006/relationships" xmlns:p="http://schemas.openxmlformats.org/presentationml/2006/main">
+  <p:cSld>
+    <p:spTree>
+      <p:nvGrpSpPr>
+        <p:cNvPr id="1" name=""/>
+        <p:cNvGrpSpPr/>
+        <p:nvPr/>
+      </p:nvGrpSpPr>
+      <p:grpSpPr>
+        <a:xfrm>
+          <a:off x="0" y="0"/>
+          <a:ext cx="0" cy="0"/>
+          <a:chOff x="0" y="0"/>
+          <a:chExt cx="0" cy="0"/>
+        </a:xfrm>
+      </p:grpSpPr>
+      <p:sp>
+        <p:nvSpPr>
+          <p:cNvPr id="2" name="Title 1">
+            <a:extLst>
+              <a:ext uri="{FF2B5EF4-FFF2-40B4-BE49-F238E27FC236}">
+                <a16:creationId xmlns:a16="http://schemas.microsoft.com/office/drawing/2014/main" id="{F2B1C0E1-9897-4170-486D-BCFDD5C9E49B}"/>
+              </a:ext>
+            </a:extLst>
+          </p:cNvPr>
+          <p:cNvSpPr>
+            <a:spLocks noGrp="1"/>
+          </p:cNvSpPr>
+          <p:nvPr>
+            <p:ph type="title"/>
+          </p:nvPr>
+        </p:nvSpPr>
+        <p:spPr>
+          <a:xfrm>
+            <a:off x="1442415" y="940716"/>
+            <a:ext cx="8761413" cy="706964"/>
+          </a:xfrm>
+        </p:spPr>
+        <p:txBody>
+          <a:bodyPr/>
+          <a:lstStyle/>
+          <a:p>
+            <a:pPr algn="ctr"/>
+            <a:r>
+              <a:rPr lang="en-US" dirty="0">
+                <a:latin typeface="Arial" panose="020B0604020202020204" pitchFamily="34" charset="0"/>
+                <a:cs typeface="Arial" panose="020B0604020202020204" pitchFamily="34" charset="0"/>
+              </a:rPr>
+              <a:t>Queue</a:t>
+            </a:r>
+            <a:endParaRPr lang="bg-BG" dirty="0">
+              <a:latin typeface="Arial" panose="020B0604020202020204" pitchFamily="34" charset="0"/>
+              <a:cs typeface="Arial" panose="020B0604020202020204" pitchFamily="34" charset="0"/>
+            </a:endParaRPr>
+          </a:p>
+        </p:txBody>
+      </p:sp>
+      <p:sp>
+        <p:nvSpPr>
+          <p:cNvPr id="3" name="Content Placeholder 2">
+            <a:extLst>
+              <a:ext uri="{FF2B5EF4-FFF2-40B4-BE49-F238E27FC236}">
+                <a16:creationId xmlns:a16="http://schemas.microsoft.com/office/drawing/2014/main" id="{02F69ED7-4FDE-AB0F-32DE-473372D55B93}"/>
+              </a:ext>
+            </a:extLst>
+          </p:cNvPr>
+          <p:cNvSpPr>
+            <a:spLocks noGrp="1"/>
+          </p:cNvSpPr>
+          <p:nvPr>
+            <p:ph sz="half" idx="1"/>
+          </p:nvPr>
+        </p:nvSpPr>
+        <p:spPr>
+          <a:xfrm>
+            <a:off x="817464" y="3058857"/>
+            <a:ext cx="4817217" cy="2773531"/>
+          </a:xfrm>
+        </p:spPr>
+        <p:txBody>
+          <a:bodyPr>
+            <a:normAutofit/>
+          </a:bodyPr>
+          <a:lstStyle/>
+          <a:p>
+            <a:r>
+              <a:rPr lang="bg-BG" dirty="0">
+                <a:latin typeface="Arial" panose="020B0604020202020204" pitchFamily="34" charset="0"/>
+                <a:cs typeface="Arial" panose="020B0604020202020204" pitchFamily="34" charset="0"/>
+              </a:rPr>
+              <a:t>Опашката е линейна структура от данни, която следва принципа </a:t>
+            </a:r>
+            <a:r>
+              <a:rPr lang="en-US" b="1" dirty="0">
+                <a:latin typeface="Arial" panose="020B0604020202020204" pitchFamily="34" charset="0"/>
+                <a:cs typeface="Arial" panose="020B0604020202020204" pitchFamily="34" charset="0"/>
+              </a:rPr>
+              <a:t>FIFO</a:t>
+            </a:r>
+            <a:r>
+              <a:rPr lang="en-US" dirty="0">
+                <a:latin typeface="Arial" panose="020B0604020202020204" pitchFamily="34" charset="0"/>
+                <a:cs typeface="Arial" panose="020B0604020202020204" pitchFamily="34" charset="0"/>
+              </a:rPr>
+              <a:t> (</a:t>
+            </a:r>
+            <a:r>
+              <a:rPr lang="en-US" b="1" dirty="0">
+                <a:latin typeface="Arial" panose="020B0604020202020204" pitchFamily="34" charset="0"/>
+                <a:cs typeface="Arial" panose="020B0604020202020204" pitchFamily="34" charset="0"/>
+              </a:rPr>
+              <a:t>First In First Out</a:t>
+            </a:r>
+            <a:r>
+              <a:rPr lang="en-US" dirty="0">
+                <a:latin typeface="Arial" panose="020B0604020202020204" pitchFamily="34" charset="0"/>
+                <a:cs typeface="Arial" panose="020B0604020202020204" pitchFamily="34" charset="0"/>
+              </a:rPr>
+              <a:t>). </a:t>
+            </a:r>
+            <a:r>
+              <a:rPr lang="bg-BG" dirty="0">
+                <a:latin typeface="Arial" panose="020B0604020202020204" pitchFamily="34" charset="0"/>
+                <a:cs typeface="Arial" panose="020B0604020202020204" pitchFamily="34" charset="0"/>
+              </a:rPr>
+              <a:t>Това означава, че първият влязъл елемент, излиза първи.</a:t>
+            </a:r>
+            <a:endParaRPr lang="en-US" dirty="0">
+              <a:latin typeface="Arial" panose="020B0604020202020204" pitchFamily="34" charset="0"/>
+              <a:cs typeface="Arial" panose="020B0604020202020204" pitchFamily="34" charset="0"/>
+            </a:endParaRPr>
+          </a:p>
+          <a:p>
+            <a:r>
+              <a:rPr lang="bg-BG" dirty="0">
+                <a:latin typeface="Arial" panose="020B0604020202020204" pitchFamily="34" charset="0"/>
+                <a:cs typeface="Arial" panose="020B0604020202020204" pitchFamily="34" charset="0"/>
+              </a:rPr>
+              <a:t>За разлика от </a:t>
+            </a:r>
+            <a:r>
+              <a:rPr lang="en-US" dirty="0">
+                <a:latin typeface="Arial" panose="020B0604020202020204" pitchFamily="34" charset="0"/>
+                <a:cs typeface="Arial" panose="020B0604020202020204" pitchFamily="34" charset="0"/>
+              </a:rPr>
+              <a:t>stack-a</a:t>
+            </a:r>
+            <a:r>
+              <a:rPr lang="bg-BG" dirty="0">
+                <a:latin typeface="Arial" panose="020B0604020202020204" pitchFamily="34" charset="0"/>
+                <a:cs typeface="Arial" panose="020B0604020202020204" pitchFamily="34" charset="0"/>
+              </a:rPr>
+              <a:t>, при опашката можем да работим и с двата и края</a:t>
+            </a:r>
+            <a:r>
+              <a:rPr lang="en-US" dirty="0">
+                <a:latin typeface="Arial" panose="020B0604020202020204" pitchFamily="34" charset="0"/>
+                <a:cs typeface="Arial" panose="020B0604020202020204" pitchFamily="34" charset="0"/>
+              </a:rPr>
+              <a:t>.</a:t>
+            </a:r>
+            <a:r>
+              <a:rPr lang="bg-BG" dirty="0">
+                <a:latin typeface="Arial" panose="020B0604020202020204" pitchFamily="34" charset="0"/>
+                <a:cs typeface="Arial" panose="020B0604020202020204" pitchFamily="34" charset="0"/>
+              </a:rPr>
+              <a:t> </a:t>
+            </a:r>
+          </a:p>
+        </p:txBody>
+      </p:sp>
+      <p:pic>
+        <p:nvPicPr>
+          <p:cNvPr id="7" name="Picture 6" descr="A group of people standing in a line&#10;&#10;Description automatically generated">
+            <a:extLst>
+              <a:ext uri="{FF2B5EF4-FFF2-40B4-BE49-F238E27FC236}">
+                <a16:creationId xmlns:a16="http://schemas.microsoft.com/office/drawing/2014/main" id="{6DA3C5A3-5069-AFD7-407A-6A13C877D323}"/>
+              </a:ext>
+            </a:extLst>
+          </p:cNvPr>
+          <p:cNvPicPr>
+            <a:picLocks noChangeAspect="1"/>
+          </p:cNvPicPr>
+          <p:nvPr/>
+        </p:nvPicPr>
+        <p:blipFill>
+          <a:blip r:embed="rId2">
+            <a:extLst>
+              <a:ext uri="{28A0092B-C50C-407E-A947-70E740481C1C}">
+                <a14:useLocalDpi xmlns:a14="http://schemas.microsoft.com/office/drawing/2010/main" val="0"/>
+              </a:ext>
+            </a:extLst>
+          </a:blip>
+          <a:stretch>
+            <a:fillRect/>
+          </a:stretch>
+        </p:blipFill>
+        <p:spPr>
+          <a:xfrm>
+            <a:off x="6096000" y="2847207"/>
+            <a:ext cx="5013974" cy="3764485"/>
+          </a:xfrm>
+          <a:prstGeom prst="rect">
+            <a:avLst/>
+          </a:prstGeom>
+        </p:spPr>
+      </p:pic>
+    </p:spTree>
+    <p:extLst>
+      <p:ext uri="{BB962C8B-B14F-4D97-AF65-F5344CB8AC3E}">
+        <p14:creationId xmlns:p14="http://schemas.microsoft.com/office/powerpoint/2010/main" val="3499088978"/>
+      </p:ext>
+    </p:extLst>
+  </p:cSld>
+  <p:clrMapOvr>
+    <a:masterClrMapping/>
+  </p:clrMapOvr>
+</p:sld>
+</file>
+
+<file path=ppt/slides/slide11.xml><?xml version="1.0" encoding="utf-8"?>
+<p:sld xmlns:a="http://schemas.openxmlformats.org/drawingml/2006/main" xmlns:r="http://schemas.openxmlformats.org/officeDocument/2006/relationships" xmlns:p="http://schemas.openxmlformats.org/presentationml/2006/main">
+  <p:cSld>
+    <p:spTree>
+      <p:nvGrpSpPr>
+        <p:cNvPr id="1" name=""/>
+        <p:cNvGrpSpPr/>
+        <p:nvPr/>
+      </p:nvGrpSpPr>
+      <p:grpSpPr>
+        <a:xfrm>
+          <a:off x="0" y="0"/>
+          <a:ext cx="0" cy="0"/>
+          <a:chOff x="0" y="0"/>
+          <a:chExt cx="0" cy="0"/>
+        </a:xfrm>
+      </p:grpSpPr>
+      <p:sp>
+        <p:nvSpPr>
+          <p:cNvPr id="2" name="Title 1">
+            <a:extLst>
+              <a:ext uri="{FF2B5EF4-FFF2-40B4-BE49-F238E27FC236}">
+                <a16:creationId xmlns:a16="http://schemas.microsoft.com/office/drawing/2014/main" id="{8AAE7584-C512-3B3E-9063-221B70B28FCE}"/>
+              </a:ext>
+            </a:extLst>
+          </p:cNvPr>
+          <p:cNvSpPr>
+            <a:spLocks noGrp="1"/>
+          </p:cNvSpPr>
+          <p:nvPr>
+            <p:ph type="title"/>
+          </p:nvPr>
+        </p:nvSpPr>
+        <p:spPr/>
+        <p:txBody>
+          <a:bodyPr/>
+          <a:lstStyle/>
+          <a:p>
+            <a:pPr algn="ctr"/>
+            <a:r>
+              <a:rPr lang="bg-BG" dirty="0">
+                <a:latin typeface="Arial" panose="020B0604020202020204" pitchFamily="34" charset="0"/>
+                <a:cs typeface="Arial" panose="020B0604020202020204" pitchFamily="34" charset="0"/>
+              </a:rPr>
+              <a:t>Основни операции с </a:t>
+            </a:r>
+            <a:r>
+              <a:rPr lang="en-US" dirty="0">
+                <a:latin typeface="Arial" panose="020B0604020202020204" pitchFamily="34" charset="0"/>
+                <a:cs typeface="Arial" panose="020B0604020202020204" pitchFamily="34" charset="0"/>
+              </a:rPr>
+              <a:t>Queue</a:t>
+            </a:r>
+            <a:endParaRPr lang="bg-BG" dirty="0">
+              <a:latin typeface="Arial" panose="020B0604020202020204" pitchFamily="34" charset="0"/>
+              <a:cs typeface="Arial" panose="020B0604020202020204" pitchFamily="34" charset="0"/>
+            </a:endParaRPr>
+          </a:p>
+        </p:txBody>
+      </p:sp>
+      <p:sp>
+        <p:nvSpPr>
+          <p:cNvPr id="3" name="Content Placeholder 2">
+            <a:extLst>
+              <a:ext uri="{FF2B5EF4-FFF2-40B4-BE49-F238E27FC236}">
+                <a16:creationId xmlns:a16="http://schemas.microsoft.com/office/drawing/2014/main" id="{48C4106E-4291-A145-B752-B4B29A6CC241}"/>
+              </a:ext>
+            </a:extLst>
+          </p:cNvPr>
+          <p:cNvSpPr>
+            <a:spLocks noGrp="1"/>
+          </p:cNvSpPr>
+          <p:nvPr>
+            <p:ph sz="half" idx="1"/>
+          </p:nvPr>
+        </p:nvSpPr>
+        <p:spPr>
+          <a:xfrm>
+            <a:off x="980302" y="2603500"/>
+            <a:ext cx="4999809" cy="3416301"/>
+          </a:xfrm>
+        </p:spPr>
+        <p:txBody>
+          <a:bodyPr/>
+          <a:lstStyle/>
+          <a:p>
+            <a:r>
+              <a:rPr lang="bg-BG" dirty="0">
+                <a:latin typeface="Arial" panose="020B0604020202020204" pitchFamily="34" charset="0"/>
+                <a:cs typeface="Arial" panose="020B0604020202020204" pitchFamily="34" charset="0"/>
+              </a:rPr>
+              <a:t>Вкарването на елемент в</a:t>
+            </a:r>
+            <a:r>
+              <a:rPr lang="en-US" dirty="0">
+                <a:latin typeface="Arial" panose="020B0604020202020204" pitchFamily="34" charset="0"/>
+                <a:cs typeface="Arial" panose="020B0604020202020204" pitchFamily="34" charset="0"/>
+              </a:rPr>
+              <a:t> </a:t>
+            </a:r>
+            <a:r>
+              <a:rPr lang="bg-BG" dirty="0">
+                <a:latin typeface="Arial" panose="020B0604020202020204" pitchFamily="34" charset="0"/>
+                <a:cs typeface="Arial" panose="020B0604020202020204" pitchFamily="34" charset="0"/>
+              </a:rPr>
+              <a:t>края на опашката се нарича </a:t>
+            </a:r>
+            <a:r>
+              <a:rPr lang="en-US" b="1" dirty="0">
+                <a:latin typeface="Arial" panose="020B0604020202020204" pitchFamily="34" charset="0"/>
+                <a:cs typeface="Arial" panose="020B0604020202020204" pitchFamily="34" charset="0"/>
+              </a:rPr>
+              <a:t>enqueue, </a:t>
+            </a:r>
+            <a:r>
+              <a:rPr lang="bg-BG" dirty="0">
+                <a:latin typeface="Arial" panose="020B0604020202020204" pitchFamily="34" charset="0"/>
+                <a:cs typeface="Arial" panose="020B0604020202020204" pitchFamily="34" charset="0"/>
+              </a:rPr>
+              <a:t>а изтриването на елемент от началото на опашката се нарича </a:t>
+            </a:r>
+            <a:r>
+              <a:rPr lang="en-US" b="1" dirty="0">
+                <a:latin typeface="Arial" panose="020B0604020202020204" pitchFamily="34" charset="0"/>
+                <a:cs typeface="Arial" panose="020B0604020202020204" pitchFamily="34" charset="0"/>
+              </a:rPr>
+              <a:t>dequeue.</a:t>
+            </a:r>
+          </a:p>
+          <a:p>
+            <a:r>
+              <a:rPr lang="bg-BG" dirty="0">
+                <a:latin typeface="Arial" panose="020B0604020202020204" pitchFamily="34" charset="0"/>
+                <a:cs typeface="Arial" panose="020B0604020202020204" pitchFamily="34" charset="0"/>
+              </a:rPr>
+              <a:t>Можем да работим само с двата края на опашката. Нямаме </a:t>
+            </a:r>
+            <a:r>
+              <a:rPr lang="bg-BG" dirty="0" err="1">
+                <a:latin typeface="Arial" panose="020B0604020202020204" pitchFamily="34" charset="0"/>
+                <a:cs typeface="Arial" panose="020B0604020202020204" pitchFamily="34" charset="0"/>
+              </a:rPr>
+              <a:t>индексатор</a:t>
+            </a:r>
+            <a:r>
+              <a:rPr lang="bg-BG" dirty="0">
+                <a:latin typeface="Arial" panose="020B0604020202020204" pitchFamily="34" charset="0"/>
+                <a:cs typeface="Arial" panose="020B0604020202020204" pitchFamily="34" charset="0"/>
+              </a:rPr>
+              <a:t>, както тук, така и в стека.</a:t>
+            </a:r>
+          </a:p>
+        </p:txBody>
+      </p:sp>
+      <p:pic>
+        <p:nvPicPr>
+          <p:cNvPr id="6" name="Content Placeholder 5" descr="A screenshot of a computer&#10;&#10;Description automatically generated">
+            <a:extLst>
+              <a:ext uri="{FF2B5EF4-FFF2-40B4-BE49-F238E27FC236}">
+                <a16:creationId xmlns:a16="http://schemas.microsoft.com/office/drawing/2014/main" id="{8AAB02EF-41A2-6F5B-115C-5B204C9D26F6}"/>
+              </a:ext>
+            </a:extLst>
+          </p:cNvPr>
+          <p:cNvPicPr>
+            <a:picLocks noGrp="1" noChangeAspect="1"/>
+          </p:cNvPicPr>
+          <p:nvPr>
+            <p:ph sz="half" idx="2"/>
+          </p:nvPr>
+        </p:nvPicPr>
+        <p:blipFill>
+          <a:blip r:embed="rId2">
+            <a:extLst>
+              <a:ext uri="{28A0092B-C50C-407E-A947-70E740481C1C}">
+                <a14:useLocalDpi xmlns:a14="http://schemas.microsoft.com/office/drawing/2010/main" val="0"/>
+              </a:ext>
+            </a:extLst>
+          </a:blip>
+          <a:stretch>
+            <a:fillRect/>
+          </a:stretch>
+        </p:blipFill>
+        <p:spPr>
+          <a:xfrm>
+            <a:off x="6211890" y="2603500"/>
+            <a:ext cx="5747070" cy="3212414"/>
+          </a:xfrm>
+        </p:spPr>
+      </p:pic>
+    </p:spTree>
+    <p:extLst>
+      <p:ext uri="{BB962C8B-B14F-4D97-AF65-F5344CB8AC3E}">
+        <p14:creationId xmlns:p14="http://schemas.microsoft.com/office/powerpoint/2010/main" val="1749456645"/>
+      </p:ext>
+    </p:extLst>
+  </p:cSld>
+  <p:clrMapOvr>
+    <a:masterClrMapping/>
+  </p:clrMapOvr>
+</p:sld>
+</file>
+
+<file path=ppt/slides/slide12.xml><?xml version="1.0" encoding="utf-8"?>
+<p:sld xmlns:a="http://schemas.openxmlformats.org/drawingml/2006/main" xmlns:r="http://schemas.openxmlformats.org/officeDocument/2006/relationships" xmlns:p="http://schemas.openxmlformats.org/presentationml/2006/main">
+  <p:cSld>
+    <p:spTree>
+      <p:nvGrpSpPr>
+        <p:cNvPr id="1" name=""/>
+        <p:cNvGrpSpPr/>
+        <p:nvPr/>
+      </p:nvGrpSpPr>
+      <p:grpSpPr>
+        <a:xfrm>
+          <a:off x="0" y="0"/>
+          <a:ext cx="0" cy="0"/>
+          <a:chOff x="0" y="0"/>
+          <a:chExt cx="0" cy="0"/>
+        </a:xfrm>
+      </p:grpSpPr>
+      <p:sp>
+        <p:nvSpPr>
+          <p:cNvPr id="2" name="Title 1">
+            <a:extLst>
+              <a:ext uri="{FF2B5EF4-FFF2-40B4-BE49-F238E27FC236}">
+                <a16:creationId xmlns:a16="http://schemas.microsoft.com/office/drawing/2014/main" id="{C5358E4D-AD18-8E96-EDBD-D1CD102FB89D}"/>
+              </a:ext>
+            </a:extLst>
+          </p:cNvPr>
+          <p:cNvSpPr>
+            <a:spLocks noGrp="1"/>
+          </p:cNvSpPr>
+          <p:nvPr>
+            <p:ph type="title"/>
+          </p:nvPr>
+        </p:nvSpPr>
+        <p:spPr/>
+        <p:txBody>
+          <a:bodyPr/>
+          <a:lstStyle/>
+          <a:p>
+            <a:pPr algn="ctr"/>
+            <a:r>
+              <a:rPr lang="bg-BG" dirty="0">
+                <a:latin typeface="Arial" panose="020B0604020202020204" pitchFamily="34" charset="0"/>
+                <a:cs typeface="Arial" panose="020B0604020202020204" pitchFamily="34" charset="0"/>
+              </a:rPr>
+              <a:t>Опашката като </a:t>
+            </a:r>
+            <a:r>
+              <a:rPr lang="en-US" dirty="0">
+                <a:latin typeface="Arial" panose="020B0604020202020204" pitchFamily="34" charset="0"/>
+                <a:cs typeface="Arial" panose="020B0604020202020204" pitchFamily="34" charset="0"/>
+              </a:rPr>
+              <a:t>Abstract Data Type</a:t>
+            </a:r>
+            <a:endParaRPr lang="bg-BG" dirty="0">
+              <a:latin typeface="Arial" panose="020B0604020202020204" pitchFamily="34" charset="0"/>
+              <a:cs typeface="Arial" panose="020B0604020202020204" pitchFamily="34" charset="0"/>
+            </a:endParaRPr>
+          </a:p>
+        </p:txBody>
+      </p:sp>
+      <p:sp>
+        <p:nvSpPr>
+          <p:cNvPr id="3" name="Content Placeholder 2">
+            <a:extLst>
+              <a:ext uri="{FF2B5EF4-FFF2-40B4-BE49-F238E27FC236}">
+                <a16:creationId xmlns:a16="http://schemas.microsoft.com/office/drawing/2014/main" id="{F6663F0F-DE8D-FBCE-AC26-177BFDD99596}"/>
+              </a:ext>
+            </a:extLst>
+          </p:cNvPr>
+          <p:cNvSpPr>
+            <a:spLocks noGrp="1"/>
+          </p:cNvSpPr>
+          <p:nvPr>
+            <p:ph idx="1"/>
+          </p:nvPr>
+        </p:nvSpPr>
+        <p:spPr/>
+        <p:txBody>
+          <a:bodyPr/>
+          <a:lstStyle/>
+          <a:p>
+            <a:r>
+              <a:rPr lang="bg-BG" dirty="0">
+                <a:solidFill>
+                  <a:schemeClr val="tx1"/>
+                </a:solidFill>
+                <a:latin typeface="Arial" panose="020B0604020202020204" pitchFamily="34" charset="0"/>
+                <a:cs typeface="Arial" panose="020B0604020202020204" pitchFamily="34" charset="0"/>
+              </a:rPr>
+              <a:t>Абстрактни операции и свойства на </a:t>
+            </a:r>
+            <a:r>
+              <a:rPr lang="en-US" dirty="0">
+                <a:solidFill>
+                  <a:schemeClr val="tx1"/>
+                </a:solidFill>
+                <a:latin typeface="Arial" panose="020B0604020202020204" pitchFamily="34" charset="0"/>
+                <a:cs typeface="Arial" panose="020B0604020202020204" pitchFamily="34" charset="0"/>
+              </a:rPr>
+              <a:t>queue</a:t>
+            </a:r>
+            <a:r>
+              <a:rPr lang="bg-BG" dirty="0">
+                <a:solidFill>
+                  <a:schemeClr val="tx1"/>
+                </a:solidFill>
+                <a:latin typeface="Arial" panose="020B0604020202020204" pitchFamily="34" charset="0"/>
+                <a:cs typeface="Arial" panose="020B0604020202020204" pitchFamily="34" charset="0"/>
+              </a:rPr>
+              <a:t>-то:</a:t>
+            </a:r>
+          </a:p>
+          <a:p>
+            <a:pPr lvl="1"/>
+            <a:r>
+              <a:rPr lang="en-US" sz="1700" dirty="0">
+                <a:solidFill>
+                  <a:srgbClr val="C00000"/>
+                </a:solidFill>
+                <a:latin typeface="Arial" panose="020B0604020202020204" pitchFamily="34" charset="0"/>
+                <a:cs typeface="Arial" panose="020B0604020202020204" pitchFamily="34" charset="0"/>
+              </a:rPr>
+              <a:t>Enqueue</a:t>
+            </a:r>
+            <a:r>
+              <a:rPr lang="en-US" sz="1700" dirty="0">
+                <a:solidFill>
+                  <a:schemeClr val="tx1"/>
+                </a:solidFill>
+                <a:latin typeface="Arial" panose="020B0604020202020204" pitchFamily="34" charset="0"/>
+                <a:cs typeface="Arial" panose="020B0604020202020204" pitchFamily="34" charset="0"/>
+              </a:rPr>
+              <a:t> </a:t>
+            </a:r>
+            <a:r>
+              <a:rPr lang="bg-BG" sz="1700" dirty="0">
+                <a:solidFill>
+                  <a:schemeClr val="tx1"/>
+                </a:solidFill>
+                <a:latin typeface="Arial" panose="020B0604020202020204" pitchFamily="34" charset="0"/>
+                <a:cs typeface="Arial" panose="020B0604020202020204" pitchFamily="34" charset="0"/>
+              </a:rPr>
+              <a:t> - добавяне на елемент в края на опашката (</a:t>
+            </a:r>
+            <a:r>
+              <a:rPr lang="en-US" sz="1700" dirty="0">
+                <a:solidFill>
+                  <a:schemeClr val="tx1"/>
+                </a:solidFill>
+                <a:latin typeface="Arial" panose="020B0604020202020204" pitchFamily="34" charset="0"/>
+                <a:cs typeface="Arial" panose="020B0604020202020204" pitchFamily="34" charset="0"/>
+              </a:rPr>
+              <a:t>back/tail/rear</a:t>
+            </a:r>
+            <a:r>
+              <a:rPr lang="bg-BG" sz="1700" dirty="0">
+                <a:solidFill>
+                  <a:schemeClr val="tx1"/>
+                </a:solidFill>
+                <a:latin typeface="Arial" panose="020B0604020202020204" pitchFamily="34" charset="0"/>
+                <a:cs typeface="Arial" panose="020B0604020202020204" pitchFamily="34" charset="0"/>
+              </a:rPr>
+              <a:t>)</a:t>
+            </a:r>
+            <a:endParaRPr lang="en-US" sz="1700" dirty="0">
+              <a:solidFill>
+                <a:schemeClr val="tx1"/>
+              </a:solidFill>
+              <a:latin typeface="Arial" panose="020B0604020202020204" pitchFamily="34" charset="0"/>
+              <a:cs typeface="Arial" panose="020B0604020202020204" pitchFamily="34" charset="0"/>
+            </a:endParaRPr>
+          </a:p>
+          <a:p>
+            <a:pPr lvl="1"/>
+            <a:r>
+              <a:rPr lang="en-US" sz="1700" dirty="0">
+                <a:solidFill>
+                  <a:srgbClr val="C00000"/>
+                </a:solidFill>
+                <a:latin typeface="Arial" panose="020B0604020202020204" pitchFamily="34" charset="0"/>
+                <a:cs typeface="Arial" panose="020B0604020202020204" pitchFamily="34" charset="0"/>
+              </a:rPr>
+              <a:t>Dequeue</a:t>
+            </a:r>
+            <a:r>
+              <a:rPr lang="en-US" sz="1700" dirty="0">
+                <a:solidFill>
+                  <a:schemeClr val="tx1"/>
+                </a:solidFill>
+                <a:latin typeface="Arial" panose="020B0604020202020204" pitchFamily="34" charset="0"/>
+                <a:cs typeface="Arial" panose="020B0604020202020204" pitchFamily="34" charset="0"/>
+              </a:rPr>
+              <a:t> </a:t>
+            </a:r>
+            <a:r>
+              <a:rPr lang="bg-BG" sz="1700" dirty="0">
+                <a:solidFill>
+                  <a:schemeClr val="tx1"/>
+                </a:solidFill>
+                <a:latin typeface="Arial" panose="020B0604020202020204" pitchFamily="34" charset="0"/>
+                <a:cs typeface="Arial" panose="020B0604020202020204" pitchFamily="34" charset="0"/>
+              </a:rPr>
+              <a:t>- изтриване на елемент от началото на опашката</a:t>
+            </a:r>
+            <a:r>
+              <a:rPr lang="en-US" sz="1700" dirty="0">
+                <a:solidFill>
+                  <a:schemeClr val="tx1"/>
+                </a:solidFill>
+                <a:latin typeface="Arial" panose="020B0604020202020204" pitchFamily="34" charset="0"/>
+                <a:cs typeface="Arial" panose="020B0604020202020204" pitchFamily="34" charset="0"/>
+              </a:rPr>
+              <a:t> (front/head)</a:t>
+            </a:r>
+          </a:p>
+          <a:p>
+            <a:pPr lvl="1"/>
+            <a:r>
+              <a:rPr lang="en-US" sz="1700" dirty="0">
+                <a:solidFill>
+                  <a:srgbClr val="C00000"/>
+                </a:solidFill>
+                <a:latin typeface="Arial" panose="020B0604020202020204" pitchFamily="34" charset="0"/>
+                <a:cs typeface="Arial" panose="020B0604020202020204" pitchFamily="34" charset="0"/>
+              </a:rPr>
+              <a:t>Peek</a:t>
+            </a:r>
+            <a:r>
+              <a:rPr lang="bg-BG" sz="1700" dirty="0">
+                <a:solidFill>
+                  <a:schemeClr val="tx1"/>
+                </a:solidFill>
+                <a:latin typeface="Arial" panose="020B0604020202020204" pitchFamily="34" charset="0"/>
+                <a:cs typeface="Arial" panose="020B0604020202020204" pitchFamily="34" charset="0"/>
+              </a:rPr>
+              <a:t> - извличане на първия влязъл елемент</a:t>
+            </a:r>
+            <a:endParaRPr lang="en-US" sz="1700" dirty="0">
+              <a:solidFill>
+                <a:schemeClr val="tx1"/>
+              </a:solidFill>
+              <a:latin typeface="Arial" panose="020B0604020202020204" pitchFamily="34" charset="0"/>
+              <a:cs typeface="Arial" panose="020B0604020202020204" pitchFamily="34" charset="0"/>
+            </a:endParaRPr>
+          </a:p>
+          <a:p>
+            <a:pPr lvl="1"/>
+            <a:r>
+              <a:rPr lang="en-US" sz="1700" dirty="0" err="1">
+                <a:solidFill>
+                  <a:srgbClr val="C00000"/>
+                </a:solidFill>
+                <a:latin typeface="Arial" panose="020B0604020202020204" pitchFamily="34" charset="0"/>
+                <a:cs typeface="Arial" panose="020B0604020202020204" pitchFamily="34" charset="0"/>
+              </a:rPr>
+              <a:t>IsFull</a:t>
+            </a:r>
+            <a:r>
+              <a:rPr lang="bg-BG" sz="1700" dirty="0">
+                <a:solidFill>
+                  <a:srgbClr val="C00000"/>
+                </a:solidFill>
+                <a:latin typeface="Arial" panose="020B0604020202020204" pitchFamily="34" charset="0"/>
+                <a:cs typeface="Arial" panose="020B0604020202020204" pitchFamily="34" charset="0"/>
+              </a:rPr>
+              <a:t> </a:t>
+            </a:r>
+            <a:r>
+              <a:rPr lang="bg-BG" sz="1700" dirty="0">
+                <a:solidFill>
+                  <a:schemeClr val="tx1"/>
+                </a:solidFill>
+                <a:latin typeface="Arial" panose="020B0604020202020204" pitchFamily="34" charset="0"/>
+                <a:cs typeface="Arial" panose="020B0604020202020204" pitchFamily="34" charset="0"/>
+              </a:rPr>
+              <a:t>-</a:t>
+            </a:r>
+            <a:r>
+              <a:rPr lang="bg-BG" sz="1700" dirty="0">
+                <a:solidFill>
+                  <a:srgbClr val="C00000"/>
+                </a:solidFill>
+                <a:latin typeface="Arial" panose="020B0604020202020204" pitchFamily="34" charset="0"/>
+                <a:cs typeface="Arial" panose="020B0604020202020204" pitchFamily="34" charset="0"/>
+              </a:rPr>
+              <a:t> </a:t>
+            </a:r>
+            <a:r>
+              <a:rPr lang="en-US" sz="1700" dirty="0">
+                <a:solidFill>
+                  <a:schemeClr val="tx1"/>
+                </a:solidFill>
+                <a:latin typeface="Arial" panose="020B0604020202020204" pitchFamily="34" charset="0"/>
+                <a:cs typeface="Arial" panose="020B0604020202020204" pitchFamily="34" charset="0"/>
+              </a:rPr>
+              <a:t> </a:t>
+            </a:r>
+            <a:r>
+              <a:rPr lang="bg-BG" sz="1700" dirty="0">
+                <a:solidFill>
+                  <a:schemeClr val="tx1"/>
+                </a:solidFill>
+                <a:latin typeface="Arial" panose="020B0604020202020204" pitchFamily="34" charset="0"/>
+                <a:cs typeface="Arial" panose="020B0604020202020204" pitchFamily="34" charset="0"/>
+              </a:rPr>
+              <a:t>проверка дали опашката е пълна</a:t>
+            </a:r>
+            <a:endParaRPr lang="en-US" sz="1700" dirty="0">
+              <a:solidFill>
+                <a:schemeClr val="tx1"/>
+              </a:solidFill>
+              <a:latin typeface="Arial" panose="020B0604020202020204" pitchFamily="34" charset="0"/>
+              <a:cs typeface="Arial" panose="020B0604020202020204" pitchFamily="34" charset="0"/>
+            </a:endParaRPr>
+          </a:p>
+          <a:p>
+            <a:pPr lvl="1"/>
+            <a:r>
+              <a:rPr lang="en-US" sz="1700" dirty="0" err="1">
+                <a:solidFill>
+                  <a:srgbClr val="C00000"/>
+                </a:solidFill>
+                <a:latin typeface="Arial" panose="020B0604020202020204" pitchFamily="34" charset="0"/>
+                <a:cs typeface="Arial" panose="020B0604020202020204" pitchFamily="34" charset="0"/>
+              </a:rPr>
+              <a:t>IsEmpty</a:t>
+            </a:r>
+            <a:r>
+              <a:rPr lang="bg-BG" sz="1700" dirty="0">
+                <a:solidFill>
+                  <a:srgbClr val="C00000"/>
+                </a:solidFill>
+                <a:latin typeface="Arial" panose="020B0604020202020204" pitchFamily="34" charset="0"/>
+                <a:cs typeface="Arial" panose="020B0604020202020204" pitchFamily="34" charset="0"/>
+              </a:rPr>
+              <a:t> </a:t>
+            </a:r>
+            <a:r>
+              <a:rPr lang="bg-BG" sz="1700" dirty="0">
+                <a:solidFill>
+                  <a:schemeClr val="tx1"/>
+                </a:solidFill>
+                <a:latin typeface="Arial" panose="020B0604020202020204" pitchFamily="34" charset="0"/>
+                <a:cs typeface="Arial" panose="020B0604020202020204" pitchFamily="34" charset="0"/>
+              </a:rPr>
+              <a:t>- проверка дали опашката е празна</a:t>
+            </a:r>
+            <a:endParaRPr lang="en-US" sz="1700" dirty="0">
+              <a:solidFill>
+                <a:schemeClr val="tx1"/>
+              </a:solidFill>
+              <a:latin typeface="Arial" panose="020B0604020202020204" pitchFamily="34" charset="0"/>
+              <a:cs typeface="Arial" panose="020B0604020202020204" pitchFamily="34" charset="0"/>
+            </a:endParaRPr>
+          </a:p>
+          <a:p>
+            <a:pPr lvl="1"/>
+            <a:r>
+              <a:rPr lang="en-US" sz="1700" dirty="0">
+                <a:solidFill>
+                  <a:srgbClr val="C00000"/>
+                </a:solidFill>
+                <a:latin typeface="Arial" panose="020B0604020202020204" pitchFamily="34" charset="0"/>
+                <a:cs typeface="Arial" panose="020B0604020202020204" pitchFamily="34" charset="0"/>
+              </a:rPr>
+              <a:t>Count</a:t>
+            </a:r>
+            <a:r>
+              <a:rPr lang="en-US" sz="1700" dirty="0">
+                <a:solidFill>
+                  <a:schemeClr val="tx1"/>
+                </a:solidFill>
+                <a:latin typeface="Arial" panose="020B0604020202020204" pitchFamily="34" charset="0"/>
+                <a:cs typeface="Arial" panose="020B0604020202020204" pitchFamily="34" charset="0"/>
+              </a:rPr>
+              <a:t> </a:t>
+            </a:r>
+            <a:r>
+              <a:rPr lang="bg-BG" sz="1700" dirty="0">
+                <a:solidFill>
+                  <a:schemeClr val="tx1"/>
+                </a:solidFill>
+                <a:latin typeface="Arial" panose="020B0604020202020204" pitchFamily="34" charset="0"/>
+                <a:cs typeface="Arial" panose="020B0604020202020204" pitchFamily="34" charset="0"/>
+              </a:rPr>
+              <a:t>- вземане на броя на елементите на опашката</a:t>
+            </a:r>
+          </a:p>
+          <a:p>
+            <a:endParaRPr lang="bg-BG" dirty="0"/>
+          </a:p>
+        </p:txBody>
+      </p:sp>
+    </p:spTree>
+    <p:extLst>
+      <p:ext uri="{BB962C8B-B14F-4D97-AF65-F5344CB8AC3E}">
+        <p14:creationId xmlns:p14="http://schemas.microsoft.com/office/powerpoint/2010/main" val="2538157563"/>
+      </p:ext>
+    </p:extLst>
+  </p:cSld>
+  <p:clrMapOvr>
+    <a:masterClrMapping/>
+  </p:clrMapOvr>
+</p:sld>
+</file>
+
+<file path=ppt/slides/slide13.xml><?xml version="1.0" encoding="utf-8"?>
+<p:sld xmlns:a="http://schemas.openxmlformats.org/drawingml/2006/main" xmlns:r="http://schemas.openxmlformats.org/officeDocument/2006/relationships" xmlns:p="http://schemas.openxmlformats.org/presentationml/2006/main">
+  <p:cSld>
+    <p:spTree>
+      <p:nvGrpSpPr>
+        <p:cNvPr id="1" name=""/>
+        <p:cNvGrpSpPr/>
+        <p:nvPr/>
+      </p:nvGrpSpPr>
+      <p:grpSpPr>
+        <a:xfrm>
+          <a:off x="0" y="0"/>
+          <a:ext cx="0" cy="0"/>
+          <a:chOff x="0" y="0"/>
+          <a:chExt cx="0" cy="0"/>
+        </a:xfrm>
+      </p:grpSpPr>
+      <p:sp>
+        <p:nvSpPr>
+          <p:cNvPr id="2" name="Title 1">
+            <a:extLst>
+              <a:ext uri="{FF2B5EF4-FFF2-40B4-BE49-F238E27FC236}">
+                <a16:creationId xmlns:a16="http://schemas.microsoft.com/office/drawing/2014/main" id="{1D258535-F9DF-F6C3-B492-38C80F7AFDA6}"/>
+              </a:ext>
+            </a:extLst>
+          </p:cNvPr>
+          <p:cNvSpPr>
+            <a:spLocks noGrp="1"/>
+          </p:cNvSpPr>
+          <p:nvPr>
+            <p:ph type="title"/>
+          </p:nvPr>
+        </p:nvSpPr>
+        <p:spPr/>
+        <p:txBody>
+          <a:bodyPr/>
+          <a:lstStyle/>
+          <a:p>
+            <a:pPr algn="ctr"/>
+            <a:r>
+              <a:rPr lang="en-US" dirty="0">
+                <a:latin typeface="Arial" panose="020B0604020202020204" pitchFamily="34" charset="0"/>
+                <a:cs typeface="Arial" panose="020B0604020202020204" pitchFamily="34" charset="0"/>
+              </a:rPr>
+              <a:t>Queue </a:t>
+            </a:r>
+            <a:r>
+              <a:rPr lang="bg-BG" dirty="0">
+                <a:latin typeface="Arial" panose="020B0604020202020204" pitchFamily="34" charset="0"/>
+                <a:cs typeface="Arial" panose="020B0604020202020204" pitchFamily="34" charset="0"/>
+              </a:rPr>
+              <a:t>в </a:t>
+            </a:r>
+            <a:r>
+              <a:rPr lang="en-US" dirty="0">
+                <a:latin typeface="Arial" panose="020B0604020202020204" pitchFamily="34" charset="0"/>
+                <a:cs typeface="Arial" panose="020B0604020202020204" pitchFamily="34" charset="0"/>
+              </a:rPr>
+              <a:t>C#</a:t>
+            </a:r>
+            <a:endParaRPr lang="bg-BG" dirty="0">
+              <a:latin typeface="Arial" panose="020B0604020202020204" pitchFamily="34" charset="0"/>
+              <a:cs typeface="Arial" panose="020B0604020202020204" pitchFamily="34" charset="0"/>
+            </a:endParaRPr>
+          </a:p>
+        </p:txBody>
+      </p:sp>
+      <p:sp>
+        <p:nvSpPr>
+          <p:cNvPr id="3" name="Content Placeholder 2">
+            <a:extLst>
+              <a:ext uri="{FF2B5EF4-FFF2-40B4-BE49-F238E27FC236}">
+                <a16:creationId xmlns:a16="http://schemas.microsoft.com/office/drawing/2014/main" id="{0356D867-7274-9F16-E0BA-103A2BB1D0FC}"/>
+              </a:ext>
+            </a:extLst>
+          </p:cNvPr>
+          <p:cNvSpPr>
+            <a:spLocks noGrp="1"/>
+          </p:cNvSpPr>
+          <p:nvPr>
+            <p:ph idx="1"/>
+          </p:nvPr>
+        </p:nvSpPr>
+        <p:spPr/>
+        <p:txBody>
+          <a:bodyPr>
+            <a:normAutofit/>
+          </a:bodyPr>
+          <a:lstStyle/>
+          <a:p>
+            <a:r>
+              <a:rPr lang="en-US" dirty="0">
+                <a:solidFill>
+                  <a:schemeClr val="accent4">
+                    <a:lumMod val="50000"/>
+                  </a:schemeClr>
+                </a:solidFill>
+                <a:latin typeface="Arial" panose="020B0604020202020204" pitchFamily="34" charset="0"/>
+                <a:cs typeface="Arial" panose="020B0604020202020204" pitchFamily="34" charset="0"/>
+              </a:rPr>
+              <a:t>Enqueue</a:t>
+            </a:r>
+            <a:r>
+              <a:rPr lang="bg-BG" dirty="0">
+                <a:solidFill>
+                  <a:schemeClr val="accent4">
+                    <a:lumMod val="50000"/>
+                  </a:schemeClr>
+                </a:solidFill>
+                <a:latin typeface="Arial" panose="020B0604020202020204" pitchFamily="34" charset="0"/>
+                <a:cs typeface="Arial" panose="020B0604020202020204" pitchFamily="34" charset="0"/>
+              </a:rPr>
+              <a:t>	</a:t>
+            </a:r>
+            <a:r>
+              <a:rPr lang="bg-BG" dirty="0">
+                <a:solidFill>
+                  <a:schemeClr val="tx1"/>
+                </a:solidFill>
+                <a:latin typeface="Arial" panose="020B0604020202020204" pitchFamily="34" charset="0"/>
+                <a:cs typeface="Arial" panose="020B0604020202020204" pitchFamily="34" charset="0"/>
+              </a:rPr>
+              <a:t>- добавя елемент в края на опашката</a:t>
+            </a:r>
+            <a:endParaRPr lang="en-US" dirty="0">
+              <a:solidFill>
+                <a:schemeClr val="tx1"/>
+              </a:solidFill>
+              <a:latin typeface="Arial" panose="020B0604020202020204" pitchFamily="34" charset="0"/>
+              <a:cs typeface="Arial" panose="020B0604020202020204" pitchFamily="34" charset="0"/>
+            </a:endParaRPr>
+          </a:p>
+          <a:p>
+            <a:r>
+              <a:rPr lang="en-US" dirty="0">
+                <a:solidFill>
+                  <a:schemeClr val="accent4">
+                    <a:lumMod val="50000"/>
+                  </a:schemeClr>
+                </a:solidFill>
+                <a:latin typeface="Arial" panose="020B0604020202020204" pitchFamily="34" charset="0"/>
+                <a:cs typeface="Arial" panose="020B0604020202020204" pitchFamily="34" charset="0"/>
+              </a:rPr>
+              <a:t>Dequeue</a:t>
+            </a:r>
+            <a:r>
+              <a:rPr lang="bg-BG" dirty="0">
+                <a:solidFill>
+                  <a:schemeClr val="accent4">
+                    <a:lumMod val="50000"/>
+                  </a:schemeClr>
+                </a:solidFill>
+                <a:latin typeface="Arial" panose="020B0604020202020204" pitchFamily="34" charset="0"/>
+                <a:cs typeface="Arial" panose="020B0604020202020204" pitchFamily="34" charset="0"/>
+              </a:rPr>
+              <a:t> </a:t>
+            </a:r>
+            <a:r>
+              <a:rPr lang="bg-BG" dirty="0">
+                <a:solidFill>
+                  <a:schemeClr val="tx1"/>
+                </a:solidFill>
+                <a:latin typeface="Arial" panose="020B0604020202020204" pitchFamily="34" charset="0"/>
+                <a:cs typeface="Arial" panose="020B0604020202020204" pitchFamily="34" charset="0"/>
+              </a:rPr>
+              <a:t>- изтрива първият влязъл елемент в опашката</a:t>
+            </a:r>
+            <a:endParaRPr lang="en-US" dirty="0">
+              <a:solidFill>
+                <a:schemeClr val="tx1"/>
+              </a:solidFill>
+              <a:latin typeface="Arial" panose="020B0604020202020204" pitchFamily="34" charset="0"/>
+              <a:cs typeface="Arial" panose="020B0604020202020204" pitchFamily="34" charset="0"/>
+            </a:endParaRPr>
+          </a:p>
+          <a:p>
+            <a:r>
+              <a:rPr lang="en-US" dirty="0">
+                <a:solidFill>
+                  <a:schemeClr val="accent4">
+                    <a:lumMod val="50000"/>
+                  </a:schemeClr>
+                </a:solidFill>
+                <a:latin typeface="Arial" panose="020B0604020202020204" pitchFamily="34" charset="0"/>
+                <a:cs typeface="Arial" panose="020B0604020202020204" pitchFamily="34" charset="0"/>
+              </a:rPr>
+              <a:t>Peek</a:t>
+            </a:r>
+            <a:r>
+              <a:rPr lang="bg-BG" dirty="0">
+                <a:solidFill>
+                  <a:schemeClr val="accent4">
+                    <a:lumMod val="50000"/>
+                  </a:schemeClr>
+                </a:solidFill>
+                <a:latin typeface="Arial" panose="020B0604020202020204" pitchFamily="34" charset="0"/>
+                <a:cs typeface="Arial" panose="020B0604020202020204" pitchFamily="34" charset="0"/>
+              </a:rPr>
+              <a:t> </a:t>
+            </a:r>
+            <a:r>
+              <a:rPr lang="bg-BG" dirty="0">
+                <a:solidFill>
+                  <a:schemeClr val="tx1"/>
+                </a:solidFill>
+                <a:latin typeface="Arial" panose="020B0604020202020204" pitchFamily="34" charset="0"/>
+                <a:cs typeface="Arial" panose="020B0604020202020204" pitchFamily="34" charset="0"/>
+              </a:rPr>
+              <a:t>- </a:t>
+            </a:r>
+            <a:r>
+              <a:rPr lang="bg-BG" sz="1800" dirty="0">
+                <a:solidFill>
+                  <a:schemeClr val="tx1"/>
+                </a:solidFill>
+                <a:latin typeface="Arial" panose="020B0604020202020204" pitchFamily="34" charset="0"/>
+                <a:cs typeface="Arial" panose="020B0604020202020204" pitchFamily="34" charset="0"/>
+              </a:rPr>
+              <a:t>извличане на първия влязъл елемент </a:t>
+            </a:r>
+          </a:p>
+          <a:p>
+            <a:r>
+              <a:rPr lang="en-US" dirty="0">
+                <a:solidFill>
+                  <a:schemeClr val="accent4">
+                    <a:lumMod val="50000"/>
+                  </a:schemeClr>
+                </a:solidFill>
+                <a:latin typeface="Arial" panose="020B0604020202020204" pitchFamily="34" charset="0"/>
+                <a:cs typeface="Arial" panose="020B0604020202020204" pitchFamily="34" charset="0"/>
+              </a:rPr>
+              <a:t>Contains</a:t>
+            </a:r>
+            <a:r>
+              <a:rPr lang="bg-BG" dirty="0">
+                <a:solidFill>
+                  <a:schemeClr val="accent4">
+                    <a:lumMod val="50000"/>
+                  </a:schemeClr>
+                </a:solidFill>
+                <a:latin typeface="Arial" panose="020B0604020202020204" pitchFamily="34" charset="0"/>
+                <a:cs typeface="Arial" panose="020B0604020202020204" pitchFamily="34" charset="0"/>
+              </a:rPr>
+              <a:t>	</a:t>
+            </a:r>
+            <a:r>
+              <a:rPr lang="bg-BG" dirty="0">
+                <a:solidFill>
+                  <a:schemeClr val="tx1"/>
+                </a:solidFill>
+                <a:latin typeface="Arial" panose="020B0604020202020204" pitchFamily="34" charset="0"/>
+                <a:cs typeface="Arial" panose="020B0604020202020204" pitchFamily="34" charset="0"/>
+              </a:rPr>
+              <a:t>- проверява дали даден елемент е в опашката</a:t>
+            </a:r>
+            <a:endParaRPr lang="en-US" dirty="0">
+              <a:solidFill>
+                <a:schemeClr val="tx1"/>
+              </a:solidFill>
+              <a:latin typeface="Arial" panose="020B0604020202020204" pitchFamily="34" charset="0"/>
+              <a:cs typeface="Arial" panose="020B0604020202020204" pitchFamily="34" charset="0"/>
+            </a:endParaRPr>
+          </a:p>
+          <a:p>
+            <a:r>
+              <a:rPr lang="en-US" dirty="0">
+                <a:solidFill>
+                  <a:schemeClr val="accent4">
+                    <a:lumMod val="50000"/>
+                  </a:schemeClr>
+                </a:solidFill>
+                <a:latin typeface="Arial" panose="020B0604020202020204" pitchFamily="34" charset="0"/>
+                <a:cs typeface="Arial" panose="020B0604020202020204" pitchFamily="34" charset="0"/>
+              </a:rPr>
+              <a:t>Clear</a:t>
+            </a:r>
+            <a:r>
+              <a:rPr lang="bg-BG" dirty="0">
+                <a:solidFill>
+                  <a:schemeClr val="accent4">
+                    <a:lumMod val="50000"/>
+                  </a:schemeClr>
+                </a:solidFill>
+                <a:latin typeface="Arial" panose="020B0604020202020204" pitchFamily="34" charset="0"/>
+                <a:cs typeface="Arial" panose="020B0604020202020204" pitchFamily="34" charset="0"/>
+              </a:rPr>
+              <a:t>  </a:t>
+            </a:r>
+            <a:r>
+              <a:rPr lang="bg-BG" dirty="0">
+                <a:solidFill>
+                  <a:schemeClr val="tx1"/>
+                </a:solidFill>
+                <a:latin typeface="Arial" panose="020B0604020202020204" pitchFamily="34" charset="0"/>
+                <a:cs typeface="Arial" panose="020B0604020202020204" pitchFamily="34" charset="0"/>
+              </a:rPr>
+              <a:t>- изчиства всички елементи от опашката</a:t>
+            </a:r>
+            <a:endParaRPr lang="en-US" dirty="0">
+              <a:solidFill>
+                <a:schemeClr val="tx1"/>
+              </a:solidFill>
+              <a:latin typeface="Arial" panose="020B0604020202020204" pitchFamily="34" charset="0"/>
+              <a:cs typeface="Arial" panose="020B0604020202020204" pitchFamily="34" charset="0"/>
+            </a:endParaRPr>
+          </a:p>
+          <a:p>
+            <a:r>
+              <a:rPr lang="en-US" dirty="0">
+                <a:solidFill>
+                  <a:schemeClr val="accent4">
+                    <a:lumMod val="50000"/>
+                  </a:schemeClr>
+                </a:solidFill>
+                <a:latin typeface="Arial" panose="020B0604020202020204" pitchFamily="34" charset="0"/>
+                <a:cs typeface="Arial" panose="020B0604020202020204" pitchFamily="34" charset="0"/>
+              </a:rPr>
+              <a:t>Count </a:t>
+            </a:r>
+            <a:r>
+              <a:rPr lang="bg-BG" dirty="0">
+                <a:solidFill>
+                  <a:schemeClr val="tx1"/>
+                </a:solidFill>
+                <a:latin typeface="Arial" panose="020B0604020202020204" pitchFamily="34" charset="0"/>
+                <a:cs typeface="Arial" panose="020B0604020202020204" pitchFamily="34" charset="0"/>
+              </a:rPr>
+              <a:t>-</a:t>
+            </a:r>
+            <a:r>
+              <a:rPr lang="en-US" dirty="0">
+                <a:solidFill>
+                  <a:schemeClr val="tx1"/>
+                </a:solidFill>
+                <a:latin typeface="Arial" panose="020B0604020202020204" pitchFamily="34" charset="0"/>
+                <a:cs typeface="Arial" panose="020B0604020202020204" pitchFamily="34" charset="0"/>
+              </a:rPr>
+              <a:t> </a:t>
+            </a:r>
+            <a:r>
+              <a:rPr lang="bg-BG" dirty="0">
+                <a:solidFill>
+                  <a:schemeClr val="tx1"/>
+                </a:solidFill>
+                <a:latin typeface="Arial" panose="020B0604020202020204" pitchFamily="34" charset="0"/>
+                <a:cs typeface="Arial" panose="020B0604020202020204" pitchFamily="34" charset="0"/>
+              </a:rPr>
+              <a:t>връща броя на елементите в опашката</a:t>
+            </a:r>
+            <a:endParaRPr lang="en-US" dirty="0">
+              <a:solidFill>
+                <a:schemeClr val="tx1"/>
+              </a:solidFill>
+              <a:latin typeface="Arial" panose="020B0604020202020204" pitchFamily="34" charset="0"/>
+              <a:cs typeface="Arial" panose="020B0604020202020204" pitchFamily="34" charset="0"/>
+            </a:endParaRPr>
+          </a:p>
+          <a:p>
+            <a:endParaRPr lang="en-US" dirty="0">
+              <a:solidFill>
+                <a:schemeClr val="tx1"/>
+              </a:solidFill>
+              <a:latin typeface="Arial" panose="020B0604020202020204" pitchFamily="34" charset="0"/>
+              <a:cs typeface="Arial" panose="020B0604020202020204" pitchFamily="34" charset="0"/>
+            </a:endParaRPr>
+          </a:p>
+          <a:p>
+            <a:r>
+              <a:rPr lang="bg-BG" dirty="0">
+                <a:solidFill>
+                  <a:schemeClr val="tx1"/>
+                </a:solidFill>
+                <a:latin typeface="Arial" panose="020B0604020202020204" pitchFamily="34" charset="0"/>
+                <a:cs typeface="Arial" panose="020B0604020202020204" pitchFamily="34" charset="0"/>
+              </a:rPr>
+              <a:t>Важно: Няма </a:t>
+            </a:r>
+            <a:r>
+              <a:rPr lang="bg-BG" dirty="0" err="1">
+                <a:solidFill>
+                  <a:schemeClr val="tx1"/>
+                </a:solidFill>
+                <a:latin typeface="Arial" panose="020B0604020202020204" pitchFamily="34" charset="0"/>
+                <a:cs typeface="Arial" panose="020B0604020202020204" pitchFamily="34" charset="0"/>
+              </a:rPr>
+              <a:t>индексатор</a:t>
+            </a:r>
+            <a:r>
+              <a:rPr lang="bg-BG" dirty="0">
+                <a:solidFill>
+                  <a:schemeClr val="tx1"/>
+                </a:solidFill>
+                <a:latin typeface="Arial" panose="020B0604020202020204" pitchFamily="34" charset="0"/>
+                <a:cs typeface="Arial" panose="020B0604020202020204" pitchFamily="34" charset="0"/>
+              </a:rPr>
+              <a:t>!</a:t>
+            </a:r>
+            <a:endParaRPr lang="en-US" dirty="0">
+              <a:solidFill>
+                <a:schemeClr val="tx1"/>
+              </a:solidFill>
+              <a:latin typeface="Arial" panose="020B0604020202020204" pitchFamily="34" charset="0"/>
+              <a:cs typeface="Arial" panose="020B0604020202020204" pitchFamily="34" charset="0"/>
+            </a:endParaRPr>
+          </a:p>
+          <a:p>
+            <a:endParaRPr lang="bg-BG" dirty="0"/>
+          </a:p>
+        </p:txBody>
+      </p:sp>
+    </p:spTree>
+    <p:extLst>
+      <p:ext uri="{BB962C8B-B14F-4D97-AF65-F5344CB8AC3E}">
+        <p14:creationId xmlns:p14="http://schemas.microsoft.com/office/powerpoint/2010/main" val="2654236303"/>
+      </p:ext>
+    </p:extLst>
+  </p:cSld>
+  <p:clrMapOvr>
+    <a:masterClrMapping/>
+  </p:clrMapOvr>
+</p:sld>
+</file>
+
+<file path=ppt/slides/slide14.xml><?xml version="1.0" encoding="utf-8"?>
+<p:sld xmlns:a="http://schemas.openxmlformats.org/drawingml/2006/main" xmlns:r="http://schemas.openxmlformats.org/officeDocument/2006/relationships" xmlns:p="http://schemas.openxmlformats.org/presentationml/2006/main">
+  <p:cSld>
+    <p:spTree>
+      <p:nvGrpSpPr>
+        <p:cNvPr id="1" name=""/>
+        <p:cNvGrpSpPr/>
+        <p:nvPr/>
+      </p:nvGrpSpPr>
+      <p:grpSpPr>
+        <a:xfrm>
+          <a:off x="0" y="0"/>
+          <a:ext cx="0" cy="0"/>
+          <a:chOff x="0" y="0"/>
+          <a:chExt cx="0" cy="0"/>
+        </a:xfrm>
+      </p:grpSpPr>
+      <p:sp>
+        <p:nvSpPr>
+          <p:cNvPr id="2" name="Title 1">
+            <a:extLst>
+              <a:ext uri="{FF2B5EF4-FFF2-40B4-BE49-F238E27FC236}">
+                <a16:creationId xmlns:a16="http://schemas.microsoft.com/office/drawing/2014/main" id="{6C053A2A-BC41-84D6-EFC2-C6B2402E49F4}"/>
+              </a:ext>
+            </a:extLst>
+          </p:cNvPr>
+          <p:cNvSpPr>
+            <a:spLocks noGrp="1"/>
+          </p:cNvSpPr>
+          <p:nvPr>
+            <p:ph type="title"/>
+          </p:nvPr>
+        </p:nvSpPr>
+        <p:spPr/>
+        <p:txBody>
+          <a:bodyPr/>
+          <a:lstStyle/>
+          <a:p>
+            <a:pPr algn="ctr"/>
+            <a:r>
+              <a:rPr lang="bg-BG" dirty="0">
+                <a:latin typeface="Arial" panose="020B0604020202020204" pitchFamily="34" charset="0"/>
+                <a:cs typeface="Arial" panose="020B0604020202020204" pitchFamily="34" charset="0"/>
+              </a:rPr>
+              <a:t>Приложения на опашката</a:t>
+            </a:r>
+          </a:p>
+        </p:txBody>
+      </p:sp>
+      <p:sp>
+        <p:nvSpPr>
+          <p:cNvPr id="3" name="Content Placeholder 2">
+            <a:extLst>
+              <a:ext uri="{FF2B5EF4-FFF2-40B4-BE49-F238E27FC236}">
+                <a16:creationId xmlns:a16="http://schemas.microsoft.com/office/drawing/2014/main" id="{6DCC5F95-0D6A-B332-61B9-9C8FF1813DEF}"/>
+              </a:ext>
+            </a:extLst>
+          </p:cNvPr>
+          <p:cNvSpPr>
+            <a:spLocks noGrp="1"/>
+          </p:cNvSpPr>
+          <p:nvPr>
+            <p:ph idx="1"/>
+          </p:nvPr>
+        </p:nvSpPr>
+        <p:spPr>
+          <a:xfrm>
+            <a:off x="1154955" y="2603500"/>
+            <a:ext cx="8761412" cy="2866424"/>
+          </a:xfrm>
+        </p:spPr>
+        <p:txBody>
+          <a:bodyPr/>
+          <a:lstStyle/>
+          <a:p>
+            <a:r>
+              <a:rPr lang="en-US" dirty="0">
+                <a:latin typeface="Arial" panose="020B0604020202020204" pitchFamily="34" charset="0"/>
+                <a:cs typeface="Arial" panose="020B0604020202020204" pitchFamily="34" charset="0"/>
+              </a:rPr>
+              <a:t>Printer queue</a:t>
+            </a:r>
+          </a:p>
+          <a:p>
+            <a:r>
+              <a:rPr lang="en-US" dirty="0">
+                <a:latin typeface="Arial" panose="020B0604020202020204" pitchFamily="34" charset="0"/>
+                <a:cs typeface="Arial" panose="020B0604020202020204" pitchFamily="34" charset="0"/>
+              </a:rPr>
+              <a:t>Routers in networking</a:t>
+            </a:r>
+          </a:p>
+          <a:p>
+            <a:endParaRPr lang="en-US" dirty="0">
+              <a:latin typeface="Arial" panose="020B0604020202020204" pitchFamily="34" charset="0"/>
+              <a:cs typeface="Arial" panose="020B0604020202020204" pitchFamily="34" charset="0"/>
+            </a:endParaRPr>
+          </a:p>
+          <a:p>
+            <a:r>
+              <a:rPr lang="bg-BG" b="1" i="1" u="sng" dirty="0">
+                <a:latin typeface="Arial" panose="020B0604020202020204" pitchFamily="34" charset="0"/>
+                <a:cs typeface="Arial" panose="020B0604020202020204" pitchFamily="34" charset="0"/>
+              </a:rPr>
+              <a:t>Важно:</a:t>
+            </a:r>
+            <a:r>
+              <a:rPr lang="bg-BG" dirty="0">
+                <a:latin typeface="Arial" panose="020B0604020202020204" pitchFamily="34" charset="0"/>
+                <a:cs typeface="Arial" panose="020B0604020202020204" pitchFamily="34" charset="0"/>
+              </a:rPr>
+              <a:t> Накратко</a:t>
+            </a:r>
+            <a:r>
+              <a:rPr lang="en-US" dirty="0">
+                <a:latin typeface="Arial" panose="020B0604020202020204" pitchFamily="34" charset="0"/>
+                <a:cs typeface="Arial" panose="020B0604020202020204" pitchFamily="34" charset="0"/>
+              </a:rPr>
+              <a:t>,</a:t>
+            </a:r>
+            <a:r>
+              <a:rPr lang="bg-BG" dirty="0">
+                <a:latin typeface="Arial" panose="020B0604020202020204" pitchFamily="34" charset="0"/>
+                <a:cs typeface="Arial" panose="020B0604020202020204" pitchFamily="34" charset="0"/>
+              </a:rPr>
+              <a:t> опашки се използват навсякъде, където редът на влизане и излизане на елементите трябва да следва принципа на </a:t>
+            </a:r>
+            <a:r>
+              <a:rPr lang="en-US" b="1" dirty="0">
+                <a:latin typeface="Arial" panose="020B0604020202020204" pitchFamily="34" charset="0"/>
+                <a:cs typeface="Arial" panose="020B0604020202020204" pitchFamily="34" charset="0"/>
+              </a:rPr>
+              <a:t>FIFO</a:t>
+            </a:r>
+            <a:r>
+              <a:rPr lang="bg-BG" dirty="0">
+                <a:latin typeface="Arial" panose="020B0604020202020204" pitchFamily="34" charset="0"/>
+                <a:cs typeface="Arial" panose="020B0604020202020204" pitchFamily="34" charset="0"/>
+              </a:rPr>
+              <a:t> (</a:t>
+            </a:r>
+            <a:r>
+              <a:rPr lang="en-US" dirty="0">
+                <a:latin typeface="Arial" panose="020B0604020202020204" pitchFamily="34" charset="0"/>
+                <a:cs typeface="Arial" panose="020B0604020202020204" pitchFamily="34" charset="0"/>
+              </a:rPr>
+              <a:t>First In First Out</a:t>
+            </a:r>
+            <a:r>
+              <a:rPr lang="bg-BG" dirty="0">
+                <a:latin typeface="Arial" panose="020B0604020202020204" pitchFamily="34" charset="0"/>
+                <a:cs typeface="Arial" panose="020B0604020202020204" pitchFamily="34" charset="0"/>
+              </a:rPr>
+              <a:t>).</a:t>
+            </a:r>
+            <a:endParaRPr lang="en-US" dirty="0">
+              <a:latin typeface="Arial" panose="020B0604020202020204" pitchFamily="34" charset="0"/>
+              <a:cs typeface="Arial" panose="020B0604020202020204" pitchFamily="34" charset="0"/>
+            </a:endParaRPr>
+          </a:p>
+          <a:p>
+            <a:endParaRPr lang="bg-BG" dirty="0"/>
+          </a:p>
+        </p:txBody>
+      </p:sp>
+    </p:spTree>
+    <p:extLst>
+      <p:ext uri="{BB962C8B-B14F-4D97-AF65-F5344CB8AC3E}">
+        <p14:creationId xmlns:p14="http://schemas.microsoft.com/office/powerpoint/2010/main" val="2197314371"/>
+      </p:ext>
+    </p:extLst>
+  </p:cSld>
+  <p:clrMapOvr>
+    <a:masterClrMapping/>
+  </p:clrMapOvr>
+</p:sld>
+</file>
+
+<file path=ppt/slides/slide15.xml><?xml version="1.0" encoding="utf-8"?>
+<p:sld xmlns:a="http://schemas.openxmlformats.org/drawingml/2006/main" xmlns:r="http://schemas.openxmlformats.org/officeDocument/2006/relationships" xmlns:p="http://schemas.openxmlformats.org/presentationml/2006/main">
+  <p:cSld>
+    <p:spTree>
+      <p:nvGrpSpPr>
+        <p:cNvPr id="1" name=""/>
+        <p:cNvGrpSpPr/>
+        <p:nvPr/>
+      </p:nvGrpSpPr>
+      <p:grpSpPr>
+        <a:xfrm>
+          <a:off x="0" y="0"/>
+          <a:ext cx="0" cy="0"/>
+          <a:chOff x="0" y="0"/>
+          <a:chExt cx="0" cy="0"/>
+        </a:xfrm>
+      </p:grpSpPr>
+      <p:sp>
+        <p:nvSpPr>
+          <p:cNvPr id="2" name="Title 1">
+            <a:extLst>
+              <a:ext uri="{FF2B5EF4-FFF2-40B4-BE49-F238E27FC236}">
+                <a16:creationId xmlns:a16="http://schemas.microsoft.com/office/drawing/2014/main" id="{2B070EE7-4F34-86F2-267E-FD0A37DF1020}"/>
+              </a:ext>
+            </a:extLst>
+          </p:cNvPr>
+          <p:cNvSpPr>
+            <a:spLocks noGrp="1"/>
+          </p:cNvSpPr>
+          <p:nvPr>
+            <p:ph type="title"/>
+          </p:nvPr>
+        </p:nvSpPr>
+        <p:spPr>
+          <a:xfrm>
+            <a:off x="1154955" y="833624"/>
+            <a:ext cx="8761413" cy="986937"/>
+          </a:xfrm>
+        </p:spPr>
+        <p:txBody>
+          <a:bodyPr/>
+          <a:lstStyle/>
+          <a:p>
+            <a:pPr algn="ctr"/>
+            <a:r>
+              <a:rPr lang="en-US" dirty="0">
+                <a:latin typeface="Arial" panose="020B0604020202020204" pitchFamily="34" charset="0"/>
+                <a:cs typeface="Arial" panose="020B0604020202020204" pitchFamily="34" charset="0"/>
+              </a:rPr>
+              <a:t>C# Multidimensional arrays</a:t>
+            </a:r>
+            <a:br>
+              <a:rPr lang="en-US" dirty="0">
+                <a:latin typeface="Arial" panose="020B0604020202020204" pitchFamily="34" charset="0"/>
+                <a:cs typeface="Arial" panose="020B0604020202020204" pitchFamily="34" charset="0"/>
+              </a:rPr>
+            </a:br>
+            <a:r>
+              <a:rPr lang="en-US" dirty="0">
+                <a:latin typeface="Arial" panose="020B0604020202020204" pitchFamily="34" charset="0"/>
+                <a:cs typeface="Arial" panose="020B0604020202020204" pitchFamily="34" charset="0"/>
+              </a:rPr>
+              <a:t>(</a:t>
+            </a:r>
+            <a:r>
+              <a:rPr lang="bg-BG" dirty="0">
+                <a:latin typeface="Arial" panose="020B0604020202020204" pitchFamily="34" charset="0"/>
+                <a:cs typeface="Arial" panose="020B0604020202020204" pitchFamily="34" charset="0"/>
+              </a:rPr>
+              <a:t>Многомерни масиви (</a:t>
+            </a:r>
+            <a:r>
+              <a:rPr lang="bg-BG" dirty="0">
+                <a:solidFill>
+                  <a:srgbClr val="FFFF00"/>
+                </a:solidFill>
+                <a:latin typeface="Arial" panose="020B0604020202020204" pitchFamily="34" charset="0"/>
+                <a:cs typeface="Arial" panose="020B0604020202020204" pitchFamily="34" charset="0"/>
+              </a:rPr>
+              <a:t>пълни</a:t>
+            </a:r>
+            <a:r>
+              <a:rPr lang="bg-BG" dirty="0">
+                <a:latin typeface="Arial" panose="020B0604020202020204" pitchFamily="34" charset="0"/>
+                <a:cs typeface="Arial" panose="020B0604020202020204" pitchFamily="34" charset="0"/>
+              </a:rPr>
+              <a:t>)</a:t>
+            </a:r>
+            <a:r>
+              <a:rPr lang="en-US" dirty="0">
+                <a:latin typeface="Arial" panose="020B0604020202020204" pitchFamily="34" charset="0"/>
+                <a:cs typeface="Arial" panose="020B0604020202020204" pitchFamily="34" charset="0"/>
+              </a:rPr>
+              <a:t>)</a:t>
+            </a:r>
+            <a:endParaRPr lang="bg-BG" dirty="0">
+              <a:latin typeface="Arial" panose="020B0604020202020204" pitchFamily="34" charset="0"/>
+              <a:cs typeface="Arial" panose="020B0604020202020204" pitchFamily="34" charset="0"/>
+            </a:endParaRPr>
+          </a:p>
+        </p:txBody>
+      </p:sp>
+      <p:sp>
+        <p:nvSpPr>
+          <p:cNvPr id="3" name="Content Placeholder 2">
+            <a:extLst>
+              <a:ext uri="{FF2B5EF4-FFF2-40B4-BE49-F238E27FC236}">
+                <a16:creationId xmlns:a16="http://schemas.microsoft.com/office/drawing/2014/main" id="{0082B13A-2FC5-1DDC-A3A3-21A53EF5F3EA}"/>
+              </a:ext>
+            </a:extLst>
+          </p:cNvPr>
+          <p:cNvSpPr>
+            <a:spLocks noGrp="1"/>
+          </p:cNvSpPr>
+          <p:nvPr>
+            <p:ph idx="1"/>
+          </p:nvPr>
+        </p:nvSpPr>
+        <p:spPr>
+          <a:xfrm>
+            <a:off x="1154955" y="2603500"/>
+            <a:ext cx="5287034" cy="3805538"/>
+          </a:xfrm>
+        </p:spPr>
+        <p:txBody>
+          <a:bodyPr/>
+          <a:lstStyle/>
+          <a:p>
+            <a:r>
+              <a:rPr lang="bg-BG" dirty="0">
+                <a:latin typeface="Arial" panose="020B0604020202020204" pitchFamily="34" charset="0"/>
+                <a:cs typeface="Arial" panose="020B0604020202020204" pitchFamily="34" charset="0"/>
+              </a:rPr>
+              <a:t>Многомерните масиви на практика са масив от масиви. За разлика от нормалните масиви (едномерни), многомерните имат повече измерения. </a:t>
+            </a:r>
+          </a:p>
+          <a:p>
+            <a:r>
+              <a:rPr lang="bg-BG" dirty="0">
+                <a:latin typeface="Arial" panose="020B0604020202020204" pitchFamily="34" charset="0"/>
+                <a:cs typeface="Arial" panose="020B0604020202020204" pitchFamily="34" charset="0"/>
+              </a:rPr>
+              <a:t>Ние ще се запознаем с двумерните масиви, които на практика представляват данни в таблична форма.</a:t>
+            </a:r>
+          </a:p>
+          <a:p>
+            <a:r>
+              <a:rPr lang="bg-BG" dirty="0">
+                <a:latin typeface="Arial" panose="020B0604020202020204" pitchFamily="34" charset="0"/>
+                <a:cs typeface="Arial" panose="020B0604020202020204" pitchFamily="34" charset="0"/>
+              </a:rPr>
+              <a:t>Ще разберем как да ги инициализираме, да</a:t>
+            </a:r>
+            <a:r>
+              <a:rPr lang="en-US" dirty="0">
+                <a:latin typeface="Arial" panose="020B0604020202020204" pitchFamily="34" charset="0"/>
+                <a:cs typeface="Arial" panose="020B0604020202020204" pitchFamily="34" charset="0"/>
+              </a:rPr>
+              <a:t> </a:t>
+            </a:r>
+            <a:r>
+              <a:rPr lang="bg-BG" dirty="0">
+                <a:latin typeface="Arial" panose="020B0604020202020204" pitchFamily="34" charset="0"/>
+                <a:cs typeface="Arial" panose="020B0604020202020204" pitchFamily="34" charset="0"/>
+              </a:rPr>
+              <a:t>достъпваме и променяме техните елементи и да ги обхождаме и извеждаме на екрана информацията вътре в тях.</a:t>
+            </a:r>
+          </a:p>
+        </p:txBody>
+      </p:sp>
+      <p:pic>
+        <p:nvPicPr>
+          <p:cNvPr id="5" name="Picture 4" descr="A grid of numbers and letters&#10;&#10;Description automatically generated">
+            <a:extLst>
+              <a:ext uri="{FF2B5EF4-FFF2-40B4-BE49-F238E27FC236}">
+                <a16:creationId xmlns:a16="http://schemas.microsoft.com/office/drawing/2014/main" id="{11E6274A-2A46-6B99-D064-D6C759E6868C}"/>
+              </a:ext>
+            </a:extLst>
+          </p:cNvPr>
+          <p:cNvPicPr>
+            <a:picLocks noChangeAspect="1"/>
+          </p:cNvPicPr>
+          <p:nvPr/>
+        </p:nvPicPr>
+        <p:blipFill>
+          <a:blip r:embed="rId2">
+            <a:extLst>
+              <a:ext uri="{28A0092B-C50C-407E-A947-70E740481C1C}">
+                <a14:useLocalDpi xmlns:a14="http://schemas.microsoft.com/office/drawing/2010/main" val="0"/>
+              </a:ext>
+            </a:extLst>
+          </a:blip>
+          <a:stretch>
+            <a:fillRect/>
+          </a:stretch>
+        </p:blipFill>
+        <p:spPr>
+          <a:xfrm>
+            <a:off x="7080936" y="2767656"/>
+            <a:ext cx="4425527" cy="3451911"/>
+          </a:xfrm>
+          <a:prstGeom prst="rect">
+            <a:avLst/>
+          </a:prstGeom>
+        </p:spPr>
+      </p:pic>
+    </p:spTree>
+    <p:extLst>
+      <p:ext uri="{BB962C8B-B14F-4D97-AF65-F5344CB8AC3E}">
+        <p14:creationId xmlns:p14="http://schemas.microsoft.com/office/powerpoint/2010/main" val="3225189639"/>
+      </p:ext>
+    </p:extLst>
+  </p:cSld>
+  <p:clrMapOvr>
+    <a:masterClrMapping/>
+  </p:clrMapOvr>
+</p:sld>
+</file>
+
+<file path=ppt/slides/slide16.xml><?xml version="1.0" encoding="utf-8"?>
+<p:sld xmlns:a="http://schemas.openxmlformats.org/drawingml/2006/main" xmlns:r="http://schemas.openxmlformats.org/officeDocument/2006/relationships" xmlns:p="http://schemas.openxmlformats.org/presentationml/2006/main">
+  <p:cSld>
+    <p:spTree>
+      <p:nvGrpSpPr>
+        <p:cNvPr id="1" name=""/>
+        <p:cNvGrpSpPr/>
+        <p:nvPr/>
+      </p:nvGrpSpPr>
+      <p:grpSpPr>
+        <a:xfrm>
+          <a:off x="0" y="0"/>
+          <a:ext cx="0" cy="0"/>
+          <a:chOff x="0" y="0"/>
+          <a:chExt cx="0" cy="0"/>
+        </a:xfrm>
+      </p:grpSpPr>
+      <p:sp>
+        <p:nvSpPr>
+          <p:cNvPr id="2" name="Title 1">
+            <a:extLst>
+              <a:ext uri="{FF2B5EF4-FFF2-40B4-BE49-F238E27FC236}">
+                <a16:creationId xmlns:a16="http://schemas.microsoft.com/office/drawing/2014/main" id="{DFF33912-33FD-4649-60D3-D401C66F4949}"/>
+              </a:ext>
+            </a:extLst>
+          </p:cNvPr>
+          <p:cNvSpPr>
+            <a:spLocks noGrp="1"/>
+          </p:cNvSpPr>
+          <p:nvPr>
+            <p:ph type="title"/>
+          </p:nvPr>
+        </p:nvSpPr>
+        <p:spPr/>
+        <p:txBody>
+          <a:bodyPr/>
+          <a:lstStyle/>
+          <a:p>
+            <a:pPr algn="ctr"/>
+            <a:r>
+              <a:rPr lang="bg-BG" dirty="0">
+                <a:latin typeface="Arial" panose="020B0604020202020204" pitchFamily="34" charset="0"/>
+                <a:cs typeface="Arial" panose="020B0604020202020204" pitchFamily="34" charset="0"/>
+              </a:rPr>
+              <a:t>Създаване на многомерен масив</a:t>
+            </a:r>
+          </a:p>
+        </p:txBody>
+      </p:sp>
+      <p:sp>
+        <p:nvSpPr>
+          <p:cNvPr id="3" name="Content Placeholder 2">
+            <a:extLst>
+              <a:ext uri="{FF2B5EF4-FFF2-40B4-BE49-F238E27FC236}">
+                <a16:creationId xmlns:a16="http://schemas.microsoft.com/office/drawing/2014/main" id="{B454E2BF-A451-710C-1EA6-691A554B3B33}"/>
+              </a:ext>
+            </a:extLst>
+          </p:cNvPr>
+          <p:cNvSpPr>
+            <a:spLocks noGrp="1"/>
+          </p:cNvSpPr>
+          <p:nvPr>
+            <p:ph idx="1"/>
+          </p:nvPr>
+        </p:nvSpPr>
+        <p:spPr>
+          <a:xfrm>
+            <a:off x="1154955" y="2603500"/>
+            <a:ext cx="9677802" cy="3616068"/>
+          </a:xfrm>
+        </p:spPr>
+        <p:txBody>
+          <a:bodyPr>
+            <a:normAutofit/>
+          </a:bodyPr>
+          <a:lstStyle/>
+          <a:p>
+            <a:pPr marL="0" indent="0">
+              <a:buNone/>
+            </a:pPr>
+            <a:r>
+              <a:rPr lang="en-US" sz="1800" dirty="0">
+                <a:solidFill>
+                  <a:srgbClr val="0070C0"/>
+                </a:solidFill>
+                <a:latin typeface="Cascadia Mono" panose="020B0609020000020004" pitchFamily="49" charset="0"/>
+              </a:rPr>
+              <a:t>int</a:t>
+            </a:r>
+            <a:r>
+              <a:rPr lang="en-US" sz="1800" dirty="0">
+                <a:solidFill>
+                  <a:srgbClr val="000000"/>
+                </a:solidFill>
+                <a:latin typeface="Cascadia Mono" panose="020B0609020000020004" pitchFamily="49" charset="0"/>
+              </a:rPr>
+              <a:t>[,] </a:t>
+            </a:r>
+            <a:r>
+              <a:rPr lang="en-US" sz="1800" dirty="0" err="1">
+                <a:solidFill>
+                  <a:srgbClr val="000000"/>
+                </a:solidFill>
+                <a:latin typeface="Cascadia Mono" panose="020B0609020000020004" pitchFamily="49" charset="0"/>
+              </a:rPr>
+              <a:t>intMatrix</a:t>
+            </a:r>
+            <a:r>
+              <a:rPr lang="en-US" sz="1800" dirty="0">
+                <a:solidFill>
+                  <a:srgbClr val="000000"/>
+                </a:solidFill>
+                <a:latin typeface="Cascadia Mono" panose="020B0609020000020004" pitchFamily="49" charset="0"/>
+              </a:rPr>
+              <a:t> = </a:t>
+            </a:r>
+            <a:r>
+              <a:rPr lang="en-US" sz="1800" dirty="0">
+                <a:solidFill>
+                  <a:srgbClr val="00B050"/>
+                </a:solidFill>
+                <a:latin typeface="Cascadia Mono" panose="020B0609020000020004" pitchFamily="49" charset="0"/>
+              </a:rPr>
+              <a:t>new</a:t>
+            </a:r>
+            <a:r>
+              <a:rPr lang="en-US" sz="1800" dirty="0">
+                <a:solidFill>
+                  <a:srgbClr val="000000"/>
+                </a:solidFill>
+                <a:latin typeface="Cascadia Mono" panose="020B0609020000020004" pitchFamily="49" charset="0"/>
+              </a:rPr>
+              <a:t> </a:t>
+            </a:r>
+            <a:r>
+              <a:rPr lang="en-US" sz="1800" dirty="0">
+                <a:solidFill>
+                  <a:srgbClr val="0070C0"/>
+                </a:solidFill>
+                <a:latin typeface="Cascadia Mono" panose="020B0609020000020004" pitchFamily="49" charset="0"/>
+              </a:rPr>
+              <a:t>int</a:t>
+            </a:r>
+            <a:r>
+              <a:rPr lang="en-US" sz="1800" dirty="0">
+                <a:solidFill>
+                  <a:srgbClr val="000000"/>
+                </a:solidFill>
+                <a:latin typeface="Cascadia Mono" panose="020B0609020000020004" pitchFamily="49" charset="0"/>
+              </a:rPr>
+              <a:t>[</a:t>
+            </a:r>
+            <a:r>
+              <a:rPr lang="bg-BG" sz="1800" dirty="0">
+                <a:solidFill>
+                  <a:srgbClr val="000000"/>
+                </a:solidFill>
+                <a:latin typeface="Cascadia Mono" panose="020B0609020000020004" pitchFamily="49" charset="0"/>
+              </a:rPr>
+              <a:t>4</a:t>
+            </a:r>
+            <a:r>
+              <a:rPr lang="en-US" sz="1800" dirty="0">
+                <a:solidFill>
+                  <a:srgbClr val="000000"/>
+                </a:solidFill>
+                <a:latin typeface="Cascadia Mono" panose="020B0609020000020004" pitchFamily="49" charset="0"/>
+              </a:rPr>
+              <a:t>, </a:t>
+            </a:r>
+            <a:r>
+              <a:rPr lang="bg-BG" dirty="0">
+                <a:solidFill>
+                  <a:srgbClr val="000000"/>
+                </a:solidFill>
+                <a:latin typeface="Cascadia Mono" panose="020B0609020000020004" pitchFamily="49" charset="0"/>
+              </a:rPr>
+              <a:t>5</a:t>
+            </a:r>
+            <a:r>
+              <a:rPr lang="en-US" sz="1800" dirty="0">
+                <a:solidFill>
+                  <a:srgbClr val="000000"/>
+                </a:solidFill>
+                <a:latin typeface="Cascadia Mono" panose="020B0609020000020004" pitchFamily="49" charset="0"/>
+              </a:rPr>
+              <a:t>];</a:t>
+            </a:r>
+            <a:endParaRPr lang="bg-BG" sz="1800" dirty="0">
+              <a:solidFill>
+                <a:srgbClr val="000000"/>
+              </a:solidFill>
+              <a:latin typeface="Cascadia Mono" panose="020B0609020000020004" pitchFamily="49" charset="0"/>
+            </a:endParaRPr>
+          </a:p>
+          <a:p>
+            <a:pPr marL="0" indent="0">
+              <a:buNone/>
+            </a:pPr>
+            <a:r>
+              <a:rPr lang="en-US" sz="1800" dirty="0">
+                <a:solidFill>
+                  <a:srgbClr val="0070C0"/>
+                </a:solidFill>
+                <a:latin typeface="Cascadia Mono" panose="020B0609020000020004" pitchFamily="49" charset="0"/>
+              </a:rPr>
+              <a:t>float</a:t>
+            </a:r>
+            <a:r>
+              <a:rPr lang="en-US" sz="1800" dirty="0">
+                <a:solidFill>
+                  <a:srgbClr val="000000"/>
+                </a:solidFill>
+                <a:latin typeface="Cascadia Mono" panose="020B0609020000020004" pitchFamily="49" charset="0"/>
+              </a:rPr>
+              <a:t>[,] </a:t>
+            </a:r>
+            <a:r>
+              <a:rPr lang="en-US" sz="1800" dirty="0" err="1">
+                <a:solidFill>
+                  <a:srgbClr val="000000"/>
+                </a:solidFill>
+                <a:latin typeface="Cascadia Mono" panose="020B0609020000020004" pitchFamily="49" charset="0"/>
+              </a:rPr>
+              <a:t>floatMatrix</a:t>
+            </a:r>
+            <a:r>
+              <a:rPr lang="en-US" sz="1800" dirty="0">
+                <a:solidFill>
+                  <a:srgbClr val="000000"/>
+                </a:solidFill>
+                <a:latin typeface="Cascadia Mono" panose="020B0609020000020004" pitchFamily="49" charset="0"/>
+              </a:rPr>
+              <a:t> = </a:t>
+            </a:r>
+            <a:r>
+              <a:rPr lang="en-US" sz="1800" dirty="0">
+                <a:solidFill>
+                  <a:srgbClr val="00B050"/>
+                </a:solidFill>
+                <a:latin typeface="Cascadia Mono" panose="020B0609020000020004" pitchFamily="49" charset="0"/>
+              </a:rPr>
+              <a:t>new</a:t>
+            </a:r>
+            <a:r>
+              <a:rPr lang="en-US" sz="1800" dirty="0">
+                <a:solidFill>
+                  <a:srgbClr val="000000"/>
+                </a:solidFill>
+                <a:latin typeface="Cascadia Mono" panose="020B0609020000020004" pitchFamily="49" charset="0"/>
+              </a:rPr>
+              <a:t> </a:t>
+            </a:r>
+            <a:r>
+              <a:rPr lang="en-US" sz="1800" dirty="0">
+                <a:solidFill>
+                  <a:srgbClr val="0070C0"/>
+                </a:solidFill>
+                <a:latin typeface="Cascadia Mono" panose="020B0609020000020004" pitchFamily="49" charset="0"/>
+              </a:rPr>
+              <a:t>float</a:t>
+            </a:r>
+            <a:r>
+              <a:rPr lang="en-US" sz="1800" dirty="0">
+                <a:solidFill>
+                  <a:srgbClr val="000000"/>
+                </a:solidFill>
+                <a:latin typeface="Cascadia Mono" panose="020B0609020000020004" pitchFamily="49" charset="0"/>
+              </a:rPr>
+              <a:t>[</a:t>
+            </a:r>
+            <a:r>
+              <a:rPr lang="bg-BG" sz="1800" dirty="0">
+                <a:solidFill>
+                  <a:srgbClr val="000000"/>
+                </a:solidFill>
+                <a:latin typeface="Cascadia Mono" panose="020B0609020000020004" pitchFamily="49" charset="0"/>
+              </a:rPr>
+              <a:t>3</a:t>
+            </a:r>
+            <a:r>
+              <a:rPr lang="en-US" sz="1800" dirty="0">
+                <a:solidFill>
+                  <a:srgbClr val="000000"/>
+                </a:solidFill>
+                <a:latin typeface="Cascadia Mono" panose="020B0609020000020004" pitchFamily="49" charset="0"/>
+              </a:rPr>
+              <a:t>, </a:t>
+            </a:r>
+            <a:r>
+              <a:rPr lang="bg-BG" dirty="0">
+                <a:solidFill>
+                  <a:srgbClr val="000000"/>
+                </a:solidFill>
+                <a:latin typeface="Cascadia Mono" panose="020B0609020000020004" pitchFamily="49" charset="0"/>
+              </a:rPr>
+              <a:t>3</a:t>
+            </a:r>
+            <a:r>
+              <a:rPr lang="en-US" sz="1800" dirty="0">
+                <a:solidFill>
+                  <a:srgbClr val="000000"/>
+                </a:solidFill>
+                <a:latin typeface="Cascadia Mono" panose="020B0609020000020004" pitchFamily="49" charset="0"/>
+              </a:rPr>
+              <a:t>];</a:t>
+            </a:r>
+          </a:p>
+          <a:p>
+            <a:endParaRPr lang="en-US" dirty="0">
+              <a:solidFill>
+                <a:srgbClr val="000000"/>
+              </a:solidFill>
+              <a:latin typeface="Cascadia Mono" panose="020B0609020000020004" pitchFamily="49" charset="0"/>
+            </a:endParaRPr>
+          </a:p>
+          <a:p>
+            <a:r>
+              <a:rPr lang="bg-BG" dirty="0">
+                <a:solidFill>
+                  <a:srgbClr val="000000"/>
+                </a:solidFill>
+                <a:latin typeface="Arial" panose="020B0604020202020204" pitchFamily="34" charset="0"/>
+                <a:cs typeface="Arial" panose="020B0604020202020204" pitchFamily="34" charset="0"/>
+              </a:rPr>
+              <a:t>Кодът на първата линия по-горе, създава </a:t>
+            </a:r>
+            <a:r>
+              <a:rPr lang="bg-BG" b="1" dirty="0">
+                <a:solidFill>
+                  <a:srgbClr val="000000"/>
+                </a:solidFill>
+                <a:latin typeface="Arial" panose="020B0604020202020204" pitchFamily="34" charset="0"/>
+                <a:cs typeface="Arial" panose="020B0604020202020204" pitchFamily="34" charset="0"/>
+              </a:rPr>
+              <a:t>празен двумерен масив </a:t>
+            </a:r>
+            <a:r>
+              <a:rPr lang="bg-BG" dirty="0">
+                <a:solidFill>
+                  <a:srgbClr val="000000"/>
+                </a:solidFill>
+                <a:latin typeface="Arial" panose="020B0604020202020204" pitchFamily="34" charset="0"/>
+                <a:cs typeface="Arial" panose="020B0604020202020204" pitchFamily="34" charset="0"/>
+              </a:rPr>
+              <a:t>от тип </a:t>
+            </a:r>
+            <a:r>
+              <a:rPr lang="en-US" dirty="0">
+                <a:solidFill>
+                  <a:srgbClr val="0070C0"/>
+                </a:solidFill>
+                <a:latin typeface="Arial" panose="020B0604020202020204" pitchFamily="34" charset="0"/>
+                <a:cs typeface="Arial" panose="020B0604020202020204" pitchFamily="34" charset="0"/>
+              </a:rPr>
+              <a:t>int</a:t>
+            </a:r>
+            <a:r>
+              <a:rPr lang="en-US" dirty="0">
+                <a:solidFill>
+                  <a:srgbClr val="000000"/>
+                </a:solidFill>
+                <a:latin typeface="Arial" panose="020B0604020202020204" pitchFamily="34" charset="0"/>
+                <a:cs typeface="Arial" panose="020B0604020202020204" pitchFamily="34" charset="0"/>
+              </a:rPr>
+              <a:t>.</a:t>
+            </a:r>
+          </a:p>
+          <a:p>
+            <a:r>
+              <a:rPr lang="bg-BG" dirty="0">
+                <a:latin typeface="Arial" panose="020B0604020202020204" pitchFamily="34" charset="0"/>
+                <a:cs typeface="Arial" panose="020B0604020202020204" pitchFamily="34" charset="0"/>
+              </a:rPr>
+              <a:t>Кодът на втората линия по-горе, създава </a:t>
+            </a:r>
+            <a:r>
+              <a:rPr lang="bg-BG" b="1" dirty="0">
+                <a:latin typeface="Arial" panose="020B0604020202020204" pitchFamily="34" charset="0"/>
+                <a:cs typeface="Arial" panose="020B0604020202020204" pitchFamily="34" charset="0"/>
+              </a:rPr>
+              <a:t>празен двумерен масив </a:t>
+            </a:r>
+            <a:r>
+              <a:rPr lang="bg-BG" dirty="0">
+                <a:latin typeface="Arial" panose="020B0604020202020204" pitchFamily="34" charset="0"/>
+                <a:cs typeface="Arial" panose="020B0604020202020204" pitchFamily="34" charset="0"/>
+              </a:rPr>
+              <a:t>от тип </a:t>
+            </a:r>
+            <a:r>
+              <a:rPr lang="en-US" dirty="0">
+                <a:solidFill>
+                  <a:srgbClr val="0070C0"/>
+                </a:solidFill>
+                <a:latin typeface="Arial" panose="020B0604020202020204" pitchFamily="34" charset="0"/>
+                <a:cs typeface="Arial" panose="020B0604020202020204" pitchFamily="34" charset="0"/>
+              </a:rPr>
+              <a:t>float</a:t>
+            </a:r>
+            <a:r>
+              <a:rPr lang="en-US" dirty="0">
+                <a:latin typeface="Arial" panose="020B0604020202020204" pitchFamily="34" charset="0"/>
+                <a:cs typeface="Arial" panose="020B0604020202020204" pitchFamily="34" charset="0"/>
+              </a:rPr>
+              <a:t>.</a:t>
+            </a:r>
+          </a:p>
+          <a:p>
+            <a:endParaRPr lang="en-US" dirty="0">
+              <a:latin typeface="Arial" panose="020B0604020202020204" pitchFamily="34" charset="0"/>
+              <a:cs typeface="Arial" panose="020B0604020202020204" pitchFamily="34" charset="0"/>
+            </a:endParaRPr>
+          </a:p>
+          <a:p>
+            <a:r>
+              <a:rPr lang="bg-BG" b="1" i="1" u="sng" dirty="0">
+                <a:latin typeface="Arial" panose="020B0604020202020204" pitchFamily="34" charset="0"/>
+                <a:cs typeface="Arial" panose="020B0604020202020204" pitchFamily="34" charset="0"/>
+              </a:rPr>
+              <a:t>Бележка:</a:t>
+            </a:r>
+            <a:r>
+              <a:rPr lang="bg-BG" dirty="0">
+                <a:latin typeface="Arial" panose="020B0604020202020204" pitchFamily="34" charset="0"/>
+                <a:cs typeface="Arial" panose="020B0604020202020204" pitchFamily="34" charset="0"/>
+              </a:rPr>
+              <a:t> Може да създавате масиви с всякакви размерности и типове в тях.</a:t>
+            </a:r>
+          </a:p>
+        </p:txBody>
+      </p:sp>
+    </p:spTree>
+    <p:extLst>
+      <p:ext uri="{BB962C8B-B14F-4D97-AF65-F5344CB8AC3E}">
+        <p14:creationId xmlns:p14="http://schemas.microsoft.com/office/powerpoint/2010/main" val="466562638"/>
+      </p:ext>
+    </p:extLst>
+  </p:cSld>
+  <p:clrMapOvr>
+    <a:masterClrMapping/>
+  </p:clrMapOvr>
+</p:sld>
+</file>
+
+<file path=ppt/slides/slide17.xml><?xml version="1.0" encoding="utf-8"?>
+<p:sld xmlns:a="http://schemas.openxmlformats.org/drawingml/2006/main" xmlns:r="http://schemas.openxmlformats.org/officeDocument/2006/relationships" xmlns:p="http://schemas.openxmlformats.org/presentationml/2006/main">
+  <p:cSld>
+    <p:spTree>
+      <p:nvGrpSpPr>
+        <p:cNvPr id="1" name=""/>
+        <p:cNvGrpSpPr/>
+        <p:nvPr/>
+      </p:nvGrpSpPr>
+      <p:grpSpPr>
+        <a:xfrm>
+          <a:off x="0" y="0"/>
+          <a:ext cx="0" cy="0"/>
+          <a:chOff x="0" y="0"/>
+          <a:chExt cx="0" cy="0"/>
+        </a:xfrm>
+      </p:grpSpPr>
+      <p:sp>
+        <p:nvSpPr>
+          <p:cNvPr id="2" name="Title 1">
+            <a:extLst>
+              <a:ext uri="{FF2B5EF4-FFF2-40B4-BE49-F238E27FC236}">
+                <a16:creationId xmlns:a16="http://schemas.microsoft.com/office/drawing/2014/main" id="{E74EAF41-0D13-4FB6-7E1C-F9E79CCF02FC}"/>
+              </a:ext>
+            </a:extLst>
+          </p:cNvPr>
+          <p:cNvSpPr>
+            <a:spLocks noGrp="1"/>
+          </p:cNvSpPr>
+          <p:nvPr>
+            <p:ph type="title"/>
+          </p:nvPr>
+        </p:nvSpPr>
+        <p:spPr/>
+        <p:txBody>
+          <a:bodyPr/>
+          <a:lstStyle/>
+          <a:p>
+            <a:pPr algn="ctr"/>
+            <a:r>
+              <a:rPr lang="bg-BG" dirty="0">
+                <a:latin typeface="Arial" panose="020B0604020202020204" pitchFamily="34" charset="0"/>
+                <a:cs typeface="Arial" panose="020B0604020202020204" pitchFamily="34" charset="0"/>
+              </a:rPr>
+              <a:t>Инициализиране на многомерен масив </a:t>
+            </a:r>
+          </a:p>
+        </p:txBody>
+      </p:sp>
+      <p:sp>
+        <p:nvSpPr>
+          <p:cNvPr id="3" name="Content Placeholder 2">
+            <a:extLst>
+              <a:ext uri="{FF2B5EF4-FFF2-40B4-BE49-F238E27FC236}">
+                <a16:creationId xmlns:a16="http://schemas.microsoft.com/office/drawing/2014/main" id="{CF65E523-950E-0007-E8A6-1B7B6E653EA8}"/>
+              </a:ext>
+            </a:extLst>
+          </p:cNvPr>
+          <p:cNvSpPr>
+            <a:spLocks noGrp="1"/>
+          </p:cNvSpPr>
+          <p:nvPr>
+            <p:ph idx="1"/>
+          </p:nvPr>
+        </p:nvSpPr>
+        <p:spPr>
+          <a:xfrm>
+            <a:off x="1154954" y="2603500"/>
+            <a:ext cx="4578581" cy="3920868"/>
+          </a:xfrm>
+        </p:spPr>
+        <p:txBody>
+          <a:bodyPr>
+            <a:normAutofit/>
+          </a:bodyPr>
+          <a:lstStyle/>
+          <a:p>
+            <a:pPr marL="0" indent="0">
+              <a:buNone/>
+            </a:pPr>
+            <a:r>
+              <a:rPr lang="en-US" sz="1800" dirty="0">
+                <a:solidFill>
+                  <a:srgbClr val="0070C0"/>
+                </a:solidFill>
+                <a:latin typeface="Cascadia Mono" panose="020B0609020000020004" pitchFamily="49" charset="0"/>
+              </a:rPr>
+              <a:t>int</a:t>
+            </a:r>
+            <a:r>
+              <a:rPr lang="en-US" sz="1800" dirty="0">
+                <a:solidFill>
+                  <a:srgbClr val="000000"/>
+                </a:solidFill>
+                <a:latin typeface="Cascadia Mono" panose="020B0609020000020004" pitchFamily="49" charset="0"/>
+              </a:rPr>
+              <a:t>[,] matrix = </a:t>
+            </a:r>
+            <a:r>
+              <a:rPr lang="en-US" sz="1800" dirty="0">
+                <a:solidFill>
+                  <a:srgbClr val="00B050"/>
+                </a:solidFill>
+                <a:latin typeface="Cascadia Mono" panose="020B0609020000020004" pitchFamily="49" charset="0"/>
+              </a:rPr>
+              <a:t>new</a:t>
+            </a:r>
+            <a:r>
+              <a:rPr lang="en-US" sz="1800" dirty="0">
+                <a:solidFill>
+                  <a:srgbClr val="000000"/>
+                </a:solidFill>
+                <a:latin typeface="Cascadia Mono" panose="020B0609020000020004" pitchFamily="49" charset="0"/>
+              </a:rPr>
+              <a:t> </a:t>
+            </a:r>
+            <a:r>
+              <a:rPr lang="en-US" sz="1800" dirty="0">
+                <a:solidFill>
+                  <a:srgbClr val="0070C0"/>
+                </a:solidFill>
+                <a:latin typeface="Cascadia Mono" panose="020B0609020000020004" pitchFamily="49" charset="0"/>
+              </a:rPr>
+              <a:t>int</a:t>
+            </a:r>
+            <a:r>
+              <a:rPr lang="en-US" sz="1800" dirty="0">
+                <a:solidFill>
+                  <a:srgbClr val="000000"/>
+                </a:solidFill>
+                <a:latin typeface="Cascadia Mono" panose="020B0609020000020004" pitchFamily="49" charset="0"/>
+              </a:rPr>
+              <a:t>[3, 3]</a:t>
+            </a:r>
+          </a:p>
+          <a:p>
+            <a:pPr marL="0" indent="0">
+              <a:buNone/>
+            </a:pPr>
+            <a:r>
+              <a:rPr lang="bg-BG" sz="1800" dirty="0">
+                <a:solidFill>
+                  <a:srgbClr val="000000"/>
+                </a:solidFill>
+                <a:latin typeface="Cascadia Mono" panose="020B0609020000020004" pitchFamily="49" charset="0"/>
+              </a:rPr>
+              <a:t>{</a:t>
+            </a:r>
+          </a:p>
+          <a:p>
+            <a:pPr marL="0" indent="0">
+              <a:buNone/>
+            </a:pPr>
+            <a:r>
+              <a:rPr lang="bg-BG" sz="1800" dirty="0">
+                <a:solidFill>
+                  <a:srgbClr val="000000"/>
+                </a:solidFill>
+                <a:latin typeface="Cascadia Mono" panose="020B0609020000020004" pitchFamily="49" charset="0"/>
+              </a:rPr>
+              <a:t>    {1, 2, 3},</a:t>
+            </a:r>
+          </a:p>
+          <a:p>
+            <a:pPr marL="0" indent="0">
+              <a:buNone/>
+            </a:pPr>
+            <a:r>
+              <a:rPr lang="bg-BG" sz="1800" dirty="0">
+                <a:solidFill>
+                  <a:srgbClr val="000000"/>
+                </a:solidFill>
+                <a:latin typeface="Cascadia Mono" panose="020B0609020000020004" pitchFamily="49" charset="0"/>
+              </a:rPr>
+              <a:t>    {4, 5, 6},</a:t>
+            </a:r>
+          </a:p>
+          <a:p>
+            <a:pPr marL="0" indent="0">
+              <a:buNone/>
+            </a:pPr>
+            <a:r>
+              <a:rPr lang="bg-BG" sz="1800" dirty="0">
+                <a:solidFill>
+                  <a:srgbClr val="000000"/>
+                </a:solidFill>
+                <a:latin typeface="Cascadia Mono" panose="020B0609020000020004" pitchFamily="49" charset="0"/>
+              </a:rPr>
+              <a:t>    {7, 8, 9}</a:t>
+            </a:r>
+          </a:p>
+          <a:p>
+            <a:pPr marL="0" indent="0">
+              <a:buNone/>
+            </a:pPr>
+            <a:r>
+              <a:rPr lang="bg-BG" sz="1800" dirty="0">
+                <a:solidFill>
+                  <a:srgbClr val="000000"/>
+                </a:solidFill>
+                <a:latin typeface="Cascadia Mono" panose="020B0609020000020004" pitchFamily="49" charset="0"/>
+              </a:rPr>
+              <a:t>};</a:t>
+            </a:r>
+            <a:endParaRPr lang="en-US" sz="1800" dirty="0">
+              <a:solidFill>
+                <a:srgbClr val="000000"/>
+              </a:solidFill>
+              <a:latin typeface="Cascadia Mono" panose="020B0609020000020004" pitchFamily="49" charset="0"/>
+            </a:endParaRPr>
+          </a:p>
+          <a:p>
+            <a:endParaRPr lang="en-US" dirty="0">
+              <a:solidFill>
+                <a:srgbClr val="000000"/>
+              </a:solidFill>
+              <a:latin typeface="Cascadia Mono" panose="020B0609020000020004" pitchFamily="49" charset="0"/>
+            </a:endParaRPr>
+          </a:p>
+          <a:p>
+            <a:endParaRPr lang="bg-BG" dirty="0"/>
+          </a:p>
+        </p:txBody>
+      </p:sp>
+      <p:sp>
+        <p:nvSpPr>
+          <p:cNvPr id="4" name="Content Placeholder 2">
+            <a:extLst>
+              <a:ext uri="{FF2B5EF4-FFF2-40B4-BE49-F238E27FC236}">
+                <a16:creationId xmlns:a16="http://schemas.microsoft.com/office/drawing/2014/main" id="{9C140BD9-A8DD-EC98-73DC-C79D219FF5AA}"/>
+              </a:ext>
+            </a:extLst>
+          </p:cNvPr>
+          <p:cNvSpPr txBox="1">
+            <a:spLocks/>
+          </p:cNvSpPr>
+          <p:nvPr/>
+        </p:nvSpPr>
+        <p:spPr>
+          <a:xfrm>
+            <a:off x="7016176" y="2603500"/>
+            <a:ext cx="4578581" cy="3920868"/>
+          </a:xfrm>
+          <a:prstGeom prst="rect">
+            <a:avLst/>
+          </a:prstGeom>
+        </p:spPr>
+        <p:txBody>
+          <a:bodyPr vert="horz" lIns="91440" tIns="45720" rIns="91440" bIns="45720" rtlCol="0">
+            <a:normAutofit/>
+          </a:bodyPr>
+          <a:lstStyle>
+            <a:lvl1pPr marL="342900" indent="-342900" algn="l" defTabSz="457200" rtl="0" eaLnBrk="1" latinLnBrk="0" hangingPunct="1">
+              <a:spcBef>
+                <a:spcPts val="1000"/>
+              </a:spcBef>
+              <a:spcAft>
+                <a:spcPts val="0"/>
+              </a:spcAft>
+              <a:buClr>
+                <a:schemeClr val="accent1"/>
+              </a:buClr>
+              <a:buSzPct val="80000"/>
+              <a:buFont typeface="Wingdings 3" charset="2"/>
+              <a:buChar char=""/>
+              <a:defRPr sz="1800" b="0" i="0" kern="1200">
+                <a:solidFill>
+                  <a:schemeClr val="tx1">
+                    <a:lumMod val="75000"/>
+                    <a:lumOff val="25000"/>
+                  </a:schemeClr>
+                </a:solidFill>
+                <a:latin typeface="+mn-lt"/>
+                <a:ea typeface="+mn-ea"/>
+                <a:cs typeface="+mn-cs"/>
+              </a:defRPr>
+            </a:lvl1pPr>
+            <a:lvl2pPr marL="742950" indent="-285750" algn="l" defTabSz="457200" rtl="0" eaLnBrk="1" latinLnBrk="0" hangingPunct="1">
+              <a:spcBef>
+                <a:spcPts val="1000"/>
+              </a:spcBef>
+              <a:spcAft>
+                <a:spcPts val="0"/>
+              </a:spcAft>
+              <a:buClr>
+                <a:schemeClr val="accent1"/>
+              </a:buClr>
+              <a:buSzPct val="80000"/>
+              <a:buFont typeface="Wingdings 3" charset="2"/>
+              <a:buChar char=""/>
+              <a:defRPr sz="1600" b="0" i="0" kern="1200">
+                <a:solidFill>
+                  <a:schemeClr val="tx1">
+                    <a:lumMod val="75000"/>
+                    <a:lumOff val="25000"/>
+                  </a:schemeClr>
+                </a:solidFill>
+                <a:latin typeface="+mn-lt"/>
+                <a:ea typeface="+mn-ea"/>
+                <a:cs typeface="+mn-cs"/>
+              </a:defRPr>
+            </a:lvl2pPr>
+            <a:lvl3pPr marL="1143000" indent="-228600" algn="l" defTabSz="457200" rtl="0" eaLnBrk="1" latinLnBrk="0" hangingPunct="1">
+              <a:spcBef>
+                <a:spcPts val="1000"/>
+              </a:spcBef>
+              <a:spcAft>
+                <a:spcPts val="0"/>
+              </a:spcAft>
+              <a:buClr>
+                <a:schemeClr val="accent1"/>
+              </a:buClr>
+              <a:buSzPct val="80000"/>
+              <a:buFont typeface="Wingdings 3" charset="2"/>
+              <a:buChar char=""/>
+              <a:defRPr sz="1400" b="0" i="0" kern="1200">
+                <a:solidFill>
+                  <a:schemeClr val="tx1">
+                    <a:lumMod val="75000"/>
+                    <a:lumOff val="25000"/>
+                  </a:schemeClr>
+                </a:solidFill>
+                <a:latin typeface="+mn-lt"/>
+                <a:ea typeface="+mn-ea"/>
+                <a:cs typeface="+mn-cs"/>
+              </a:defRPr>
+            </a:lvl3pPr>
+            <a:lvl4pPr marL="1600200" indent="-228600" algn="l" defTabSz="457200" rtl="0" eaLnBrk="1" latinLnBrk="0" hangingPunct="1">
+              <a:spcBef>
+                <a:spcPts val="1000"/>
+              </a:spcBef>
+              <a:spcAft>
+                <a:spcPts val="0"/>
+              </a:spcAft>
+              <a:buClr>
+                <a:schemeClr val="accent1"/>
+              </a:buClr>
+              <a:buSzPct val="80000"/>
+              <a:buFont typeface="Wingdings 3" charset="2"/>
+              <a:buChar char=""/>
+              <a:defRPr sz="1200" b="0" i="0" kern="1200">
+                <a:solidFill>
+                  <a:schemeClr val="tx1">
+                    <a:lumMod val="75000"/>
+                    <a:lumOff val="25000"/>
+                  </a:schemeClr>
+                </a:solidFill>
+                <a:latin typeface="+mn-lt"/>
+                <a:ea typeface="+mn-ea"/>
+                <a:cs typeface="+mn-cs"/>
+              </a:defRPr>
+            </a:lvl4pPr>
+            <a:lvl5pPr marL="2057400" indent="-228600" algn="l" defTabSz="457200" rtl="0" eaLnBrk="1" latinLnBrk="0" hangingPunct="1">
+              <a:spcBef>
+                <a:spcPts val="1000"/>
+              </a:spcBef>
+              <a:spcAft>
+                <a:spcPts val="0"/>
+              </a:spcAft>
+              <a:buClr>
+                <a:schemeClr val="accent1"/>
+              </a:buClr>
+              <a:buSzPct val="80000"/>
+              <a:buFont typeface="Wingdings 3" charset="2"/>
+              <a:buChar char=""/>
+              <a:defRPr sz="1200" b="0" i="0" kern="1200">
+                <a:solidFill>
+                  <a:schemeClr val="tx1">
+                    <a:lumMod val="75000"/>
+                    <a:lumOff val="25000"/>
+                  </a:schemeClr>
+                </a:solidFill>
+                <a:latin typeface="+mn-lt"/>
+                <a:ea typeface="+mn-ea"/>
+                <a:cs typeface="+mn-cs"/>
+              </a:defRPr>
+            </a:lvl5pPr>
+            <a:lvl6pPr marL="2514600" indent="-228600" algn="l" defTabSz="457200" rtl="0" eaLnBrk="1" latinLnBrk="0" hangingPunct="1">
+              <a:spcBef>
+                <a:spcPts val="1000"/>
+              </a:spcBef>
+              <a:spcAft>
+                <a:spcPts val="0"/>
+              </a:spcAft>
+              <a:buClr>
+                <a:schemeClr val="accent1"/>
+              </a:buClr>
+              <a:buSzPct val="80000"/>
+              <a:buFont typeface="Wingdings 3" charset="2"/>
+              <a:buChar char=""/>
+              <a:defRPr sz="1200" b="0" i="0" kern="1200">
+                <a:solidFill>
+                  <a:schemeClr val="tx1">
+                    <a:lumMod val="75000"/>
+                    <a:lumOff val="25000"/>
+                  </a:schemeClr>
+                </a:solidFill>
+                <a:latin typeface="+mn-lt"/>
+                <a:ea typeface="+mn-ea"/>
+                <a:cs typeface="+mn-cs"/>
+              </a:defRPr>
+            </a:lvl6pPr>
+            <a:lvl7pPr marL="2971800" indent="-228600" algn="l" defTabSz="457200" rtl="0" eaLnBrk="1" latinLnBrk="0" hangingPunct="1">
+              <a:spcBef>
+                <a:spcPts val="1000"/>
+              </a:spcBef>
+              <a:spcAft>
+                <a:spcPts val="0"/>
+              </a:spcAft>
+              <a:buClr>
+                <a:schemeClr val="accent1"/>
+              </a:buClr>
+              <a:buSzPct val="80000"/>
+              <a:buFont typeface="Wingdings 3" charset="2"/>
+              <a:buChar char=""/>
+              <a:defRPr sz="1200" b="0" i="0" kern="1200">
+                <a:solidFill>
+                  <a:schemeClr val="tx1">
+                    <a:lumMod val="75000"/>
+                    <a:lumOff val="25000"/>
+                  </a:schemeClr>
+                </a:solidFill>
+                <a:latin typeface="+mn-lt"/>
+                <a:ea typeface="+mn-ea"/>
+                <a:cs typeface="+mn-cs"/>
+              </a:defRPr>
+            </a:lvl7pPr>
+            <a:lvl8pPr marL="3429000" indent="-228600" algn="l" defTabSz="457200" rtl="0" eaLnBrk="1" latinLnBrk="0" hangingPunct="1">
+              <a:spcBef>
+                <a:spcPts val="1000"/>
+              </a:spcBef>
+              <a:spcAft>
+                <a:spcPts val="0"/>
+              </a:spcAft>
+              <a:buClr>
+                <a:schemeClr val="accent1"/>
+              </a:buClr>
+              <a:buSzPct val="80000"/>
+              <a:buFont typeface="Wingdings 3" charset="2"/>
+              <a:buChar char=""/>
+              <a:defRPr sz="1200" b="0" i="0" kern="1200">
+                <a:solidFill>
+                  <a:schemeClr val="tx1">
+                    <a:lumMod val="75000"/>
+                    <a:lumOff val="25000"/>
+                  </a:schemeClr>
+                </a:solidFill>
+                <a:latin typeface="+mn-lt"/>
+                <a:ea typeface="+mn-ea"/>
+                <a:cs typeface="+mn-cs"/>
+              </a:defRPr>
+            </a:lvl8pPr>
+            <a:lvl9pPr marL="3886200" indent="-228600" algn="l" defTabSz="457200" rtl="0" eaLnBrk="1" latinLnBrk="0" hangingPunct="1">
+              <a:spcBef>
+                <a:spcPts val="1000"/>
+              </a:spcBef>
+              <a:spcAft>
+                <a:spcPts val="0"/>
+              </a:spcAft>
+              <a:buClr>
+                <a:schemeClr val="accent1"/>
+              </a:buClr>
+              <a:buSzPct val="80000"/>
+              <a:buFont typeface="Wingdings 3" charset="2"/>
+              <a:buChar char=""/>
+              <a:defRPr sz="1200" b="0" i="0" kern="1200">
+                <a:solidFill>
+                  <a:schemeClr val="tx1">
+                    <a:lumMod val="75000"/>
+                    <a:lumOff val="25000"/>
+                  </a:schemeClr>
+                </a:solidFill>
+                <a:latin typeface="+mn-lt"/>
+                <a:ea typeface="+mn-ea"/>
+                <a:cs typeface="+mn-cs"/>
+              </a:defRPr>
+            </a:lvl9pPr>
+          </a:lstStyle>
+          <a:p>
+            <a:pPr marL="0" indent="0">
+              <a:buNone/>
+            </a:pPr>
+            <a:r>
+              <a:rPr lang="en-US" dirty="0">
+                <a:solidFill>
+                  <a:srgbClr val="0070C0"/>
+                </a:solidFill>
+                <a:latin typeface="Cascadia Mono" panose="020B0609020000020004" pitchFamily="49" charset="0"/>
+              </a:rPr>
+              <a:t>int</a:t>
+            </a:r>
+            <a:r>
+              <a:rPr lang="en-US" dirty="0">
+                <a:solidFill>
+                  <a:srgbClr val="000000"/>
+                </a:solidFill>
+                <a:latin typeface="Cascadia Mono" panose="020B0609020000020004" pitchFamily="49" charset="0"/>
+              </a:rPr>
+              <a:t>[,] matrix =</a:t>
+            </a:r>
+          </a:p>
+          <a:p>
+            <a:pPr marL="0" indent="0">
+              <a:buNone/>
+            </a:pPr>
+            <a:r>
+              <a:rPr lang="bg-BG" dirty="0">
+                <a:solidFill>
+                  <a:srgbClr val="000000"/>
+                </a:solidFill>
+                <a:latin typeface="Cascadia Mono" panose="020B0609020000020004" pitchFamily="49" charset="0"/>
+              </a:rPr>
+              <a:t>{</a:t>
+            </a:r>
+          </a:p>
+          <a:p>
+            <a:pPr marL="0" indent="0">
+              <a:buNone/>
+            </a:pPr>
+            <a:r>
+              <a:rPr lang="bg-BG" dirty="0">
+                <a:solidFill>
+                  <a:srgbClr val="000000"/>
+                </a:solidFill>
+                <a:latin typeface="Cascadia Mono" panose="020B0609020000020004" pitchFamily="49" charset="0"/>
+              </a:rPr>
+              <a:t>    {1, 2, 3},</a:t>
+            </a:r>
+          </a:p>
+          <a:p>
+            <a:pPr marL="0" indent="0">
+              <a:buNone/>
+            </a:pPr>
+            <a:r>
+              <a:rPr lang="bg-BG" dirty="0">
+                <a:solidFill>
+                  <a:srgbClr val="000000"/>
+                </a:solidFill>
+                <a:latin typeface="Cascadia Mono" panose="020B0609020000020004" pitchFamily="49" charset="0"/>
+              </a:rPr>
+              <a:t>    {4, 5, 6},   </a:t>
+            </a:r>
+          </a:p>
+          <a:p>
+            <a:pPr marL="0" indent="0">
+              <a:buNone/>
+            </a:pPr>
+            <a:r>
+              <a:rPr lang="bg-BG" dirty="0">
+                <a:solidFill>
+                  <a:srgbClr val="000000"/>
+                </a:solidFill>
+                <a:latin typeface="Cascadia Mono" panose="020B0609020000020004" pitchFamily="49" charset="0"/>
+              </a:rPr>
+              <a:t>};</a:t>
+            </a:r>
+            <a:endParaRPr lang="en-US" dirty="0">
+              <a:solidFill>
+                <a:srgbClr val="000000"/>
+              </a:solidFill>
+              <a:latin typeface="Cascadia Mono" panose="020B0609020000020004" pitchFamily="49" charset="0"/>
+            </a:endParaRPr>
+          </a:p>
+          <a:p>
+            <a:endParaRPr lang="bg-BG" dirty="0"/>
+          </a:p>
+        </p:txBody>
+      </p:sp>
+    </p:spTree>
+    <p:extLst>
+      <p:ext uri="{BB962C8B-B14F-4D97-AF65-F5344CB8AC3E}">
+        <p14:creationId xmlns:p14="http://schemas.microsoft.com/office/powerpoint/2010/main" val="3166749221"/>
+      </p:ext>
+    </p:extLst>
+  </p:cSld>
+  <p:clrMapOvr>
+    <a:masterClrMapping/>
+  </p:clrMapOvr>
+</p:sld>
+</file>
+
+<file path=ppt/slides/slide18.xml><?xml version="1.0" encoding="utf-8"?>
+<p:sld xmlns:a="http://schemas.openxmlformats.org/drawingml/2006/main" xmlns:r="http://schemas.openxmlformats.org/officeDocument/2006/relationships" xmlns:p="http://schemas.openxmlformats.org/presentationml/2006/main">
+  <p:cSld>
+    <p:spTree>
+      <p:nvGrpSpPr>
+        <p:cNvPr id="1" name=""/>
+        <p:cNvGrpSpPr/>
+        <p:nvPr/>
+      </p:nvGrpSpPr>
+      <p:grpSpPr>
+        <a:xfrm>
+          <a:off x="0" y="0"/>
+          <a:ext cx="0" cy="0"/>
+          <a:chOff x="0" y="0"/>
+          <a:chExt cx="0" cy="0"/>
+        </a:xfrm>
+      </p:grpSpPr>
+      <p:sp>
+        <p:nvSpPr>
+          <p:cNvPr id="2" name="Title 1">
+            <a:extLst>
+              <a:ext uri="{FF2B5EF4-FFF2-40B4-BE49-F238E27FC236}">
+                <a16:creationId xmlns:a16="http://schemas.microsoft.com/office/drawing/2014/main" id="{5387E2D4-26EF-F4DD-48D6-DC7589CEBD70}"/>
+              </a:ext>
+            </a:extLst>
+          </p:cNvPr>
+          <p:cNvSpPr>
+            <a:spLocks noGrp="1"/>
+          </p:cNvSpPr>
+          <p:nvPr>
+            <p:ph type="title"/>
+          </p:nvPr>
+        </p:nvSpPr>
+        <p:spPr>
+          <a:xfrm>
+            <a:off x="1154953" y="973667"/>
+            <a:ext cx="8761413" cy="1011651"/>
+          </a:xfrm>
+        </p:spPr>
+        <p:txBody>
+          <a:bodyPr/>
+          <a:lstStyle/>
+          <a:p>
+            <a:pPr algn="ctr"/>
+            <a:r>
+              <a:rPr lang="bg-BG" dirty="0">
+                <a:latin typeface="Arial" panose="020B0604020202020204" pitchFamily="34" charset="0"/>
+                <a:cs typeface="Arial" panose="020B0604020202020204" pitchFamily="34" charset="0"/>
+              </a:rPr>
+              <a:t>Достъпване на елементите на многомерен масив</a:t>
+            </a:r>
+          </a:p>
+        </p:txBody>
+      </p:sp>
+      <p:sp>
+        <p:nvSpPr>
+          <p:cNvPr id="3" name="Content Placeholder 2">
+            <a:extLst>
+              <a:ext uri="{FF2B5EF4-FFF2-40B4-BE49-F238E27FC236}">
+                <a16:creationId xmlns:a16="http://schemas.microsoft.com/office/drawing/2014/main" id="{E105C63F-EA10-27A4-7F09-AD5E887A2734}"/>
+              </a:ext>
+            </a:extLst>
+          </p:cNvPr>
+          <p:cNvSpPr>
+            <a:spLocks noGrp="1"/>
+          </p:cNvSpPr>
+          <p:nvPr>
+            <p:ph idx="1"/>
+          </p:nvPr>
+        </p:nvSpPr>
+        <p:spPr>
+          <a:xfrm>
+            <a:off x="1154955" y="2603500"/>
+            <a:ext cx="4866904" cy="3978532"/>
+          </a:xfrm>
+        </p:spPr>
+        <p:txBody>
+          <a:bodyPr>
+            <a:normAutofit/>
+          </a:bodyPr>
+          <a:lstStyle/>
+          <a:p>
+            <a:pPr marL="0" indent="0">
+              <a:buNone/>
+            </a:pPr>
+            <a:r>
+              <a:rPr lang="en-US" sz="1800" dirty="0">
+                <a:solidFill>
+                  <a:srgbClr val="000000"/>
+                </a:solidFill>
+                <a:latin typeface="Cascadia Mono" panose="020B0609020000020004" pitchFamily="49" charset="0"/>
+              </a:rPr>
+              <a:t> </a:t>
+            </a:r>
+            <a:r>
+              <a:rPr lang="en-US" sz="1800" dirty="0">
+                <a:solidFill>
+                  <a:srgbClr val="0070C0"/>
+                </a:solidFill>
+                <a:latin typeface="Cascadia Mono" panose="020B0609020000020004" pitchFamily="49" charset="0"/>
+              </a:rPr>
+              <a:t>int</a:t>
+            </a:r>
+            <a:r>
+              <a:rPr lang="en-US" sz="1800" dirty="0">
+                <a:solidFill>
+                  <a:srgbClr val="000000"/>
+                </a:solidFill>
+                <a:latin typeface="Cascadia Mono" panose="020B0609020000020004" pitchFamily="49" charset="0"/>
+              </a:rPr>
+              <a:t>[,] matrix = </a:t>
+            </a:r>
+            <a:r>
+              <a:rPr lang="en-US" sz="1800" dirty="0">
+                <a:solidFill>
+                  <a:srgbClr val="00B050"/>
+                </a:solidFill>
+                <a:latin typeface="Cascadia Mono" panose="020B0609020000020004" pitchFamily="49" charset="0"/>
+              </a:rPr>
+              <a:t>new</a:t>
+            </a:r>
+            <a:r>
+              <a:rPr lang="en-US" sz="1800" dirty="0">
+                <a:solidFill>
+                  <a:srgbClr val="000000"/>
+                </a:solidFill>
+                <a:latin typeface="Cascadia Mono" panose="020B0609020000020004" pitchFamily="49" charset="0"/>
+              </a:rPr>
+              <a:t> </a:t>
+            </a:r>
+            <a:r>
+              <a:rPr lang="en-US" sz="1800" dirty="0">
+                <a:solidFill>
+                  <a:srgbClr val="0070C0"/>
+                </a:solidFill>
+                <a:latin typeface="Cascadia Mono" panose="020B0609020000020004" pitchFamily="49" charset="0"/>
+              </a:rPr>
+              <a:t>int</a:t>
+            </a:r>
+            <a:r>
+              <a:rPr lang="en-US" sz="1800" dirty="0">
+                <a:solidFill>
+                  <a:srgbClr val="000000"/>
+                </a:solidFill>
+                <a:latin typeface="Cascadia Mono" panose="020B0609020000020004" pitchFamily="49" charset="0"/>
+              </a:rPr>
+              <a:t>[3, 3]</a:t>
+            </a:r>
+          </a:p>
+          <a:p>
+            <a:pPr marL="0" indent="0">
+              <a:buNone/>
+            </a:pPr>
+            <a:r>
+              <a:rPr lang="bg-BG" sz="1800" dirty="0">
+                <a:solidFill>
+                  <a:srgbClr val="000000"/>
+                </a:solidFill>
+                <a:latin typeface="Cascadia Mono" panose="020B0609020000020004" pitchFamily="49" charset="0"/>
+              </a:rPr>
+              <a:t> {</a:t>
+            </a:r>
+          </a:p>
+          <a:p>
+            <a:pPr marL="0" indent="0">
+              <a:buNone/>
+            </a:pPr>
+            <a:r>
+              <a:rPr lang="bg-BG" sz="1800" dirty="0">
+                <a:solidFill>
+                  <a:srgbClr val="000000"/>
+                </a:solidFill>
+                <a:latin typeface="Cascadia Mono" panose="020B0609020000020004" pitchFamily="49" charset="0"/>
+              </a:rPr>
+              <a:t>     {1, 2, 3},</a:t>
+            </a:r>
+          </a:p>
+          <a:p>
+            <a:pPr marL="0" indent="0">
+              <a:buNone/>
+            </a:pPr>
+            <a:r>
+              <a:rPr lang="bg-BG" sz="1800" dirty="0">
+                <a:solidFill>
+                  <a:srgbClr val="000000"/>
+                </a:solidFill>
+                <a:latin typeface="Cascadia Mono" panose="020B0609020000020004" pitchFamily="49" charset="0"/>
+              </a:rPr>
+              <a:t>     {4, 5, 6},</a:t>
+            </a:r>
+          </a:p>
+          <a:p>
+            <a:pPr marL="0" indent="0">
+              <a:buNone/>
+            </a:pPr>
+            <a:r>
+              <a:rPr lang="bg-BG" sz="1800" dirty="0">
+                <a:solidFill>
+                  <a:srgbClr val="000000"/>
+                </a:solidFill>
+                <a:latin typeface="Cascadia Mono" panose="020B0609020000020004" pitchFamily="49" charset="0"/>
+              </a:rPr>
+              <a:t>     {7, 8, 9}</a:t>
+            </a:r>
+          </a:p>
+          <a:p>
+            <a:pPr marL="0" indent="0">
+              <a:buNone/>
+            </a:pPr>
+            <a:r>
+              <a:rPr lang="bg-BG" sz="1800" dirty="0">
+                <a:solidFill>
+                  <a:srgbClr val="000000"/>
+                </a:solidFill>
+                <a:latin typeface="Cascadia Mono" panose="020B0609020000020004" pitchFamily="49" charset="0"/>
+              </a:rPr>
+              <a:t> };</a:t>
+            </a:r>
+          </a:p>
+          <a:p>
+            <a:endParaRPr lang="bg-BG" sz="1800" dirty="0">
+              <a:solidFill>
+                <a:srgbClr val="000000"/>
+              </a:solidFill>
+              <a:latin typeface="Cascadia Mono" panose="020B0609020000020004" pitchFamily="49" charset="0"/>
+            </a:endParaRPr>
+          </a:p>
+          <a:p>
+            <a:endParaRPr lang="bg-BG" dirty="0"/>
+          </a:p>
+        </p:txBody>
+      </p:sp>
+      <p:sp>
+        <p:nvSpPr>
+          <p:cNvPr id="4" name="Content Placeholder 2">
+            <a:extLst>
+              <a:ext uri="{FF2B5EF4-FFF2-40B4-BE49-F238E27FC236}">
+                <a16:creationId xmlns:a16="http://schemas.microsoft.com/office/drawing/2014/main" id="{23322976-A2EA-CF24-6573-F7AA2ADA286F}"/>
+              </a:ext>
+            </a:extLst>
+          </p:cNvPr>
+          <p:cNvSpPr txBox="1">
+            <a:spLocks/>
+          </p:cNvSpPr>
+          <p:nvPr/>
+        </p:nvSpPr>
+        <p:spPr>
+          <a:xfrm>
+            <a:off x="6521907" y="2224216"/>
+            <a:ext cx="4866904" cy="4457015"/>
+          </a:xfrm>
+          <a:prstGeom prst="rect">
+            <a:avLst/>
+          </a:prstGeom>
+        </p:spPr>
+        <p:txBody>
+          <a:bodyPr vert="horz" lIns="91440" tIns="45720" rIns="91440" bIns="45720" rtlCol="0">
+            <a:normAutofit/>
+          </a:bodyPr>
+          <a:lstStyle>
+            <a:lvl1pPr marL="342900" indent="-342900" algn="l" defTabSz="457200" rtl="0" eaLnBrk="1" latinLnBrk="0" hangingPunct="1">
+              <a:spcBef>
+                <a:spcPts val="1000"/>
+              </a:spcBef>
+              <a:spcAft>
+                <a:spcPts val="0"/>
+              </a:spcAft>
+              <a:buClr>
+                <a:schemeClr val="accent1"/>
+              </a:buClr>
+              <a:buSzPct val="80000"/>
+              <a:buFont typeface="Wingdings 3" charset="2"/>
+              <a:buChar char=""/>
+              <a:defRPr sz="1800" b="0" i="0" kern="1200">
+                <a:solidFill>
+                  <a:schemeClr val="tx1">
+                    <a:lumMod val="75000"/>
+                    <a:lumOff val="25000"/>
+                  </a:schemeClr>
+                </a:solidFill>
+                <a:latin typeface="+mn-lt"/>
+                <a:ea typeface="+mn-ea"/>
+                <a:cs typeface="+mn-cs"/>
+              </a:defRPr>
+            </a:lvl1pPr>
+            <a:lvl2pPr marL="742950" indent="-285750" algn="l" defTabSz="457200" rtl="0" eaLnBrk="1" latinLnBrk="0" hangingPunct="1">
+              <a:spcBef>
+                <a:spcPts val="1000"/>
+              </a:spcBef>
+              <a:spcAft>
+                <a:spcPts val="0"/>
+              </a:spcAft>
+              <a:buClr>
+                <a:schemeClr val="accent1"/>
+              </a:buClr>
+              <a:buSzPct val="80000"/>
+              <a:buFont typeface="Wingdings 3" charset="2"/>
+              <a:buChar char=""/>
+              <a:defRPr sz="1600" b="0" i="0" kern="1200">
+                <a:solidFill>
+                  <a:schemeClr val="tx1">
+                    <a:lumMod val="75000"/>
+                    <a:lumOff val="25000"/>
+                  </a:schemeClr>
+                </a:solidFill>
+                <a:latin typeface="+mn-lt"/>
+                <a:ea typeface="+mn-ea"/>
+                <a:cs typeface="+mn-cs"/>
+              </a:defRPr>
+            </a:lvl2pPr>
+            <a:lvl3pPr marL="1143000" indent="-228600" algn="l" defTabSz="457200" rtl="0" eaLnBrk="1" latinLnBrk="0" hangingPunct="1">
+              <a:spcBef>
+                <a:spcPts val="1000"/>
+              </a:spcBef>
+              <a:spcAft>
+                <a:spcPts val="0"/>
+              </a:spcAft>
+              <a:buClr>
+                <a:schemeClr val="accent1"/>
+              </a:buClr>
+              <a:buSzPct val="80000"/>
+              <a:buFont typeface="Wingdings 3" charset="2"/>
+              <a:buChar char=""/>
+              <a:defRPr sz="1400" b="0" i="0" kern="1200">
+                <a:solidFill>
+                  <a:schemeClr val="tx1">
+                    <a:lumMod val="75000"/>
+                    <a:lumOff val="25000"/>
+                  </a:schemeClr>
+                </a:solidFill>
+                <a:latin typeface="+mn-lt"/>
+                <a:ea typeface="+mn-ea"/>
+                <a:cs typeface="+mn-cs"/>
+              </a:defRPr>
+            </a:lvl3pPr>
+            <a:lvl4pPr marL="1600200" indent="-228600" algn="l" defTabSz="457200" rtl="0" eaLnBrk="1" latinLnBrk="0" hangingPunct="1">
+              <a:spcBef>
+                <a:spcPts val="1000"/>
+              </a:spcBef>
+              <a:spcAft>
+                <a:spcPts val="0"/>
+              </a:spcAft>
+              <a:buClr>
+                <a:schemeClr val="accent1"/>
+              </a:buClr>
+              <a:buSzPct val="80000"/>
+              <a:buFont typeface="Wingdings 3" charset="2"/>
+              <a:buChar char=""/>
+              <a:defRPr sz="1200" b="0" i="0" kern="1200">
+                <a:solidFill>
+                  <a:schemeClr val="tx1">
+                    <a:lumMod val="75000"/>
+                    <a:lumOff val="25000"/>
+                  </a:schemeClr>
+                </a:solidFill>
+                <a:latin typeface="+mn-lt"/>
+                <a:ea typeface="+mn-ea"/>
+                <a:cs typeface="+mn-cs"/>
+              </a:defRPr>
+            </a:lvl4pPr>
+            <a:lvl5pPr marL="2057400" indent="-228600" algn="l" defTabSz="457200" rtl="0" eaLnBrk="1" latinLnBrk="0" hangingPunct="1">
+              <a:spcBef>
+                <a:spcPts val="1000"/>
+              </a:spcBef>
+              <a:spcAft>
+                <a:spcPts val="0"/>
+              </a:spcAft>
+              <a:buClr>
+                <a:schemeClr val="accent1"/>
+              </a:buClr>
+              <a:buSzPct val="80000"/>
+              <a:buFont typeface="Wingdings 3" charset="2"/>
+              <a:buChar char=""/>
+              <a:defRPr sz="1200" b="0" i="0" kern="1200">
+                <a:solidFill>
+                  <a:schemeClr val="tx1">
+                    <a:lumMod val="75000"/>
+                    <a:lumOff val="25000"/>
+                  </a:schemeClr>
+                </a:solidFill>
+                <a:latin typeface="+mn-lt"/>
+                <a:ea typeface="+mn-ea"/>
+                <a:cs typeface="+mn-cs"/>
+              </a:defRPr>
+            </a:lvl5pPr>
+            <a:lvl6pPr marL="2514600" indent="-228600" algn="l" defTabSz="457200" rtl="0" eaLnBrk="1" latinLnBrk="0" hangingPunct="1">
+              <a:spcBef>
+                <a:spcPts val="1000"/>
+              </a:spcBef>
+              <a:spcAft>
+                <a:spcPts val="0"/>
+              </a:spcAft>
+              <a:buClr>
+                <a:schemeClr val="accent1"/>
+              </a:buClr>
+              <a:buSzPct val="80000"/>
+              <a:buFont typeface="Wingdings 3" charset="2"/>
+              <a:buChar char=""/>
+              <a:defRPr sz="1200" b="0" i="0" kern="1200">
+                <a:solidFill>
+                  <a:schemeClr val="tx1">
+                    <a:lumMod val="75000"/>
+                    <a:lumOff val="25000"/>
+                  </a:schemeClr>
+                </a:solidFill>
+                <a:latin typeface="+mn-lt"/>
+                <a:ea typeface="+mn-ea"/>
+                <a:cs typeface="+mn-cs"/>
+              </a:defRPr>
+            </a:lvl6pPr>
+            <a:lvl7pPr marL="2971800" indent="-228600" algn="l" defTabSz="457200" rtl="0" eaLnBrk="1" latinLnBrk="0" hangingPunct="1">
+              <a:spcBef>
+                <a:spcPts val="1000"/>
+              </a:spcBef>
+              <a:spcAft>
+                <a:spcPts val="0"/>
+              </a:spcAft>
+              <a:buClr>
+                <a:schemeClr val="accent1"/>
+              </a:buClr>
+              <a:buSzPct val="80000"/>
+              <a:buFont typeface="Wingdings 3" charset="2"/>
+              <a:buChar char=""/>
+              <a:defRPr sz="1200" b="0" i="0" kern="1200">
+                <a:solidFill>
+                  <a:schemeClr val="tx1">
+                    <a:lumMod val="75000"/>
+                    <a:lumOff val="25000"/>
+                  </a:schemeClr>
+                </a:solidFill>
+                <a:latin typeface="+mn-lt"/>
+                <a:ea typeface="+mn-ea"/>
+                <a:cs typeface="+mn-cs"/>
+              </a:defRPr>
+            </a:lvl7pPr>
+            <a:lvl8pPr marL="3429000" indent="-228600" algn="l" defTabSz="457200" rtl="0" eaLnBrk="1" latinLnBrk="0" hangingPunct="1">
+              <a:spcBef>
+                <a:spcPts val="1000"/>
+              </a:spcBef>
+              <a:spcAft>
+                <a:spcPts val="0"/>
+              </a:spcAft>
+              <a:buClr>
+                <a:schemeClr val="accent1"/>
+              </a:buClr>
+              <a:buSzPct val="80000"/>
+              <a:buFont typeface="Wingdings 3" charset="2"/>
+              <a:buChar char=""/>
+              <a:defRPr sz="1200" b="0" i="0" kern="1200">
+                <a:solidFill>
+                  <a:schemeClr val="tx1">
+                    <a:lumMod val="75000"/>
+                    <a:lumOff val="25000"/>
+                  </a:schemeClr>
+                </a:solidFill>
+                <a:latin typeface="+mn-lt"/>
+                <a:ea typeface="+mn-ea"/>
+                <a:cs typeface="+mn-cs"/>
+              </a:defRPr>
+            </a:lvl8pPr>
+            <a:lvl9pPr marL="3886200" indent="-228600" algn="l" defTabSz="457200" rtl="0" eaLnBrk="1" latinLnBrk="0" hangingPunct="1">
+              <a:spcBef>
+                <a:spcPts val="1000"/>
+              </a:spcBef>
+              <a:spcAft>
+                <a:spcPts val="0"/>
+              </a:spcAft>
+              <a:buClr>
+                <a:schemeClr val="accent1"/>
+              </a:buClr>
+              <a:buSzPct val="80000"/>
+              <a:buFont typeface="Wingdings 3" charset="2"/>
+              <a:buChar char=""/>
+              <a:defRPr sz="1200" b="0" i="0" kern="1200">
+                <a:solidFill>
+                  <a:schemeClr val="tx1">
+                    <a:lumMod val="75000"/>
+                    <a:lumOff val="25000"/>
+                  </a:schemeClr>
+                </a:solidFill>
+                <a:latin typeface="+mn-lt"/>
+                <a:ea typeface="+mn-ea"/>
+                <a:cs typeface="+mn-cs"/>
+              </a:defRPr>
+            </a:lvl9pPr>
+          </a:lstStyle>
+          <a:p>
+            <a:endParaRPr lang="bg-BG" dirty="0">
+              <a:solidFill>
+                <a:srgbClr val="000000"/>
+              </a:solidFill>
+              <a:latin typeface="Cascadia Mono" panose="020B0609020000020004" pitchFamily="49" charset="0"/>
+            </a:endParaRPr>
+          </a:p>
+          <a:p>
+            <a:pPr marL="0" indent="0">
+              <a:buNone/>
+            </a:pPr>
+            <a:r>
+              <a:rPr lang="en-US" dirty="0">
+                <a:solidFill>
+                  <a:srgbClr val="000000"/>
+                </a:solidFill>
+                <a:latin typeface="Cascadia Mono" panose="020B0609020000020004" pitchFamily="49" charset="0"/>
+              </a:rPr>
+              <a:t>matrix[0, 0] = 10;</a:t>
+            </a:r>
+          </a:p>
+          <a:p>
+            <a:pPr marL="0" indent="0">
+              <a:buNone/>
+            </a:pPr>
+            <a:r>
+              <a:rPr lang="en-US" dirty="0">
+                <a:solidFill>
+                  <a:srgbClr val="000000"/>
+                </a:solidFill>
+                <a:latin typeface="Cascadia Mono" panose="020B0609020000020004" pitchFamily="49" charset="0"/>
+              </a:rPr>
+              <a:t>matrix[1, 1] = 20;</a:t>
+            </a:r>
+          </a:p>
+          <a:p>
+            <a:endParaRPr lang="en-US" dirty="0">
+              <a:solidFill>
+                <a:srgbClr val="000000"/>
+              </a:solidFill>
+              <a:latin typeface="Cascadia Mono" panose="020B0609020000020004" pitchFamily="49" charset="0"/>
+            </a:endParaRPr>
+          </a:p>
+          <a:p>
+            <a:pPr marL="0" indent="0">
+              <a:buNone/>
+            </a:pPr>
+            <a:r>
+              <a:rPr lang="bg-BG" b="1" i="1" u="sng" dirty="0">
+                <a:solidFill>
+                  <a:srgbClr val="000000"/>
+                </a:solidFill>
+                <a:latin typeface="Arial" panose="020B0604020202020204" pitchFamily="34" charset="0"/>
+                <a:cs typeface="Arial" panose="020B0604020202020204" pitchFamily="34" charset="0"/>
+              </a:rPr>
+              <a:t>Резултат: </a:t>
+            </a:r>
+          </a:p>
+          <a:p>
+            <a:endParaRPr lang="en-US" dirty="0">
+              <a:solidFill>
+                <a:srgbClr val="000000"/>
+              </a:solidFill>
+              <a:latin typeface="Cascadia Mono" panose="020B0609020000020004" pitchFamily="49" charset="0"/>
+            </a:endParaRPr>
+          </a:p>
+          <a:p>
+            <a:pPr marL="0" indent="0">
+              <a:buNone/>
+            </a:pPr>
+            <a:r>
+              <a:rPr lang="bg-BG" dirty="0">
+                <a:solidFill>
+                  <a:srgbClr val="000000"/>
+                </a:solidFill>
+                <a:latin typeface="Cascadia Mono" panose="020B0609020000020004" pitchFamily="49" charset="0"/>
+              </a:rPr>
+              <a:t>{</a:t>
+            </a:r>
+            <a:r>
+              <a:rPr lang="bg-BG" dirty="0">
+                <a:solidFill>
+                  <a:srgbClr val="00B050"/>
+                </a:solidFill>
+                <a:latin typeface="Cascadia Mono" panose="020B0609020000020004" pitchFamily="49" charset="0"/>
+              </a:rPr>
+              <a:t>1</a:t>
+            </a:r>
+            <a:r>
+              <a:rPr lang="en-US" dirty="0">
+                <a:solidFill>
+                  <a:srgbClr val="00B050"/>
+                </a:solidFill>
+                <a:latin typeface="Cascadia Mono" panose="020B0609020000020004" pitchFamily="49" charset="0"/>
+              </a:rPr>
+              <a:t>0</a:t>
+            </a:r>
+            <a:r>
+              <a:rPr lang="bg-BG" dirty="0">
+                <a:solidFill>
+                  <a:schemeClr val="tx1"/>
+                </a:solidFill>
+                <a:latin typeface="Cascadia Mono" panose="020B0609020000020004" pitchFamily="49" charset="0"/>
+              </a:rPr>
+              <a:t>,</a:t>
+            </a:r>
+            <a:r>
+              <a:rPr lang="bg-BG" dirty="0">
+                <a:solidFill>
+                  <a:srgbClr val="000000"/>
+                </a:solidFill>
+                <a:latin typeface="Cascadia Mono" panose="020B0609020000020004" pitchFamily="49" charset="0"/>
+              </a:rPr>
+              <a:t> 2, 3}</a:t>
+            </a:r>
+          </a:p>
+          <a:p>
+            <a:pPr marL="0" indent="0">
+              <a:buNone/>
+            </a:pPr>
+            <a:r>
+              <a:rPr lang="bg-BG" dirty="0">
+                <a:solidFill>
+                  <a:srgbClr val="000000"/>
+                </a:solidFill>
+                <a:latin typeface="Cascadia Mono" panose="020B0609020000020004" pitchFamily="49" charset="0"/>
+              </a:rPr>
+              <a:t>{4, </a:t>
+            </a:r>
+            <a:r>
+              <a:rPr lang="en-US" dirty="0">
+                <a:solidFill>
+                  <a:srgbClr val="00B050"/>
+                </a:solidFill>
+                <a:latin typeface="Cascadia Mono" panose="020B0609020000020004" pitchFamily="49" charset="0"/>
+              </a:rPr>
+              <a:t>20</a:t>
+            </a:r>
+            <a:r>
+              <a:rPr lang="bg-BG" dirty="0">
+                <a:solidFill>
+                  <a:srgbClr val="000000"/>
+                </a:solidFill>
+                <a:latin typeface="Cascadia Mono" panose="020B0609020000020004" pitchFamily="49" charset="0"/>
+              </a:rPr>
+              <a:t>, 6}</a:t>
+            </a:r>
+          </a:p>
+          <a:p>
+            <a:pPr marL="0" indent="0">
+              <a:buNone/>
+            </a:pPr>
+            <a:r>
+              <a:rPr lang="bg-BG" dirty="0">
+                <a:solidFill>
+                  <a:srgbClr val="000000"/>
+                </a:solidFill>
+                <a:latin typeface="Cascadia Mono" panose="020B0609020000020004" pitchFamily="49" charset="0"/>
+              </a:rPr>
+              <a:t>{7, 8, 9</a:t>
+            </a:r>
+            <a:r>
+              <a:rPr lang="en-US" dirty="0">
+                <a:solidFill>
+                  <a:srgbClr val="000000"/>
+                </a:solidFill>
+                <a:latin typeface="Cascadia Mono" panose="020B0609020000020004" pitchFamily="49" charset="0"/>
+              </a:rPr>
+              <a:t> </a:t>
+            </a:r>
+            <a:r>
+              <a:rPr lang="bg-BG" dirty="0">
+                <a:solidFill>
+                  <a:srgbClr val="000000"/>
+                </a:solidFill>
+                <a:latin typeface="Cascadia Mono" panose="020B0609020000020004" pitchFamily="49" charset="0"/>
+              </a:rPr>
+              <a:t>}</a:t>
+            </a:r>
+          </a:p>
+          <a:p>
+            <a:endParaRPr lang="bg-BG" dirty="0"/>
+          </a:p>
+        </p:txBody>
+      </p:sp>
+    </p:spTree>
+    <p:extLst>
+      <p:ext uri="{BB962C8B-B14F-4D97-AF65-F5344CB8AC3E}">
+        <p14:creationId xmlns:p14="http://schemas.microsoft.com/office/powerpoint/2010/main" val="278312448"/>
+      </p:ext>
+    </p:extLst>
+  </p:cSld>
+  <p:clrMapOvr>
+    <a:masterClrMapping/>
+  </p:clrMapOvr>
+</p:sld>
+</file>
+
+<file path=ppt/slides/slide19.xml><?xml version="1.0" encoding="utf-8"?>
+<p:sld xmlns:a="http://schemas.openxmlformats.org/drawingml/2006/main" xmlns:r="http://schemas.openxmlformats.org/officeDocument/2006/relationships" xmlns:p="http://schemas.openxmlformats.org/presentationml/2006/main">
+  <p:cSld>
+    <p:spTree>
+      <p:nvGrpSpPr>
+        <p:cNvPr id="1" name=""/>
+        <p:cNvGrpSpPr/>
+        <p:nvPr/>
+      </p:nvGrpSpPr>
+      <p:grpSpPr>
+        <a:xfrm>
+          <a:off x="0" y="0"/>
+          <a:ext cx="0" cy="0"/>
+          <a:chOff x="0" y="0"/>
+          <a:chExt cx="0" cy="0"/>
+        </a:xfrm>
+      </p:grpSpPr>
+      <p:sp>
+        <p:nvSpPr>
+          <p:cNvPr id="2" name="Title 1">
+            <a:extLst>
+              <a:ext uri="{FF2B5EF4-FFF2-40B4-BE49-F238E27FC236}">
+                <a16:creationId xmlns:a16="http://schemas.microsoft.com/office/drawing/2014/main" id="{134B8674-786F-355E-CF9E-D6E5800237EC}"/>
+              </a:ext>
+            </a:extLst>
+          </p:cNvPr>
+          <p:cNvSpPr>
+            <a:spLocks noGrp="1"/>
+          </p:cNvSpPr>
+          <p:nvPr>
+            <p:ph type="title"/>
+          </p:nvPr>
+        </p:nvSpPr>
+        <p:spPr/>
+        <p:txBody>
+          <a:bodyPr/>
+          <a:lstStyle/>
+          <a:p>
+            <a:pPr algn="ctr"/>
+            <a:r>
+              <a:rPr lang="bg-BG" dirty="0">
+                <a:latin typeface="Arial" panose="020B0604020202020204" pitchFamily="34" charset="0"/>
+                <a:cs typeface="Arial" panose="020B0604020202020204" pitchFamily="34" charset="0"/>
+              </a:rPr>
+              <a:t>Принтиране на елементите на многомерен масив</a:t>
+            </a:r>
+          </a:p>
+        </p:txBody>
+      </p:sp>
+      <p:sp>
+        <p:nvSpPr>
+          <p:cNvPr id="3" name="Content Placeholder 2">
+            <a:extLst>
+              <a:ext uri="{FF2B5EF4-FFF2-40B4-BE49-F238E27FC236}">
+                <a16:creationId xmlns:a16="http://schemas.microsoft.com/office/drawing/2014/main" id="{A1EC17CC-392F-B67B-B08F-C482CDD26294}"/>
+              </a:ext>
+            </a:extLst>
+          </p:cNvPr>
+          <p:cNvSpPr>
+            <a:spLocks noGrp="1"/>
+          </p:cNvSpPr>
+          <p:nvPr>
+            <p:ph idx="1"/>
+          </p:nvPr>
+        </p:nvSpPr>
+        <p:spPr/>
+        <p:txBody>
+          <a:bodyPr/>
+          <a:lstStyle/>
+          <a:p>
+            <a:pPr marL="0" indent="0">
+              <a:buNone/>
+            </a:pPr>
+            <a:r>
+              <a:rPr lang="en-US" sz="1800" dirty="0">
+                <a:solidFill>
+                  <a:srgbClr val="7030A0"/>
+                </a:solidFill>
+                <a:latin typeface="Cascadia Mono" panose="020B0609020000020004" pitchFamily="49" charset="0"/>
+              </a:rPr>
+              <a:t>for</a:t>
+            </a:r>
+            <a:r>
+              <a:rPr lang="en-US" sz="1800" dirty="0">
+                <a:solidFill>
+                  <a:srgbClr val="000000"/>
+                </a:solidFill>
+                <a:latin typeface="Cascadia Mono" panose="020B0609020000020004" pitchFamily="49" charset="0"/>
+              </a:rPr>
+              <a:t> (int row = 0; row &lt; </a:t>
+            </a:r>
+            <a:r>
+              <a:rPr lang="en-US" sz="1800" dirty="0" err="1">
+                <a:solidFill>
+                  <a:srgbClr val="000000"/>
+                </a:solidFill>
+                <a:latin typeface="Cascadia Mono" panose="020B0609020000020004" pitchFamily="49" charset="0"/>
+              </a:rPr>
+              <a:t>matrix.</a:t>
+            </a:r>
+            <a:r>
+              <a:rPr lang="en-US" sz="1800" dirty="0" err="1">
+                <a:solidFill>
+                  <a:srgbClr val="0070C0"/>
+                </a:solidFill>
+                <a:latin typeface="Cascadia Mono" panose="020B0609020000020004" pitchFamily="49" charset="0"/>
+              </a:rPr>
+              <a:t>GetLength</a:t>
+            </a:r>
+            <a:r>
+              <a:rPr lang="en-US" sz="1800" dirty="0">
+                <a:solidFill>
+                  <a:srgbClr val="000000"/>
+                </a:solidFill>
+                <a:latin typeface="Cascadia Mono" panose="020B0609020000020004" pitchFamily="49" charset="0"/>
+              </a:rPr>
+              <a:t>(0); row++)</a:t>
+            </a:r>
+          </a:p>
+          <a:p>
+            <a:pPr marL="0" indent="0">
+              <a:buNone/>
+            </a:pPr>
+            <a:r>
+              <a:rPr lang="bg-BG" sz="1800" dirty="0">
+                <a:solidFill>
+                  <a:srgbClr val="000000"/>
+                </a:solidFill>
+                <a:latin typeface="Cascadia Mono" panose="020B0609020000020004" pitchFamily="49" charset="0"/>
+              </a:rPr>
+              <a:t>{</a:t>
+            </a:r>
+          </a:p>
+          <a:p>
+            <a:pPr marL="0" indent="0">
+              <a:buNone/>
+            </a:pPr>
+            <a:r>
+              <a:rPr lang="en-US" sz="1800" dirty="0">
+                <a:solidFill>
+                  <a:srgbClr val="000000"/>
+                </a:solidFill>
+                <a:latin typeface="Cascadia Mono" panose="020B0609020000020004" pitchFamily="49" charset="0"/>
+              </a:rPr>
+              <a:t>    </a:t>
+            </a:r>
+            <a:r>
+              <a:rPr lang="en-US" sz="1800" dirty="0">
+                <a:solidFill>
+                  <a:srgbClr val="7030A0"/>
+                </a:solidFill>
+                <a:latin typeface="Cascadia Mono" panose="020B0609020000020004" pitchFamily="49" charset="0"/>
+              </a:rPr>
+              <a:t>for</a:t>
+            </a:r>
+            <a:r>
+              <a:rPr lang="en-US" sz="1800" dirty="0">
+                <a:solidFill>
+                  <a:srgbClr val="000000"/>
+                </a:solidFill>
+                <a:latin typeface="Cascadia Mono" panose="020B0609020000020004" pitchFamily="49" charset="0"/>
+              </a:rPr>
+              <a:t> (int col = 0; col &lt; </a:t>
+            </a:r>
+            <a:r>
+              <a:rPr lang="en-US" sz="1800" dirty="0" err="1">
+                <a:solidFill>
+                  <a:srgbClr val="000000"/>
+                </a:solidFill>
+                <a:latin typeface="Cascadia Mono" panose="020B0609020000020004" pitchFamily="49" charset="0"/>
+              </a:rPr>
+              <a:t>matrix.</a:t>
+            </a:r>
+            <a:r>
+              <a:rPr lang="en-US" sz="1800" dirty="0" err="1">
+                <a:solidFill>
+                  <a:srgbClr val="0070C0"/>
+                </a:solidFill>
+                <a:latin typeface="Cascadia Mono" panose="020B0609020000020004" pitchFamily="49" charset="0"/>
+              </a:rPr>
+              <a:t>GetLength</a:t>
+            </a:r>
+            <a:r>
+              <a:rPr lang="en-US" sz="1800" dirty="0">
+                <a:solidFill>
+                  <a:srgbClr val="000000"/>
+                </a:solidFill>
+                <a:latin typeface="Cascadia Mono" panose="020B0609020000020004" pitchFamily="49" charset="0"/>
+              </a:rPr>
+              <a:t>(1); col++)</a:t>
+            </a:r>
+          </a:p>
+          <a:p>
+            <a:pPr marL="0" indent="0">
+              <a:buNone/>
+            </a:pPr>
+            <a:r>
+              <a:rPr lang="bg-BG" sz="1800" dirty="0">
+                <a:solidFill>
+                  <a:srgbClr val="000000"/>
+                </a:solidFill>
+                <a:latin typeface="Cascadia Mono" panose="020B0609020000020004" pitchFamily="49" charset="0"/>
+              </a:rPr>
+              <a:t>    {</a:t>
+            </a:r>
+          </a:p>
+          <a:p>
+            <a:pPr marL="0" indent="0">
+              <a:buNone/>
+            </a:pPr>
+            <a:r>
+              <a:rPr lang="it-IT" sz="1800" dirty="0">
+                <a:solidFill>
+                  <a:srgbClr val="000000"/>
+                </a:solidFill>
+                <a:latin typeface="Cascadia Mono" panose="020B0609020000020004" pitchFamily="49" charset="0"/>
+              </a:rPr>
+              <a:t>        </a:t>
+            </a:r>
+            <a:r>
+              <a:rPr lang="it-IT" sz="1800" dirty="0" err="1">
+                <a:solidFill>
+                  <a:schemeClr val="accent3">
+                    <a:lumMod val="75000"/>
+                  </a:schemeClr>
+                </a:solidFill>
+                <a:latin typeface="Cascadia Mono" panose="020B0609020000020004" pitchFamily="49" charset="0"/>
+              </a:rPr>
+              <a:t>Console</a:t>
+            </a:r>
+            <a:r>
+              <a:rPr lang="it-IT" sz="1800" dirty="0" err="1">
+                <a:solidFill>
+                  <a:srgbClr val="000000"/>
+                </a:solidFill>
+                <a:latin typeface="Cascadia Mono" panose="020B0609020000020004" pitchFamily="49" charset="0"/>
+              </a:rPr>
+              <a:t>.</a:t>
+            </a:r>
+            <a:r>
+              <a:rPr lang="it-IT" sz="1800" dirty="0" err="1">
+                <a:solidFill>
+                  <a:srgbClr val="0070C0"/>
+                </a:solidFill>
+                <a:latin typeface="Cascadia Mono" panose="020B0609020000020004" pitchFamily="49" charset="0"/>
+              </a:rPr>
+              <a:t>Write</a:t>
+            </a:r>
+            <a:r>
+              <a:rPr lang="it-IT" sz="1800" dirty="0">
+                <a:solidFill>
+                  <a:srgbClr val="000000"/>
+                </a:solidFill>
+                <a:latin typeface="Cascadia Mono" panose="020B0609020000020004" pitchFamily="49" charset="0"/>
+              </a:rPr>
+              <a:t>(</a:t>
+            </a:r>
+            <a:r>
+              <a:rPr lang="it-IT" sz="1800" dirty="0" err="1">
+                <a:solidFill>
+                  <a:srgbClr val="000000"/>
+                </a:solidFill>
+                <a:latin typeface="Cascadia Mono" panose="020B0609020000020004" pitchFamily="49" charset="0"/>
+              </a:rPr>
+              <a:t>matrix</a:t>
+            </a:r>
+            <a:r>
+              <a:rPr lang="it-IT" sz="1800" dirty="0">
+                <a:solidFill>
+                  <a:srgbClr val="000000"/>
+                </a:solidFill>
+                <a:latin typeface="Cascadia Mono" panose="020B0609020000020004" pitchFamily="49" charset="0"/>
+              </a:rPr>
+              <a:t>[</a:t>
+            </a:r>
+            <a:r>
+              <a:rPr lang="it-IT" sz="1800" dirty="0" err="1">
+                <a:solidFill>
+                  <a:srgbClr val="000000"/>
+                </a:solidFill>
+                <a:latin typeface="Cascadia Mono" panose="020B0609020000020004" pitchFamily="49" charset="0"/>
+              </a:rPr>
+              <a:t>row</a:t>
+            </a:r>
+            <a:r>
+              <a:rPr lang="it-IT" sz="1800" dirty="0">
+                <a:solidFill>
+                  <a:srgbClr val="000000"/>
+                </a:solidFill>
+                <a:latin typeface="Cascadia Mono" panose="020B0609020000020004" pitchFamily="49" charset="0"/>
+              </a:rPr>
+              <a:t>, col] + " ");</a:t>
+            </a:r>
+          </a:p>
+          <a:p>
+            <a:pPr marL="0" indent="0">
+              <a:buNone/>
+            </a:pPr>
+            <a:r>
+              <a:rPr lang="bg-BG" sz="1800" dirty="0">
+                <a:solidFill>
+                  <a:srgbClr val="000000"/>
+                </a:solidFill>
+                <a:latin typeface="Cascadia Mono" panose="020B0609020000020004" pitchFamily="49" charset="0"/>
+              </a:rPr>
+              <a:t>    }</a:t>
+            </a:r>
+          </a:p>
+          <a:p>
+            <a:pPr marL="0" indent="0">
+              <a:buNone/>
+            </a:pPr>
+            <a:r>
+              <a:rPr lang="en-US" sz="1800" dirty="0">
+                <a:solidFill>
+                  <a:srgbClr val="000000"/>
+                </a:solidFill>
+                <a:latin typeface="Cascadia Mono" panose="020B0609020000020004" pitchFamily="49" charset="0"/>
+              </a:rPr>
+              <a:t>    </a:t>
+            </a:r>
+            <a:r>
+              <a:rPr lang="en-US" sz="1800" dirty="0" err="1">
+                <a:solidFill>
+                  <a:schemeClr val="accent3">
+                    <a:lumMod val="75000"/>
+                  </a:schemeClr>
+                </a:solidFill>
+                <a:latin typeface="Cascadia Mono" panose="020B0609020000020004" pitchFamily="49" charset="0"/>
+              </a:rPr>
+              <a:t>Console</a:t>
+            </a:r>
+            <a:r>
+              <a:rPr lang="en-US" sz="1800" dirty="0" err="1">
+                <a:solidFill>
+                  <a:srgbClr val="000000"/>
+                </a:solidFill>
+                <a:latin typeface="Cascadia Mono" panose="020B0609020000020004" pitchFamily="49" charset="0"/>
+              </a:rPr>
+              <a:t>.</a:t>
+            </a:r>
+            <a:r>
+              <a:rPr lang="en-US" sz="1800" dirty="0" err="1">
+                <a:solidFill>
+                  <a:srgbClr val="0070C0"/>
+                </a:solidFill>
+                <a:latin typeface="Cascadia Mono" panose="020B0609020000020004" pitchFamily="49" charset="0"/>
+              </a:rPr>
+              <a:t>WriteLine</a:t>
+            </a:r>
+            <a:r>
+              <a:rPr lang="en-US" sz="1800" dirty="0">
+                <a:solidFill>
+                  <a:srgbClr val="000000"/>
+                </a:solidFill>
+                <a:latin typeface="Cascadia Mono" panose="020B0609020000020004" pitchFamily="49" charset="0"/>
+              </a:rPr>
+              <a:t>();</a:t>
+            </a:r>
+          </a:p>
+          <a:p>
+            <a:pPr marL="0" indent="0">
+              <a:buNone/>
+            </a:pPr>
+            <a:r>
+              <a:rPr lang="bg-BG" sz="1800" dirty="0">
+                <a:solidFill>
+                  <a:srgbClr val="000000"/>
+                </a:solidFill>
+                <a:latin typeface="Cascadia Mono" panose="020B0609020000020004" pitchFamily="49" charset="0"/>
+              </a:rPr>
+              <a:t>}</a:t>
+            </a:r>
+            <a:endParaRPr lang="bg-BG" dirty="0"/>
+          </a:p>
+        </p:txBody>
+      </p:sp>
+    </p:spTree>
+    <p:extLst>
+      <p:ext uri="{BB962C8B-B14F-4D97-AF65-F5344CB8AC3E}">
+        <p14:creationId xmlns:p14="http://schemas.microsoft.com/office/powerpoint/2010/main" val="918789139"/>
+      </p:ext>
+    </p:extLst>
+  </p:cSld>
+  <p:clrMapOvr>
+    <a:masterClrMapping/>
+  </p:clrMapOvr>
+</p:sld>
+</file>
+
+<file path=ppt/slides/slide2.xml><?xml version="1.0" encoding="utf-8"?>
+<p:sld xmlns:a="http://schemas.openxmlformats.org/drawingml/2006/main" xmlns:r="http://schemas.openxmlformats.org/officeDocument/2006/relationships" xmlns:p="http://schemas.openxmlformats.org/presentationml/2006/main">
+  <p:cSld>
+    <p:spTree>
+      <p:nvGrpSpPr>
+        <p:cNvPr id="1" name=""/>
+        <p:cNvGrpSpPr/>
+        <p:nvPr/>
+      </p:nvGrpSpPr>
+      <p:grpSpPr>
+        <a:xfrm>
+          <a:off x="0" y="0"/>
+          <a:ext cx="0" cy="0"/>
+          <a:chOff x="0" y="0"/>
+          <a:chExt cx="0" cy="0"/>
+        </a:xfrm>
+      </p:grpSpPr>
+      <p:sp>
+        <p:nvSpPr>
+          <p:cNvPr id="2" name="Title 1">
+            <a:extLst>
+              <a:ext uri="{FF2B5EF4-FFF2-40B4-BE49-F238E27FC236}">
+                <a16:creationId xmlns:a16="http://schemas.microsoft.com/office/drawing/2014/main" id="{B1469A00-B3B4-4027-563A-D6B77BE92B03}"/>
+              </a:ext>
+            </a:extLst>
+          </p:cNvPr>
+          <p:cNvSpPr>
+            <a:spLocks noGrp="1"/>
+          </p:cNvSpPr>
+          <p:nvPr>
+            <p:ph type="title"/>
+          </p:nvPr>
+        </p:nvSpPr>
+        <p:spPr/>
+        <p:txBody>
+          <a:bodyPr/>
+          <a:lstStyle/>
+          <a:p>
+            <a:pPr algn="ctr"/>
+            <a:r>
+              <a:rPr lang="bg-BG" dirty="0">
+                <a:latin typeface="Arial" panose="020B0604020202020204" pitchFamily="34" charset="0"/>
+                <a:cs typeface="Arial" panose="020B0604020202020204" pitchFamily="34" charset="0"/>
+              </a:rPr>
+              <a:t>Често задавани въпроси </a:t>
+            </a:r>
+            <a:r>
+              <a:rPr lang="bg-BG" dirty="0">
+                <a:latin typeface="Arial" panose="020B0604020202020204" pitchFamily="34" charset="0"/>
+                <a:cs typeface="Arial" panose="020B0604020202020204" pitchFamily="34" charset="0"/>
+                <a:sym typeface="Wingdings" panose="05000000000000000000" pitchFamily="2" charset="2"/>
+              </a:rPr>
+              <a:t></a:t>
+            </a:r>
+            <a:endParaRPr lang="bg-BG" dirty="0">
+              <a:latin typeface="Arial" panose="020B0604020202020204" pitchFamily="34" charset="0"/>
+              <a:cs typeface="Arial" panose="020B0604020202020204" pitchFamily="34" charset="0"/>
+            </a:endParaRPr>
+          </a:p>
+        </p:txBody>
+      </p:sp>
+      <p:sp>
+        <p:nvSpPr>
+          <p:cNvPr id="3" name="Content Placeholder 2">
+            <a:extLst>
+              <a:ext uri="{FF2B5EF4-FFF2-40B4-BE49-F238E27FC236}">
+                <a16:creationId xmlns:a16="http://schemas.microsoft.com/office/drawing/2014/main" id="{9A8C02BD-B1E6-BFC4-1D1E-8DE5CEB87463}"/>
+              </a:ext>
+            </a:extLst>
+          </p:cNvPr>
+          <p:cNvSpPr>
+            <a:spLocks noGrp="1"/>
+          </p:cNvSpPr>
+          <p:nvPr>
+            <p:ph idx="1"/>
+          </p:nvPr>
+        </p:nvSpPr>
+        <p:spPr>
+          <a:xfrm>
+            <a:off x="1154953" y="2372840"/>
+            <a:ext cx="8761412" cy="4485160"/>
+          </a:xfrm>
+        </p:spPr>
+        <p:txBody>
+          <a:bodyPr>
+            <a:normAutofit lnSpcReduction="10000"/>
+          </a:bodyPr>
+          <a:lstStyle/>
+          <a:p>
+            <a:r>
+              <a:rPr lang="bg-BG" dirty="0">
+                <a:latin typeface="Arial" panose="020B0604020202020204" pitchFamily="34" charset="0"/>
+                <a:cs typeface="Arial" panose="020B0604020202020204" pitchFamily="34" charset="0"/>
+              </a:rPr>
+              <a:t>Кое те накара да започнеш да учиш програмиране?</a:t>
+            </a:r>
+          </a:p>
+          <a:p>
+            <a:r>
+              <a:rPr lang="bg-BG" dirty="0">
+                <a:latin typeface="Arial" panose="020B0604020202020204" pitchFamily="34" charset="0"/>
+                <a:cs typeface="Arial" panose="020B0604020202020204" pitchFamily="34" charset="0"/>
+              </a:rPr>
+              <a:t>Какво образование имаш и помогна ли ти наистина за реална работна среда?</a:t>
+            </a:r>
+          </a:p>
+          <a:p>
+            <a:r>
+              <a:rPr lang="bg-BG" dirty="0">
+                <a:latin typeface="Arial" panose="020B0604020202020204" pitchFamily="34" charset="0"/>
+                <a:cs typeface="Arial" panose="020B0604020202020204" pitchFamily="34" charset="0"/>
+              </a:rPr>
+              <a:t>Можеш ли да дадеш съвет за тези, които се колебаят дали да предприемат стъпката да навлязат в програмирането?</a:t>
+            </a:r>
+          </a:p>
+          <a:p>
+            <a:r>
+              <a:rPr lang="bg-BG" dirty="0">
+                <a:latin typeface="Arial" panose="020B0604020202020204" pitchFamily="34" charset="0"/>
+                <a:cs typeface="Arial" panose="020B0604020202020204" pitchFamily="34" charset="0"/>
+              </a:rPr>
+              <a:t>Трябва ли задължително да знам английски език на много добро ниво, за да започна?</a:t>
+            </a:r>
+          </a:p>
+          <a:p>
+            <a:r>
+              <a:rPr lang="bg-BG" dirty="0">
+                <a:latin typeface="Arial" panose="020B0604020202020204" pitchFamily="34" charset="0"/>
+                <a:cs typeface="Arial" panose="020B0604020202020204" pitchFamily="34" charset="0"/>
+              </a:rPr>
+              <a:t>Какво мислиш за академии като </a:t>
+            </a:r>
+            <a:r>
+              <a:rPr lang="en-US" dirty="0" err="1">
+                <a:latin typeface="Arial" panose="020B0604020202020204" pitchFamily="34" charset="0"/>
+                <a:cs typeface="Arial" panose="020B0604020202020204" pitchFamily="34" charset="0"/>
+              </a:rPr>
+              <a:t>SoftUni</a:t>
+            </a:r>
+            <a:r>
+              <a:rPr lang="bg-BG" dirty="0">
+                <a:latin typeface="Arial" panose="020B0604020202020204" pitchFamily="34" charset="0"/>
+                <a:cs typeface="Arial" panose="020B0604020202020204" pitchFamily="34" charset="0"/>
+              </a:rPr>
+              <a:t>?</a:t>
+            </a:r>
+          </a:p>
+          <a:p>
+            <a:r>
+              <a:rPr lang="bg-BG" dirty="0">
+                <a:latin typeface="Arial" panose="020B0604020202020204" pitchFamily="34" charset="0"/>
+                <a:cs typeface="Arial" panose="020B0604020202020204" pitchFamily="34" charset="0"/>
+              </a:rPr>
+              <a:t>Какво трябва да знам, за да кандидатствам за работа?</a:t>
+            </a:r>
+          </a:p>
+          <a:p>
+            <a:r>
+              <a:rPr lang="bg-BG" dirty="0">
+                <a:latin typeface="Arial" panose="020B0604020202020204" pitchFamily="34" charset="0"/>
+                <a:cs typeface="Arial" panose="020B0604020202020204" pitchFamily="34" charset="0"/>
+              </a:rPr>
+              <a:t>Кои са главните ти източници на знания? От къде четеш най-много?</a:t>
+            </a:r>
+            <a:endParaRPr lang="en-US" dirty="0">
+              <a:latin typeface="Arial" panose="020B0604020202020204" pitchFamily="34" charset="0"/>
+              <a:cs typeface="Arial" panose="020B0604020202020204" pitchFamily="34" charset="0"/>
+            </a:endParaRPr>
+          </a:p>
+          <a:p>
+            <a:r>
+              <a:rPr lang="bg-BG" dirty="0">
+                <a:latin typeface="Arial" panose="020B0604020202020204" pitchFamily="34" charset="0"/>
+                <a:cs typeface="Arial" panose="020B0604020202020204" pitchFamily="34" charset="0"/>
+              </a:rPr>
+              <a:t>Какви похвати използваш, когато учиш или работиш?</a:t>
+            </a:r>
+          </a:p>
+          <a:p>
+            <a:r>
+              <a:rPr lang="bg-BG" dirty="0">
+                <a:latin typeface="Arial" panose="020B0604020202020204" pitchFamily="34" charset="0"/>
+                <a:cs typeface="Arial" panose="020B0604020202020204" pitchFamily="34" charset="0"/>
+              </a:rPr>
+              <a:t>Качества, които е добре да притежава човек, за да се справи с тази работа?</a:t>
+            </a:r>
+          </a:p>
+          <a:p>
+            <a:r>
+              <a:rPr lang="bg-BG" dirty="0">
+                <a:latin typeface="Arial" panose="020B0604020202020204" pitchFamily="34" charset="0"/>
+                <a:cs typeface="Arial" panose="020B0604020202020204" pitchFamily="34" charset="0"/>
+              </a:rPr>
+              <a:t>Как виждаш себе си спрямо съвременната представа за програмиста?</a:t>
+            </a:r>
+          </a:p>
+          <a:p>
+            <a:endParaRPr lang="bg-BG" dirty="0">
+              <a:latin typeface="Arial" panose="020B0604020202020204" pitchFamily="34" charset="0"/>
+              <a:cs typeface="Arial" panose="020B0604020202020204" pitchFamily="34" charset="0"/>
+            </a:endParaRPr>
+          </a:p>
+          <a:p>
+            <a:pPr marL="0" indent="0">
+              <a:buNone/>
+            </a:pPr>
+            <a:endParaRPr lang="bg-BG" dirty="0">
+              <a:latin typeface="Arial" panose="020B0604020202020204" pitchFamily="34" charset="0"/>
+              <a:cs typeface="Arial" panose="020B0604020202020204" pitchFamily="34" charset="0"/>
+            </a:endParaRPr>
+          </a:p>
+          <a:p>
+            <a:endParaRPr lang="bg-BG" dirty="0">
+              <a:latin typeface="Arial" panose="020B0604020202020204" pitchFamily="34" charset="0"/>
+              <a:cs typeface="Arial" panose="020B0604020202020204" pitchFamily="34" charset="0"/>
+            </a:endParaRPr>
+          </a:p>
+          <a:p>
+            <a:endParaRPr lang="bg-BG" dirty="0">
+              <a:latin typeface="Arial" panose="020B0604020202020204" pitchFamily="34" charset="0"/>
+              <a:cs typeface="Arial" panose="020B0604020202020204" pitchFamily="34" charset="0"/>
+            </a:endParaRPr>
+          </a:p>
+          <a:p>
+            <a:endParaRPr lang="bg-BG" dirty="0">
+              <a:latin typeface="Arial" panose="020B0604020202020204" pitchFamily="34" charset="0"/>
+              <a:cs typeface="Arial" panose="020B0604020202020204" pitchFamily="34" charset="0"/>
+            </a:endParaRPr>
+          </a:p>
+          <a:p>
+            <a:endParaRPr lang="bg-BG" dirty="0">
+              <a:latin typeface="Arial" panose="020B0604020202020204" pitchFamily="34" charset="0"/>
+              <a:cs typeface="Arial" panose="020B0604020202020204" pitchFamily="34" charset="0"/>
+            </a:endParaRPr>
+          </a:p>
+          <a:p>
+            <a:endParaRPr lang="en-US" dirty="0">
+              <a:latin typeface="Arial" panose="020B0604020202020204" pitchFamily="34" charset="0"/>
+              <a:cs typeface="Arial" panose="020B0604020202020204" pitchFamily="34" charset="0"/>
+            </a:endParaRPr>
+          </a:p>
+          <a:p>
+            <a:endParaRPr lang="en-US" dirty="0">
+              <a:latin typeface="Arial" panose="020B0604020202020204" pitchFamily="34" charset="0"/>
+              <a:cs typeface="Arial" panose="020B0604020202020204" pitchFamily="34" charset="0"/>
+            </a:endParaRPr>
+          </a:p>
+          <a:p>
+            <a:endParaRPr lang="bg-BG" dirty="0">
+              <a:latin typeface="Arial" panose="020B0604020202020204" pitchFamily="34" charset="0"/>
+              <a:cs typeface="Arial" panose="020B0604020202020204" pitchFamily="34" charset="0"/>
+            </a:endParaRPr>
+          </a:p>
+          <a:p>
+            <a:endParaRPr lang="bg-BG" dirty="0">
+              <a:latin typeface="Arial" panose="020B0604020202020204" pitchFamily="34" charset="0"/>
+              <a:cs typeface="Arial" panose="020B0604020202020204" pitchFamily="34" charset="0"/>
+            </a:endParaRPr>
+          </a:p>
+          <a:p>
+            <a:endParaRPr lang="en-US" dirty="0">
+              <a:latin typeface="Arial" panose="020B0604020202020204" pitchFamily="34" charset="0"/>
+              <a:cs typeface="Arial" panose="020B0604020202020204" pitchFamily="34" charset="0"/>
+            </a:endParaRPr>
+          </a:p>
+          <a:p>
+            <a:endParaRPr lang="en-US" dirty="0">
+              <a:latin typeface="Arial" panose="020B0604020202020204" pitchFamily="34" charset="0"/>
+              <a:cs typeface="Arial" panose="020B0604020202020204" pitchFamily="34" charset="0"/>
+            </a:endParaRPr>
+          </a:p>
+          <a:p>
+            <a:endParaRPr lang="en-US" dirty="0">
+              <a:latin typeface="Arial" panose="020B0604020202020204" pitchFamily="34" charset="0"/>
+              <a:cs typeface="Arial" panose="020B0604020202020204" pitchFamily="34" charset="0"/>
+            </a:endParaRPr>
+          </a:p>
+          <a:p>
+            <a:endParaRPr lang="en-US" dirty="0">
+              <a:latin typeface="Arial" panose="020B0604020202020204" pitchFamily="34" charset="0"/>
+              <a:cs typeface="Arial" panose="020B0604020202020204" pitchFamily="34" charset="0"/>
+            </a:endParaRPr>
+          </a:p>
+          <a:p>
+            <a:endParaRPr lang="en-US" dirty="0">
+              <a:latin typeface="Arial" panose="020B0604020202020204" pitchFamily="34" charset="0"/>
+              <a:cs typeface="Arial" panose="020B0604020202020204" pitchFamily="34" charset="0"/>
+            </a:endParaRPr>
+          </a:p>
+          <a:p>
+            <a:endParaRPr lang="bg-BG" dirty="0">
+              <a:latin typeface="Arial" panose="020B0604020202020204" pitchFamily="34" charset="0"/>
+              <a:cs typeface="Arial" panose="020B0604020202020204" pitchFamily="34" charset="0"/>
+            </a:endParaRPr>
+          </a:p>
+          <a:p>
+            <a:endParaRPr lang="bg-BG" dirty="0">
+              <a:latin typeface="Arial" panose="020B0604020202020204" pitchFamily="34" charset="0"/>
+              <a:cs typeface="Arial" panose="020B0604020202020204" pitchFamily="34" charset="0"/>
+            </a:endParaRPr>
+          </a:p>
+        </p:txBody>
+      </p:sp>
+    </p:spTree>
+    <p:extLst>
+      <p:ext uri="{BB962C8B-B14F-4D97-AF65-F5344CB8AC3E}">
+        <p14:creationId xmlns:p14="http://schemas.microsoft.com/office/powerpoint/2010/main" val="1272662938"/>
+      </p:ext>
+    </p:extLst>
+  </p:cSld>
+  <p:clrMapOvr>
+    <a:masterClrMapping/>
+  </p:clrMapOvr>
+</p:sld>
+</file>
+
+<file path=ppt/slides/slide20.xml><?xml version="1.0" encoding="utf-8"?>
+<p:sld xmlns:a="http://schemas.openxmlformats.org/drawingml/2006/main" xmlns:r="http://schemas.openxmlformats.org/officeDocument/2006/relationships" xmlns:p="http://schemas.openxmlformats.org/presentationml/2006/main">
+  <p:cSld>
+    <p:spTree>
+      <p:nvGrpSpPr>
+        <p:cNvPr id="1" name=""/>
+        <p:cNvGrpSpPr/>
+        <p:nvPr/>
+      </p:nvGrpSpPr>
+      <p:grpSpPr>
+        <a:xfrm>
+          <a:off x="0" y="0"/>
+          <a:ext cx="0" cy="0"/>
+          <a:chOff x="0" y="0"/>
+          <a:chExt cx="0" cy="0"/>
+        </a:xfrm>
+      </p:grpSpPr>
+      <p:sp>
+        <p:nvSpPr>
+          <p:cNvPr id="2" name="Title 1">
+            <a:extLst>
+              <a:ext uri="{FF2B5EF4-FFF2-40B4-BE49-F238E27FC236}">
+                <a16:creationId xmlns:a16="http://schemas.microsoft.com/office/drawing/2014/main" id="{CC6FD719-2849-19E4-641A-61D7016F8408}"/>
+              </a:ext>
+            </a:extLst>
+          </p:cNvPr>
+          <p:cNvSpPr>
+            <a:spLocks noGrp="1"/>
+          </p:cNvSpPr>
+          <p:nvPr>
+            <p:ph type="title"/>
+          </p:nvPr>
+        </p:nvSpPr>
+        <p:spPr/>
+        <p:txBody>
+          <a:bodyPr/>
+          <a:lstStyle/>
+          <a:p>
+            <a:pPr algn="ctr"/>
+            <a:r>
+              <a:rPr lang="bg-BG" dirty="0">
+                <a:latin typeface="Arial" panose="020B0604020202020204" pitchFamily="34" charset="0"/>
+                <a:cs typeface="Arial" panose="020B0604020202020204" pitchFamily="34" charset="0"/>
+              </a:rPr>
+              <a:t>Приложения на многомерните масиви</a:t>
+            </a:r>
+          </a:p>
+        </p:txBody>
+      </p:sp>
+      <p:sp>
+        <p:nvSpPr>
+          <p:cNvPr id="3" name="Content Placeholder 2">
+            <a:extLst>
+              <a:ext uri="{FF2B5EF4-FFF2-40B4-BE49-F238E27FC236}">
+                <a16:creationId xmlns:a16="http://schemas.microsoft.com/office/drawing/2014/main" id="{55CE5DD2-9DA3-F78A-D579-F8AE5659C248}"/>
+              </a:ext>
+            </a:extLst>
+          </p:cNvPr>
+          <p:cNvSpPr>
+            <a:spLocks noGrp="1"/>
+          </p:cNvSpPr>
+          <p:nvPr>
+            <p:ph idx="1"/>
+          </p:nvPr>
+        </p:nvSpPr>
+        <p:spPr/>
+        <p:txBody>
+          <a:bodyPr/>
+          <a:lstStyle/>
+          <a:p>
+            <a:r>
+              <a:rPr lang="en-US" dirty="0">
+                <a:latin typeface="Arial" panose="020B0604020202020204" pitchFamily="34" charset="0"/>
+                <a:cs typeface="Arial" panose="020B0604020202020204" pitchFamily="34" charset="0"/>
+              </a:rPr>
+              <a:t>Game Development</a:t>
+            </a:r>
+          </a:p>
+          <a:p>
+            <a:r>
+              <a:rPr lang="en-US" dirty="0">
+                <a:latin typeface="Arial" panose="020B0604020202020204" pitchFamily="34" charset="0"/>
+                <a:cs typeface="Arial" panose="020B0604020202020204" pitchFamily="34" charset="0"/>
+              </a:rPr>
+              <a:t>Machine Learning</a:t>
+            </a:r>
+          </a:p>
+          <a:p>
+            <a:r>
+              <a:rPr lang="en-US" dirty="0">
+                <a:latin typeface="Arial" panose="020B0604020202020204" pitchFamily="34" charset="0"/>
+                <a:cs typeface="Arial" panose="020B0604020202020204" pitchFamily="34" charset="0"/>
+              </a:rPr>
+              <a:t>Physics simulations</a:t>
+            </a:r>
+          </a:p>
+          <a:p>
+            <a:r>
+              <a:rPr lang="en-US" dirty="0">
+                <a:latin typeface="Arial" panose="020B0604020202020204" pitchFamily="34" charset="0"/>
+                <a:cs typeface="Arial" panose="020B0604020202020204" pitchFamily="34" charset="0"/>
+              </a:rPr>
+              <a:t>Geographical Information Systems </a:t>
+            </a:r>
+          </a:p>
+          <a:p>
+            <a:r>
+              <a:rPr lang="en-US" dirty="0">
+                <a:latin typeface="Arial" panose="020B0604020202020204" pitchFamily="34" charset="0"/>
+                <a:cs typeface="Arial" panose="020B0604020202020204" pitchFamily="34" charset="0"/>
+              </a:rPr>
+              <a:t>Graph Theory</a:t>
+            </a:r>
+          </a:p>
+          <a:p>
+            <a:endParaRPr lang="en-US" dirty="0">
+              <a:latin typeface="Arial" panose="020B0604020202020204" pitchFamily="34" charset="0"/>
+              <a:cs typeface="Arial" panose="020B0604020202020204" pitchFamily="34" charset="0"/>
+            </a:endParaRPr>
+          </a:p>
+          <a:p>
+            <a:r>
+              <a:rPr lang="bg-BG" b="1" i="1" u="sng" dirty="0">
+                <a:latin typeface="Arial" panose="020B0604020202020204" pitchFamily="34" charset="0"/>
+                <a:cs typeface="Arial" panose="020B0604020202020204" pitchFamily="34" charset="0"/>
+              </a:rPr>
+              <a:t>Бележка: </a:t>
+            </a:r>
+            <a:r>
+              <a:rPr lang="bg-BG" dirty="0">
+                <a:latin typeface="Arial" panose="020B0604020202020204" pitchFamily="34" charset="0"/>
+                <a:cs typeface="Arial" panose="020B0604020202020204" pitchFamily="34" charset="0"/>
+              </a:rPr>
+              <a:t>Ако сте </a:t>
+            </a:r>
+            <a:r>
+              <a:rPr lang="en-US" dirty="0">
+                <a:latin typeface="Arial" panose="020B0604020202020204" pitchFamily="34" charset="0"/>
+                <a:cs typeface="Arial" panose="020B0604020202020204" pitchFamily="34" charset="0"/>
+              </a:rPr>
+              <a:t>web </a:t>
+            </a:r>
+            <a:r>
+              <a:rPr lang="bg-BG" dirty="0">
+                <a:latin typeface="Arial" panose="020B0604020202020204" pitchFamily="34" charset="0"/>
+                <a:cs typeface="Arial" panose="020B0604020202020204" pitchFamily="34" charset="0"/>
+              </a:rPr>
+              <a:t>или </a:t>
+            </a:r>
+            <a:r>
+              <a:rPr lang="en-US" dirty="0">
+                <a:latin typeface="Arial" panose="020B0604020202020204" pitchFamily="34" charset="0"/>
+                <a:cs typeface="Arial" panose="020B0604020202020204" pitchFamily="34" charset="0"/>
+              </a:rPr>
+              <a:t>desktop </a:t>
+            </a:r>
+            <a:r>
+              <a:rPr lang="bg-BG" dirty="0">
+                <a:latin typeface="Arial" panose="020B0604020202020204" pitchFamily="34" charset="0"/>
+                <a:cs typeface="Arial" panose="020B0604020202020204" pitchFamily="34" charset="0"/>
+              </a:rPr>
+              <a:t>разработчик, може и никога да не ви се наложи да използвате многомерни масиви.</a:t>
+            </a:r>
+          </a:p>
+        </p:txBody>
+      </p:sp>
+    </p:spTree>
+    <p:extLst>
+      <p:ext uri="{BB962C8B-B14F-4D97-AF65-F5344CB8AC3E}">
+        <p14:creationId xmlns:p14="http://schemas.microsoft.com/office/powerpoint/2010/main" val="3372546716"/>
+      </p:ext>
+    </p:extLst>
+  </p:cSld>
+  <p:clrMapOvr>
+    <a:masterClrMapping/>
+  </p:clrMapOvr>
+</p:sld>
+</file>
+
+<file path=ppt/slides/slide3.xml><?xml version="1.0" encoding="utf-8"?>
+<p:sld xmlns:a="http://schemas.openxmlformats.org/drawingml/2006/main" xmlns:r="http://schemas.openxmlformats.org/officeDocument/2006/relationships" xmlns:p="http://schemas.openxmlformats.org/presentationml/2006/main">
+  <p:cSld>
+    <p:spTree>
+      <p:nvGrpSpPr>
+        <p:cNvPr id="1" name=""/>
+        <p:cNvGrpSpPr/>
+        <p:nvPr/>
+      </p:nvGrpSpPr>
+      <p:grpSpPr>
+        <a:xfrm>
+          <a:off x="0" y="0"/>
+          <a:ext cx="0" cy="0"/>
+          <a:chOff x="0" y="0"/>
+          <a:chExt cx="0" cy="0"/>
+        </a:xfrm>
+      </p:grpSpPr>
+      <p:sp>
+        <p:nvSpPr>
+          <p:cNvPr id="2" name="Title 1">
+            <a:extLst>
+              <a:ext uri="{FF2B5EF4-FFF2-40B4-BE49-F238E27FC236}">
+                <a16:creationId xmlns:a16="http://schemas.microsoft.com/office/drawing/2014/main" id="{4A2C0882-CEDD-786A-782D-0FA25A6BC14F}"/>
+              </a:ext>
+            </a:extLst>
+          </p:cNvPr>
+          <p:cNvSpPr>
+            <a:spLocks noGrp="1"/>
+          </p:cNvSpPr>
+          <p:nvPr>
+            <p:ph type="title"/>
+          </p:nvPr>
+        </p:nvSpPr>
+        <p:spPr/>
+        <p:txBody>
+          <a:bodyPr/>
+          <a:lstStyle/>
+          <a:p>
+            <a:pPr algn="ctr"/>
+            <a:r>
+              <a:rPr lang="en-US" dirty="0">
+                <a:latin typeface="Arial" panose="020B0604020202020204" pitchFamily="34" charset="0"/>
+                <a:cs typeface="Arial" panose="020B0604020202020204" pitchFamily="34" charset="0"/>
+              </a:rPr>
+              <a:t>C# Roadmap</a:t>
+            </a:r>
+            <a:endParaRPr lang="bg-BG" dirty="0">
+              <a:latin typeface="Arial" panose="020B0604020202020204" pitchFamily="34" charset="0"/>
+              <a:cs typeface="Arial" panose="020B0604020202020204" pitchFamily="34" charset="0"/>
+            </a:endParaRPr>
+          </a:p>
+        </p:txBody>
+      </p:sp>
+      <p:pic>
+        <p:nvPicPr>
+          <p:cNvPr id="4" name="Content Placeholder 4">
+            <a:extLst>
+              <a:ext uri="{FF2B5EF4-FFF2-40B4-BE49-F238E27FC236}">
+                <a16:creationId xmlns:a16="http://schemas.microsoft.com/office/drawing/2014/main" id="{B090D8A3-5220-0B18-6B7F-8F5F356900D5}"/>
+              </a:ext>
+            </a:extLst>
+          </p:cNvPr>
+          <p:cNvPicPr>
+            <a:picLocks noChangeAspect="1"/>
+          </p:cNvPicPr>
+          <p:nvPr/>
+        </p:nvPicPr>
+        <p:blipFill>
+          <a:blip r:embed="rId3">
+            <a:extLst>
+              <a:ext uri="{28A0092B-C50C-407E-A947-70E740481C1C}">
+                <a14:useLocalDpi xmlns:a14="http://schemas.microsoft.com/office/drawing/2010/main" val="0"/>
+              </a:ext>
+              <a:ext uri="{96DAC541-7B7A-43D3-8B79-37D633B846F1}">
+                <asvg:svgBlip xmlns:asvg="http://schemas.microsoft.com/office/drawing/2016/SVG/main" r:embed="rId4"/>
+              </a:ext>
+            </a:extLst>
+          </a:blip>
+          <a:stretch>
+            <a:fillRect/>
+          </a:stretch>
+        </p:blipFill>
+        <p:spPr>
+          <a:xfrm>
+            <a:off x="0" y="3590476"/>
+            <a:ext cx="2481816" cy="1559800"/>
+          </a:xfrm>
+          <a:prstGeom prst="rect">
+            <a:avLst/>
+          </a:prstGeom>
+        </p:spPr>
+      </p:pic>
+      <p:pic>
+        <p:nvPicPr>
+          <p:cNvPr id="8" name="Picture 7" descr="A logo of a microsoft sql server&#10;&#10;Description automatically generated">
+            <a:extLst>
+              <a:ext uri="{FF2B5EF4-FFF2-40B4-BE49-F238E27FC236}">
+                <a16:creationId xmlns:a16="http://schemas.microsoft.com/office/drawing/2014/main" id="{16D74FA6-48AE-BA83-019C-26BA1ADFD12A}"/>
+              </a:ext>
+            </a:extLst>
+          </p:cNvPr>
+          <p:cNvPicPr>
+            <a:picLocks noChangeAspect="1"/>
+          </p:cNvPicPr>
+          <p:nvPr/>
+        </p:nvPicPr>
+        <p:blipFill>
+          <a:blip r:embed="rId5">
+            <a:extLst>
+              <a:ext uri="{28A0092B-C50C-407E-A947-70E740481C1C}">
+                <a14:useLocalDpi xmlns:a14="http://schemas.microsoft.com/office/drawing/2010/main" val="0"/>
+              </a:ext>
+            </a:extLst>
+          </a:blip>
+          <a:stretch>
+            <a:fillRect/>
+          </a:stretch>
+        </p:blipFill>
+        <p:spPr>
+          <a:xfrm>
+            <a:off x="2848909" y="3202989"/>
+            <a:ext cx="2907893" cy="1817433"/>
+          </a:xfrm>
+          <a:prstGeom prst="rect">
+            <a:avLst/>
+          </a:prstGeom>
+        </p:spPr>
+      </p:pic>
+      <p:pic>
+        <p:nvPicPr>
+          <p:cNvPr id="10" name="Picture 9" descr="A blue and black logo&#10;&#10;Description automatically generated">
+            <a:extLst>
+              <a:ext uri="{FF2B5EF4-FFF2-40B4-BE49-F238E27FC236}">
+                <a16:creationId xmlns:a16="http://schemas.microsoft.com/office/drawing/2014/main" id="{543059F6-8B27-4BC4-5FA2-685FA9D0B0EA}"/>
+              </a:ext>
+            </a:extLst>
+          </p:cNvPr>
+          <p:cNvPicPr>
+            <a:picLocks noChangeAspect="1"/>
+          </p:cNvPicPr>
+          <p:nvPr/>
+        </p:nvPicPr>
+        <p:blipFill>
+          <a:blip r:embed="rId6">
+            <a:extLst>
+              <a:ext uri="{28A0092B-C50C-407E-A947-70E740481C1C}">
+                <a14:useLocalDpi xmlns:a14="http://schemas.microsoft.com/office/drawing/2010/main" val="0"/>
+              </a:ext>
+            </a:extLst>
+          </a:blip>
+          <a:stretch>
+            <a:fillRect/>
+          </a:stretch>
+        </p:blipFill>
+        <p:spPr>
+          <a:xfrm>
+            <a:off x="7241442" y="3617060"/>
+            <a:ext cx="1817432" cy="1817432"/>
+          </a:xfrm>
+          <a:prstGeom prst="rect">
+            <a:avLst/>
+          </a:prstGeom>
+        </p:spPr>
+      </p:pic>
+      <p:pic>
+        <p:nvPicPr>
+          <p:cNvPr id="12" name="Picture 11" descr="A logo for microsoft windows&#10;&#10;Description automatically generated">
+            <a:extLst>
+              <a:ext uri="{FF2B5EF4-FFF2-40B4-BE49-F238E27FC236}">
+                <a16:creationId xmlns:a16="http://schemas.microsoft.com/office/drawing/2014/main" id="{F6EA34B5-DAB4-2E04-BD70-3A98F049A608}"/>
+              </a:ext>
+            </a:extLst>
+          </p:cNvPr>
+          <p:cNvPicPr>
+            <a:picLocks noChangeAspect="1"/>
+          </p:cNvPicPr>
+          <p:nvPr/>
+        </p:nvPicPr>
+        <p:blipFill>
+          <a:blip r:embed="rId7">
+            <a:extLst>
+              <a:ext uri="{28A0092B-C50C-407E-A947-70E740481C1C}">
+                <a14:useLocalDpi xmlns:a14="http://schemas.microsoft.com/office/drawing/2010/main" val="0"/>
+              </a:ext>
+            </a:extLst>
+          </a:blip>
+          <a:stretch>
+            <a:fillRect/>
+          </a:stretch>
+        </p:blipFill>
+        <p:spPr>
+          <a:xfrm>
+            <a:off x="6869920" y="2832563"/>
+            <a:ext cx="2945073" cy="867458"/>
+          </a:xfrm>
+          <a:prstGeom prst="rect">
+            <a:avLst/>
+          </a:prstGeom>
+        </p:spPr>
+      </p:pic>
+      <p:pic>
+        <p:nvPicPr>
+          <p:cNvPr id="14" name="Picture 13" descr="A logo of a company&#10;&#10;Description automatically generated">
+            <a:extLst>
+              <a:ext uri="{FF2B5EF4-FFF2-40B4-BE49-F238E27FC236}">
+                <a16:creationId xmlns:a16="http://schemas.microsoft.com/office/drawing/2014/main" id="{4888B155-E402-4148-F4A0-ADFB44FAD089}"/>
+              </a:ext>
+            </a:extLst>
+          </p:cNvPr>
+          <p:cNvPicPr>
+            <a:picLocks noChangeAspect="1"/>
+          </p:cNvPicPr>
+          <p:nvPr/>
+        </p:nvPicPr>
+        <p:blipFill>
+          <a:blip r:embed="rId8">
+            <a:extLst>
+              <a:ext uri="{28A0092B-C50C-407E-A947-70E740481C1C}">
+                <a14:useLocalDpi xmlns:a14="http://schemas.microsoft.com/office/drawing/2010/main" val="0"/>
+              </a:ext>
+            </a:extLst>
+          </a:blip>
+          <a:stretch>
+            <a:fillRect/>
+          </a:stretch>
+        </p:blipFill>
+        <p:spPr>
+          <a:xfrm>
+            <a:off x="6965915" y="5241458"/>
+            <a:ext cx="2223176" cy="1559541"/>
+          </a:xfrm>
+          <a:prstGeom prst="rect">
+            <a:avLst/>
+          </a:prstGeom>
+        </p:spPr>
+      </p:pic>
+      <p:cxnSp>
+        <p:nvCxnSpPr>
+          <p:cNvPr id="16" name="Straight Arrow Connector 15">
+            <a:extLst>
+              <a:ext uri="{FF2B5EF4-FFF2-40B4-BE49-F238E27FC236}">
+                <a16:creationId xmlns:a16="http://schemas.microsoft.com/office/drawing/2014/main" id="{2EB19C40-07B6-3663-0042-8345BE52E2FE}"/>
+              </a:ext>
+            </a:extLst>
+          </p:cNvPr>
+          <p:cNvCxnSpPr/>
+          <p:nvPr/>
+        </p:nvCxnSpPr>
+        <p:spPr>
+          <a:xfrm>
+            <a:off x="1900078" y="4448094"/>
+            <a:ext cx="1342417" cy="0"/>
+          </a:xfrm>
+          <a:prstGeom prst="straightConnector1">
+            <a:avLst/>
+          </a:prstGeom>
+          <a:ln>
+            <a:solidFill>
+              <a:schemeClr val="tx1"/>
+            </a:solidFill>
+            <a:tailEnd type="triangle"/>
+          </a:ln>
+        </p:spPr>
+        <p:style>
+          <a:lnRef idx="1">
+            <a:schemeClr val="accent1"/>
+          </a:lnRef>
+          <a:fillRef idx="0">
+            <a:schemeClr val="accent1"/>
+          </a:fillRef>
+          <a:effectRef idx="0">
+            <a:schemeClr val="accent1"/>
+          </a:effectRef>
+          <a:fontRef idx="minor">
+            <a:schemeClr val="tx1"/>
+          </a:fontRef>
+        </p:style>
+      </p:cxnSp>
+      <p:cxnSp>
+        <p:nvCxnSpPr>
+          <p:cNvPr id="17" name="Straight Arrow Connector 16">
+            <a:extLst>
+              <a:ext uri="{FF2B5EF4-FFF2-40B4-BE49-F238E27FC236}">
+                <a16:creationId xmlns:a16="http://schemas.microsoft.com/office/drawing/2014/main" id="{AE659B34-DEC2-BBAB-4B73-A4BC55074A17}"/>
+              </a:ext>
+            </a:extLst>
+          </p:cNvPr>
+          <p:cNvCxnSpPr>
+            <a:cxnSpLocks/>
+          </p:cNvCxnSpPr>
+          <p:nvPr/>
+        </p:nvCxnSpPr>
+        <p:spPr>
+          <a:xfrm flipV="1">
+            <a:off x="5322081" y="3617060"/>
+            <a:ext cx="2094055" cy="493582"/>
+          </a:xfrm>
+          <a:prstGeom prst="straightConnector1">
+            <a:avLst/>
+          </a:prstGeom>
+          <a:ln>
+            <a:solidFill>
+              <a:schemeClr val="tx1"/>
+            </a:solidFill>
+            <a:tailEnd type="triangle"/>
+          </a:ln>
+        </p:spPr>
+        <p:style>
+          <a:lnRef idx="1">
+            <a:schemeClr val="accent1"/>
+          </a:lnRef>
+          <a:fillRef idx="0">
+            <a:schemeClr val="accent1"/>
+          </a:fillRef>
+          <a:effectRef idx="0">
+            <a:schemeClr val="accent1"/>
+          </a:effectRef>
+          <a:fontRef idx="minor">
+            <a:schemeClr val="tx1"/>
+          </a:fontRef>
+        </p:style>
+      </p:cxnSp>
+      <p:cxnSp>
+        <p:nvCxnSpPr>
+          <p:cNvPr id="19" name="Straight Arrow Connector 18">
+            <a:extLst>
+              <a:ext uri="{FF2B5EF4-FFF2-40B4-BE49-F238E27FC236}">
+                <a16:creationId xmlns:a16="http://schemas.microsoft.com/office/drawing/2014/main" id="{CF09569B-70E7-C76C-86F4-776A06098A1E}"/>
+              </a:ext>
+            </a:extLst>
+          </p:cNvPr>
+          <p:cNvCxnSpPr>
+            <a:cxnSpLocks/>
+          </p:cNvCxnSpPr>
+          <p:nvPr/>
+        </p:nvCxnSpPr>
+        <p:spPr>
+          <a:xfrm>
+            <a:off x="5433517" y="4550763"/>
+            <a:ext cx="1807925" cy="0"/>
+          </a:xfrm>
+          <a:prstGeom prst="straightConnector1">
+            <a:avLst/>
+          </a:prstGeom>
+          <a:ln>
+            <a:solidFill>
+              <a:schemeClr val="tx1"/>
+            </a:solidFill>
+            <a:tailEnd type="triangle"/>
+          </a:ln>
+        </p:spPr>
+        <p:style>
+          <a:lnRef idx="1">
+            <a:schemeClr val="accent1"/>
+          </a:lnRef>
+          <a:fillRef idx="0">
+            <a:schemeClr val="accent1"/>
+          </a:fillRef>
+          <a:effectRef idx="0">
+            <a:schemeClr val="accent1"/>
+          </a:effectRef>
+          <a:fontRef idx="minor">
+            <a:schemeClr val="tx1"/>
+          </a:fontRef>
+        </p:style>
+      </p:cxnSp>
+      <p:cxnSp>
+        <p:nvCxnSpPr>
+          <p:cNvPr id="21" name="Straight Arrow Connector 20">
+            <a:extLst>
+              <a:ext uri="{FF2B5EF4-FFF2-40B4-BE49-F238E27FC236}">
+                <a16:creationId xmlns:a16="http://schemas.microsoft.com/office/drawing/2014/main" id="{FA4B7454-B908-794A-C0A8-7E5E16C17C1C}"/>
+              </a:ext>
+            </a:extLst>
+          </p:cNvPr>
+          <p:cNvCxnSpPr>
+            <a:cxnSpLocks/>
+          </p:cNvCxnSpPr>
+          <p:nvPr/>
+        </p:nvCxnSpPr>
+        <p:spPr>
+          <a:xfrm>
+            <a:off x="5433517" y="4884072"/>
+            <a:ext cx="1883631" cy="1100840"/>
+          </a:xfrm>
+          <a:prstGeom prst="straightConnector1">
+            <a:avLst/>
+          </a:prstGeom>
+          <a:ln>
+            <a:solidFill>
+              <a:schemeClr val="tx1"/>
+            </a:solidFill>
+            <a:tailEnd type="triangle"/>
+          </a:ln>
+        </p:spPr>
+        <p:style>
+          <a:lnRef idx="1">
+            <a:schemeClr val="accent1"/>
+          </a:lnRef>
+          <a:fillRef idx="0">
+            <a:schemeClr val="accent1"/>
+          </a:fillRef>
+          <a:effectRef idx="0">
+            <a:schemeClr val="accent1"/>
+          </a:effectRef>
+          <a:fontRef idx="minor">
+            <a:schemeClr val="tx1"/>
+          </a:fontRef>
+        </p:style>
+      </p:cxnSp>
+      <p:pic>
+        <p:nvPicPr>
+          <p:cNvPr id="25" name="Picture 24" descr="A purple and blue logo&#10;&#10;Description automatically generated">
+            <a:extLst>
+              <a:ext uri="{FF2B5EF4-FFF2-40B4-BE49-F238E27FC236}">
+                <a16:creationId xmlns:a16="http://schemas.microsoft.com/office/drawing/2014/main" id="{10A13BDA-4861-5028-7504-465AF129DD44}"/>
+              </a:ext>
+            </a:extLst>
+          </p:cNvPr>
+          <p:cNvPicPr>
+            <a:picLocks noChangeAspect="1"/>
+          </p:cNvPicPr>
+          <p:nvPr/>
+        </p:nvPicPr>
+        <p:blipFill>
+          <a:blip r:embed="rId9">
+            <a:extLst>
+              <a:ext uri="{28A0092B-C50C-407E-A947-70E740481C1C}">
+                <a14:useLocalDpi xmlns:a14="http://schemas.microsoft.com/office/drawing/2010/main" val="0"/>
+              </a:ext>
+            </a:extLst>
+          </a:blip>
+          <a:stretch>
+            <a:fillRect/>
+          </a:stretch>
+        </p:blipFill>
+        <p:spPr>
+          <a:xfrm>
+            <a:off x="3348950" y="4992675"/>
+            <a:ext cx="1590669" cy="706964"/>
+          </a:xfrm>
+          <a:prstGeom prst="rect">
+            <a:avLst/>
+          </a:prstGeom>
+        </p:spPr>
+      </p:pic>
+      <p:pic>
+        <p:nvPicPr>
+          <p:cNvPr id="26" name="Picture 25" descr="A close up of a logo&#10;&#10;Description automatically generated">
+            <a:extLst>
+              <a:ext uri="{FF2B5EF4-FFF2-40B4-BE49-F238E27FC236}">
+                <a16:creationId xmlns:a16="http://schemas.microsoft.com/office/drawing/2014/main" id="{4BC6CE43-AD71-8757-29B4-A46F3E4EB346}"/>
+              </a:ext>
+            </a:extLst>
+          </p:cNvPr>
+          <p:cNvPicPr>
+            <a:picLocks noChangeAspect="1"/>
+          </p:cNvPicPr>
+          <p:nvPr/>
+        </p:nvPicPr>
+        <p:blipFill>
+          <a:blip r:embed="rId10">
+            <a:extLst>
+              <a:ext uri="{28A0092B-C50C-407E-A947-70E740481C1C}">
+                <a14:useLocalDpi xmlns:a14="http://schemas.microsoft.com/office/drawing/2010/main" val="0"/>
+              </a:ext>
+            </a:extLst>
+          </a:blip>
+          <a:stretch>
+            <a:fillRect/>
+          </a:stretch>
+        </p:blipFill>
+        <p:spPr>
+          <a:xfrm>
+            <a:off x="10217782" y="2911764"/>
+            <a:ext cx="1039096" cy="433822"/>
+          </a:xfrm>
+          <a:prstGeom prst="rect">
+            <a:avLst/>
+          </a:prstGeom>
+        </p:spPr>
+      </p:pic>
+      <p:pic>
+        <p:nvPicPr>
+          <p:cNvPr id="27" name="Picture 26" descr="A black background with a black square&#10;&#10;Description automatically generated with medium confidence">
+            <a:extLst>
+              <a:ext uri="{FF2B5EF4-FFF2-40B4-BE49-F238E27FC236}">
+                <a16:creationId xmlns:a16="http://schemas.microsoft.com/office/drawing/2014/main" id="{FB40E3B4-5139-1F33-CFE3-C479BA0C0676}"/>
+              </a:ext>
+            </a:extLst>
+          </p:cNvPr>
+          <p:cNvPicPr>
+            <a:picLocks noChangeAspect="1"/>
+          </p:cNvPicPr>
+          <p:nvPr/>
+        </p:nvPicPr>
+        <p:blipFill>
+          <a:blip r:embed="rId11">
+            <a:extLst>
+              <a:ext uri="{28A0092B-C50C-407E-A947-70E740481C1C}">
+                <a14:useLocalDpi xmlns:a14="http://schemas.microsoft.com/office/drawing/2010/main" val="0"/>
+              </a:ext>
+            </a:extLst>
+          </a:blip>
+          <a:stretch>
+            <a:fillRect/>
+          </a:stretch>
+        </p:blipFill>
+        <p:spPr>
+          <a:xfrm>
+            <a:off x="10217782" y="3963023"/>
+            <a:ext cx="1421336" cy="706964"/>
+          </a:xfrm>
+          <a:prstGeom prst="rect">
+            <a:avLst/>
+          </a:prstGeom>
+        </p:spPr>
+      </p:pic>
+      <p:pic>
+        <p:nvPicPr>
+          <p:cNvPr id="41" name="Picture 40" descr="A group of logos with letters and numbers&#10;&#10;Description automatically generated">
+            <a:extLst>
+              <a:ext uri="{FF2B5EF4-FFF2-40B4-BE49-F238E27FC236}">
+                <a16:creationId xmlns:a16="http://schemas.microsoft.com/office/drawing/2014/main" id="{0E357B83-882A-8735-189F-4140AFD92EF6}"/>
+              </a:ext>
+            </a:extLst>
+          </p:cNvPr>
+          <p:cNvPicPr>
+            <a:picLocks noChangeAspect="1"/>
+          </p:cNvPicPr>
+          <p:nvPr/>
+        </p:nvPicPr>
+        <p:blipFill>
+          <a:blip r:embed="rId12">
+            <a:extLst>
+              <a:ext uri="{28A0092B-C50C-407E-A947-70E740481C1C}">
+                <a14:useLocalDpi xmlns:a14="http://schemas.microsoft.com/office/drawing/2010/main" val="0"/>
+              </a:ext>
+            </a:extLst>
+          </a:blip>
+          <a:stretch>
+            <a:fillRect/>
+          </a:stretch>
+        </p:blipFill>
+        <p:spPr>
+          <a:xfrm>
+            <a:off x="9814993" y="5275354"/>
+            <a:ext cx="2226913" cy="1235241"/>
+          </a:xfrm>
+          <a:prstGeom prst="rect">
+            <a:avLst/>
+          </a:prstGeom>
+        </p:spPr>
+      </p:pic>
+    </p:spTree>
+    <p:extLst>
+      <p:ext uri="{BB962C8B-B14F-4D97-AF65-F5344CB8AC3E}">
+        <p14:creationId xmlns:p14="http://schemas.microsoft.com/office/powerpoint/2010/main" val="2825999109"/>
+      </p:ext>
+    </p:extLst>
+  </p:cSld>
+  <p:clrMapOvr>
+    <a:masterClrMapping/>
+  </p:clrMapOvr>
+</p:sld>
+</file>
+
+<file path=ppt/slides/slide4.xml><?xml version="1.0" encoding="utf-8"?>
+<p:sld xmlns:a="http://schemas.openxmlformats.org/drawingml/2006/main" xmlns:r="http://schemas.openxmlformats.org/officeDocument/2006/relationships" xmlns:p="http://schemas.openxmlformats.org/presentationml/2006/main">
+  <p:cSld>
     <p:bg>
       <p:bgPr>
         <a:solidFill>
@@ -14109,7 +20010,7 @@
 </p:sld>
 </file>
 
-<file path=ppt/slides/slide2.xml><?xml version="1.0" encoding="utf-8"?>
+<file path=ppt/slides/slide5.xml><?xml version="1.0" encoding="utf-8"?>
 <p:sld xmlns:a="http://schemas.openxmlformats.org/drawingml/2006/main" xmlns:r="http://schemas.openxmlformats.org/officeDocument/2006/relationships" xmlns:p="http://schemas.openxmlformats.org/presentationml/2006/main">
   <p:cSld>
     <p:spTree>
@@ -14724,7 +20625,7 @@
 </p:sld>
 </file>
 
-<file path=ppt/slides/slide3.xml><?xml version="1.0" encoding="utf-8"?>
+<file path=ppt/slides/slide6.xml><?xml version="1.0" encoding="utf-8"?>
 <p:sld xmlns:a="http://schemas.openxmlformats.org/drawingml/2006/main" xmlns:r="http://schemas.openxmlformats.org/officeDocument/2006/relationships" xmlns:p="http://schemas.openxmlformats.org/presentationml/2006/main">
   <p:cSld>
     <p:spTree>
@@ -14992,7 +20893,7 @@
 </p:sld>
 </file>
 
-<file path=ppt/slides/slide4.xml><?xml version="1.0" encoding="utf-8"?>
+<file path=ppt/slides/slide7.xml><?xml version="1.0" encoding="utf-8"?>
 <p:sld xmlns:a="http://schemas.openxmlformats.org/drawingml/2006/main" xmlns:r="http://schemas.openxmlformats.org/officeDocument/2006/relationships" xmlns:p="http://schemas.openxmlformats.org/presentationml/2006/main">
   <p:cSld>
     <p:spTree>
@@ -15340,7 +21241,7 @@
 </p:sld>
 </file>
 
-<file path=ppt/slides/slide5.xml><?xml version="1.0" encoding="utf-8"?>
+<file path=ppt/slides/slide8.xml><?xml version="1.0" encoding="utf-8"?>
 <p:sld xmlns:a="http://schemas.openxmlformats.org/drawingml/2006/main" xmlns:r="http://schemas.openxmlformats.org/officeDocument/2006/relationships" xmlns:p="http://schemas.openxmlformats.org/presentationml/2006/main">
   <p:cSld>
     <p:spTree>
@@ -15875,7 +21776,7 @@
 </p:sld>
 </file>
 
-<file path=ppt/slides/slide6.xml><?xml version="1.0" encoding="utf-8"?>
+<file path=ppt/slides/slide9.xml><?xml version="1.0" encoding="utf-8"?>
 <p:sld xmlns:a="http://schemas.openxmlformats.org/drawingml/2006/main" xmlns:r="http://schemas.openxmlformats.org/officeDocument/2006/relationships" xmlns:p="http://schemas.openxmlformats.org/presentationml/2006/main">
   <p:cSld>
     <p:spTree>
@@ -16688,6 +22589,301 @@
 </a:theme>
 </file>
 
+<file path=ppt/theme/theme2.xml><?xml version="1.0" encoding="utf-8"?>
+<a:theme xmlns:a="http://schemas.openxmlformats.org/drawingml/2006/main" name="Office Theme">
+  <a:themeElements>
+    <a:clrScheme name="Office">
+      <a:dk1>
+        <a:sysClr val="windowText" lastClr="000000"/>
+      </a:dk1>
+      <a:lt1>
+        <a:sysClr val="window" lastClr="FFFFFF"/>
+      </a:lt1>
+      <a:dk2>
+        <a:srgbClr val="44546A"/>
+      </a:dk2>
+      <a:lt2>
+        <a:srgbClr val="E7E6E6"/>
+      </a:lt2>
+      <a:accent1>
+        <a:srgbClr val="4472C4"/>
+      </a:accent1>
+      <a:accent2>
+        <a:srgbClr val="ED7D31"/>
+      </a:accent2>
+      <a:accent3>
+        <a:srgbClr val="A5A5A5"/>
+      </a:accent3>
+      <a:accent4>
+        <a:srgbClr val="FFC000"/>
+      </a:accent4>
+      <a:accent5>
+        <a:srgbClr val="5B9BD5"/>
+      </a:accent5>
+      <a:accent6>
+        <a:srgbClr val="70AD47"/>
+      </a:accent6>
+      <a:hlink>
+        <a:srgbClr val="0563C1"/>
+      </a:hlink>
+      <a:folHlink>
+        <a:srgbClr val="954F72"/>
+      </a:folHlink>
+    </a:clrScheme>
+    <a:fontScheme name="Office">
+      <a:majorFont>
+        <a:latin typeface="Calibri Light" panose="020F0302020204030204"/>
+        <a:ea typeface=""/>
+        <a:cs typeface=""/>
+        <a:font script="Jpan" typeface="游ゴシック Light"/>
+        <a:font script="Hang" typeface="맑은 고딕"/>
+        <a:font script="Hans" typeface="等线 Light"/>
+        <a:font script="Hant" typeface="新細明體"/>
+        <a:font script="Arab" typeface="Times New Roman"/>
+        <a:font script="Hebr" typeface="Times New Roman"/>
+        <a:font script="Thai" typeface="Angsana New"/>
+        <a:font script="Ethi" typeface="Nyala"/>
+        <a:font script="Beng" typeface="Vrinda"/>
+        <a:font script="Gujr" typeface="Shruti"/>
+        <a:font script="Khmr" typeface="MoolBoran"/>
+        <a:font script="Knda" typeface="Tunga"/>
+        <a:font script="Guru" typeface="Raavi"/>
+        <a:font script="Cans" typeface="Euphemia"/>
+        <a:font script="Cher" typeface="Plantagenet Cherokee"/>
+        <a:font script="Yiii" typeface="Microsoft Yi Baiti"/>
+        <a:font script="Tibt" typeface="Microsoft Himalaya"/>
+        <a:font script="Thaa" typeface="MV Boli"/>
+        <a:font script="Deva" typeface="Mangal"/>
+        <a:font script="Telu" typeface="Gautami"/>
+        <a:font script="Taml" typeface="Latha"/>
+        <a:font script="Syrc" typeface="Estrangelo Edessa"/>
+        <a:font script="Orya" typeface="Kalinga"/>
+        <a:font script="Mlym" typeface="Kartika"/>
+        <a:font script="Laoo" typeface="DokChampa"/>
+        <a:font script="Sinh" typeface="Iskoola Pota"/>
+        <a:font script="Mong" typeface="Mongolian Baiti"/>
+        <a:font script="Viet" typeface="Times New Roman"/>
+        <a:font script="Uigh" typeface="Microsoft Uighur"/>
+        <a:font script="Geor" typeface="Sylfaen"/>
+        <a:font script="Armn" typeface="Arial"/>
+        <a:font script="Bugi" typeface="Leelawadee UI"/>
+        <a:font script="Bopo" typeface="Microsoft JhengHei"/>
+        <a:font script="Java" typeface="Javanese Text"/>
+        <a:font script="Lisu" typeface="Segoe UI"/>
+        <a:font script="Mymr" typeface="Myanmar Text"/>
+        <a:font script="Nkoo" typeface="Ebrima"/>
+        <a:font script="Olck" typeface="Nirmala UI"/>
+        <a:font script="Osma" typeface="Ebrima"/>
+        <a:font script="Phag" typeface="Phagspa"/>
+        <a:font script="Syrn" typeface="Estrangelo Edessa"/>
+        <a:font script="Syrj" typeface="Estrangelo Edessa"/>
+        <a:font script="Syre" typeface="Estrangelo Edessa"/>
+        <a:font script="Sora" typeface="Nirmala UI"/>
+        <a:font script="Tale" typeface="Microsoft Tai Le"/>
+        <a:font script="Talu" typeface="Microsoft New Tai Lue"/>
+        <a:font script="Tfng" typeface="Ebrima"/>
+      </a:majorFont>
+      <a:minorFont>
+        <a:latin typeface="Calibri" panose="020F0502020204030204"/>
+        <a:ea typeface=""/>
+        <a:cs typeface=""/>
+        <a:font script="Jpan" typeface="游ゴシック"/>
+        <a:font script="Hang" typeface="맑은 고딕"/>
+        <a:font script="Hans" typeface="等线"/>
+        <a:font script="Hant" typeface="新細明體"/>
+        <a:font script="Arab" typeface="Arial"/>
+        <a:font script="Hebr" typeface="Arial"/>
+        <a:font script="Thai" typeface="Cordia New"/>
+        <a:font script="Ethi" typeface="Nyala"/>
+        <a:font script="Beng" typeface="Vrinda"/>
+        <a:font script="Gujr" typeface="Shruti"/>
+        <a:font script="Khmr" typeface="DaunPenh"/>
+        <a:font script="Knda" typeface="Tunga"/>
+        <a:font script="Guru" typeface="Raavi"/>
+        <a:font script="Cans" typeface="Euphemia"/>
+        <a:font script="Cher" typeface="Plantagenet Cherokee"/>
+        <a:font script="Yiii" typeface="Microsoft Yi Baiti"/>
+        <a:font script="Tibt" typeface="Microsoft Himalaya"/>
+        <a:font script="Thaa" typeface="MV Boli"/>
+        <a:font script="Deva" typeface="Mangal"/>
+        <a:font script="Telu" typeface="Gautami"/>
+        <a:font script="Taml" typeface="Latha"/>
+        <a:font script="Syrc" typeface="Estrangelo Edessa"/>
+        <a:font script="Orya" typeface="Kalinga"/>
+        <a:font script="Mlym" typeface="Kartika"/>
+        <a:font script="Laoo" typeface="DokChampa"/>
+        <a:font script="Sinh" typeface="Iskoola Pota"/>
+        <a:font script="Mong" typeface="Mongolian Baiti"/>
+        <a:font script="Viet" typeface="Arial"/>
+        <a:font script="Uigh" typeface="Microsoft Uighur"/>
+        <a:font script="Geor" typeface="Sylfaen"/>
+        <a:font script="Armn" typeface="Arial"/>
+        <a:font script="Bugi" typeface="Leelawadee UI"/>
+        <a:font script="Bopo" typeface="Microsoft JhengHei"/>
+        <a:font script="Java" typeface="Javanese Text"/>
+        <a:font script="Lisu" typeface="Segoe UI"/>
+        <a:font script="Mymr" typeface="Myanmar Text"/>
+        <a:font script="Nkoo" typeface="Ebrima"/>
+        <a:font script="Olck" typeface="Nirmala UI"/>
+        <a:font script="Osma" typeface="Ebrima"/>
+        <a:font script="Phag" typeface="Phagspa"/>
+        <a:font script="Syrn" typeface="Estrangelo Edessa"/>
+        <a:font script="Syrj" typeface="Estrangelo Edessa"/>
+        <a:font script="Syre" typeface="Estrangelo Edessa"/>
+        <a:font script="Sora" typeface="Nirmala UI"/>
+        <a:font script="Tale" typeface="Microsoft Tai Le"/>
+        <a:font script="Talu" typeface="Microsoft New Tai Lue"/>
+        <a:font script="Tfng" typeface="Ebrima"/>
+      </a:minorFont>
+    </a:fontScheme>
+    <a:fmtScheme name="Office">
+      <a:fillStyleLst>
+        <a:solidFill>
+          <a:schemeClr val="phClr"/>
+        </a:solidFill>
+        <a:gradFill rotWithShape="1">
+          <a:gsLst>
+            <a:gs pos="0">
+              <a:schemeClr val="phClr">
+                <a:lumMod val="110000"/>
+                <a:satMod val="105000"/>
+                <a:tint val="67000"/>
+              </a:schemeClr>
+            </a:gs>
+            <a:gs pos="50000">
+              <a:schemeClr val="phClr">
+                <a:lumMod val="105000"/>
+                <a:satMod val="103000"/>
+                <a:tint val="73000"/>
+              </a:schemeClr>
+            </a:gs>
+            <a:gs pos="100000">
+              <a:schemeClr val="phClr">
+                <a:lumMod val="105000"/>
+                <a:satMod val="109000"/>
+                <a:tint val="81000"/>
+              </a:schemeClr>
+            </a:gs>
+          </a:gsLst>
+          <a:lin ang="5400000" scaled="0"/>
+        </a:gradFill>
+        <a:gradFill rotWithShape="1">
+          <a:gsLst>
+            <a:gs pos="0">
+              <a:schemeClr val="phClr">
+                <a:satMod val="103000"/>
+                <a:lumMod val="102000"/>
+                <a:tint val="94000"/>
+              </a:schemeClr>
+            </a:gs>
+            <a:gs pos="50000">
+              <a:schemeClr val="phClr">
+                <a:satMod val="110000"/>
+                <a:lumMod val="100000"/>
+                <a:shade val="100000"/>
+              </a:schemeClr>
+            </a:gs>
+            <a:gs pos="100000">
+              <a:schemeClr val="phClr">
+                <a:lumMod val="99000"/>
+                <a:satMod val="120000"/>
+                <a:shade val="78000"/>
+              </a:schemeClr>
+            </a:gs>
+          </a:gsLst>
+          <a:lin ang="5400000" scaled="0"/>
+        </a:gradFill>
+      </a:fillStyleLst>
+      <a:lnStyleLst>
+        <a:ln w="6350" cap="flat" cmpd="sng" algn="ctr">
+          <a:solidFill>
+            <a:schemeClr val="phClr"/>
+          </a:solidFill>
+          <a:prstDash val="solid"/>
+          <a:miter lim="800000"/>
+        </a:ln>
+        <a:ln w="12700" cap="flat" cmpd="sng" algn="ctr">
+          <a:solidFill>
+            <a:schemeClr val="phClr"/>
+          </a:solidFill>
+          <a:prstDash val="solid"/>
+          <a:miter lim="800000"/>
+        </a:ln>
+        <a:ln w="19050" cap="flat" cmpd="sng" algn="ctr">
+          <a:solidFill>
+            <a:schemeClr val="phClr"/>
+          </a:solidFill>
+          <a:prstDash val="solid"/>
+          <a:miter lim="800000"/>
+        </a:ln>
+      </a:lnStyleLst>
+      <a:effectStyleLst>
+        <a:effectStyle>
+          <a:effectLst/>
+        </a:effectStyle>
+        <a:effectStyle>
+          <a:effectLst/>
+        </a:effectStyle>
+        <a:effectStyle>
+          <a:effectLst>
+            <a:outerShdw blurRad="57150" dist="19050" dir="5400000" algn="ctr" rotWithShape="0">
+              <a:srgbClr val="000000">
+                <a:alpha val="63000"/>
+              </a:srgbClr>
+            </a:outerShdw>
+          </a:effectLst>
+        </a:effectStyle>
+      </a:effectStyleLst>
+      <a:bgFillStyleLst>
+        <a:solidFill>
+          <a:schemeClr val="phClr"/>
+        </a:solidFill>
+        <a:solidFill>
+          <a:schemeClr val="phClr">
+            <a:tint val="95000"/>
+            <a:satMod val="170000"/>
+          </a:schemeClr>
+        </a:solidFill>
+        <a:gradFill rotWithShape="1">
+          <a:gsLst>
+            <a:gs pos="0">
+              <a:schemeClr val="phClr">
+                <a:tint val="93000"/>
+                <a:satMod val="150000"/>
+                <a:shade val="98000"/>
+                <a:lumMod val="102000"/>
+              </a:schemeClr>
+            </a:gs>
+            <a:gs pos="50000">
+              <a:schemeClr val="phClr">
+                <a:tint val="98000"/>
+                <a:satMod val="130000"/>
+                <a:shade val="90000"/>
+                <a:lumMod val="103000"/>
+              </a:schemeClr>
+            </a:gs>
+            <a:gs pos="100000">
+              <a:schemeClr val="phClr">
+                <a:shade val="63000"/>
+                <a:satMod val="120000"/>
+              </a:schemeClr>
+            </a:gs>
+          </a:gsLst>
+          <a:lin ang="5400000" scaled="0"/>
+        </a:gradFill>
+      </a:bgFillStyleLst>
+    </a:fmtScheme>
+  </a:themeElements>
+  <a:objectDefaults/>
+  <a:extraClrSchemeLst/>
+  <a:extLst>
+    <a:ext uri="{05A4C25C-085E-4340-85A3-A5531E510DB2}">
+      <thm15:themeFamily xmlns:thm15="http://schemas.microsoft.com/office/thememl/2012/main" name="Office Theme" id="{62F939B6-93AF-4DB8-9C6B-D6C7DFDC589F}" vid="{4A3C46E8-61CC-4603-A589-7422A47A8E4A}"/>
+    </a:ext>
+  </a:extLst>
+</a:theme>
+</file>
+
 <file path=docMetadata/LabelInfo.xml><?xml version="1.0" encoding="utf-8"?>
 <clbl:labelList xmlns:clbl="http://schemas.microsoft.com/office/2020/mipLabelMetadata">
   <clbl:label id="{78ba2ad2-1b1e-4cec-9ee3-2fdbfa21151f}" enabled="1" method="Privileged" siteId="{8c09d8d5-1d78-4adf-9d10-a13cdacb0929}" contentBits="0" removed="0"/>

--- a/C# Advanced.pptx
+++ b/C# Advanced.pptx
@@ -5,7 +5,7 @@
     <p:sldMasterId id="2147484098" r:id="rId1"/>
   </p:sldMasterIdLst>
   <p:notesMasterIdLst>
-    <p:notesMasterId r:id="rId22"/>
+    <p:notesMasterId r:id="rId26"/>
   </p:notesMasterIdLst>
   <p:sldIdLst>
     <p:sldId id="268" r:id="rId2"/>
@@ -28,6 +28,10 @@
     <p:sldId id="274" r:id="rId19"/>
     <p:sldId id="275" r:id="rId20"/>
     <p:sldId id="276" r:id="rId21"/>
+    <p:sldId id="277" r:id="rId22"/>
+    <p:sldId id="278" r:id="rId23"/>
+    <p:sldId id="279" r:id="rId24"/>
+    <p:sldId id="280" r:id="rId25"/>
   </p:sldIdLst>
   <p:sldSz cx="12192000" cy="6858000"/>
   <p:notesSz cx="6858000" cy="9144000"/>
@@ -216,7 +220,7 @@
           <a:p>
             <a:fld id="{3CFF4BCD-A327-491B-9BBE-6CF8AEB95D7F}" type="datetimeFigureOut">
               <a:rPr lang="bg-BG" smtClean="0"/>
-              <a:t>12.6.2024 г.</a:t>
+              <a:t>14.6.2024 г.</a:t>
             </a:fld>
             <a:endParaRPr lang="bg-BG"/>
           </a:p>
@@ -1214,7 +1218,7 @@
           <a:p>
             <a:fld id="{A795E479-C003-4F68-8D57-D7139EEC14A6}" type="datetimeFigureOut">
               <a:rPr lang="bg-BG" smtClean="0"/>
-              <a:t>12.6.2024 г.</a:t>
+              <a:t>14.6.2024 г.</a:t>
             </a:fld>
             <a:endParaRPr lang="bg-BG"/>
           </a:p>
@@ -2334,7 +2338,7 @@
           <a:p>
             <a:fld id="{A795E479-C003-4F68-8D57-D7139EEC14A6}" type="datetimeFigureOut">
               <a:rPr lang="bg-BG" smtClean="0"/>
-              <a:t>12.6.2024 г.</a:t>
+              <a:t>14.6.2024 г.</a:t>
             </a:fld>
             <a:endParaRPr lang="bg-BG"/>
           </a:p>
@@ -3345,7 +3349,7 @@
           <a:p>
             <a:fld id="{A795E479-C003-4F68-8D57-D7139EEC14A6}" type="datetimeFigureOut">
               <a:rPr lang="bg-BG" smtClean="0"/>
-              <a:t>12.6.2024 г.</a:t>
+              <a:t>14.6.2024 г.</a:t>
             </a:fld>
             <a:endParaRPr lang="bg-BG"/>
           </a:p>
@@ -4515,7 +4519,7 @@
           <a:p>
             <a:fld id="{A795E479-C003-4F68-8D57-D7139EEC14A6}" type="datetimeFigureOut">
               <a:rPr lang="bg-BG" smtClean="0"/>
-              <a:t>12.6.2024 г.</a:t>
+              <a:t>14.6.2024 г.</a:t>
             </a:fld>
             <a:endParaRPr lang="bg-BG"/>
           </a:p>
@@ -5576,7 +5580,7 @@
           <a:p>
             <a:fld id="{A795E479-C003-4F68-8D57-D7139EEC14A6}" type="datetimeFigureOut">
               <a:rPr lang="bg-BG" smtClean="0"/>
-              <a:t>12.6.2024 г.</a:t>
+              <a:t>14.6.2024 г.</a:t>
             </a:fld>
             <a:endParaRPr lang="bg-BG"/>
           </a:p>
@@ -6222,7 +6226,7 @@
           <a:p>
             <a:fld id="{A795E479-C003-4F68-8D57-D7139EEC14A6}" type="datetimeFigureOut">
               <a:rPr lang="bg-BG" smtClean="0"/>
-              <a:t>12.6.2024 г.</a:t>
+              <a:t>14.6.2024 г.</a:t>
             </a:fld>
             <a:endParaRPr lang="bg-BG"/>
           </a:p>
@@ -7069,7 +7073,7 @@
           <a:p>
             <a:fld id="{A795E479-C003-4F68-8D57-D7139EEC14A6}" type="datetimeFigureOut">
               <a:rPr lang="bg-BG" smtClean="0"/>
-              <a:t>12.6.2024 г.</a:t>
+              <a:t>14.6.2024 г.</a:t>
             </a:fld>
             <a:endParaRPr lang="bg-BG"/>
           </a:p>
@@ -7244,7 +7248,7 @@
           <a:p>
             <a:fld id="{A795E479-C003-4F68-8D57-D7139EEC14A6}" type="datetimeFigureOut">
               <a:rPr lang="bg-BG" smtClean="0"/>
-              <a:t>12.6.2024 г.</a:t>
+              <a:t>14.6.2024 г.</a:t>
             </a:fld>
             <a:endParaRPr lang="bg-BG"/>
           </a:p>
@@ -8242,7 +8246,7 @@
           <a:p>
             <a:fld id="{A795E479-C003-4F68-8D57-D7139EEC14A6}" type="datetimeFigureOut">
               <a:rPr lang="bg-BG" smtClean="0"/>
-              <a:t>12.6.2024 г.</a:t>
+              <a:t>14.6.2024 г.</a:t>
             </a:fld>
             <a:endParaRPr lang="bg-BG"/>
           </a:p>
@@ -8448,7 +8452,7 @@
           <a:p>
             <a:fld id="{A795E479-C003-4F68-8D57-D7139EEC14A6}" type="datetimeFigureOut">
               <a:rPr lang="bg-BG" smtClean="0"/>
-              <a:t>12.6.2024 г.</a:t>
+              <a:t>14.6.2024 г.</a:t>
             </a:fld>
             <a:endParaRPr lang="bg-BG"/>
           </a:p>
@@ -9510,7 +9514,7 @@
           <a:p>
             <a:fld id="{A795E479-C003-4F68-8D57-D7139EEC14A6}" type="datetimeFigureOut">
               <a:rPr lang="bg-BG" smtClean="0"/>
-              <a:t>12.6.2024 г.</a:t>
+              <a:t>14.6.2024 г.</a:t>
             </a:fld>
             <a:endParaRPr lang="bg-BG"/>
           </a:p>
@@ -9782,7 +9786,7 @@
           <a:p>
             <a:fld id="{A795E479-C003-4F68-8D57-D7139EEC14A6}" type="datetimeFigureOut">
               <a:rPr lang="bg-BG" smtClean="0"/>
-              <a:t>12.6.2024 г.</a:t>
+              <a:t>14.6.2024 г.</a:t>
             </a:fld>
             <a:endParaRPr lang="bg-BG"/>
           </a:p>
@@ -10164,7 +10168,7 @@
           <a:p>
             <a:fld id="{A795E479-C003-4F68-8D57-D7139EEC14A6}" type="datetimeFigureOut">
               <a:rPr lang="bg-BG" smtClean="0"/>
-              <a:t>12.6.2024 г.</a:t>
+              <a:t>14.6.2024 г.</a:t>
             </a:fld>
             <a:endParaRPr lang="bg-BG"/>
           </a:p>
@@ -10282,7 +10286,7 @@
           <a:p>
             <a:fld id="{A795E479-C003-4F68-8D57-D7139EEC14A6}" type="datetimeFigureOut">
               <a:rPr lang="bg-BG" smtClean="0"/>
-              <a:t>12.6.2024 г.</a:t>
+              <a:t>14.6.2024 г.</a:t>
             </a:fld>
             <a:endParaRPr lang="bg-BG"/>
           </a:p>
@@ -10377,7 +10381,7 @@
           <a:p>
             <a:fld id="{A795E479-C003-4F68-8D57-D7139EEC14A6}" type="datetimeFigureOut">
               <a:rPr lang="bg-BG" smtClean="0"/>
-              <a:t>12.6.2024 г.</a:t>
+              <a:t>14.6.2024 г.</a:t>
             </a:fld>
             <a:endParaRPr lang="bg-BG"/>
           </a:p>
@@ -11486,7 +11490,7 @@
           <a:p>
             <a:fld id="{A795E479-C003-4F68-8D57-D7139EEC14A6}" type="datetimeFigureOut">
               <a:rPr lang="bg-BG" smtClean="0"/>
-              <a:t>12.6.2024 г.</a:t>
+              <a:t>14.6.2024 г.</a:t>
             </a:fld>
             <a:endParaRPr lang="bg-BG"/>
           </a:p>
@@ -12619,7 +12623,7 @@
           <a:p>
             <a:fld id="{A795E479-C003-4F68-8D57-D7139EEC14A6}" type="datetimeFigureOut">
               <a:rPr lang="bg-BG" smtClean="0"/>
-              <a:t>12.6.2024 г.</a:t>
+              <a:t>14.6.2024 г.</a:t>
             </a:fld>
             <a:endParaRPr lang="bg-BG"/>
           </a:p>
@@ -13647,7 +13651,7 @@
           <a:p>
             <a:fld id="{A795E479-C003-4F68-8D57-D7139EEC14A6}" type="datetimeFigureOut">
               <a:rPr lang="bg-BG" smtClean="0"/>
-              <a:t>12.6.2024 г.</a:t>
+              <a:t>14.6.2024 г.</a:t>
             </a:fld>
             <a:endParaRPr lang="bg-BG"/>
           </a:p>
@@ -19065,6 +19069,1405 @@
     <p:extLst>
       <p:ext uri="{BB962C8B-B14F-4D97-AF65-F5344CB8AC3E}">
         <p14:creationId xmlns:p14="http://schemas.microsoft.com/office/powerpoint/2010/main" val="3372546716"/>
+      </p:ext>
+    </p:extLst>
+  </p:cSld>
+  <p:clrMapOvr>
+    <a:masterClrMapping/>
+  </p:clrMapOvr>
+</p:sld>
+</file>
+
+<file path=ppt/slides/slide21.xml><?xml version="1.0" encoding="utf-8"?>
+<p:sld xmlns:a="http://schemas.openxmlformats.org/drawingml/2006/main" xmlns:r="http://schemas.openxmlformats.org/officeDocument/2006/relationships" xmlns:p="http://schemas.openxmlformats.org/presentationml/2006/main">
+  <p:cSld>
+    <p:spTree>
+      <p:nvGrpSpPr>
+        <p:cNvPr id="1" name=""/>
+        <p:cNvGrpSpPr/>
+        <p:nvPr/>
+      </p:nvGrpSpPr>
+      <p:grpSpPr>
+        <a:xfrm>
+          <a:off x="0" y="0"/>
+          <a:ext cx="0" cy="0"/>
+          <a:chOff x="0" y="0"/>
+          <a:chExt cx="0" cy="0"/>
+        </a:xfrm>
+      </p:grpSpPr>
+      <p:sp>
+        <p:nvSpPr>
+          <p:cNvPr id="2" name="Title 1">
+            <a:extLst>
+              <a:ext uri="{FF2B5EF4-FFF2-40B4-BE49-F238E27FC236}">
+                <a16:creationId xmlns:a16="http://schemas.microsoft.com/office/drawing/2014/main" id="{740472EF-F836-F9F9-B1D5-16694A523883}"/>
+              </a:ext>
+            </a:extLst>
+          </p:cNvPr>
+          <p:cNvSpPr>
+            <a:spLocks noGrp="1"/>
+          </p:cNvSpPr>
+          <p:nvPr>
+            <p:ph type="title"/>
+          </p:nvPr>
+        </p:nvSpPr>
+        <p:spPr/>
+        <p:txBody>
+          <a:bodyPr/>
+          <a:lstStyle/>
+          <a:p>
+            <a:pPr algn="ctr"/>
+            <a:r>
+              <a:rPr lang="en-US" dirty="0">
+                <a:latin typeface="Arial" panose="020B0604020202020204" pitchFamily="34" charset="0"/>
+                <a:cs typeface="Arial" panose="020B0604020202020204" pitchFamily="34" charset="0"/>
+              </a:rPr>
+              <a:t>C# Jagged arrays</a:t>
+            </a:r>
+            <a:endParaRPr lang="bg-BG" dirty="0">
+              <a:latin typeface="Arial" panose="020B0604020202020204" pitchFamily="34" charset="0"/>
+              <a:cs typeface="Arial" panose="020B0604020202020204" pitchFamily="34" charset="0"/>
+            </a:endParaRPr>
+          </a:p>
+        </p:txBody>
+      </p:sp>
+      <p:sp>
+        <p:nvSpPr>
+          <p:cNvPr id="3" name="Content Placeholder 2">
+            <a:extLst>
+              <a:ext uri="{FF2B5EF4-FFF2-40B4-BE49-F238E27FC236}">
+                <a16:creationId xmlns:a16="http://schemas.microsoft.com/office/drawing/2014/main" id="{8514773A-CBBC-C8A2-800E-BB44800A3DF7}"/>
+              </a:ext>
+            </a:extLst>
+          </p:cNvPr>
+          <p:cNvSpPr>
+            <a:spLocks noGrp="1"/>
+          </p:cNvSpPr>
+          <p:nvPr>
+            <p:ph idx="1"/>
+          </p:nvPr>
+        </p:nvSpPr>
+        <p:spPr>
+          <a:xfrm>
+            <a:off x="1154954" y="2603500"/>
+            <a:ext cx="10205023" cy="3879678"/>
+          </a:xfrm>
+        </p:spPr>
+        <p:txBody>
+          <a:bodyPr/>
+          <a:lstStyle/>
+          <a:p>
+            <a:r>
+              <a:rPr lang="bg-BG" dirty="0">
+                <a:latin typeface="Arial" panose="020B0604020202020204" pitchFamily="34" charset="0"/>
+                <a:cs typeface="Arial" panose="020B0604020202020204" pitchFamily="34" charset="0"/>
+              </a:rPr>
+              <a:t>Назъбените (</a:t>
+            </a:r>
+            <a:r>
+              <a:rPr lang="en-US" dirty="0">
+                <a:latin typeface="Arial" panose="020B0604020202020204" pitchFamily="34" charset="0"/>
+                <a:cs typeface="Arial" panose="020B0604020202020204" pitchFamily="34" charset="0"/>
+              </a:rPr>
+              <a:t>Jagged</a:t>
+            </a:r>
+            <a:r>
+              <a:rPr lang="bg-BG" dirty="0">
+                <a:latin typeface="Arial" panose="020B0604020202020204" pitchFamily="34" charset="0"/>
+                <a:cs typeface="Arial" panose="020B0604020202020204" pitchFamily="34" charset="0"/>
+              </a:rPr>
+              <a:t>)</a:t>
+            </a:r>
+            <a:r>
+              <a:rPr lang="en-US" dirty="0">
+                <a:latin typeface="Arial" panose="020B0604020202020204" pitchFamily="34" charset="0"/>
+                <a:cs typeface="Arial" panose="020B0604020202020204" pitchFamily="34" charset="0"/>
+              </a:rPr>
+              <a:t> </a:t>
+            </a:r>
+            <a:r>
+              <a:rPr lang="bg-BG" dirty="0">
+                <a:latin typeface="Arial" panose="020B0604020202020204" pitchFamily="34" charset="0"/>
+                <a:cs typeface="Arial" panose="020B0604020202020204" pitchFamily="34" charset="0"/>
+              </a:rPr>
+              <a:t>масиви са отново многомерни масиви или така нареченият масив от масиви, които обаче имат различна размерност.</a:t>
+            </a:r>
+          </a:p>
+          <a:p>
+            <a:endParaRPr lang="bg-BG" dirty="0">
+              <a:latin typeface="Arial" panose="020B0604020202020204" pitchFamily="34" charset="0"/>
+              <a:cs typeface="Arial" panose="020B0604020202020204" pitchFamily="34" charset="0"/>
+            </a:endParaRPr>
+          </a:p>
+          <a:p>
+            <a:endParaRPr lang="bg-BG" dirty="0"/>
+          </a:p>
+        </p:txBody>
+      </p:sp>
+      <p:pic>
+        <p:nvPicPr>
+          <p:cNvPr id="5" name="Picture 4" descr="A green and white grid&#10;&#10;Description automatically generated with medium confidence">
+            <a:extLst>
+              <a:ext uri="{FF2B5EF4-FFF2-40B4-BE49-F238E27FC236}">
+                <a16:creationId xmlns:a16="http://schemas.microsoft.com/office/drawing/2014/main" id="{80F317AE-EC73-097D-85D4-7D21AFE343AC}"/>
+              </a:ext>
+            </a:extLst>
+          </p:cNvPr>
+          <p:cNvPicPr>
+            <a:picLocks noChangeAspect="1"/>
+          </p:cNvPicPr>
+          <p:nvPr/>
+        </p:nvPicPr>
+        <p:blipFill>
+          <a:blip r:embed="rId2">
+            <a:extLst>
+              <a:ext uri="{28A0092B-C50C-407E-A947-70E740481C1C}">
+                <a14:useLocalDpi xmlns:a14="http://schemas.microsoft.com/office/drawing/2010/main" val="0"/>
+              </a:ext>
+            </a:extLst>
+          </a:blip>
+          <a:stretch>
+            <a:fillRect/>
+          </a:stretch>
+        </p:blipFill>
+        <p:spPr>
+          <a:xfrm>
+            <a:off x="2577963" y="3429000"/>
+            <a:ext cx="6262289" cy="2458730"/>
+          </a:xfrm>
+          <a:prstGeom prst="rect">
+            <a:avLst/>
+          </a:prstGeom>
+        </p:spPr>
+      </p:pic>
+    </p:spTree>
+    <p:extLst>
+      <p:ext uri="{BB962C8B-B14F-4D97-AF65-F5344CB8AC3E}">
+        <p14:creationId xmlns:p14="http://schemas.microsoft.com/office/powerpoint/2010/main" val="930653579"/>
+      </p:ext>
+    </p:extLst>
+  </p:cSld>
+  <p:clrMapOvr>
+    <a:masterClrMapping/>
+  </p:clrMapOvr>
+</p:sld>
+</file>
+
+<file path=ppt/slides/slide22.xml><?xml version="1.0" encoding="utf-8"?>
+<p:sld xmlns:a="http://schemas.openxmlformats.org/drawingml/2006/main" xmlns:r="http://schemas.openxmlformats.org/officeDocument/2006/relationships" xmlns:p="http://schemas.openxmlformats.org/presentationml/2006/main">
+  <p:cSld>
+    <p:spTree>
+      <p:nvGrpSpPr>
+        <p:cNvPr id="1" name=""/>
+        <p:cNvGrpSpPr/>
+        <p:nvPr/>
+      </p:nvGrpSpPr>
+      <p:grpSpPr>
+        <a:xfrm>
+          <a:off x="0" y="0"/>
+          <a:ext cx="0" cy="0"/>
+          <a:chOff x="0" y="0"/>
+          <a:chExt cx="0" cy="0"/>
+        </a:xfrm>
+      </p:grpSpPr>
+      <p:sp>
+        <p:nvSpPr>
+          <p:cNvPr id="2" name="Title 1">
+            <a:extLst>
+              <a:ext uri="{FF2B5EF4-FFF2-40B4-BE49-F238E27FC236}">
+                <a16:creationId xmlns:a16="http://schemas.microsoft.com/office/drawing/2014/main" id="{5D4BBD78-DE77-D242-CF29-001CF64EFEF6}"/>
+              </a:ext>
+            </a:extLst>
+          </p:cNvPr>
+          <p:cNvSpPr>
+            <a:spLocks noGrp="1"/>
+          </p:cNvSpPr>
+          <p:nvPr>
+            <p:ph type="title"/>
+          </p:nvPr>
+        </p:nvSpPr>
+        <p:spPr>
+          <a:xfrm>
+            <a:off x="1426801" y="907766"/>
+            <a:ext cx="8761413" cy="1028126"/>
+          </a:xfrm>
+        </p:spPr>
+        <p:txBody>
+          <a:bodyPr/>
+          <a:lstStyle/>
+          <a:p>
+            <a:pPr algn="ctr"/>
+            <a:r>
+              <a:rPr lang="bg-BG" dirty="0">
+                <a:latin typeface="Arial" panose="020B0604020202020204" pitchFamily="34" charset="0"/>
+                <a:cs typeface="Arial" panose="020B0604020202020204" pitchFamily="34" charset="0"/>
+              </a:rPr>
+              <a:t>Създаване</a:t>
+            </a:r>
+            <a:r>
+              <a:rPr lang="en-US" dirty="0">
+                <a:latin typeface="Arial" panose="020B0604020202020204" pitchFamily="34" charset="0"/>
+                <a:cs typeface="Arial" panose="020B0604020202020204" pitchFamily="34" charset="0"/>
+              </a:rPr>
+              <a:t> </a:t>
+            </a:r>
+            <a:r>
+              <a:rPr lang="bg-BG" dirty="0">
+                <a:latin typeface="Arial" panose="020B0604020202020204" pitchFamily="34" charset="0"/>
+                <a:cs typeface="Arial" panose="020B0604020202020204" pitchFamily="34" charset="0"/>
+              </a:rPr>
+              <a:t>и инициализация на </a:t>
+            </a:r>
+            <a:r>
+              <a:rPr lang="en-US" dirty="0">
+                <a:latin typeface="Arial" panose="020B0604020202020204" pitchFamily="34" charset="0"/>
+                <a:cs typeface="Arial" panose="020B0604020202020204" pitchFamily="34" charset="0"/>
+              </a:rPr>
+              <a:t>jagged array (</a:t>
+            </a:r>
+            <a:r>
+              <a:rPr lang="bg-BG" dirty="0">
+                <a:latin typeface="Arial" panose="020B0604020202020204" pitchFamily="34" charset="0"/>
+                <a:cs typeface="Arial" panose="020B0604020202020204" pitchFamily="34" charset="0"/>
+              </a:rPr>
+              <a:t>назъбен масив</a:t>
+            </a:r>
+            <a:r>
+              <a:rPr lang="en-US" dirty="0">
+                <a:latin typeface="Arial" panose="020B0604020202020204" pitchFamily="34" charset="0"/>
+                <a:cs typeface="Arial" panose="020B0604020202020204" pitchFamily="34" charset="0"/>
+              </a:rPr>
+              <a:t>)</a:t>
+            </a:r>
+            <a:endParaRPr lang="bg-BG" dirty="0">
+              <a:latin typeface="Arial" panose="020B0604020202020204" pitchFamily="34" charset="0"/>
+              <a:cs typeface="Arial" panose="020B0604020202020204" pitchFamily="34" charset="0"/>
+            </a:endParaRPr>
+          </a:p>
+        </p:txBody>
+      </p:sp>
+      <p:sp>
+        <p:nvSpPr>
+          <p:cNvPr id="3" name="Content Placeholder 2">
+            <a:extLst>
+              <a:ext uri="{FF2B5EF4-FFF2-40B4-BE49-F238E27FC236}">
+                <a16:creationId xmlns:a16="http://schemas.microsoft.com/office/drawing/2014/main" id="{2709B828-20F4-FD73-D1B5-000ABCE6E2E0}"/>
+              </a:ext>
+            </a:extLst>
+          </p:cNvPr>
+          <p:cNvSpPr>
+            <a:spLocks noGrp="1"/>
+          </p:cNvSpPr>
+          <p:nvPr>
+            <p:ph idx="1"/>
+          </p:nvPr>
+        </p:nvSpPr>
+        <p:spPr/>
+        <p:txBody>
+          <a:bodyPr/>
+          <a:lstStyle/>
+          <a:p>
+            <a:pPr marL="0" indent="0">
+              <a:buNone/>
+            </a:pPr>
+            <a:r>
+              <a:rPr lang="en-US" sz="1800" dirty="0">
+                <a:solidFill>
+                  <a:srgbClr val="0070C0"/>
+                </a:solidFill>
+                <a:latin typeface="Cascadia Mono" panose="020B0609020000020004" pitchFamily="49" charset="0"/>
+              </a:rPr>
+              <a:t>int</a:t>
+            </a:r>
+            <a:r>
+              <a:rPr lang="en-US" sz="1800" dirty="0">
+                <a:solidFill>
+                  <a:srgbClr val="000000"/>
+                </a:solidFill>
+                <a:latin typeface="Cascadia Mono" panose="020B0609020000020004" pitchFamily="49" charset="0"/>
+              </a:rPr>
+              <a:t>[][] </a:t>
+            </a:r>
+            <a:r>
+              <a:rPr lang="en-US" sz="1800" dirty="0" err="1">
+                <a:solidFill>
+                  <a:srgbClr val="000000"/>
+                </a:solidFill>
+                <a:latin typeface="Cascadia Mono" panose="020B0609020000020004" pitchFamily="49" charset="0"/>
+              </a:rPr>
+              <a:t>jaggedArray</a:t>
+            </a:r>
+            <a:r>
+              <a:rPr lang="en-US" sz="1800" dirty="0">
+                <a:solidFill>
+                  <a:srgbClr val="000000"/>
+                </a:solidFill>
+                <a:latin typeface="Cascadia Mono" panose="020B0609020000020004" pitchFamily="49" charset="0"/>
+              </a:rPr>
+              <a:t> = </a:t>
+            </a:r>
+            <a:r>
+              <a:rPr lang="en-US" sz="1800" dirty="0">
+                <a:solidFill>
+                  <a:srgbClr val="00B050"/>
+                </a:solidFill>
+                <a:latin typeface="Cascadia Mono" panose="020B0609020000020004" pitchFamily="49" charset="0"/>
+              </a:rPr>
+              <a:t>new</a:t>
+            </a:r>
+            <a:r>
+              <a:rPr lang="en-US" sz="1800" dirty="0">
+                <a:solidFill>
+                  <a:srgbClr val="000000"/>
+                </a:solidFill>
+                <a:latin typeface="Cascadia Mono" panose="020B0609020000020004" pitchFamily="49" charset="0"/>
+              </a:rPr>
+              <a:t> </a:t>
+            </a:r>
+            <a:r>
+              <a:rPr lang="en-US" sz="1800" dirty="0">
+                <a:solidFill>
+                  <a:srgbClr val="0070C0"/>
+                </a:solidFill>
+                <a:latin typeface="Cascadia Mono" panose="020B0609020000020004" pitchFamily="49" charset="0"/>
+              </a:rPr>
+              <a:t>int</a:t>
+            </a:r>
+            <a:r>
+              <a:rPr lang="en-US" sz="1800" dirty="0">
+                <a:solidFill>
+                  <a:srgbClr val="000000"/>
+                </a:solidFill>
+                <a:latin typeface="Cascadia Mono" panose="020B0609020000020004" pitchFamily="49" charset="0"/>
+              </a:rPr>
+              <a:t>[4][];</a:t>
+            </a:r>
+          </a:p>
+          <a:p>
+            <a:pPr marL="0" indent="0">
+              <a:buNone/>
+            </a:pPr>
+            <a:r>
+              <a:rPr lang="bg-BG" sz="1800" dirty="0">
+                <a:solidFill>
+                  <a:srgbClr val="000000"/>
+                </a:solidFill>
+                <a:latin typeface="Cascadia Mono" panose="020B0609020000020004" pitchFamily="49" charset="0"/>
+              </a:rPr>
+              <a:t>           </a:t>
+            </a:r>
+          </a:p>
+          <a:p>
+            <a:pPr marL="0" indent="0">
+              <a:buNone/>
+            </a:pPr>
+            <a:r>
+              <a:rPr lang="en-US" sz="1800" dirty="0" err="1">
+                <a:solidFill>
+                  <a:srgbClr val="000000"/>
+                </a:solidFill>
+                <a:latin typeface="Cascadia Mono" panose="020B0609020000020004" pitchFamily="49" charset="0"/>
+              </a:rPr>
+              <a:t>jaggedArray</a:t>
+            </a:r>
+            <a:r>
+              <a:rPr lang="en-US" sz="1800" dirty="0">
+                <a:solidFill>
+                  <a:srgbClr val="000000"/>
+                </a:solidFill>
+                <a:latin typeface="Cascadia Mono" panose="020B0609020000020004" pitchFamily="49" charset="0"/>
+              </a:rPr>
+              <a:t>[0] = </a:t>
+            </a:r>
+            <a:r>
+              <a:rPr lang="en-US" sz="1800" dirty="0">
+                <a:solidFill>
+                  <a:srgbClr val="00B050"/>
+                </a:solidFill>
+                <a:latin typeface="Cascadia Mono" panose="020B0609020000020004" pitchFamily="49" charset="0"/>
+              </a:rPr>
+              <a:t>new</a:t>
+            </a:r>
+            <a:r>
+              <a:rPr lang="en-US" sz="1800" dirty="0">
+                <a:solidFill>
+                  <a:srgbClr val="000000"/>
+                </a:solidFill>
+                <a:latin typeface="Cascadia Mono" panose="020B0609020000020004" pitchFamily="49" charset="0"/>
+              </a:rPr>
+              <a:t> </a:t>
+            </a:r>
+            <a:r>
+              <a:rPr lang="en-US" sz="1800" dirty="0">
+                <a:solidFill>
+                  <a:srgbClr val="0070C0"/>
+                </a:solidFill>
+                <a:latin typeface="Cascadia Mono" panose="020B0609020000020004" pitchFamily="49" charset="0"/>
+              </a:rPr>
+              <a:t>int</a:t>
+            </a:r>
+            <a:r>
+              <a:rPr lang="en-US" sz="1800" dirty="0">
+                <a:solidFill>
+                  <a:srgbClr val="000000"/>
+                </a:solidFill>
+                <a:latin typeface="Cascadia Mono" panose="020B0609020000020004" pitchFamily="49" charset="0"/>
+              </a:rPr>
+              <a:t>[] { 1, 2, 3, 4 };           </a:t>
+            </a:r>
+          </a:p>
+          <a:p>
+            <a:pPr marL="0" indent="0">
+              <a:buNone/>
+            </a:pPr>
+            <a:r>
+              <a:rPr lang="en-US" sz="1800" dirty="0" err="1">
+                <a:solidFill>
+                  <a:srgbClr val="000000"/>
+                </a:solidFill>
+                <a:latin typeface="Cascadia Mono" panose="020B0609020000020004" pitchFamily="49" charset="0"/>
+              </a:rPr>
+              <a:t>jaggedArray</a:t>
+            </a:r>
+            <a:r>
+              <a:rPr lang="en-US" sz="1800" dirty="0">
+                <a:solidFill>
+                  <a:srgbClr val="000000"/>
+                </a:solidFill>
+                <a:latin typeface="Cascadia Mono" panose="020B0609020000020004" pitchFamily="49" charset="0"/>
+              </a:rPr>
+              <a:t>[1] = </a:t>
+            </a:r>
+            <a:r>
+              <a:rPr lang="en-US" sz="1800" dirty="0">
+                <a:solidFill>
+                  <a:srgbClr val="00B050"/>
+                </a:solidFill>
+                <a:latin typeface="Cascadia Mono" panose="020B0609020000020004" pitchFamily="49" charset="0"/>
+              </a:rPr>
+              <a:t>new</a:t>
+            </a:r>
+            <a:r>
+              <a:rPr lang="en-US" sz="1800" dirty="0">
+                <a:solidFill>
+                  <a:srgbClr val="000000"/>
+                </a:solidFill>
+                <a:latin typeface="Cascadia Mono" panose="020B0609020000020004" pitchFamily="49" charset="0"/>
+              </a:rPr>
+              <a:t> </a:t>
+            </a:r>
+            <a:r>
+              <a:rPr lang="en-US" sz="1800" dirty="0">
+                <a:solidFill>
+                  <a:srgbClr val="0070C0"/>
+                </a:solidFill>
+                <a:latin typeface="Cascadia Mono" panose="020B0609020000020004" pitchFamily="49" charset="0"/>
+              </a:rPr>
+              <a:t>int</a:t>
+            </a:r>
+            <a:r>
+              <a:rPr lang="en-US" sz="1800" dirty="0">
+                <a:solidFill>
+                  <a:srgbClr val="000000"/>
+                </a:solidFill>
+                <a:latin typeface="Cascadia Mono" panose="020B0609020000020004" pitchFamily="49" charset="0"/>
+              </a:rPr>
+              <a:t>[] { 5, 6 };</a:t>
+            </a:r>
+          </a:p>
+          <a:p>
+            <a:pPr marL="0" indent="0">
+              <a:buNone/>
+            </a:pPr>
+            <a:r>
+              <a:rPr lang="en-US" sz="1800" dirty="0" err="1">
+                <a:solidFill>
+                  <a:srgbClr val="000000"/>
+                </a:solidFill>
+                <a:latin typeface="Cascadia Mono" panose="020B0609020000020004" pitchFamily="49" charset="0"/>
+              </a:rPr>
+              <a:t>jaggedArray</a:t>
+            </a:r>
+            <a:r>
+              <a:rPr lang="en-US" sz="1800" dirty="0">
+                <a:solidFill>
+                  <a:srgbClr val="000000"/>
+                </a:solidFill>
+                <a:latin typeface="Cascadia Mono" panose="020B0609020000020004" pitchFamily="49" charset="0"/>
+              </a:rPr>
+              <a:t>[2] = </a:t>
+            </a:r>
+            <a:r>
+              <a:rPr lang="en-US" sz="1800" dirty="0">
+                <a:solidFill>
+                  <a:srgbClr val="00B050"/>
+                </a:solidFill>
+                <a:latin typeface="Cascadia Mono" panose="020B0609020000020004" pitchFamily="49" charset="0"/>
+              </a:rPr>
+              <a:t>new</a:t>
+            </a:r>
+            <a:r>
+              <a:rPr lang="en-US" sz="1800" dirty="0">
+                <a:solidFill>
+                  <a:srgbClr val="000000"/>
+                </a:solidFill>
+                <a:latin typeface="Cascadia Mono" panose="020B0609020000020004" pitchFamily="49" charset="0"/>
+              </a:rPr>
+              <a:t> </a:t>
+            </a:r>
+            <a:r>
+              <a:rPr lang="en-US" sz="1800" dirty="0">
+                <a:solidFill>
+                  <a:srgbClr val="0070C0"/>
+                </a:solidFill>
+                <a:latin typeface="Cascadia Mono" panose="020B0609020000020004" pitchFamily="49" charset="0"/>
+              </a:rPr>
+              <a:t>int</a:t>
+            </a:r>
+            <a:r>
+              <a:rPr lang="en-US" sz="1800" dirty="0">
+                <a:solidFill>
+                  <a:srgbClr val="000000"/>
+                </a:solidFill>
+                <a:latin typeface="Cascadia Mono" panose="020B0609020000020004" pitchFamily="49" charset="0"/>
+              </a:rPr>
+              <a:t>[] { 7, 8, 9 };         </a:t>
+            </a:r>
+          </a:p>
+          <a:p>
+            <a:pPr marL="0" indent="0">
+              <a:buNone/>
+            </a:pPr>
+            <a:r>
+              <a:rPr lang="en-US" sz="1800" dirty="0" err="1">
+                <a:solidFill>
+                  <a:srgbClr val="000000"/>
+                </a:solidFill>
+                <a:latin typeface="Cascadia Mono" panose="020B0609020000020004" pitchFamily="49" charset="0"/>
+              </a:rPr>
+              <a:t>jaggedArray</a:t>
+            </a:r>
+            <a:r>
+              <a:rPr lang="en-US" sz="1800" dirty="0">
+                <a:solidFill>
+                  <a:srgbClr val="000000"/>
+                </a:solidFill>
+                <a:latin typeface="Cascadia Mono" panose="020B0609020000020004" pitchFamily="49" charset="0"/>
+              </a:rPr>
+              <a:t>[3] = </a:t>
+            </a:r>
+            <a:r>
+              <a:rPr lang="en-US" sz="1800" dirty="0">
+                <a:solidFill>
+                  <a:srgbClr val="00B050"/>
+                </a:solidFill>
+                <a:latin typeface="Cascadia Mono" panose="020B0609020000020004" pitchFamily="49" charset="0"/>
+              </a:rPr>
+              <a:t>new</a:t>
+            </a:r>
+            <a:r>
+              <a:rPr lang="en-US" sz="1800" dirty="0">
+                <a:solidFill>
+                  <a:srgbClr val="000000"/>
+                </a:solidFill>
+                <a:latin typeface="Cascadia Mono" panose="020B0609020000020004" pitchFamily="49" charset="0"/>
+              </a:rPr>
+              <a:t> </a:t>
+            </a:r>
+            <a:r>
+              <a:rPr lang="en-US" sz="1800" dirty="0">
+                <a:solidFill>
+                  <a:srgbClr val="0070C0"/>
+                </a:solidFill>
+                <a:latin typeface="Cascadia Mono" panose="020B0609020000020004" pitchFamily="49" charset="0"/>
+              </a:rPr>
+              <a:t>int</a:t>
+            </a:r>
+            <a:r>
+              <a:rPr lang="en-US" sz="1800" dirty="0">
+                <a:solidFill>
+                  <a:srgbClr val="000000"/>
+                </a:solidFill>
+                <a:latin typeface="Cascadia Mono" panose="020B0609020000020004" pitchFamily="49" charset="0"/>
+              </a:rPr>
+              <a:t>[] { 10, 11, 12, 13, 14 };</a:t>
+            </a:r>
+            <a:endParaRPr lang="bg-BG" dirty="0"/>
+          </a:p>
+        </p:txBody>
+      </p:sp>
+    </p:spTree>
+    <p:extLst>
+      <p:ext uri="{BB962C8B-B14F-4D97-AF65-F5344CB8AC3E}">
+        <p14:creationId xmlns:p14="http://schemas.microsoft.com/office/powerpoint/2010/main" val="83574577"/>
+      </p:ext>
+    </p:extLst>
+  </p:cSld>
+  <p:clrMapOvr>
+    <a:masterClrMapping/>
+  </p:clrMapOvr>
+</p:sld>
+</file>
+
+<file path=ppt/slides/slide23.xml><?xml version="1.0" encoding="utf-8"?>
+<p:sld xmlns:a="http://schemas.openxmlformats.org/drawingml/2006/main" xmlns:r="http://schemas.openxmlformats.org/officeDocument/2006/relationships" xmlns:p="http://schemas.openxmlformats.org/presentationml/2006/main">
+  <p:cSld>
+    <p:spTree>
+      <p:nvGrpSpPr>
+        <p:cNvPr id="1" name=""/>
+        <p:cNvGrpSpPr/>
+        <p:nvPr/>
+      </p:nvGrpSpPr>
+      <p:grpSpPr>
+        <a:xfrm>
+          <a:off x="0" y="0"/>
+          <a:ext cx="0" cy="0"/>
+          <a:chOff x="0" y="0"/>
+          <a:chExt cx="0" cy="0"/>
+        </a:xfrm>
+      </p:grpSpPr>
+      <p:sp>
+        <p:nvSpPr>
+          <p:cNvPr id="2" name="Title 1">
+            <a:extLst>
+              <a:ext uri="{FF2B5EF4-FFF2-40B4-BE49-F238E27FC236}">
+                <a16:creationId xmlns:a16="http://schemas.microsoft.com/office/drawing/2014/main" id="{01F81551-A5C7-C31E-3021-68EC694146C6}"/>
+              </a:ext>
+            </a:extLst>
+          </p:cNvPr>
+          <p:cNvSpPr>
+            <a:spLocks noGrp="1"/>
+          </p:cNvSpPr>
+          <p:nvPr>
+            <p:ph type="title"/>
+          </p:nvPr>
+        </p:nvSpPr>
+        <p:spPr>
+          <a:xfrm>
+            <a:off x="1089050" y="957193"/>
+            <a:ext cx="8761413" cy="706964"/>
+          </a:xfrm>
+        </p:spPr>
+        <p:txBody>
+          <a:bodyPr/>
+          <a:lstStyle/>
+          <a:p>
+            <a:pPr algn="ctr"/>
+            <a:r>
+              <a:rPr lang="bg-BG" dirty="0">
+                <a:latin typeface="Arial" panose="020B0604020202020204" pitchFamily="34" charset="0"/>
+                <a:cs typeface="Arial" panose="020B0604020202020204" pitchFamily="34" charset="0"/>
+              </a:rPr>
+              <a:t>Достъпване на елементите на </a:t>
+            </a:r>
+            <a:r>
+              <a:rPr lang="en-US" dirty="0">
+                <a:latin typeface="Arial" panose="020B0604020202020204" pitchFamily="34" charset="0"/>
+                <a:cs typeface="Arial" panose="020B0604020202020204" pitchFamily="34" charset="0"/>
+              </a:rPr>
+              <a:t>jagged array (</a:t>
+            </a:r>
+            <a:r>
+              <a:rPr lang="bg-BG" dirty="0">
+                <a:latin typeface="Arial" panose="020B0604020202020204" pitchFamily="34" charset="0"/>
+                <a:cs typeface="Arial" panose="020B0604020202020204" pitchFamily="34" charset="0"/>
+              </a:rPr>
+              <a:t>назъбен масив</a:t>
+            </a:r>
+            <a:r>
+              <a:rPr lang="en-US" dirty="0">
+                <a:latin typeface="Arial" panose="020B0604020202020204" pitchFamily="34" charset="0"/>
+                <a:cs typeface="Arial" panose="020B0604020202020204" pitchFamily="34" charset="0"/>
+              </a:rPr>
+              <a:t>)</a:t>
+            </a:r>
+            <a:endParaRPr lang="bg-BG" dirty="0">
+              <a:latin typeface="Arial" panose="020B0604020202020204" pitchFamily="34" charset="0"/>
+              <a:cs typeface="Arial" panose="020B0604020202020204" pitchFamily="34" charset="0"/>
+            </a:endParaRPr>
+          </a:p>
+        </p:txBody>
+      </p:sp>
+      <p:sp>
+        <p:nvSpPr>
+          <p:cNvPr id="3" name="Content Placeholder 2">
+            <a:extLst>
+              <a:ext uri="{FF2B5EF4-FFF2-40B4-BE49-F238E27FC236}">
+                <a16:creationId xmlns:a16="http://schemas.microsoft.com/office/drawing/2014/main" id="{7F117536-7514-339C-E721-833B1C879E29}"/>
+              </a:ext>
+            </a:extLst>
+          </p:cNvPr>
+          <p:cNvSpPr>
+            <a:spLocks noGrp="1"/>
+          </p:cNvSpPr>
+          <p:nvPr>
+            <p:ph idx="1"/>
+          </p:nvPr>
+        </p:nvSpPr>
+        <p:spPr/>
+        <p:txBody>
+          <a:bodyPr/>
+          <a:lstStyle/>
+          <a:p>
+            <a:pPr marL="0" indent="0">
+              <a:buNone/>
+            </a:pPr>
+            <a:r>
+              <a:rPr lang="en-US" sz="1800" dirty="0">
+                <a:solidFill>
+                  <a:srgbClr val="000000"/>
+                </a:solidFill>
+                <a:latin typeface="Cascadia Mono" panose="020B0609020000020004" pitchFamily="49" charset="0"/>
+              </a:rPr>
+              <a:t> </a:t>
+            </a:r>
+            <a:r>
+              <a:rPr lang="en-US" dirty="0" err="1">
+                <a:solidFill>
+                  <a:srgbClr val="000000"/>
+                </a:solidFill>
+                <a:latin typeface="Cascadia Mono" panose="020B0609020000020004" pitchFamily="49" charset="0"/>
+              </a:rPr>
+              <a:t>j</a:t>
+            </a:r>
+            <a:r>
+              <a:rPr lang="en-US" sz="1800" dirty="0" err="1">
+                <a:solidFill>
+                  <a:srgbClr val="000000"/>
+                </a:solidFill>
+                <a:latin typeface="Cascadia Mono" panose="020B0609020000020004" pitchFamily="49" charset="0"/>
+              </a:rPr>
+              <a:t>aggedArray</a:t>
+            </a:r>
+            <a:r>
+              <a:rPr lang="en-US" sz="1800" dirty="0">
+                <a:solidFill>
+                  <a:srgbClr val="000000"/>
+                </a:solidFill>
+                <a:latin typeface="Cascadia Mono" panose="020B0609020000020004" pitchFamily="49" charset="0"/>
+              </a:rPr>
+              <a:t>[0][0] = 100;</a:t>
+            </a:r>
+          </a:p>
+          <a:p>
+            <a:pPr marL="0" indent="0">
+              <a:buNone/>
+            </a:pPr>
+            <a:r>
+              <a:rPr lang="en-US" sz="1800" dirty="0">
+                <a:solidFill>
+                  <a:srgbClr val="000000"/>
+                </a:solidFill>
+                <a:latin typeface="Cascadia Mono" panose="020B0609020000020004" pitchFamily="49" charset="0"/>
+              </a:rPr>
+              <a:t> </a:t>
+            </a:r>
+            <a:r>
+              <a:rPr lang="en-US" dirty="0" err="1">
+                <a:solidFill>
+                  <a:srgbClr val="000000"/>
+                </a:solidFill>
+                <a:latin typeface="Cascadia Mono" panose="020B0609020000020004" pitchFamily="49" charset="0"/>
+              </a:rPr>
+              <a:t>j</a:t>
+            </a:r>
+            <a:r>
+              <a:rPr lang="en-US" sz="1800" dirty="0" err="1">
+                <a:solidFill>
+                  <a:srgbClr val="000000"/>
+                </a:solidFill>
+                <a:latin typeface="Cascadia Mono" panose="020B0609020000020004" pitchFamily="49" charset="0"/>
+              </a:rPr>
+              <a:t>aggedArray</a:t>
+            </a:r>
+            <a:r>
+              <a:rPr lang="en-US" sz="1800" dirty="0">
+                <a:solidFill>
+                  <a:srgbClr val="000000"/>
+                </a:solidFill>
+                <a:latin typeface="Cascadia Mono" panose="020B0609020000020004" pitchFamily="49" charset="0"/>
+              </a:rPr>
+              <a:t>[2][3] = 55;</a:t>
+            </a:r>
+            <a:endParaRPr lang="bg-BG" sz="1800" dirty="0">
+              <a:solidFill>
+                <a:srgbClr val="000000"/>
+              </a:solidFill>
+              <a:latin typeface="Cascadia Mono" panose="020B0609020000020004" pitchFamily="49" charset="0"/>
+            </a:endParaRPr>
+          </a:p>
+          <a:p>
+            <a:pPr marL="0" indent="0">
+              <a:buNone/>
+            </a:pPr>
+            <a:endParaRPr lang="bg-BG" dirty="0">
+              <a:solidFill>
+                <a:srgbClr val="000000"/>
+              </a:solidFill>
+              <a:latin typeface="Cascadia Mono" panose="020B0609020000020004" pitchFamily="49" charset="0"/>
+            </a:endParaRPr>
+          </a:p>
+          <a:p>
+            <a:pPr marL="0" indent="0">
+              <a:buNone/>
+            </a:pPr>
+            <a:r>
+              <a:rPr lang="bg-BG" b="1" i="1" u="sng" dirty="0">
+                <a:solidFill>
+                  <a:srgbClr val="FF0000"/>
+                </a:solidFill>
+                <a:latin typeface="Arial" panose="020B0604020202020204" pitchFamily="34" charset="0"/>
+                <a:cs typeface="Arial" panose="020B0604020202020204" pitchFamily="34" charset="0"/>
+              </a:rPr>
+              <a:t>Внимание: </a:t>
+            </a:r>
+            <a:r>
+              <a:rPr lang="bg-BG" dirty="0">
+                <a:solidFill>
+                  <a:srgbClr val="000000"/>
+                </a:solidFill>
+                <a:latin typeface="Arial" panose="020B0604020202020204" pitchFamily="34" charset="0"/>
+                <a:cs typeface="Arial" panose="020B0604020202020204" pitchFamily="34" charset="0"/>
+              </a:rPr>
+              <a:t>Трябва да бъдете внимателни, когато искате да достъпите елемент на конкретен индекс в назъбения масив, тъй като различните масиви</a:t>
+            </a:r>
+            <a:r>
+              <a:rPr lang="en-US" dirty="0">
+                <a:solidFill>
+                  <a:srgbClr val="000000"/>
+                </a:solidFill>
+                <a:latin typeface="Arial" panose="020B0604020202020204" pitchFamily="34" charset="0"/>
+                <a:cs typeface="Arial" panose="020B0604020202020204" pitchFamily="34" charset="0"/>
+              </a:rPr>
+              <a:t> </a:t>
+            </a:r>
+            <a:r>
+              <a:rPr lang="bg-BG" dirty="0">
+                <a:solidFill>
+                  <a:srgbClr val="000000"/>
+                </a:solidFill>
+                <a:latin typeface="Arial" panose="020B0604020202020204" pitchFamily="34" charset="0"/>
+                <a:cs typeface="Arial" panose="020B0604020202020204" pitchFamily="34" charset="0"/>
+              </a:rPr>
+              <a:t>в общия масив имат различна размерност.</a:t>
+            </a:r>
+          </a:p>
+          <a:p>
+            <a:pPr marL="0" indent="0">
+              <a:buNone/>
+            </a:pPr>
+            <a:r>
+              <a:rPr lang="bg-BG" dirty="0">
+                <a:solidFill>
+                  <a:srgbClr val="000000"/>
+                </a:solidFill>
+                <a:latin typeface="Arial" panose="020B0604020202020204" pitchFamily="34" charset="0"/>
+                <a:cs typeface="Arial" panose="020B0604020202020204" pitchFamily="34" charset="0"/>
+              </a:rPr>
+              <a:t>Ако се опитате да достъпите елемент на несъществуващ индекс, то ще получите </a:t>
+            </a:r>
+            <a:r>
+              <a:rPr lang="en-US" b="1" dirty="0">
+                <a:solidFill>
+                  <a:srgbClr val="000000"/>
+                </a:solidFill>
+                <a:latin typeface="Arial" panose="020B0604020202020204" pitchFamily="34" charset="0"/>
+                <a:cs typeface="Arial" panose="020B0604020202020204" pitchFamily="34" charset="0"/>
+              </a:rPr>
+              <a:t>Exception</a:t>
+            </a:r>
+            <a:r>
+              <a:rPr lang="en-US" dirty="0">
+                <a:solidFill>
+                  <a:srgbClr val="000000"/>
+                </a:solidFill>
+                <a:latin typeface="Arial" panose="020B0604020202020204" pitchFamily="34" charset="0"/>
+                <a:cs typeface="Arial" panose="020B0604020202020204" pitchFamily="34" charset="0"/>
+              </a:rPr>
+              <a:t>.</a:t>
+            </a:r>
+            <a:endParaRPr lang="bg-BG" dirty="0">
+              <a:latin typeface="Arial" panose="020B0604020202020204" pitchFamily="34" charset="0"/>
+              <a:cs typeface="Arial" panose="020B0604020202020204" pitchFamily="34" charset="0"/>
+            </a:endParaRPr>
+          </a:p>
+        </p:txBody>
+      </p:sp>
+    </p:spTree>
+    <p:extLst>
+      <p:ext uri="{BB962C8B-B14F-4D97-AF65-F5344CB8AC3E}">
+        <p14:creationId xmlns:p14="http://schemas.microsoft.com/office/powerpoint/2010/main" val="767949395"/>
+      </p:ext>
+    </p:extLst>
+  </p:cSld>
+  <p:clrMapOvr>
+    <a:masterClrMapping/>
+  </p:clrMapOvr>
+</p:sld>
+</file>
+
+<file path=ppt/slides/slide24.xml><?xml version="1.0" encoding="utf-8"?>
+<p:sld xmlns:a="http://schemas.openxmlformats.org/drawingml/2006/main" xmlns:r="http://schemas.openxmlformats.org/officeDocument/2006/relationships" xmlns:p="http://schemas.openxmlformats.org/presentationml/2006/main">
+  <p:cSld>
+    <p:spTree>
+      <p:nvGrpSpPr>
+        <p:cNvPr id="1" name=""/>
+        <p:cNvGrpSpPr/>
+        <p:nvPr/>
+      </p:nvGrpSpPr>
+      <p:grpSpPr>
+        <a:xfrm>
+          <a:off x="0" y="0"/>
+          <a:ext cx="0" cy="0"/>
+          <a:chOff x="0" y="0"/>
+          <a:chExt cx="0" cy="0"/>
+        </a:xfrm>
+      </p:grpSpPr>
+      <p:sp>
+        <p:nvSpPr>
+          <p:cNvPr id="2" name="Title 1">
+            <a:extLst>
+              <a:ext uri="{FF2B5EF4-FFF2-40B4-BE49-F238E27FC236}">
+                <a16:creationId xmlns:a16="http://schemas.microsoft.com/office/drawing/2014/main" id="{D038EEBE-8B5F-1D64-768B-527168C70C4A}"/>
+              </a:ext>
+            </a:extLst>
+          </p:cNvPr>
+          <p:cNvSpPr>
+            <a:spLocks noGrp="1"/>
+          </p:cNvSpPr>
+          <p:nvPr>
+            <p:ph type="title"/>
+          </p:nvPr>
+        </p:nvSpPr>
+        <p:spPr>
+          <a:xfrm>
+            <a:off x="1154953" y="973668"/>
+            <a:ext cx="8761413" cy="945748"/>
+          </a:xfrm>
+        </p:spPr>
+        <p:txBody>
+          <a:bodyPr/>
+          <a:lstStyle/>
+          <a:p>
+            <a:pPr algn="ctr"/>
+            <a:r>
+              <a:rPr lang="bg-BG" dirty="0">
+                <a:latin typeface="Arial" panose="020B0604020202020204" pitchFamily="34" charset="0"/>
+                <a:cs typeface="Arial" panose="020B0604020202020204" pitchFamily="34" charset="0"/>
+              </a:rPr>
+              <a:t>Принтиране на елементите на назъбен масив</a:t>
+            </a:r>
+          </a:p>
+        </p:txBody>
+      </p:sp>
+      <p:sp>
+        <p:nvSpPr>
+          <p:cNvPr id="3" name="Content Placeholder 2">
+            <a:extLst>
+              <a:ext uri="{FF2B5EF4-FFF2-40B4-BE49-F238E27FC236}">
+                <a16:creationId xmlns:a16="http://schemas.microsoft.com/office/drawing/2014/main" id="{77E3F4AA-BDAC-ACFF-9679-0712CC7A3F32}"/>
+              </a:ext>
+            </a:extLst>
+          </p:cNvPr>
+          <p:cNvSpPr>
+            <a:spLocks noGrp="1"/>
+          </p:cNvSpPr>
+          <p:nvPr>
+            <p:ph idx="1"/>
+          </p:nvPr>
+        </p:nvSpPr>
+        <p:spPr/>
+        <p:txBody>
+          <a:bodyPr>
+            <a:normAutofit lnSpcReduction="10000"/>
+          </a:bodyPr>
+          <a:lstStyle/>
+          <a:p>
+            <a:pPr marL="0" indent="0">
+              <a:buNone/>
+            </a:pPr>
+            <a:r>
+              <a:rPr lang="en-US" sz="1800" dirty="0">
+                <a:solidFill>
+                  <a:srgbClr val="000000"/>
+                </a:solidFill>
+                <a:latin typeface="Cascadia Mono" panose="020B0609020000020004" pitchFamily="49" charset="0"/>
+              </a:rPr>
+              <a:t> </a:t>
+            </a:r>
+            <a:r>
+              <a:rPr lang="en-US" sz="1800" dirty="0">
+                <a:solidFill>
+                  <a:srgbClr val="7030A0"/>
+                </a:solidFill>
+                <a:latin typeface="Cascadia Mono" panose="020B0609020000020004" pitchFamily="49" charset="0"/>
+              </a:rPr>
+              <a:t>for</a:t>
+            </a:r>
+            <a:r>
+              <a:rPr lang="en-US" sz="1800" dirty="0">
+                <a:solidFill>
+                  <a:srgbClr val="000000"/>
+                </a:solidFill>
+                <a:latin typeface="Cascadia Mono" panose="020B0609020000020004" pitchFamily="49" charset="0"/>
+              </a:rPr>
+              <a:t> (int row = 0; row &lt; </a:t>
+            </a:r>
+            <a:r>
+              <a:rPr lang="en-US" sz="1800" dirty="0" err="1">
+                <a:solidFill>
+                  <a:srgbClr val="000000"/>
+                </a:solidFill>
+                <a:latin typeface="Cascadia Mono" panose="020B0609020000020004" pitchFamily="49" charset="0"/>
+              </a:rPr>
+              <a:t>jaggedArray.</a:t>
+            </a:r>
+            <a:r>
+              <a:rPr lang="en-US" sz="1800" dirty="0" err="1">
+                <a:solidFill>
+                  <a:schemeClr val="tx2">
+                    <a:lumMod val="60000"/>
+                    <a:lumOff val="40000"/>
+                  </a:schemeClr>
+                </a:solidFill>
+                <a:latin typeface="Cascadia Mono" panose="020B0609020000020004" pitchFamily="49" charset="0"/>
+              </a:rPr>
+              <a:t>Length</a:t>
+            </a:r>
+            <a:r>
+              <a:rPr lang="en-US" sz="1800" dirty="0">
+                <a:solidFill>
+                  <a:srgbClr val="000000"/>
+                </a:solidFill>
+                <a:latin typeface="Cascadia Mono" panose="020B0609020000020004" pitchFamily="49" charset="0"/>
+              </a:rPr>
+              <a:t>; row++)</a:t>
+            </a:r>
+          </a:p>
+          <a:p>
+            <a:pPr marL="0" indent="0">
+              <a:buNone/>
+            </a:pPr>
+            <a:r>
+              <a:rPr lang="bg-BG" sz="1800" dirty="0">
+                <a:solidFill>
+                  <a:srgbClr val="000000"/>
+                </a:solidFill>
+                <a:latin typeface="Cascadia Mono" panose="020B0609020000020004" pitchFamily="49" charset="0"/>
+              </a:rPr>
+              <a:t> {</a:t>
+            </a:r>
+          </a:p>
+          <a:p>
+            <a:pPr marL="0" indent="0">
+              <a:buNone/>
+            </a:pPr>
+            <a:r>
+              <a:rPr lang="en-US" sz="1800" dirty="0">
+                <a:solidFill>
+                  <a:srgbClr val="000000"/>
+                </a:solidFill>
+                <a:latin typeface="Cascadia Mono" panose="020B0609020000020004" pitchFamily="49" charset="0"/>
+              </a:rPr>
+              <a:t>     </a:t>
+            </a:r>
+            <a:r>
+              <a:rPr lang="en-US" sz="1800" dirty="0">
+                <a:solidFill>
+                  <a:srgbClr val="7030A0"/>
+                </a:solidFill>
+                <a:latin typeface="Cascadia Mono" panose="020B0609020000020004" pitchFamily="49" charset="0"/>
+              </a:rPr>
+              <a:t>for</a:t>
+            </a:r>
+            <a:r>
+              <a:rPr lang="en-US" sz="1800" dirty="0">
+                <a:solidFill>
+                  <a:srgbClr val="000000"/>
+                </a:solidFill>
+                <a:latin typeface="Cascadia Mono" panose="020B0609020000020004" pitchFamily="49" charset="0"/>
+              </a:rPr>
+              <a:t> (int col = 0; col &lt; </a:t>
+            </a:r>
+            <a:r>
+              <a:rPr lang="en-US" sz="1800" dirty="0" err="1">
+                <a:solidFill>
+                  <a:srgbClr val="000000"/>
+                </a:solidFill>
+                <a:latin typeface="Cascadia Mono" panose="020B0609020000020004" pitchFamily="49" charset="0"/>
+              </a:rPr>
+              <a:t>jaggedArray</a:t>
+            </a:r>
+            <a:r>
+              <a:rPr lang="en-US" sz="1800">
+                <a:solidFill>
+                  <a:srgbClr val="000000"/>
+                </a:solidFill>
+                <a:latin typeface="Cascadia Mono" panose="020B0609020000020004" pitchFamily="49" charset="0"/>
+              </a:rPr>
+              <a:t>[</a:t>
+            </a:r>
+            <a:r>
+              <a:rPr lang="en-US">
+                <a:solidFill>
+                  <a:srgbClr val="000000"/>
+                </a:solidFill>
+                <a:latin typeface="Cascadia Mono" panose="020B0609020000020004" pitchFamily="49" charset="0"/>
+              </a:rPr>
+              <a:t>ro</a:t>
+            </a:r>
+            <a:r>
+              <a:rPr lang="en-US" dirty="0">
+                <a:solidFill>
+                  <a:srgbClr val="000000"/>
+                </a:solidFill>
+                <a:latin typeface="Cascadia Mono" panose="020B0609020000020004" pitchFamily="49" charset="0"/>
+              </a:rPr>
+              <a:t>w</a:t>
+            </a:r>
+            <a:r>
+              <a:rPr lang="en-US" sz="1800">
+                <a:solidFill>
+                  <a:srgbClr val="000000"/>
+                </a:solidFill>
+                <a:latin typeface="Cascadia Mono" panose="020B0609020000020004" pitchFamily="49" charset="0"/>
+              </a:rPr>
+              <a:t>].</a:t>
+            </a:r>
+            <a:r>
+              <a:rPr lang="en-US" sz="1800" dirty="0">
+                <a:solidFill>
+                  <a:srgbClr val="00B0F0"/>
+                </a:solidFill>
+                <a:latin typeface="Cascadia Mono" panose="020B0609020000020004" pitchFamily="49" charset="0"/>
+              </a:rPr>
+              <a:t>Length</a:t>
+            </a:r>
+            <a:r>
+              <a:rPr lang="en-US" sz="1800" dirty="0">
+                <a:solidFill>
+                  <a:srgbClr val="000000"/>
+                </a:solidFill>
+                <a:latin typeface="Cascadia Mono" panose="020B0609020000020004" pitchFamily="49" charset="0"/>
+              </a:rPr>
+              <a:t>; col++)</a:t>
+            </a:r>
+          </a:p>
+          <a:p>
+            <a:pPr marL="0" indent="0">
+              <a:buNone/>
+            </a:pPr>
+            <a:r>
+              <a:rPr lang="bg-BG" sz="1800" dirty="0">
+                <a:solidFill>
+                  <a:srgbClr val="000000"/>
+                </a:solidFill>
+                <a:latin typeface="Cascadia Mono" panose="020B0609020000020004" pitchFamily="49" charset="0"/>
+              </a:rPr>
+              <a:t>     {</a:t>
+            </a:r>
+          </a:p>
+          <a:p>
+            <a:pPr marL="0" indent="0">
+              <a:buNone/>
+            </a:pPr>
+            <a:r>
+              <a:rPr lang="en-US" sz="1800" dirty="0">
+                <a:solidFill>
+                  <a:srgbClr val="000000"/>
+                </a:solidFill>
+                <a:latin typeface="Cascadia Mono" panose="020B0609020000020004" pitchFamily="49" charset="0"/>
+              </a:rPr>
+              <a:t>         </a:t>
+            </a:r>
+            <a:r>
+              <a:rPr lang="en-US" sz="1800" dirty="0" err="1">
+                <a:solidFill>
+                  <a:schemeClr val="accent3">
+                    <a:lumMod val="75000"/>
+                  </a:schemeClr>
+                </a:solidFill>
+                <a:latin typeface="Cascadia Mono" panose="020B0609020000020004" pitchFamily="49" charset="0"/>
+              </a:rPr>
+              <a:t>Console</a:t>
+            </a:r>
+            <a:r>
+              <a:rPr lang="en-US" sz="1800" dirty="0" err="1">
+                <a:solidFill>
+                  <a:srgbClr val="000000"/>
+                </a:solidFill>
+                <a:latin typeface="Cascadia Mono" panose="020B0609020000020004" pitchFamily="49" charset="0"/>
+              </a:rPr>
+              <a:t>.</a:t>
+            </a:r>
+            <a:r>
+              <a:rPr lang="en-US" sz="1800" dirty="0" err="1">
+                <a:solidFill>
+                  <a:srgbClr val="0070C0"/>
+                </a:solidFill>
+                <a:latin typeface="Cascadia Mono" panose="020B0609020000020004" pitchFamily="49" charset="0"/>
+              </a:rPr>
+              <a:t>Write</a:t>
+            </a:r>
+            <a:r>
+              <a:rPr lang="en-US" sz="1800" dirty="0">
+                <a:solidFill>
+                  <a:srgbClr val="000000"/>
+                </a:solidFill>
+                <a:latin typeface="Cascadia Mono" panose="020B0609020000020004" pitchFamily="49" charset="0"/>
+              </a:rPr>
+              <a:t>(</a:t>
+            </a:r>
+            <a:r>
+              <a:rPr lang="en-US" sz="1800" dirty="0" err="1">
+                <a:solidFill>
+                  <a:srgbClr val="000000"/>
+                </a:solidFill>
+                <a:latin typeface="Cascadia Mono" panose="020B0609020000020004" pitchFamily="49" charset="0"/>
+              </a:rPr>
+              <a:t>jaggedArray</a:t>
+            </a:r>
+            <a:r>
+              <a:rPr lang="en-US" sz="1800" dirty="0">
+                <a:solidFill>
+                  <a:srgbClr val="000000"/>
+                </a:solidFill>
+                <a:latin typeface="Cascadia Mono" panose="020B0609020000020004" pitchFamily="49" charset="0"/>
+              </a:rPr>
+              <a:t>[</a:t>
+            </a:r>
+            <a:r>
+              <a:rPr lang="en-US" dirty="0">
+                <a:solidFill>
+                  <a:srgbClr val="000000"/>
+                </a:solidFill>
+                <a:latin typeface="Cascadia Mono" panose="020B0609020000020004" pitchFamily="49" charset="0"/>
+              </a:rPr>
+              <a:t>row</a:t>
+            </a:r>
+            <a:r>
+              <a:rPr lang="en-US" sz="1800" dirty="0">
+                <a:solidFill>
+                  <a:srgbClr val="000000"/>
+                </a:solidFill>
+                <a:latin typeface="Cascadia Mono" panose="020B0609020000020004" pitchFamily="49" charset="0"/>
+              </a:rPr>
+              <a:t>][</a:t>
+            </a:r>
+            <a:r>
+              <a:rPr lang="en-US" dirty="0">
+                <a:solidFill>
+                  <a:srgbClr val="000000"/>
+                </a:solidFill>
+                <a:latin typeface="Cascadia Mono" panose="020B0609020000020004" pitchFamily="49" charset="0"/>
+              </a:rPr>
+              <a:t>col</a:t>
+            </a:r>
+            <a:r>
+              <a:rPr lang="en-US" sz="1800" dirty="0">
+                <a:solidFill>
+                  <a:srgbClr val="000000"/>
+                </a:solidFill>
+                <a:latin typeface="Cascadia Mono" panose="020B0609020000020004" pitchFamily="49" charset="0"/>
+              </a:rPr>
+              <a:t>] + " ");</a:t>
+            </a:r>
+          </a:p>
+          <a:p>
+            <a:pPr marL="0" indent="0">
+              <a:buNone/>
+            </a:pPr>
+            <a:r>
+              <a:rPr lang="bg-BG" sz="1800" dirty="0">
+                <a:solidFill>
+                  <a:srgbClr val="000000"/>
+                </a:solidFill>
+                <a:latin typeface="Cascadia Mono" panose="020B0609020000020004" pitchFamily="49" charset="0"/>
+              </a:rPr>
+              <a:t>     }</a:t>
+            </a:r>
+          </a:p>
+          <a:p>
+            <a:endParaRPr lang="bg-BG" sz="1800" dirty="0">
+              <a:solidFill>
+                <a:srgbClr val="000000"/>
+              </a:solidFill>
+              <a:latin typeface="Cascadia Mono" panose="020B0609020000020004" pitchFamily="49" charset="0"/>
+            </a:endParaRPr>
+          </a:p>
+          <a:p>
+            <a:pPr marL="0" indent="0">
+              <a:buNone/>
+            </a:pPr>
+            <a:r>
+              <a:rPr lang="en-US" sz="1800" dirty="0">
+                <a:solidFill>
+                  <a:srgbClr val="000000"/>
+                </a:solidFill>
+                <a:latin typeface="Cascadia Mono" panose="020B0609020000020004" pitchFamily="49" charset="0"/>
+              </a:rPr>
+              <a:t>     </a:t>
+            </a:r>
+            <a:r>
+              <a:rPr lang="en-US" sz="1800" dirty="0" err="1">
+                <a:solidFill>
+                  <a:schemeClr val="accent3">
+                    <a:lumMod val="75000"/>
+                  </a:schemeClr>
+                </a:solidFill>
+                <a:latin typeface="Cascadia Mono" panose="020B0609020000020004" pitchFamily="49" charset="0"/>
+              </a:rPr>
+              <a:t>Console</a:t>
+            </a:r>
+            <a:r>
+              <a:rPr lang="en-US" sz="1800" dirty="0" err="1">
+                <a:solidFill>
+                  <a:srgbClr val="000000"/>
+                </a:solidFill>
+                <a:latin typeface="Cascadia Mono" panose="020B0609020000020004" pitchFamily="49" charset="0"/>
+              </a:rPr>
+              <a:t>.</a:t>
+            </a:r>
+            <a:r>
+              <a:rPr lang="en-US" sz="1800" dirty="0" err="1">
+                <a:solidFill>
+                  <a:srgbClr val="0070C0"/>
+                </a:solidFill>
+                <a:latin typeface="Cascadia Mono" panose="020B0609020000020004" pitchFamily="49" charset="0"/>
+              </a:rPr>
+              <a:t>WriteLine</a:t>
+            </a:r>
+            <a:r>
+              <a:rPr lang="en-US" sz="1800" dirty="0">
+                <a:solidFill>
+                  <a:srgbClr val="000000"/>
+                </a:solidFill>
+                <a:latin typeface="Cascadia Mono" panose="020B0609020000020004" pitchFamily="49" charset="0"/>
+              </a:rPr>
+              <a:t>();</a:t>
+            </a:r>
+          </a:p>
+          <a:p>
+            <a:pPr marL="0" indent="0">
+              <a:buNone/>
+            </a:pPr>
+            <a:r>
+              <a:rPr lang="bg-BG" sz="1800" dirty="0">
+                <a:solidFill>
+                  <a:srgbClr val="000000"/>
+                </a:solidFill>
+                <a:latin typeface="Cascadia Mono" panose="020B0609020000020004" pitchFamily="49" charset="0"/>
+              </a:rPr>
+              <a:t> }</a:t>
+            </a:r>
+            <a:endParaRPr lang="bg-BG" dirty="0"/>
+          </a:p>
+        </p:txBody>
+      </p:sp>
+    </p:spTree>
+    <p:extLst>
+      <p:ext uri="{BB962C8B-B14F-4D97-AF65-F5344CB8AC3E}">
+        <p14:creationId xmlns:p14="http://schemas.microsoft.com/office/powerpoint/2010/main" val="3301068194"/>
       </p:ext>
     </p:extLst>
   </p:cSld>

--- a/C# Advanced.pptx
+++ b/C# Advanced.pptx
@@ -5,7 +5,7 @@
     <p:sldMasterId id="2147484098" r:id="rId1"/>
   </p:sldMasterIdLst>
   <p:notesMasterIdLst>
-    <p:notesMasterId r:id="rId26"/>
+    <p:notesMasterId r:id="rId28"/>
   </p:notesMasterIdLst>
   <p:sldIdLst>
     <p:sldId id="268" r:id="rId2"/>
@@ -32,6 +32,8 @@
     <p:sldId id="278" r:id="rId23"/>
     <p:sldId id="279" r:id="rId24"/>
     <p:sldId id="280" r:id="rId25"/>
+    <p:sldId id="281" r:id="rId26"/>
+    <p:sldId id="282" r:id="rId27"/>
   </p:sldIdLst>
   <p:sldSz cx="12192000" cy="6858000"/>
   <p:notesSz cx="6858000" cy="9144000"/>
@@ -220,7 +222,7 @@
           <a:p>
             <a:fld id="{3CFF4BCD-A327-491B-9BBE-6CF8AEB95D7F}" type="datetimeFigureOut">
               <a:rPr lang="bg-BG" smtClean="0"/>
-              <a:t>14.6.2024 г.</a:t>
+              <a:t>19.6.2024 г.</a:t>
             </a:fld>
             <a:endParaRPr lang="bg-BG"/>
           </a:p>
@@ -1218,7 +1220,7 @@
           <a:p>
             <a:fld id="{A795E479-C003-4F68-8D57-D7139EEC14A6}" type="datetimeFigureOut">
               <a:rPr lang="bg-BG" smtClean="0"/>
-              <a:t>14.6.2024 г.</a:t>
+              <a:t>19.6.2024 г.</a:t>
             </a:fld>
             <a:endParaRPr lang="bg-BG"/>
           </a:p>
@@ -2338,7 +2340,7 @@
           <a:p>
             <a:fld id="{A795E479-C003-4F68-8D57-D7139EEC14A6}" type="datetimeFigureOut">
               <a:rPr lang="bg-BG" smtClean="0"/>
-              <a:t>14.6.2024 г.</a:t>
+              <a:t>19.6.2024 г.</a:t>
             </a:fld>
             <a:endParaRPr lang="bg-BG"/>
           </a:p>
@@ -3349,7 +3351,7 @@
           <a:p>
             <a:fld id="{A795E479-C003-4F68-8D57-D7139EEC14A6}" type="datetimeFigureOut">
               <a:rPr lang="bg-BG" smtClean="0"/>
-              <a:t>14.6.2024 г.</a:t>
+              <a:t>19.6.2024 г.</a:t>
             </a:fld>
             <a:endParaRPr lang="bg-BG"/>
           </a:p>
@@ -4519,7 +4521,7 @@
           <a:p>
             <a:fld id="{A795E479-C003-4F68-8D57-D7139EEC14A6}" type="datetimeFigureOut">
               <a:rPr lang="bg-BG" smtClean="0"/>
-              <a:t>14.6.2024 г.</a:t>
+              <a:t>19.6.2024 г.</a:t>
             </a:fld>
             <a:endParaRPr lang="bg-BG"/>
           </a:p>
@@ -5580,7 +5582,7 @@
           <a:p>
             <a:fld id="{A795E479-C003-4F68-8D57-D7139EEC14A6}" type="datetimeFigureOut">
               <a:rPr lang="bg-BG" smtClean="0"/>
-              <a:t>14.6.2024 г.</a:t>
+              <a:t>19.6.2024 г.</a:t>
             </a:fld>
             <a:endParaRPr lang="bg-BG"/>
           </a:p>
@@ -6226,7 +6228,7 @@
           <a:p>
             <a:fld id="{A795E479-C003-4F68-8D57-D7139EEC14A6}" type="datetimeFigureOut">
               <a:rPr lang="bg-BG" smtClean="0"/>
-              <a:t>14.6.2024 г.</a:t>
+              <a:t>19.6.2024 г.</a:t>
             </a:fld>
             <a:endParaRPr lang="bg-BG"/>
           </a:p>
@@ -7073,7 +7075,7 @@
           <a:p>
             <a:fld id="{A795E479-C003-4F68-8D57-D7139EEC14A6}" type="datetimeFigureOut">
               <a:rPr lang="bg-BG" smtClean="0"/>
-              <a:t>14.6.2024 г.</a:t>
+              <a:t>19.6.2024 г.</a:t>
             </a:fld>
             <a:endParaRPr lang="bg-BG"/>
           </a:p>
@@ -7248,7 +7250,7 @@
           <a:p>
             <a:fld id="{A795E479-C003-4F68-8D57-D7139EEC14A6}" type="datetimeFigureOut">
               <a:rPr lang="bg-BG" smtClean="0"/>
-              <a:t>14.6.2024 г.</a:t>
+              <a:t>19.6.2024 г.</a:t>
             </a:fld>
             <a:endParaRPr lang="bg-BG"/>
           </a:p>
@@ -8246,7 +8248,7 @@
           <a:p>
             <a:fld id="{A795E479-C003-4F68-8D57-D7139EEC14A6}" type="datetimeFigureOut">
               <a:rPr lang="bg-BG" smtClean="0"/>
-              <a:t>14.6.2024 г.</a:t>
+              <a:t>19.6.2024 г.</a:t>
             </a:fld>
             <a:endParaRPr lang="bg-BG"/>
           </a:p>
@@ -8452,7 +8454,7 @@
           <a:p>
             <a:fld id="{A795E479-C003-4F68-8D57-D7139EEC14A6}" type="datetimeFigureOut">
               <a:rPr lang="bg-BG" smtClean="0"/>
-              <a:t>14.6.2024 г.</a:t>
+              <a:t>19.6.2024 г.</a:t>
             </a:fld>
             <a:endParaRPr lang="bg-BG"/>
           </a:p>
@@ -9514,7 +9516,7 @@
           <a:p>
             <a:fld id="{A795E479-C003-4F68-8D57-D7139EEC14A6}" type="datetimeFigureOut">
               <a:rPr lang="bg-BG" smtClean="0"/>
-              <a:t>14.6.2024 г.</a:t>
+              <a:t>19.6.2024 г.</a:t>
             </a:fld>
             <a:endParaRPr lang="bg-BG"/>
           </a:p>
@@ -9786,7 +9788,7 @@
           <a:p>
             <a:fld id="{A795E479-C003-4F68-8D57-D7139EEC14A6}" type="datetimeFigureOut">
               <a:rPr lang="bg-BG" smtClean="0"/>
-              <a:t>14.6.2024 г.</a:t>
+              <a:t>19.6.2024 г.</a:t>
             </a:fld>
             <a:endParaRPr lang="bg-BG"/>
           </a:p>
@@ -10168,7 +10170,7 @@
           <a:p>
             <a:fld id="{A795E479-C003-4F68-8D57-D7139EEC14A6}" type="datetimeFigureOut">
               <a:rPr lang="bg-BG" smtClean="0"/>
-              <a:t>14.6.2024 г.</a:t>
+              <a:t>19.6.2024 г.</a:t>
             </a:fld>
             <a:endParaRPr lang="bg-BG"/>
           </a:p>
@@ -10286,7 +10288,7 @@
           <a:p>
             <a:fld id="{A795E479-C003-4F68-8D57-D7139EEC14A6}" type="datetimeFigureOut">
               <a:rPr lang="bg-BG" smtClean="0"/>
-              <a:t>14.6.2024 г.</a:t>
+              <a:t>19.6.2024 г.</a:t>
             </a:fld>
             <a:endParaRPr lang="bg-BG"/>
           </a:p>
@@ -10381,7 +10383,7 @@
           <a:p>
             <a:fld id="{A795E479-C003-4F68-8D57-D7139EEC14A6}" type="datetimeFigureOut">
               <a:rPr lang="bg-BG" smtClean="0"/>
-              <a:t>14.6.2024 г.</a:t>
+              <a:t>19.6.2024 г.</a:t>
             </a:fld>
             <a:endParaRPr lang="bg-BG"/>
           </a:p>
@@ -11490,7 +11492,7 @@
           <a:p>
             <a:fld id="{A795E479-C003-4F68-8D57-D7139EEC14A6}" type="datetimeFigureOut">
               <a:rPr lang="bg-BG" smtClean="0"/>
-              <a:t>14.6.2024 г.</a:t>
+              <a:t>19.6.2024 г.</a:t>
             </a:fld>
             <a:endParaRPr lang="bg-BG"/>
           </a:p>
@@ -12623,7 +12625,7 @@
           <a:p>
             <a:fld id="{A795E479-C003-4F68-8D57-D7139EEC14A6}" type="datetimeFigureOut">
               <a:rPr lang="bg-BG" smtClean="0"/>
-              <a:t>14.6.2024 г.</a:t>
+              <a:t>19.6.2024 г.</a:t>
             </a:fld>
             <a:endParaRPr lang="bg-BG"/>
           </a:p>
@@ -13651,7 +13653,7 @@
           <a:p>
             <a:fld id="{A795E479-C003-4F68-8D57-D7139EEC14A6}" type="datetimeFigureOut">
               <a:rPr lang="bg-BG" smtClean="0"/>
-              <a:t>14.6.2024 г.</a:t>
+              <a:t>19.6.2024 г.</a:t>
             </a:fld>
             <a:endParaRPr lang="bg-BG"/>
           </a:p>
@@ -20468,6 +20470,575 @@
     <p:extLst>
       <p:ext uri="{BB962C8B-B14F-4D97-AF65-F5344CB8AC3E}">
         <p14:creationId xmlns:p14="http://schemas.microsoft.com/office/powerpoint/2010/main" val="3301068194"/>
+      </p:ext>
+    </p:extLst>
+  </p:cSld>
+  <p:clrMapOvr>
+    <a:masterClrMapping/>
+  </p:clrMapOvr>
+</p:sld>
+</file>
+
+<file path=ppt/slides/slide25.xml><?xml version="1.0" encoding="utf-8"?>
+<p:sld xmlns:a="http://schemas.openxmlformats.org/drawingml/2006/main" xmlns:r="http://schemas.openxmlformats.org/officeDocument/2006/relationships" xmlns:p="http://schemas.openxmlformats.org/presentationml/2006/main">
+  <p:cSld>
+    <p:spTree>
+      <p:nvGrpSpPr>
+        <p:cNvPr id="1" name=""/>
+        <p:cNvGrpSpPr/>
+        <p:nvPr/>
+      </p:nvGrpSpPr>
+      <p:grpSpPr>
+        <a:xfrm>
+          <a:off x="0" y="0"/>
+          <a:ext cx="0" cy="0"/>
+          <a:chOff x="0" y="0"/>
+          <a:chExt cx="0" cy="0"/>
+        </a:xfrm>
+      </p:grpSpPr>
+      <p:sp>
+        <p:nvSpPr>
+          <p:cNvPr id="2" name="Title 1">
+            <a:extLst>
+              <a:ext uri="{FF2B5EF4-FFF2-40B4-BE49-F238E27FC236}">
+                <a16:creationId xmlns:a16="http://schemas.microsoft.com/office/drawing/2014/main" id="{71BF251F-C8B0-98EE-3C69-C6E6330F70C1}"/>
+              </a:ext>
+            </a:extLst>
+          </p:cNvPr>
+          <p:cNvSpPr>
+            <a:spLocks noGrp="1"/>
+          </p:cNvSpPr>
+          <p:nvPr>
+            <p:ph type="title"/>
+          </p:nvPr>
+        </p:nvSpPr>
+        <p:spPr/>
+        <p:txBody>
+          <a:bodyPr/>
+          <a:lstStyle/>
+          <a:p>
+            <a:pPr algn="ctr"/>
+            <a:r>
+              <a:rPr lang="en-US" dirty="0">
+                <a:latin typeface="Arial" panose="020B0604020202020204" pitchFamily="34" charset="0"/>
+                <a:cs typeface="Arial" panose="020B0604020202020204" pitchFamily="34" charset="0"/>
+              </a:rPr>
+              <a:t>C# HashSet</a:t>
+            </a:r>
+            <a:endParaRPr lang="bg-BG" dirty="0">
+              <a:latin typeface="Arial" panose="020B0604020202020204" pitchFamily="34" charset="0"/>
+              <a:cs typeface="Arial" panose="020B0604020202020204" pitchFamily="34" charset="0"/>
+            </a:endParaRPr>
+          </a:p>
+        </p:txBody>
+      </p:sp>
+      <p:sp>
+        <p:nvSpPr>
+          <p:cNvPr id="3" name="Content Placeholder 2">
+            <a:extLst>
+              <a:ext uri="{FF2B5EF4-FFF2-40B4-BE49-F238E27FC236}">
+                <a16:creationId xmlns:a16="http://schemas.microsoft.com/office/drawing/2014/main" id="{62386D74-FED0-AB73-C9D1-AE2B6233BC98}"/>
+              </a:ext>
+            </a:extLst>
+          </p:cNvPr>
+          <p:cNvSpPr>
+            <a:spLocks noGrp="1"/>
+          </p:cNvSpPr>
+          <p:nvPr>
+            <p:ph idx="1"/>
+          </p:nvPr>
+        </p:nvSpPr>
+        <p:spPr/>
+        <p:txBody>
+          <a:bodyPr/>
+          <a:lstStyle/>
+          <a:p>
+            <a:r>
+              <a:rPr lang="bg-BG" dirty="0">
+                <a:latin typeface="Arial" panose="020B0604020202020204" pitchFamily="34" charset="0"/>
+                <a:cs typeface="Arial" panose="020B0604020202020204" pitchFamily="34" charset="0"/>
+              </a:rPr>
+              <a:t>В </a:t>
+            </a:r>
+            <a:r>
+              <a:rPr lang="en-US" dirty="0">
+                <a:latin typeface="Arial" panose="020B0604020202020204" pitchFamily="34" charset="0"/>
+                <a:cs typeface="Arial" panose="020B0604020202020204" pitchFamily="34" charset="0"/>
+              </a:rPr>
+              <a:t>C# </a:t>
+            </a:r>
+            <a:r>
+              <a:rPr lang="en-US" b="1" dirty="0">
+                <a:latin typeface="Arial" panose="020B0604020202020204" pitchFamily="34" charset="0"/>
+                <a:cs typeface="Arial" panose="020B0604020202020204" pitchFamily="34" charset="0"/>
+              </a:rPr>
+              <a:t>HashSet</a:t>
+            </a:r>
+            <a:r>
+              <a:rPr lang="en-US" dirty="0">
+                <a:latin typeface="Arial" panose="020B0604020202020204" pitchFamily="34" charset="0"/>
+                <a:cs typeface="Arial" panose="020B0604020202020204" pitchFamily="34" charset="0"/>
+              </a:rPr>
+              <a:t> </a:t>
+            </a:r>
+            <a:r>
+              <a:rPr lang="bg-BG" dirty="0">
+                <a:latin typeface="Arial" panose="020B0604020202020204" pitchFamily="34" charset="0"/>
+                <a:cs typeface="Arial" panose="020B0604020202020204" pitchFamily="34" charset="0"/>
+              </a:rPr>
+              <a:t>е </a:t>
+            </a:r>
+            <a:r>
+              <a:rPr lang="bg-BG" b="1" dirty="0">
+                <a:latin typeface="Arial" panose="020B0604020202020204" pitchFamily="34" charset="0"/>
+                <a:cs typeface="Arial" panose="020B0604020202020204" pitchFamily="34" charset="0"/>
+              </a:rPr>
+              <a:t>неподредена</a:t>
+            </a:r>
+            <a:r>
+              <a:rPr lang="bg-BG" dirty="0">
+                <a:latin typeface="Arial" panose="020B0604020202020204" pitchFamily="34" charset="0"/>
+                <a:cs typeface="Arial" panose="020B0604020202020204" pitchFamily="34" charset="0"/>
+              </a:rPr>
+              <a:t> колекция от </a:t>
+            </a:r>
+            <a:r>
+              <a:rPr lang="bg-BG" b="1" dirty="0">
+                <a:latin typeface="Arial" panose="020B0604020202020204" pitchFamily="34" charset="0"/>
+                <a:cs typeface="Arial" panose="020B0604020202020204" pitchFamily="34" charset="0"/>
+              </a:rPr>
+              <a:t>уникални</a:t>
+            </a:r>
+            <a:r>
+              <a:rPr lang="bg-BG" dirty="0">
+                <a:latin typeface="Arial" panose="020B0604020202020204" pitchFamily="34" charset="0"/>
+                <a:cs typeface="Arial" panose="020B0604020202020204" pitchFamily="34" charset="0"/>
+              </a:rPr>
+              <a:t> елементи. Използва </a:t>
+            </a:r>
+            <a:r>
+              <a:rPr lang="en-US" b="1" dirty="0">
+                <a:latin typeface="Arial" panose="020B0604020202020204" pitchFamily="34" charset="0"/>
+                <a:cs typeface="Arial" panose="020B0604020202020204" pitchFamily="34" charset="0"/>
+              </a:rPr>
+              <a:t>hash</a:t>
+            </a:r>
+            <a:r>
+              <a:rPr lang="bg-BG" b="1" dirty="0">
+                <a:latin typeface="Arial" panose="020B0604020202020204" pitchFamily="34" charset="0"/>
+                <a:cs typeface="Arial" panose="020B0604020202020204" pitchFamily="34" charset="0"/>
+              </a:rPr>
+              <a:t> </a:t>
+            </a:r>
+            <a:r>
+              <a:rPr lang="en-US" b="1" dirty="0">
+                <a:latin typeface="Arial" panose="020B0604020202020204" pitchFamily="34" charset="0"/>
+                <a:cs typeface="Arial" panose="020B0604020202020204" pitchFamily="34" charset="0"/>
+              </a:rPr>
+              <a:t>table</a:t>
+            </a:r>
+            <a:r>
+              <a:rPr lang="en-US" dirty="0">
+                <a:latin typeface="Arial" panose="020B0604020202020204" pitchFamily="34" charset="0"/>
+                <a:cs typeface="Arial" panose="020B0604020202020204" pitchFamily="34" charset="0"/>
+              </a:rPr>
+              <a:t> </a:t>
+            </a:r>
+            <a:r>
+              <a:rPr lang="bg-BG" dirty="0">
+                <a:latin typeface="Arial" panose="020B0604020202020204" pitchFamily="34" charset="0"/>
+                <a:cs typeface="Arial" panose="020B0604020202020204" pitchFamily="34" charset="0"/>
+              </a:rPr>
+              <a:t>за </a:t>
+            </a:r>
+            <a:r>
+              <a:rPr lang="en-US" dirty="0">
+                <a:latin typeface="Arial" panose="020B0604020202020204" pitchFamily="34" charset="0"/>
+                <a:cs typeface="Arial" panose="020B0604020202020204" pitchFamily="34" charset="0"/>
+              </a:rPr>
+              <a:t>storage.</a:t>
+            </a:r>
+          </a:p>
+          <a:p>
+            <a:r>
+              <a:rPr lang="bg-BG" dirty="0">
+                <a:latin typeface="Arial" panose="020B0604020202020204" pitchFamily="34" charset="0"/>
+                <a:cs typeface="Arial" panose="020B0604020202020204" pitchFamily="34" charset="0"/>
+              </a:rPr>
+              <a:t>Използва се, когато искаме да съхраняваме </a:t>
+            </a:r>
+            <a:r>
+              <a:rPr lang="bg-BG" b="1" dirty="0">
+                <a:latin typeface="Arial" panose="020B0604020202020204" pitchFamily="34" charset="0"/>
+                <a:cs typeface="Arial" panose="020B0604020202020204" pitchFamily="34" charset="0"/>
+              </a:rPr>
+              <a:t>само</a:t>
+            </a:r>
+            <a:r>
+              <a:rPr lang="bg-BG" dirty="0">
+                <a:latin typeface="Arial" panose="020B0604020202020204" pitchFamily="34" charset="0"/>
+                <a:cs typeface="Arial" panose="020B0604020202020204" pitchFamily="34" charset="0"/>
+              </a:rPr>
+              <a:t> </a:t>
+            </a:r>
+            <a:r>
+              <a:rPr lang="bg-BG" b="1" dirty="0">
+                <a:latin typeface="Arial" panose="020B0604020202020204" pitchFamily="34" charset="0"/>
+                <a:cs typeface="Arial" panose="020B0604020202020204" pitchFamily="34" charset="0"/>
+              </a:rPr>
+              <a:t>уникални</a:t>
+            </a:r>
+            <a:r>
+              <a:rPr lang="bg-BG" dirty="0">
+                <a:latin typeface="Arial" panose="020B0604020202020204" pitchFamily="34" charset="0"/>
+                <a:cs typeface="Arial" panose="020B0604020202020204" pitchFamily="34" charset="0"/>
+              </a:rPr>
+              <a:t> елементи в нашата колекция.</a:t>
+            </a:r>
+          </a:p>
+          <a:p>
+            <a:r>
+              <a:rPr lang="bg-BG" dirty="0">
+                <a:latin typeface="Arial" panose="020B0604020202020204" pitchFamily="34" charset="0"/>
+                <a:cs typeface="Arial" panose="020B0604020202020204" pitchFamily="34" charset="0"/>
+              </a:rPr>
+              <a:t>Можем да кажем на </a:t>
+            </a:r>
+            <a:r>
+              <a:rPr lang="en-US" dirty="0">
+                <a:latin typeface="Arial" panose="020B0604020202020204" pitchFamily="34" charset="0"/>
+                <a:cs typeface="Arial" panose="020B0604020202020204" pitchFamily="34" charset="0"/>
+              </a:rPr>
+              <a:t>HashSet-</a:t>
+            </a:r>
+            <a:r>
+              <a:rPr lang="bg-BG" dirty="0">
+                <a:latin typeface="Arial" panose="020B0604020202020204" pitchFamily="34" charset="0"/>
+                <a:cs typeface="Arial" panose="020B0604020202020204" pitchFamily="34" charset="0"/>
+              </a:rPr>
+              <a:t>а да добави дублиращ се елемент и той </a:t>
+            </a:r>
+            <a:r>
+              <a:rPr lang="bg-BG" b="1" dirty="0">
+                <a:latin typeface="Arial" panose="020B0604020202020204" pitchFamily="34" charset="0"/>
+                <a:cs typeface="Arial" panose="020B0604020202020204" pitchFamily="34" charset="0"/>
+              </a:rPr>
+              <a:t>няма</a:t>
+            </a:r>
+            <a:r>
+              <a:rPr lang="bg-BG" dirty="0">
+                <a:latin typeface="Arial" panose="020B0604020202020204" pitchFamily="34" charset="0"/>
+                <a:cs typeface="Arial" panose="020B0604020202020204" pitchFamily="34" charset="0"/>
+              </a:rPr>
+              <a:t> </a:t>
+            </a:r>
+            <a:r>
+              <a:rPr lang="bg-BG" b="1" dirty="0">
+                <a:latin typeface="Arial" panose="020B0604020202020204" pitchFamily="34" charset="0"/>
+                <a:cs typeface="Arial" panose="020B0604020202020204" pitchFamily="34" charset="0"/>
+              </a:rPr>
+              <a:t>да хвърли </a:t>
+            </a:r>
+            <a:r>
+              <a:rPr lang="en-US" b="1" dirty="0">
+                <a:latin typeface="Arial" panose="020B0604020202020204" pitchFamily="34" charset="0"/>
+                <a:cs typeface="Arial" panose="020B0604020202020204" pitchFamily="34" charset="0"/>
+              </a:rPr>
+              <a:t>exception</a:t>
+            </a:r>
+            <a:r>
+              <a:rPr lang="bg-BG" dirty="0">
+                <a:latin typeface="Arial" panose="020B0604020202020204" pitchFamily="34" charset="0"/>
+                <a:cs typeface="Arial" panose="020B0604020202020204" pitchFamily="34" charset="0"/>
+              </a:rPr>
+              <a:t>, но няма и да добави елемента. </a:t>
+            </a:r>
+          </a:p>
+          <a:p>
+            <a:r>
+              <a:rPr lang="en-US" dirty="0">
+                <a:latin typeface="Arial" panose="020B0604020202020204" pitchFamily="34" charset="0"/>
+                <a:cs typeface="Arial" panose="020B0604020202020204" pitchFamily="34" charset="0"/>
+              </a:rPr>
+              <a:t>HashSet</a:t>
+            </a:r>
+            <a:r>
+              <a:rPr lang="bg-BG" dirty="0">
+                <a:latin typeface="Arial" panose="020B0604020202020204" pitchFamily="34" charset="0"/>
+                <a:cs typeface="Arial" panose="020B0604020202020204" pitchFamily="34" charset="0"/>
+              </a:rPr>
+              <a:t>-а има невероятен</a:t>
+            </a:r>
+            <a:r>
+              <a:rPr lang="en-US" dirty="0">
+                <a:latin typeface="Arial" panose="020B0604020202020204" pitchFamily="34" charset="0"/>
+                <a:cs typeface="Arial" panose="020B0604020202020204" pitchFamily="34" charset="0"/>
+              </a:rPr>
+              <a:t> </a:t>
+            </a:r>
+            <a:r>
+              <a:rPr lang="en-US" b="1" dirty="0">
+                <a:latin typeface="Arial" panose="020B0604020202020204" pitchFamily="34" charset="0"/>
+                <a:cs typeface="Arial" panose="020B0604020202020204" pitchFamily="34" charset="0"/>
+              </a:rPr>
+              <a:t>performance</a:t>
+            </a:r>
+            <a:r>
+              <a:rPr lang="en-US" dirty="0">
+                <a:latin typeface="Arial" panose="020B0604020202020204" pitchFamily="34" charset="0"/>
+                <a:cs typeface="Arial" panose="020B0604020202020204" pitchFamily="34" charset="0"/>
+              </a:rPr>
+              <a:t> </a:t>
+            </a:r>
+            <a:r>
+              <a:rPr lang="bg-BG" dirty="0">
+                <a:latin typeface="Arial" panose="020B0604020202020204" pitchFamily="34" charset="0"/>
+                <a:cs typeface="Arial" panose="020B0604020202020204" pitchFamily="34" charset="0"/>
+              </a:rPr>
+              <a:t>(бързодействие) в сравнение</a:t>
+            </a:r>
+            <a:r>
+              <a:rPr lang="en-US" dirty="0">
+                <a:latin typeface="Arial" panose="020B0604020202020204" pitchFamily="34" charset="0"/>
+                <a:cs typeface="Arial" panose="020B0604020202020204" pitchFamily="34" charset="0"/>
+              </a:rPr>
+              <a:t> </a:t>
+            </a:r>
+            <a:r>
+              <a:rPr lang="bg-BG" dirty="0">
+                <a:latin typeface="Arial" panose="020B0604020202020204" pitchFamily="34" charset="0"/>
+                <a:cs typeface="Arial" panose="020B0604020202020204" pitchFamily="34" charset="0"/>
+              </a:rPr>
+              <a:t>с други колекции.</a:t>
+            </a:r>
+          </a:p>
+        </p:txBody>
+      </p:sp>
+    </p:spTree>
+    <p:extLst>
+      <p:ext uri="{BB962C8B-B14F-4D97-AF65-F5344CB8AC3E}">
+        <p14:creationId xmlns:p14="http://schemas.microsoft.com/office/powerpoint/2010/main" val="1551532963"/>
+      </p:ext>
+    </p:extLst>
+  </p:cSld>
+  <p:clrMapOvr>
+    <a:masterClrMapping/>
+  </p:clrMapOvr>
+</p:sld>
+</file>
+
+<file path=ppt/slides/slide26.xml><?xml version="1.0" encoding="utf-8"?>
+<p:sld xmlns:a="http://schemas.openxmlformats.org/drawingml/2006/main" xmlns:r="http://schemas.openxmlformats.org/officeDocument/2006/relationships" xmlns:p="http://schemas.openxmlformats.org/presentationml/2006/main">
+  <p:cSld>
+    <p:spTree>
+      <p:nvGrpSpPr>
+        <p:cNvPr id="1" name=""/>
+        <p:cNvGrpSpPr/>
+        <p:nvPr/>
+      </p:nvGrpSpPr>
+      <p:grpSpPr>
+        <a:xfrm>
+          <a:off x="0" y="0"/>
+          <a:ext cx="0" cy="0"/>
+          <a:chOff x="0" y="0"/>
+          <a:chExt cx="0" cy="0"/>
+        </a:xfrm>
+      </p:grpSpPr>
+      <p:sp>
+        <p:nvSpPr>
+          <p:cNvPr id="2" name="Title 1">
+            <a:extLst>
+              <a:ext uri="{FF2B5EF4-FFF2-40B4-BE49-F238E27FC236}">
+                <a16:creationId xmlns:a16="http://schemas.microsoft.com/office/drawing/2014/main" id="{71BF251F-C8B0-98EE-3C69-C6E6330F70C1}"/>
+              </a:ext>
+            </a:extLst>
+          </p:cNvPr>
+          <p:cNvSpPr>
+            <a:spLocks noGrp="1"/>
+          </p:cNvSpPr>
+          <p:nvPr>
+            <p:ph type="title"/>
+          </p:nvPr>
+        </p:nvSpPr>
+        <p:spPr/>
+        <p:txBody>
+          <a:bodyPr/>
+          <a:lstStyle/>
+          <a:p>
+            <a:pPr algn="ctr"/>
+            <a:r>
+              <a:rPr lang="en-US" dirty="0">
+                <a:latin typeface="Arial" panose="020B0604020202020204" pitchFamily="34" charset="0"/>
+                <a:cs typeface="Arial" panose="020B0604020202020204" pitchFamily="34" charset="0"/>
+              </a:rPr>
+              <a:t>C# </a:t>
+            </a:r>
+            <a:r>
+              <a:rPr lang="en-US" dirty="0" err="1">
+                <a:latin typeface="Arial" panose="020B0604020202020204" pitchFamily="34" charset="0"/>
+                <a:cs typeface="Arial" panose="020B0604020202020204" pitchFamily="34" charset="0"/>
+              </a:rPr>
+              <a:t>SortedSet</a:t>
+            </a:r>
+            <a:endParaRPr lang="bg-BG" dirty="0">
+              <a:latin typeface="Arial" panose="020B0604020202020204" pitchFamily="34" charset="0"/>
+              <a:cs typeface="Arial" panose="020B0604020202020204" pitchFamily="34" charset="0"/>
+            </a:endParaRPr>
+          </a:p>
+        </p:txBody>
+      </p:sp>
+      <p:sp>
+        <p:nvSpPr>
+          <p:cNvPr id="3" name="Content Placeholder 2">
+            <a:extLst>
+              <a:ext uri="{FF2B5EF4-FFF2-40B4-BE49-F238E27FC236}">
+                <a16:creationId xmlns:a16="http://schemas.microsoft.com/office/drawing/2014/main" id="{62386D74-FED0-AB73-C9D1-AE2B6233BC98}"/>
+              </a:ext>
+            </a:extLst>
+          </p:cNvPr>
+          <p:cNvSpPr>
+            <a:spLocks noGrp="1"/>
+          </p:cNvSpPr>
+          <p:nvPr>
+            <p:ph idx="1"/>
+          </p:nvPr>
+        </p:nvSpPr>
+        <p:spPr/>
+        <p:txBody>
+          <a:bodyPr/>
+          <a:lstStyle/>
+          <a:p>
+            <a:r>
+              <a:rPr lang="bg-BG" dirty="0">
+                <a:latin typeface="Arial" panose="020B0604020202020204" pitchFamily="34" charset="0"/>
+                <a:cs typeface="Arial" panose="020B0604020202020204" pitchFamily="34" charset="0"/>
+              </a:rPr>
+              <a:t>В </a:t>
+            </a:r>
+            <a:r>
+              <a:rPr lang="en-US" dirty="0">
+                <a:latin typeface="Arial" panose="020B0604020202020204" pitchFamily="34" charset="0"/>
+                <a:cs typeface="Arial" panose="020B0604020202020204" pitchFamily="34" charset="0"/>
+              </a:rPr>
+              <a:t>C# </a:t>
+            </a:r>
+            <a:r>
+              <a:rPr lang="en-US" b="1" dirty="0" err="1">
+                <a:latin typeface="Arial" panose="020B0604020202020204" pitchFamily="34" charset="0"/>
+                <a:cs typeface="Arial" panose="020B0604020202020204" pitchFamily="34" charset="0"/>
+              </a:rPr>
+              <a:t>SortedSet</a:t>
+            </a:r>
+            <a:r>
+              <a:rPr lang="en-US" dirty="0">
+                <a:latin typeface="Arial" panose="020B0604020202020204" pitchFamily="34" charset="0"/>
+                <a:cs typeface="Arial" panose="020B0604020202020204" pitchFamily="34" charset="0"/>
+              </a:rPr>
+              <a:t> </a:t>
+            </a:r>
+            <a:r>
+              <a:rPr lang="bg-BG" dirty="0">
+                <a:latin typeface="Arial" panose="020B0604020202020204" pitchFamily="34" charset="0"/>
+                <a:cs typeface="Arial" panose="020B0604020202020204" pitchFamily="34" charset="0"/>
+              </a:rPr>
+              <a:t>е </a:t>
+            </a:r>
+            <a:r>
+              <a:rPr lang="bg-BG" b="1" dirty="0">
+                <a:latin typeface="Arial" panose="020B0604020202020204" pitchFamily="34" charset="0"/>
+                <a:cs typeface="Arial" panose="020B0604020202020204" pitchFamily="34" charset="0"/>
+              </a:rPr>
+              <a:t>подредена</a:t>
+            </a:r>
+            <a:r>
+              <a:rPr lang="bg-BG" dirty="0">
+                <a:latin typeface="Arial" panose="020B0604020202020204" pitchFamily="34" charset="0"/>
+                <a:cs typeface="Arial" panose="020B0604020202020204" pitchFamily="34" charset="0"/>
+              </a:rPr>
+              <a:t> колекция от </a:t>
+            </a:r>
+            <a:r>
+              <a:rPr lang="bg-BG" b="1" dirty="0">
+                <a:latin typeface="Arial" panose="020B0604020202020204" pitchFamily="34" charset="0"/>
+                <a:cs typeface="Arial" panose="020B0604020202020204" pitchFamily="34" charset="0"/>
+              </a:rPr>
+              <a:t>уникални</a:t>
+            </a:r>
+            <a:r>
+              <a:rPr lang="bg-BG" dirty="0">
+                <a:latin typeface="Arial" panose="020B0604020202020204" pitchFamily="34" charset="0"/>
+                <a:cs typeface="Arial" panose="020B0604020202020204" pitchFamily="34" charset="0"/>
+              </a:rPr>
+              <a:t> елементи. </a:t>
+            </a:r>
+            <a:endParaRPr lang="en-US" dirty="0">
+              <a:latin typeface="Arial" panose="020B0604020202020204" pitchFamily="34" charset="0"/>
+              <a:cs typeface="Arial" panose="020B0604020202020204" pitchFamily="34" charset="0"/>
+            </a:endParaRPr>
+          </a:p>
+          <a:p>
+            <a:r>
+              <a:rPr lang="bg-BG" dirty="0">
+                <a:latin typeface="Arial" panose="020B0604020202020204" pitchFamily="34" charset="0"/>
+                <a:cs typeface="Arial" panose="020B0604020202020204" pitchFamily="34" charset="0"/>
+              </a:rPr>
+              <a:t>Обикновено се използва, когато искаме да имаме уникални елементи в колекцията ни и те да са подредени.</a:t>
+            </a:r>
+            <a:endParaRPr lang="en-US" dirty="0">
+              <a:latin typeface="Arial" panose="020B0604020202020204" pitchFamily="34" charset="0"/>
+              <a:cs typeface="Arial" panose="020B0604020202020204" pitchFamily="34" charset="0"/>
+            </a:endParaRPr>
+          </a:p>
+          <a:p>
+            <a:r>
+              <a:rPr lang="bg-BG" dirty="0">
+                <a:latin typeface="Arial" panose="020B0604020202020204" pitchFamily="34" charset="0"/>
+                <a:cs typeface="Arial" panose="020B0604020202020204" pitchFamily="34" charset="0"/>
+              </a:rPr>
+              <a:t>За </a:t>
+            </a:r>
+            <a:r>
+              <a:rPr lang="en-US" b="1" dirty="0">
+                <a:latin typeface="Arial" panose="020B0604020202020204" pitchFamily="34" charset="0"/>
+                <a:cs typeface="Arial" panose="020B0604020202020204" pitchFamily="34" charset="0"/>
+              </a:rPr>
+              <a:t>storage</a:t>
+            </a:r>
+            <a:r>
+              <a:rPr lang="en-US" dirty="0">
+                <a:latin typeface="Arial" panose="020B0604020202020204" pitchFamily="34" charset="0"/>
+                <a:cs typeface="Arial" panose="020B0604020202020204" pitchFamily="34" charset="0"/>
+              </a:rPr>
+              <a:t> </a:t>
+            </a:r>
+            <a:r>
+              <a:rPr lang="bg-BG" dirty="0">
+                <a:latin typeface="Arial" panose="020B0604020202020204" pitchFamily="34" charset="0"/>
+                <a:cs typeface="Arial" panose="020B0604020202020204" pitchFamily="34" charset="0"/>
+              </a:rPr>
+              <a:t>използва </a:t>
+            </a:r>
+            <a:r>
+              <a:rPr lang="en-US" b="1" dirty="0">
+                <a:latin typeface="Arial" panose="020B0604020202020204" pitchFamily="34" charset="0"/>
+                <a:cs typeface="Arial" panose="020B0604020202020204" pitchFamily="34" charset="0"/>
+              </a:rPr>
+              <a:t>binary search tree</a:t>
+            </a:r>
+            <a:r>
+              <a:rPr lang="en-US" dirty="0">
+                <a:latin typeface="Arial" panose="020B0604020202020204" pitchFamily="34" charset="0"/>
+                <a:cs typeface="Arial" panose="020B0604020202020204" pitchFamily="34" charset="0"/>
+              </a:rPr>
+              <a:t>.</a:t>
+            </a:r>
+          </a:p>
+        </p:txBody>
+      </p:sp>
+    </p:spTree>
+    <p:extLst>
+      <p:ext uri="{BB962C8B-B14F-4D97-AF65-F5344CB8AC3E}">
+        <p14:creationId xmlns:p14="http://schemas.microsoft.com/office/powerpoint/2010/main" val="626564562"/>
       </p:ext>
     </p:extLst>
   </p:cSld>
